--- a/Dokumentation/Abschlusspraesentation/rschmid_bachelorthesis_abschlusspraesentation.pptx
+++ b/Dokumentation/Abschlusspraesentation/rschmid_bachelorthesis_abschlusspraesentation.pptx
@@ -5,10 +5,10 @@
     <p:sldMasterId id="2147484703" r:id="rId1"/>
   </p:sldMasterIdLst>
   <p:notesMasterIdLst>
-    <p:notesMasterId r:id="rId16"/>
+    <p:notesMasterId r:id="rId17"/>
   </p:notesMasterIdLst>
   <p:handoutMasterIdLst>
-    <p:handoutMasterId r:id="rId17"/>
+    <p:handoutMasterId r:id="rId18"/>
   </p:handoutMasterIdLst>
   <p:sldIdLst>
     <p:sldId id="256" r:id="rId2"/>
@@ -21,10 +21,11 @@
     <p:sldId id="266" r:id="rId9"/>
     <p:sldId id="269" r:id="rId10"/>
     <p:sldId id="267" r:id="rId11"/>
-    <p:sldId id="268" r:id="rId12"/>
-    <p:sldId id="270" r:id="rId13"/>
-    <p:sldId id="271" r:id="rId14"/>
-    <p:sldId id="272" r:id="rId15"/>
+    <p:sldId id="273" r:id="rId12"/>
+    <p:sldId id="268" r:id="rId13"/>
+    <p:sldId id="270" r:id="rId14"/>
+    <p:sldId id="271" r:id="rId15"/>
+    <p:sldId id="272" r:id="rId16"/>
   </p:sldIdLst>
   <p:sldSz cx="9144000" cy="6858000" type="screen4x3"/>
   <p:notesSz cx="6858000" cy="9144000"/>
@@ -125,7 +126,7 @@
   </p:defaultTextStyle>
   <p:extLst>
     <p:ext uri="{521415D9-36F7-43E2-AB2F-B90AF26B5E84}">
-      <p14:sectionLst xmlns="" xmlns:p14="http://schemas.microsoft.com/office/powerpoint/2010/main">
+      <p14:sectionLst xmlns:p14="http://schemas.microsoft.com/office/powerpoint/2010/main" xmlns="">
         <p14:section name="Standardabschnitt" id="{7B243079-01A6-9A43-9750-52463C0078DC}">
           <p14:sldIdLst>
             <p14:sldId id="256"/>
@@ -233,7 +234,7 @@
             <a:fld id="{48963EAB-4A99-D64B-BC3F-87BAAF8C12D9}" type="datetimeFigureOut">
               <a:rPr lang="en-US" smtClean="0"/>
               <a:pPr/>
-              <a:t>12/17/2011</a:t>
+              <a:t>12/18/2011</a:t>
             </a:fld>
             <a:endParaRPr lang="en-US"/>
           </a:p>
@@ -309,7 +310,7 @@
     </p:spTree>
     <p:extLst>
       <p:ext uri="{BB962C8B-B14F-4D97-AF65-F5344CB8AC3E}">
-        <p14:creationId xmlns="" xmlns:p14="http://schemas.microsoft.com/office/powerpoint/2010/main" val="1086538339"/>
+        <p14:creationId xmlns:p14="http://schemas.microsoft.com/office/powerpoint/2010/main" xmlns="" val="1086538339"/>
       </p:ext>
     </p:extLst>
   </p:cSld>
@@ -401,7 +402,7 @@
             <a:fld id="{B0C02851-8190-9D48-AFFD-96352E7B1DB3}" type="datetimeFigureOut">
               <a:rPr lang="en-US" smtClean="0"/>
               <a:pPr/>
-              <a:t>12/17/2011</a:t>
+              <a:t>12/18/2011</a:t>
             </a:fld>
             <a:endParaRPr lang="en-US"/>
           </a:p>
@@ -529,7 +530,7 @@
             </a:lvl1pPr>
           </a:lstStyle>
           <a:p>
-            <a:endParaRPr lang="en-US"/>
+            <a:endParaRPr lang="en-US" dirty="0"/>
           </a:p>
         </p:txBody>
       </p:sp>
@@ -572,7 +573,7 @@
     </p:spTree>
     <p:extLst>
       <p:ext uri="{BB962C8B-B14F-4D97-AF65-F5344CB8AC3E}">
-        <p14:creationId xmlns="" xmlns:p14="http://schemas.microsoft.com/office/powerpoint/2010/main" val="1800126041"/>
+        <p14:creationId xmlns:p14="http://schemas.microsoft.com/office/powerpoint/2010/main" xmlns="" val="1800126041"/>
       </p:ext>
     </p:extLst>
   </p:cSld>
@@ -855,7 +856,7 @@
             <a:fld id="{70BA1CFD-BFF0-48BC-9BA5-4974D7A6AB15}" type="datetimeFigureOut">
               <a:rPr lang="en-US" smtClean="0"/>
               <a:pPr/>
-              <a:t>12/17/2011</a:t>
+              <a:t>12/18/2011</a:t>
             </a:fld>
             <a:endParaRPr lang="en-US"/>
           </a:p>
@@ -876,7 +877,29 @@
           <a:bodyPr/>
           <a:lstStyle/>
           <a:p>
-            <a:endParaRPr lang="en-US"/>
+            <a:r>
+              <a:rPr lang="en-US" dirty="0" err="1" smtClean="0"/>
+              <a:t>Bachelorthesis</a:t>
+            </a:r>
+            <a:r>
+              <a:rPr lang="en-US" dirty="0" smtClean="0"/>
+              <a:t> </a:t>
+            </a:r>
+            <a:r>
+              <a:rPr lang="en-US" dirty="0" err="1" smtClean="0"/>
+              <a:t>Abschlusspräsentation</a:t>
+            </a:r>
+            <a:r>
+              <a:rPr lang="en-US" dirty="0" smtClean="0"/>
+              <a:t/>
+            </a:r>
+            <a:br>
+              <a:rPr lang="en-US" dirty="0" smtClean="0"/>
+            </a:br>
+            <a:r>
+              <a:rPr lang="en-US" dirty="0" smtClean="0"/>
+              <a:t> Raffael Schmid</a:t>
+            </a:r>
           </a:p>
         </p:txBody>
       </p:sp>
@@ -907,13 +930,20 @@
     </p:spTree>
     <p:extLst>
       <p:ext uri="{BB962C8B-B14F-4D97-AF65-F5344CB8AC3E}">
-        <p14:creationId xmlns="" xmlns:p14="http://schemas.microsoft.com/office/powerpoint/2010/main" val="3481939034"/>
+        <p14:creationId xmlns:p14="http://schemas.microsoft.com/office/powerpoint/2010/main" xmlns="" val="3481939034"/>
       </p:ext>
     </p:extLst>
   </p:cSld>
   <p:clrMapOvr>
     <a:masterClrMapping/>
   </p:clrMapOvr>
+  <p:timing>
+    <p:tnLst>
+      <p:par>
+        <p:cTn id="1" dur="indefinite" restart="never" nodeType="tmRoot"/>
+      </p:par>
+    </p:tnLst>
+  </p:timing>
   <p:hf sldNum="0" hdr="0" dt="0"/>
 </p:sldLayout>
 </file>
@@ -1028,7 +1058,7 @@
             <a:fld id="{4CAB20F4-3FC6-6845-A294-AABD6FF25740}" type="datetime1">
               <a:rPr lang="en-US" smtClean="0"/>
               <a:pPr/>
-              <a:t>12/17/2011</a:t>
+              <a:t>12/18/2011</a:t>
             </a:fld>
             <a:endParaRPr lang="en-US"/>
           </a:p>
@@ -1050,10 +1080,29 @@
           <a:lstStyle/>
           <a:p>
             <a:r>
-              <a:rPr lang="en-US" smtClean="0"/>
-              <a:t>Raffael Schmid</a:t>
-            </a:r>
-            <a:endParaRPr lang="en-US"/>
+              <a:rPr lang="en-US" dirty="0" err="1" smtClean="0"/>
+              <a:t>Bachelorthesis</a:t>
+            </a:r>
+            <a:r>
+              <a:rPr lang="en-US" dirty="0" smtClean="0"/>
+              <a:t> </a:t>
+            </a:r>
+            <a:r>
+              <a:rPr lang="en-US" dirty="0" err="1" smtClean="0"/>
+              <a:t>Abschlusspräsentation</a:t>
+            </a:r>
+            <a:r>
+              <a:rPr lang="en-US" dirty="0" smtClean="0"/>
+              <a:t/>
+            </a:r>
+            <a:br>
+              <a:rPr lang="en-US" dirty="0" smtClean="0"/>
+            </a:br>
+            <a:r>
+              <a:rPr lang="en-US" dirty="0" smtClean="0"/>
+              <a:t> Raffael Schmid</a:t>
+            </a:r>
+            <a:endParaRPr lang="en-US" dirty="0" smtClean="0"/>
           </a:p>
         </p:txBody>
       </p:sp>
@@ -1084,13 +1133,20 @@
     </p:spTree>
     <p:extLst>
       <p:ext uri="{BB962C8B-B14F-4D97-AF65-F5344CB8AC3E}">
-        <p14:creationId xmlns="" xmlns:p14="http://schemas.microsoft.com/office/powerpoint/2010/main" val="586863889"/>
+        <p14:creationId xmlns:p14="http://schemas.microsoft.com/office/powerpoint/2010/main" xmlns="" val="586863889"/>
       </p:ext>
     </p:extLst>
   </p:cSld>
   <p:clrMapOvr>
     <a:masterClrMapping/>
   </p:clrMapOvr>
+  <p:timing>
+    <p:tnLst>
+      <p:par>
+        <p:cTn id="1" dur="indefinite" restart="never" nodeType="tmRoot"/>
+      </p:par>
+    </p:tnLst>
+  </p:timing>
   <p:hf sldNum="0" hdr="0" dt="0"/>
 </p:sldLayout>
 </file>
@@ -1215,7 +1271,7 @@
             <a:fld id="{4CAB20F4-3FC6-6845-A294-AABD6FF25740}" type="datetime1">
               <a:rPr lang="en-US" smtClean="0"/>
               <a:pPr/>
-              <a:t>12/17/2011</a:t>
+              <a:t>12/18/2011</a:t>
             </a:fld>
             <a:endParaRPr lang="en-US"/>
           </a:p>
@@ -1237,10 +1293,29 @@
           <a:lstStyle/>
           <a:p>
             <a:r>
-              <a:rPr lang="en-US" smtClean="0"/>
-              <a:t>Raffael Schmid</a:t>
-            </a:r>
-            <a:endParaRPr lang="en-US"/>
+              <a:rPr lang="en-US" dirty="0" err="1" smtClean="0"/>
+              <a:t>Bachelorthesis</a:t>
+            </a:r>
+            <a:r>
+              <a:rPr lang="en-US" dirty="0" smtClean="0"/>
+              <a:t> </a:t>
+            </a:r>
+            <a:r>
+              <a:rPr lang="en-US" dirty="0" err="1" smtClean="0"/>
+              <a:t>Abschlusspräsentation</a:t>
+            </a:r>
+            <a:r>
+              <a:rPr lang="en-US" dirty="0" smtClean="0"/>
+              <a:t/>
+            </a:r>
+            <a:br>
+              <a:rPr lang="en-US" dirty="0" smtClean="0"/>
+            </a:br>
+            <a:r>
+              <a:rPr lang="en-US" dirty="0" smtClean="0"/>
+              <a:t> Raffael Schmid</a:t>
+            </a:r>
+            <a:endParaRPr lang="en-US" dirty="0" smtClean="0"/>
           </a:p>
         </p:txBody>
       </p:sp>
@@ -1271,13 +1346,20 @@
     </p:spTree>
     <p:extLst>
       <p:ext uri="{BB962C8B-B14F-4D97-AF65-F5344CB8AC3E}">
-        <p14:creationId xmlns="" xmlns:p14="http://schemas.microsoft.com/office/powerpoint/2010/main" val="3481408629"/>
+        <p14:creationId xmlns:p14="http://schemas.microsoft.com/office/powerpoint/2010/main" xmlns="" val="3481408629"/>
       </p:ext>
     </p:extLst>
   </p:cSld>
   <p:clrMapOvr>
     <a:masterClrMapping/>
   </p:clrMapOvr>
+  <p:timing>
+    <p:tnLst>
+      <p:par>
+        <p:cTn id="1" dur="indefinite" restart="never" nodeType="tmRoot"/>
+      </p:par>
+    </p:tnLst>
+  </p:timing>
   <p:hf sldNum="0" hdr="0" dt="0"/>
 </p:sldLayout>
 </file>
@@ -1392,7 +1474,7 @@
             <a:fld id="{4CAB20F4-3FC6-6845-A294-AABD6FF25740}" type="datetime1">
               <a:rPr lang="en-US" smtClean="0"/>
               <a:pPr/>
-              <a:t>12/17/2011</a:t>
+              <a:t>12/18/2011</a:t>
             </a:fld>
             <a:endParaRPr lang="en-US"/>
           </a:p>
@@ -1414,10 +1496,29 @@
           <a:lstStyle/>
           <a:p>
             <a:r>
-              <a:rPr lang="en-US" smtClean="0"/>
-              <a:t>Raffael Schmid</a:t>
-            </a:r>
-            <a:endParaRPr lang="en-US"/>
+              <a:rPr lang="en-US" dirty="0" err="1" smtClean="0"/>
+              <a:t>Bachelorthesis</a:t>
+            </a:r>
+            <a:r>
+              <a:rPr lang="en-US" dirty="0" smtClean="0"/>
+              <a:t> </a:t>
+            </a:r>
+            <a:r>
+              <a:rPr lang="en-US" dirty="0" err="1" smtClean="0"/>
+              <a:t>Abschlusspräsentation</a:t>
+            </a:r>
+            <a:r>
+              <a:rPr lang="en-US" dirty="0" smtClean="0"/>
+              <a:t/>
+            </a:r>
+            <a:br>
+              <a:rPr lang="en-US" dirty="0" smtClean="0"/>
+            </a:br>
+            <a:r>
+              <a:rPr lang="en-US" dirty="0" smtClean="0"/>
+              <a:t> Raffael Schmid</a:t>
+            </a:r>
+            <a:endParaRPr lang="en-US" dirty="0" smtClean="0"/>
           </a:p>
         </p:txBody>
       </p:sp>
@@ -1448,13 +1549,20 @@
     </p:spTree>
     <p:extLst>
       <p:ext uri="{BB962C8B-B14F-4D97-AF65-F5344CB8AC3E}">
-        <p14:creationId xmlns="" xmlns:p14="http://schemas.microsoft.com/office/powerpoint/2010/main" val="1347152024"/>
+        <p14:creationId xmlns:p14="http://schemas.microsoft.com/office/powerpoint/2010/main" xmlns="" val="1347152024"/>
       </p:ext>
     </p:extLst>
   </p:cSld>
   <p:clrMapOvr>
     <a:masterClrMapping/>
   </p:clrMapOvr>
+  <p:timing>
+    <p:tnLst>
+      <p:par>
+        <p:cTn id="1" dur="indefinite" restart="never" nodeType="tmRoot"/>
+      </p:par>
+    </p:tnLst>
+  </p:timing>
   <p:hf sldNum="0" hdr="0" dt="0"/>
 </p:sldLayout>
 </file>
@@ -1645,7 +1753,7 @@
             <a:fld id="{70BA1CFD-BFF0-48BC-9BA5-4974D7A6AB15}" type="datetimeFigureOut">
               <a:rPr lang="en-US" smtClean="0"/>
               <a:pPr/>
-              <a:t>12/17/2011</a:t>
+              <a:t>12/18/2011</a:t>
             </a:fld>
             <a:endParaRPr lang="en-US"/>
           </a:p>
@@ -1666,7 +1774,29 @@
           <a:bodyPr/>
           <a:lstStyle/>
           <a:p>
-            <a:endParaRPr lang="en-US"/>
+            <a:r>
+              <a:rPr lang="en-US" dirty="0" err="1" smtClean="0"/>
+              <a:t>Bachelorthesis</a:t>
+            </a:r>
+            <a:r>
+              <a:rPr lang="en-US" dirty="0" smtClean="0"/>
+              <a:t> </a:t>
+            </a:r>
+            <a:r>
+              <a:rPr lang="en-US" dirty="0" err="1" smtClean="0"/>
+              <a:t>Abschlusspräsentation</a:t>
+            </a:r>
+            <a:r>
+              <a:rPr lang="en-US" dirty="0" smtClean="0"/>
+              <a:t/>
+            </a:r>
+            <a:br>
+              <a:rPr lang="en-US" dirty="0" smtClean="0"/>
+            </a:br>
+            <a:r>
+              <a:rPr lang="en-US" dirty="0" smtClean="0"/>
+              <a:t> Raffael Schmid</a:t>
+            </a:r>
           </a:p>
         </p:txBody>
       </p:sp>
@@ -1697,13 +1827,20 @@
     </p:spTree>
     <p:extLst>
       <p:ext uri="{BB962C8B-B14F-4D97-AF65-F5344CB8AC3E}">
-        <p14:creationId xmlns="" xmlns:p14="http://schemas.microsoft.com/office/powerpoint/2010/main" val="4062453395"/>
+        <p14:creationId xmlns:p14="http://schemas.microsoft.com/office/powerpoint/2010/main" xmlns="" val="4062453395"/>
       </p:ext>
     </p:extLst>
   </p:cSld>
   <p:clrMapOvr>
     <a:masterClrMapping/>
   </p:clrMapOvr>
+  <p:timing>
+    <p:tnLst>
+      <p:par>
+        <p:cTn id="1" dur="indefinite" restart="never" nodeType="tmRoot"/>
+      </p:par>
+    </p:tnLst>
+  </p:timing>
   <p:hf sldNum="0" hdr="0" dt="0"/>
 </p:sldLayout>
 </file>
@@ -1936,7 +2073,7 @@
             <a:fld id="{4CAB20F4-3FC6-6845-A294-AABD6FF25740}" type="datetime1">
               <a:rPr lang="en-US" smtClean="0"/>
               <a:pPr/>
-              <a:t>12/17/2011</a:t>
+              <a:t>12/18/2011</a:t>
             </a:fld>
             <a:endParaRPr lang="en-US"/>
           </a:p>
@@ -1958,10 +2095,29 @@
           <a:lstStyle/>
           <a:p>
             <a:r>
-              <a:rPr lang="en-US" smtClean="0"/>
-              <a:t>Raffael Schmid</a:t>
-            </a:r>
-            <a:endParaRPr lang="en-US"/>
+              <a:rPr lang="en-US" dirty="0" err="1" smtClean="0"/>
+              <a:t>Bachelorthesis</a:t>
+            </a:r>
+            <a:r>
+              <a:rPr lang="en-US" dirty="0" smtClean="0"/>
+              <a:t> </a:t>
+            </a:r>
+            <a:r>
+              <a:rPr lang="en-US" dirty="0" err="1" smtClean="0"/>
+              <a:t>Abschlusspräsentation</a:t>
+            </a:r>
+            <a:r>
+              <a:rPr lang="en-US" dirty="0" smtClean="0"/>
+              <a:t/>
+            </a:r>
+            <a:br>
+              <a:rPr lang="en-US" dirty="0" smtClean="0"/>
+            </a:br>
+            <a:r>
+              <a:rPr lang="en-US" dirty="0" smtClean="0"/>
+              <a:t> Raffael Schmid</a:t>
+            </a:r>
+            <a:endParaRPr lang="en-US" dirty="0" smtClean="0"/>
           </a:p>
         </p:txBody>
       </p:sp>
@@ -1992,13 +2148,20 @@
     </p:spTree>
     <p:extLst>
       <p:ext uri="{BB962C8B-B14F-4D97-AF65-F5344CB8AC3E}">
-        <p14:creationId xmlns="" xmlns:p14="http://schemas.microsoft.com/office/powerpoint/2010/main" val="3785861044"/>
+        <p14:creationId xmlns:p14="http://schemas.microsoft.com/office/powerpoint/2010/main" xmlns="" val="3785861044"/>
       </p:ext>
     </p:extLst>
   </p:cSld>
   <p:clrMapOvr>
     <a:masterClrMapping/>
   </p:clrMapOvr>
+  <p:timing>
+    <p:tnLst>
+      <p:par>
+        <p:cTn id="1" dur="indefinite" restart="never" nodeType="tmRoot"/>
+      </p:par>
+    </p:tnLst>
+  </p:timing>
   <p:hf sldNum="0" hdr="0" dt="0"/>
 </p:sldLayout>
 </file>
@@ -2365,7 +2528,7 @@
             <a:fld id="{4CAB20F4-3FC6-6845-A294-AABD6FF25740}" type="datetime1">
               <a:rPr lang="en-US" smtClean="0"/>
               <a:pPr/>
-              <a:t>12/17/2011</a:t>
+              <a:t>12/18/2011</a:t>
             </a:fld>
             <a:endParaRPr lang="en-US"/>
           </a:p>
@@ -2387,10 +2550,29 @@
           <a:lstStyle/>
           <a:p>
             <a:r>
-              <a:rPr lang="en-US" smtClean="0"/>
-              <a:t>Raffael Schmid</a:t>
-            </a:r>
-            <a:endParaRPr lang="en-US"/>
+              <a:rPr lang="en-US" dirty="0" err="1" smtClean="0"/>
+              <a:t>Bachelorthesis</a:t>
+            </a:r>
+            <a:r>
+              <a:rPr lang="en-US" dirty="0" smtClean="0"/>
+              <a:t> </a:t>
+            </a:r>
+            <a:r>
+              <a:rPr lang="en-US" dirty="0" err="1" smtClean="0"/>
+              <a:t>Abschlusspräsentation</a:t>
+            </a:r>
+            <a:r>
+              <a:rPr lang="en-US" dirty="0" smtClean="0"/>
+              <a:t/>
+            </a:r>
+            <a:br>
+              <a:rPr lang="en-US" dirty="0" smtClean="0"/>
+            </a:br>
+            <a:r>
+              <a:rPr lang="en-US" dirty="0" smtClean="0"/>
+              <a:t> Raffael Schmid</a:t>
+            </a:r>
+            <a:endParaRPr lang="en-US" dirty="0" smtClean="0"/>
           </a:p>
         </p:txBody>
       </p:sp>
@@ -2421,13 +2603,20 @@
     </p:spTree>
     <p:extLst>
       <p:ext uri="{BB962C8B-B14F-4D97-AF65-F5344CB8AC3E}">
-        <p14:creationId xmlns="" xmlns:p14="http://schemas.microsoft.com/office/powerpoint/2010/main" val="462349177"/>
+        <p14:creationId xmlns:p14="http://schemas.microsoft.com/office/powerpoint/2010/main" xmlns="" val="462349177"/>
       </p:ext>
     </p:extLst>
   </p:cSld>
   <p:clrMapOvr>
     <a:masterClrMapping/>
   </p:clrMapOvr>
+  <p:timing>
+    <p:tnLst>
+      <p:par>
+        <p:cTn id="1" dur="indefinite" restart="never" nodeType="tmRoot"/>
+      </p:par>
+    </p:tnLst>
+  </p:timing>
   <p:hf sldNum="0" hdr="0" dt="0"/>
 </p:sldLayout>
 </file>
@@ -2490,7 +2679,7 @@
             <a:fld id="{4CAB20F4-3FC6-6845-A294-AABD6FF25740}" type="datetime1">
               <a:rPr lang="en-US" smtClean="0"/>
               <a:pPr/>
-              <a:t>12/17/2011</a:t>
+              <a:t>12/18/2011</a:t>
             </a:fld>
             <a:endParaRPr lang="en-US"/>
           </a:p>
@@ -2512,10 +2701,29 @@
           <a:lstStyle/>
           <a:p>
             <a:r>
-              <a:rPr lang="en-US" smtClean="0"/>
-              <a:t>Raffael Schmid</a:t>
-            </a:r>
-            <a:endParaRPr lang="en-US"/>
+              <a:rPr lang="en-US" dirty="0" err="1" smtClean="0"/>
+              <a:t>Bachelorthesis</a:t>
+            </a:r>
+            <a:r>
+              <a:rPr lang="en-US" dirty="0" smtClean="0"/>
+              <a:t> </a:t>
+            </a:r>
+            <a:r>
+              <a:rPr lang="en-US" dirty="0" err="1" smtClean="0"/>
+              <a:t>Abschlusspräsentation</a:t>
+            </a:r>
+            <a:r>
+              <a:rPr lang="en-US" dirty="0" smtClean="0"/>
+              <a:t/>
+            </a:r>
+            <a:br>
+              <a:rPr lang="en-US" dirty="0" smtClean="0"/>
+            </a:br>
+            <a:r>
+              <a:rPr lang="en-US" dirty="0" smtClean="0"/>
+              <a:t> Raffael Schmid</a:t>
+            </a:r>
+            <a:endParaRPr lang="en-US" dirty="0" smtClean="0"/>
           </a:p>
         </p:txBody>
       </p:sp>
@@ -2546,13 +2754,20 @@
     </p:spTree>
     <p:extLst>
       <p:ext uri="{BB962C8B-B14F-4D97-AF65-F5344CB8AC3E}">
-        <p14:creationId xmlns="" xmlns:p14="http://schemas.microsoft.com/office/powerpoint/2010/main" val="1564851609"/>
+        <p14:creationId xmlns:p14="http://schemas.microsoft.com/office/powerpoint/2010/main" xmlns="" val="1564851609"/>
       </p:ext>
     </p:extLst>
   </p:cSld>
   <p:clrMapOvr>
     <a:masterClrMapping/>
   </p:clrMapOvr>
+  <p:timing>
+    <p:tnLst>
+      <p:par>
+        <p:cTn id="1" dur="indefinite" restart="never" nodeType="tmRoot"/>
+      </p:par>
+    </p:tnLst>
+  </p:timing>
   <p:hf sldNum="0" hdr="0" dt="0"/>
 </p:sldLayout>
 </file>
@@ -2592,7 +2807,7 @@
             <a:fld id="{4CAB20F4-3FC6-6845-A294-AABD6FF25740}" type="datetime1">
               <a:rPr lang="en-US" smtClean="0"/>
               <a:pPr/>
-              <a:t>12/17/2011</a:t>
+              <a:t>12/18/2011</a:t>
             </a:fld>
             <a:endParaRPr lang="en-US"/>
           </a:p>
@@ -2614,10 +2829,29 @@
           <a:lstStyle/>
           <a:p>
             <a:r>
-              <a:rPr lang="en-US" smtClean="0"/>
-              <a:t>Raffael Schmid</a:t>
-            </a:r>
-            <a:endParaRPr lang="en-US"/>
+              <a:rPr lang="en-US" dirty="0" err="1" smtClean="0"/>
+              <a:t>Bachelorthesis</a:t>
+            </a:r>
+            <a:r>
+              <a:rPr lang="en-US" dirty="0" smtClean="0"/>
+              <a:t> </a:t>
+            </a:r>
+            <a:r>
+              <a:rPr lang="en-US" dirty="0" err="1" smtClean="0"/>
+              <a:t>Abschlusspräsentation</a:t>
+            </a:r>
+            <a:r>
+              <a:rPr lang="en-US" dirty="0" smtClean="0"/>
+              <a:t/>
+            </a:r>
+            <a:br>
+              <a:rPr lang="en-US" dirty="0" smtClean="0"/>
+            </a:br>
+            <a:r>
+              <a:rPr lang="en-US" dirty="0" smtClean="0"/>
+              <a:t> Raffael Schmid</a:t>
+            </a:r>
+            <a:endParaRPr lang="en-US" dirty="0" smtClean="0"/>
           </a:p>
         </p:txBody>
       </p:sp>
@@ -2648,13 +2882,20 @@
     </p:spTree>
     <p:extLst>
       <p:ext uri="{BB962C8B-B14F-4D97-AF65-F5344CB8AC3E}">
-        <p14:creationId xmlns="" xmlns:p14="http://schemas.microsoft.com/office/powerpoint/2010/main" val="63479136"/>
+        <p14:creationId xmlns:p14="http://schemas.microsoft.com/office/powerpoint/2010/main" xmlns="" val="63479136"/>
       </p:ext>
     </p:extLst>
   </p:cSld>
   <p:clrMapOvr>
     <a:masterClrMapping/>
   </p:clrMapOvr>
+  <p:timing>
+    <p:tnLst>
+      <p:par>
+        <p:cTn id="1" dur="indefinite" restart="never" nodeType="tmRoot"/>
+      </p:par>
+    </p:tnLst>
+  </p:timing>
   <p:hf sldNum="0" hdr="0" dt="0"/>
 </p:sldLayout>
 </file>
@@ -2876,7 +3117,7 @@
             <a:fld id="{4CAB20F4-3FC6-6845-A294-AABD6FF25740}" type="datetime1">
               <a:rPr lang="en-US" smtClean="0"/>
               <a:pPr/>
-              <a:t>12/17/2011</a:t>
+              <a:t>12/18/2011</a:t>
             </a:fld>
             <a:endParaRPr lang="en-US"/>
           </a:p>
@@ -2898,10 +3139,29 @@
           <a:lstStyle/>
           <a:p>
             <a:r>
-              <a:rPr lang="en-US" smtClean="0"/>
-              <a:t>Raffael Schmid</a:t>
-            </a:r>
-            <a:endParaRPr lang="en-US"/>
+              <a:rPr lang="en-US" dirty="0" err="1" smtClean="0"/>
+              <a:t>Bachelorthesis</a:t>
+            </a:r>
+            <a:r>
+              <a:rPr lang="en-US" dirty="0" smtClean="0"/>
+              <a:t> </a:t>
+            </a:r>
+            <a:r>
+              <a:rPr lang="en-US" dirty="0" err="1" smtClean="0"/>
+              <a:t>Abschlusspräsentation</a:t>
+            </a:r>
+            <a:r>
+              <a:rPr lang="en-US" dirty="0" smtClean="0"/>
+              <a:t/>
+            </a:r>
+            <a:br>
+              <a:rPr lang="en-US" dirty="0" smtClean="0"/>
+            </a:br>
+            <a:r>
+              <a:rPr lang="en-US" dirty="0" smtClean="0"/>
+              <a:t> Raffael Schmid</a:t>
+            </a:r>
+            <a:endParaRPr lang="en-US" dirty="0" smtClean="0"/>
           </a:p>
         </p:txBody>
       </p:sp>
@@ -2932,13 +3192,20 @@
     </p:spTree>
     <p:extLst>
       <p:ext uri="{BB962C8B-B14F-4D97-AF65-F5344CB8AC3E}">
-        <p14:creationId xmlns="" xmlns:p14="http://schemas.microsoft.com/office/powerpoint/2010/main" val="2551175190"/>
+        <p14:creationId xmlns:p14="http://schemas.microsoft.com/office/powerpoint/2010/main" xmlns="" val="2551175190"/>
       </p:ext>
     </p:extLst>
   </p:cSld>
   <p:clrMapOvr>
     <a:masterClrMapping/>
   </p:clrMapOvr>
+  <p:timing>
+    <p:tnLst>
+      <p:par>
+        <p:cTn id="1" dur="indefinite" restart="never" nodeType="tmRoot"/>
+      </p:par>
+    </p:tnLst>
+  </p:timing>
   <p:hf sldNum="0" hdr="0" dt="0"/>
 </p:sldLayout>
 </file>
@@ -3136,7 +3403,7 @@
             <a:fld id="{4CAB20F4-3FC6-6845-A294-AABD6FF25740}" type="datetime1">
               <a:rPr lang="en-US" smtClean="0"/>
               <a:pPr/>
-              <a:t>12/17/2011</a:t>
+              <a:t>12/18/2011</a:t>
             </a:fld>
             <a:endParaRPr lang="en-US"/>
           </a:p>
@@ -3158,10 +3425,29 @@
           <a:lstStyle/>
           <a:p>
             <a:r>
-              <a:rPr lang="en-US" smtClean="0"/>
-              <a:t>Raffael Schmid</a:t>
-            </a:r>
-            <a:endParaRPr lang="en-US"/>
+              <a:rPr lang="en-US" dirty="0" err="1" smtClean="0"/>
+              <a:t>Bachelorthesis</a:t>
+            </a:r>
+            <a:r>
+              <a:rPr lang="en-US" dirty="0" smtClean="0"/>
+              <a:t> </a:t>
+            </a:r>
+            <a:r>
+              <a:rPr lang="en-US" dirty="0" err="1" smtClean="0"/>
+              <a:t>Abschlusspräsentation</a:t>
+            </a:r>
+            <a:r>
+              <a:rPr lang="en-US" dirty="0" smtClean="0"/>
+              <a:t/>
+            </a:r>
+            <a:br>
+              <a:rPr lang="en-US" dirty="0" smtClean="0"/>
+            </a:br>
+            <a:r>
+              <a:rPr lang="en-US" dirty="0" smtClean="0"/>
+              <a:t> Raffael Schmid</a:t>
+            </a:r>
+            <a:endParaRPr lang="en-US" dirty="0" smtClean="0"/>
           </a:p>
         </p:txBody>
       </p:sp>
@@ -3192,13 +3478,20 @@
     </p:spTree>
     <p:extLst>
       <p:ext uri="{BB962C8B-B14F-4D97-AF65-F5344CB8AC3E}">
-        <p14:creationId xmlns="" xmlns:p14="http://schemas.microsoft.com/office/powerpoint/2010/main" val="2177690418"/>
+        <p14:creationId xmlns:p14="http://schemas.microsoft.com/office/powerpoint/2010/main" xmlns="" val="2177690418"/>
       </p:ext>
     </p:extLst>
   </p:cSld>
   <p:clrMapOvr>
     <a:masterClrMapping/>
   </p:clrMapOvr>
+  <p:timing>
+    <p:tnLst>
+      <p:par>
+        <p:cTn id="1" dur="indefinite" restart="never" nodeType="tmRoot"/>
+      </p:par>
+    </p:tnLst>
+  </p:timing>
   <p:hf sldNum="0" hdr="0" dt="0"/>
 </p:sldLayout>
 </file>
@@ -3356,7 +3649,7 @@
             <a:fld id="{4CAB20F4-3FC6-6845-A294-AABD6FF25740}" type="datetime1">
               <a:rPr lang="en-US" smtClean="0"/>
               <a:pPr/>
-              <a:t>12/17/2011</a:t>
+              <a:t>12/18/2011</a:t>
             </a:fld>
             <a:endParaRPr lang="en-US"/>
           </a:p>
@@ -3396,10 +3689,29 @@
           </a:lstStyle>
           <a:p>
             <a:r>
-              <a:rPr lang="en-US" smtClean="0"/>
-              <a:t>Raffael Schmid</a:t>
-            </a:r>
-            <a:endParaRPr lang="en-US"/>
+              <a:rPr lang="en-US" dirty="0" err="1" smtClean="0"/>
+              <a:t>Bachelorthesis</a:t>
+            </a:r>
+            <a:r>
+              <a:rPr lang="en-US" dirty="0" smtClean="0"/>
+              <a:t> </a:t>
+            </a:r>
+            <a:r>
+              <a:rPr lang="en-US" dirty="0" err="1" smtClean="0"/>
+              <a:t>Abschlusspräsentation</a:t>
+            </a:r>
+            <a:r>
+              <a:rPr lang="en-US" dirty="0" smtClean="0"/>
+              <a:t/>
+            </a:r>
+            <a:br>
+              <a:rPr lang="en-US" dirty="0" smtClean="0"/>
+            </a:br>
+            <a:r>
+              <a:rPr lang="en-US" dirty="0" smtClean="0"/>
+              <a:t> Raffael Schmid</a:t>
+            </a:r>
+            <a:endParaRPr lang="en-US" dirty="0" smtClean="0"/>
           </a:p>
         </p:txBody>
       </p:sp>
@@ -3448,7 +3760,7 @@
     </p:spTree>
     <p:extLst>
       <p:ext uri="{BB962C8B-B14F-4D97-AF65-F5344CB8AC3E}">
-        <p14:creationId xmlns="" xmlns:p14="http://schemas.microsoft.com/office/powerpoint/2010/main" val="1050626384"/>
+        <p14:creationId xmlns:p14="http://schemas.microsoft.com/office/powerpoint/2010/main" xmlns="" val="1050626384"/>
       </p:ext>
     </p:extLst>
   </p:cSld>
@@ -3466,6 +3778,13 @@
     <p:sldLayoutId id="2147484713" r:id="rId10"/>
     <p:sldLayoutId id="2147484714" r:id="rId11"/>
   </p:sldLayoutIdLst>
+  <p:timing>
+    <p:tnLst>
+      <p:par>
+        <p:cTn id="1" dur="indefinite" restart="never" nodeType="tmRoot"/>
+      </p:par>
+    </p:tnLst>
+  </p:timing>
   <p:hf sldNum="0" hdr="0" dt="0"/>
   <p:txStyles>
     <p:titleStyle>
@@ -3848,7 +4167,7 @@
     <a:masterClrMapping/>
   </p:clrMapOvr>
   <mc:AlternateContent xmlns:mc="http://schemas.openxmlformats.org/markup-compatibility/2006">
-    <mc:Choice xmlns="" xmlns:p14="http://schemas.microsoft.com/office/powerpoint/2010/main" Requires="p14">
+    <mc:Choice xmlns:p14="http://schemas.microsoft.com/office/powerpoint/2010/main" xmlns="" Requires="p14">
       <p:transition spd="slow" p14:dur="2000"/>
     </mc:Choice>
     <mc:Fallback>
@@ -3908,43 +4227,8 @@
             </a:br>
             <a:r>
               <a:rPr lang="de-CH" dirty="0" smtClean="0"/>
-              <a:t>(Ablauf </a:t>
-            </a:r>
-            <a:r>
-              <a:rPr lang="de-CH" dirty="0" err="1" smtClean="0"/>
-              <a:t>Garbage</a:t>
-            </a:r>
-            <a:r>
-              <a:rPr lang="de-CH" dirty="0" smtClean="0"/>
-              <a:t> </a:t>
-            </a:r>
-            <a:r>
-              <a:rPr lang="de-CH" dirty="0" err="1" smtClean="0"/>
-              <a:t>Collection</a:t>
-            </a:r>
-            <a:r>
-              <a:rPr lang="de-CH" dirty="0" smtClean="0"/>
-              <a:t> Analyse)</a:t>
-            </a:r>
-            <a:endParaRPr lang="en-US" dirty="0"/>
-          </a:p>
-        </p:txBody>
-      </p:sp>
-      <p:sp>
-        <p:nvSpPr>
-          <p:cNvPr id="3" name="Content Placeholder 2"/>
-          <p:cNvSpPr>
-            <a:spLocks noGrp="1"/>
-          </p:cNvSpPr>
-          <p:nvPr>
-            <p:ph idx="1"/>
-          </p:nvPr>
-        </p:nvSpPr>
-        <p:spPr/>
-        <p:txBody>
-          <a:bodyPr/>
-          <a:lstStyle/>
-          <a:p>
+              <a:t>(Architektur)</a:t>
+            </a:r>
             <a:endParaRPr lang="en-US" dirty="0"/>
           </a:p>
         </p:txBody>
@@ -3965,10 +4249,160 @@
           <a:lstStyle/>
           <a:p>
             <a:r>
-              <a:rPr lang="en-US" smtClean="0"/>
-              <a:t>Raffael Schmid</a:t>
-            </a:r>
-            <a:endParaRPr lang="en-US"/>
+              <a:rPr lang="en-US" dirty="0" err="1" smtClean="0"/>
+              <a:t>Bachelorthesis</a:t>
+            </a:r>
+            <a:r>
+              <a:rPr lang="en-US" dirty="0" smtClean="0"/>
+              <a:t> </a:t>
+            </a:r>
+            <a:r>
+              <a:rPr lang="en-US" dirty="0" err="1" smtClean="0"/>
+              <a:t>Abschlusspräsentation</a:t>
+            </a:r>
+            <a:r>
+              <a:rPr lang="en-US" dirty="0" smtClean="0"/>
+              <a:t/>
+            </a:r>
+            <a:br>
+              <a:rPr lang="en-US" dirty="0" smtClean="0"/>
+            </a:br>
+            <a:r>
+              <a:rPr lang="en-US" dirty="0" smtClean="0"/>
+              <a:t> Raffael Schmid</a:t>
+            </a:r>
+          </a:p>
+        </p:txBody>
+      </p:sp>
+      <p:pic>
+        <p:nvPicPr>
+          <p:cNvPr id="2050" name="Picture 2"/>
+          <p:cNvPicPr>
+            <a:picLocks noChangeAspect="1" noChangeArrowheads="1"/>
+          </p:cNvPicPr>
+          <p:nvPr/>
+        </p:nvPicPr>
+        <p:blipFill>
+          <a:blip r:embed="rId2"/>
+          <a:srcRect/>
+          <a:stretch>
+            <a:fillRect/>
+          </a:stretch>
+        </p:blipFill>
+        <p:spPr bwMode="auto">
+          <a:xfrm>
+            <a:off x="457200" y="1700213"/>
+            <a:ext cx="6557963" cy="4640430"/>
+          </a:xfrm>
+          <a:prstGeom prst="rect">
+            <a:avLst/>
+          </a:prstGeom>
+          <a:noFill/>
+          <a:ln w="9525">
+            <a:noFill/>
+            <a:miter lim="800000"/>
+            <a:headEnd/>
+            <a:tailEnd/>
+          </a:ln>
+          <a:effectLst/>
+        </p:spPr>
+      </p:pic>
+      <p:cxnSp>
+        <p:nvCxnSpPr>
+          <p:cNvPr id="7" name="Straight Connector 6"/>
+          <p:cNvCxnSpPr/>
+          <p:nvPr/>
+        </p:nvCxnSpPr>
+        <p:spPr>
+          <a:xfrm>
+            <a:off x="609600" y="3390900"/>
+            <a:ext cx="8242300" cy="0"/>
+          </a:xfrm>
+          <a:prstGeom prst="line">
+            <a:avLst/>
+          </a:prstGeom>
+          <a:ln>
+            <a:solidFill>
+              <a:schemeClr val="tx1"/>
+            </a:solidFill>
+          </a:ln>
+        </p:spPr>
+        <p:style>
+          <a:lnRef idx="2">
+            <a:schemeClr val="accent1"/>
+          </a:lnRef>
+          <a:fillRef idx="0">
+            <a:schemeClr val="accent1"/>
+          </a:fillRef>
+          <a:effectRef idx="1">
+            <a:schemeClr val="accent1"/>
+          </a:effectRef>
+          <a:fontRef idx="minor">
+            <a:schemeClr val="tx1"/>
+          </a:fontRef>
+        </p:style>
+      </p:cxnSp>
+      <p:sp>
+        <p:nvSpPr>
+          <p:cNvPr id="8" name="TextBox 7"/>
+          <p:cNvSpPr txBox="1"/>
+          <p:nvPr/>
+        </p:nvSpPr>
+        <p:spPr>
+          <a:xfrm>
+            <a:off x="7015163" y="4521200"/>
+            <a:ext cx="2128837" cy="400110"/>
+          </a:xfrm>
+          <a:prstGeom prst="rect">
+            <a:avLst/>
+          </a:prstGeom>
+          <a:noFill/>
+        </p:spPr>
+        <p:txBody>
+          <a:bodyPr wrap="square" rtlCol="0">
+            <a:spAutoFit/>
+          </a:bodyPr>
+          <a:lstStyle/>
+          <a:p>
+            <a:r>
+              <a:rPr lang="de-CH" sz="2000" b="1" dirty="0" smtClean="0"/>
+              <a:t>Basissoftware</a:t>
+            </a:r>
+            <a:endParaRPr lang="en-US" sz="2000" b="1" dirty="0"/>
+          </a:p>
+        </p:txBody>
+      </p:sp>
+      <p:sp>
+        <p:nvSpPr>
+          <p:cNvPr id="9" name="TextBox 8"/>
+          <p:cNvSpPr txBox="1"/>
+          <p:nvPr/>
+        </p:nvSpPr>
+        <p:spPr>
+          <a:xfrm>
+            <a:off x="7015163" y="1936690"/>
+            <a:ext cx="2128837" cy="707886"/>
+          </a:xfrm>
+          <a:prstGeom prst="rect">
+            <a:avLst/>
+          </a:prstGeom>
+          <a:noFill/>
+        </p:spPr>
+        <p:txBody>
+          <a:bodyPr wrap="square" rtlCol="0">
+            <a:spAutoFit/>
+          </a:bodyPr>
+          <a:lstStyle/>
+          <a:p>
+            <a:r>
+              <a:rPr lang="de-CH" sz="2000" b="1" dirty="0" err="1" smtClean="0"/>
+              <a:t>JRockit</a:t>
+            </a:r>
+            <a:r>
+              <a:rPr lang="de-CH" sz="2000" b="1" dirty="0" smtClean="0"/>
+              <a:t> Erweiterung</a:t>
+            </a:r>
+            <a:endParaRPr lang="en-US" sz="2000" b="1" dirty="0"/>
           </a:p>
         </p:txBody>
       </p:sp>
@@ -4030,27 +4464,24 @@
             </a:br>
             <a:r>
               <a:rPr lang="de-CH" dirty="0" smtClean="0"/>
-              <a:t>(Parser)</a:t>
-            </a:r>
-            <a:endParaRPr lang="en-US" dirty="0"/>
-          </a:p>
-        </p:txBody>
-      </p:sp>
-      <p:sp>
-        <p:nvSpPr>
-          <p:cNvPr id="3" name="Content Placeholder 2"/>
-          <p:cNvSpPr>
-            <a:spLocks noGrp="1"/>
-          </p:cNvSpPr>
-          <p:nvPr>
-            <p:ph idx="1"/>
-          </p:nvPr>
-        </p:nvSpPr>
-        <p:spPr/>
-        <p:txBody>
-          <a:bodyPr/>
-          <a:lstStyle/>
-          <a:p>
+              <a:t>(Ablauf </a:t>
+            </a:r>
+            <a:r>
+              <a:rPr lang="de-CH" dirty="0" err="1" smtClean="0"/>
+              <a:t>Garbage</a:t>
+            </a:r>
+            <a:r>
+              <a:rPr lang="de-CH" dirty="0" smtClean="0"/>
+              <a:t> </a:t>
+            </a:r>
+            <a:r>
+              <a:rPr lang="de-CH" dirty="0" err="1" smtClean="0"/>
+              <a:t>Collection</a:t>
+            </a:r>
+            <a:r>
+              <a:rPr lang="de-CH" dirty="0" smtClean="0"/>
+              <a:t> Analyse)</a:t>
+            </a:r>
             <a:endParaRPr lang="en-US" dirty="0"/>
           </a:p>
         </p:txBody>
@@ -4071,10 +4502,28 @@
           <a:lstStyle/>
           <a:p>
             <a:r>
-              <a:rPr lang="en-US" smtClean="0"/>
-              <a:t>Raffael Schmid</a:t>
-            </a:r>
-            <a:endParaRPr lang="en-US"/>
+              <a:rPr lang="en-US" dirty="0" err="1" smtClean="0"/>
+              <a:t>Bachelorthesis</a:t>
+            </a:r>
+            <a:r>
+              <a:rPr lang="en-US" dirty="0" smtClean="0"/>
+              <a:t> </a:t>
+            </a:r>
+            <a:r>
+              <a:rPr lang="en-US" dirty="0" err="1" smtClean="0"/>
+              <a:t>Abschlusspräsentation</a:t>
+            </a:r>
+            <a:r>
+              <a:rPr lang="en-US" dirty="0" smtClean="0"/>
+              <a:t/>
+            </a:r>
+            <a:br>
+              <a:rPr lang="en-US" dirty="0" smtClean="0"/>
+            </a:br>
+            <a:r>
+              <a:rPr lang="en-US" dirty="0" smtClean="0"/>
+              <a:t> Raffael Schmid</a:t>
+            </a:r>
           </a:p>
         </p:txBody>
       </p:sp>
@@ -4136,7 +4585,7 @@
             </a:br>
             <a:r>
               <a:rPr lang="de-CH" dirty="0" smtClean="0"/>
-              <a:t>(Anzeige)</a:t>
+              <a:t>(Parser)</a:t>
             </a:r>
             <a:endParaRPr lang="en-US" dirty="0"/>
           </a:p>
@@ -4177,10 +4626,28 @@
           <a:lstStyle/>
           <a:p>
             <a:r>
-              <a:rPr lang="en-US" smtClean="0"/>
-              <a:t>Raffael Schmid</a:t>
-            </a:r>
-            <a:endParaRPr lang="en-US"/>
+              <a:rPr lang="en-US" dirty="0" err="1" smtClean="0"/>
+              <a:t>Bachelorthesis</a:t>
+            </a:r>
+            <a:r>
+              <a:rPr lang="en-US" dirty="0" smtClean="0"/>
+              <a:t> </a:t>
+            </a:r>
+            <a:r>
+              <a:rPr lang="en-US" dirty="0" err="1" smtClean="0"/>
+              <a:t>Abschlusspräsentation</a:t>
+            </a:r>
+            <a:r>
+              <a:rPr lang="en-US" dirty="0" smtClean="0"/>
+              <a:t/>
+            </a:r>
+            <a:br>
+              <a:rPr lang="en-US" dirty="0" smtClean="0"/>
+            </a:br>
+            <a:r>
+              <a:rPr lang="en-US" dirty="0" smtClean="0"/>
+              <a:t> Raffael Schmid</a:t>
+            </a:r>
           </a:p>
         </p:txBody>
       </p:sp>
@@ -4229,13 +4696,20 @@
         <p:spPr/>
         <p:txBody>
           <a:bodyPr>
-            <a:normAutofit/>
+            <a:normAutofit fontScale="90000"/>
           </a:bodyPr>
           <a:lstStyle/>
           <a:p>
             <a:r>
-              <a:rPr lang="de-CH" dirty="0" err="1" smtClean="0"/>
-              <a:t>Review</a:t>
+              <a:rPr lang="de-CH" dirty="0" smtClean="0"/>
+              <a:t>Konzept</a:t>
+            </a:r>
+            <a:br>
+              <a:rPr lang="de-CH" dirty="0" smtClean="0"/>
+            </a:br>
+            <a:r>
+              <a:rPr lang="de-CH" dirty="0" smtClean="0"/>
+              <a:t>(Anzeige)</a:t>
             </a:r>
             <a:endParaRPr lang="en-US" dirty="0"/>
           </a:p>
@@ -4276,10 +4750,28 @@
           <a:lstStyle/>
           <a:p>
             <a:r>
-              <a:rPr lang="en-US" smtClean="0"/>
-              <a:t>Raffael Schmid</a:t>
-            </a:r>
-            <a:endParaRPr lang="en-US"/>
+              <a:rPr lang="en-US" dirty="0" err="1" smtClean="0"/>
+              <a:t>Bachelorthesis</a:t>
+            </a:r>
+            <a:r>
+              <a:rPr lang="en-US" dirty="0" smtClean="0"/>
+              <a:t> </a:t>
+            </a:r>
+            <a:r>
+              <a:rPr lang="en-US" dirty="0" err="1" smtClean="0"/>
+              <a:t>Abschlusspräsentation</a:t>
+            </a:r>
+            <a:r>
+              <a:rPr lang="en-US" dirty="0" smtClean="0"/>
+              <a:t/>
+            </a:r>
+            <a:br>
+              <a:rPr lang="en-US" dirty="0" smtClean="0"/>
+            </a:br>
+            <a:r>
+              <a:rPr lang="en-US" dirty="0" smtClean="0"/>
+              <a:t> Raffael Schmid</a:t>
+            </a:r>
           </a:p>
         </p:txBody>
       </p:sp>
@@ -4333,8 +4825,8 @@
           <a:lstStyle/>
           <a:p>
             <a:r>
-              <a:rPr lang="de-CH" dirty="0" smtClean="0"/>
-              <a:t>Fazit</a:t>
+              <a:rPr lang="de-CH" dirty="0" err="1" smtClean="0"/>
+              <a:t>Review</a:t>
             </a:r>
             <a:endParaRPr lang="en-US" dirty="0"/>
           </a:p>
@@ -4375,10 +4867,145 @@
           <a:lstStyle/>
           <a:p>
             <a:r>
-              <a:rPr lang="en-US" smtClean="0"/>
-              <a:t>Raffael Schmid</a:t>
-            </a:r>
-            <a:endParaRPr lang="en-US"/>
+              <a:rPr lang="en-US" dirty="0" err="1" smtClean="0"/>
+              <a:t>Bachelorthesis</a:t>
+            </a:r>
+            <a:r>
+              <a:rPr lang="en-US" dirty="0" smtClean="0"/>
+              <a:t> </a:t>
+            </a:r>
+            <a:r>
+              <a:rPr lang="en-US" dirty="0" err="1" smtClean="0"/>
+              <a:t>Abschlusspräsentation</a:t>
+            </a:r>
+            <a:r>
+              <a:rPr lang="en-US" dirty="0" smtClean="0"/>
+              <a:t/>
+            </a:r>
+            <a:br>
+              <a:rPr lang="en-US" dirty="0" smtClean="0"/>
+            </a:br>
+            <a:r>
+              <a:rPr lang="en-US" dirty="0" smtClean="0"/>
+              <a:t> Raffael Schmid</a:t>
+            </a:r>
+          </a:p>
+        </p:txBody>
+      </p:sp>
+    </p:spTree>
+  </p:cSld>
+  <p:clrMapOvr>
+    <a:masterClrMapping/>
+  </p:clrMapOvr>
+  <p:timing>
+    <p:tnLst>
+      <p:par>
+        <p:cTn id="1" dur="indefinite" restart="never" nodeType="tmRoot"/>
+      </p:par>
+    </p:tnLst>
+  </p:timing>
+</p:sld>
+</file>
+
+<file path=ppt/slides/slide15.xml><?xml version="1.0" encoding="utf-8"?>
+<p:sld xmlns:a="http://schemas.openxmlformats.org/drawingml/2006/main" xmlns:r="http://schemas.openxmlformats.org/officeDocument/2006/relationships" xmlns:p="http://schemas.openxmlformats.org/presentationml/2006/main">
+  <p:cSld>
+    <p:spTree>
+      <p:nvGrpSpPr>
+        <p:cNvPr id="1" name=""/>
+        <p:cNvGrpSpPr/>
+        <p:nvPr/>
+      </p:nvGrpSpPr>
+      <p:grpSpPr>
+        <a:xfrm>
+          <a:off x="0" y="0"/>
+          <a:ext cx="0" cy="0"/>
+          <a:chOff x="0" y="0"/>
+          <a:chExt cx="0" cy="0"/>
+        </a:xfrm>
+      </p:grpSpPr>
+      <p:sp>
+        <p:nvSpPr>
+          <p:cNvPr id="2" name="Title 1"/>
+          <p:cNvSpPr>
+            <a:spLocks noGrp="1"/>
+          </p:cNvSpPr>
+          <p:nvPr>
+            <p:ph type="title"/>
+          </p:nvPr>
+        </p:nvSpPr>
+        <p:spPr/>
+        <p:txBody>
+          <a:bodyPr>
+            <a:normAutofit/>
+          </a:bodyPr>
+          <a:lstStyle/>
+          <a:p>
+            <a:r>
+              <a:rPr lang="de-CH" dirty="0" smtClean="0"/>
+              <a:t>Fazit</a:t>
+            </a:r>
+            <a:endParaRPr lang="en-US" dirty="0"/>
+          </a:p>
+        </p:txBody>
+      </p:sp>
+      <p:sp>
+        <p:nvSpPr>
+          <p:cNvPr id="3" name="Content Placeholder 2"/>
+          <p:cNvSpPr>
+            <a:spLocks noGrp="1"/>
+          </p:cNvSpPr>
+          <p:nvPr>
+            <p:ph idx="1"/>
+          </p:nvPr>
+        </p:nvSpPr>
+        <p:spPr/>
+        <p:txBody>
+          <a:bodyPr/>
+          <a:lstStyle/>
+          <a:p>
+            <a:endParaRPr lang="en-US" dirty="0"/>
+          </a:p>
+        </p:txBody>
+      </p:sp>
+      <p:sp>
+        <p:nvSpPr>
+          <p:cNvPr id="4" name="Footer Placeholder 3"/>
+          <p:cNvSpPr>
+            <a:spLocks noGrp="1"/>
+          </p:cNvSpPr>
+          <p:nvPr>
+            <p:ph type="ftr" sz="quarter" idx="11"/>
+          </p:nvPr>
+        </p:nvSpPr>
+        <p:spPr/>
+        <p:txBody>
+          <a:bodyPr/>
+          <a:lstStyle/>
+          <a:p>
+            <a:r>
+              <a:rPr lang="en-US" dirty="0" err="1" smtClean="0"/>
+              <a:t>Bachelorthesis</a:t>
+            </a:r>
+            <a:r>
+              <a:rPr lang="en-US" dirty="0" smtClean="0"/>
+              <a:t> </a:t>
+            </a:r>
+            <a:r>
+              <a:rPr lang="en-US" dirty="0" err="1" smtClean="0"/>
+              <a:t>Abschlusspräsentation</a:t>
+            </a:r>
+            <a:r>
+              <a:rPr lang="en-US" dirty="0" smtClean="0"/>
+              <a:t/>
+            </a:r>
+            <a:br>
+              <a:rPr lang="en-US" dirty="0" smtClean="0"/>
+            </a:br>
+            <a:r>
+              <a:rPr lang="en-US" dirty="0" smtClean="0"/>
+              <a:t> Raffael Schmid</a:t>
+            </a:r>
           </a:p>
         </p:txBody>
       </p:sp>
@@ -4400,6 +5027,11 @@
 <file path=ppt/slides/slide2.xml><?xml version="1.0" encoding="utf-8"?>
 <p:sld xmlns:a="http://schemas.openxmlformats.org/drawingml/2006/main" xmlns:r="http://schemas.openxmlformats.org/officeDocument/2006/relationships" xmlns:p="http://schemas.openxmlformats.org/presentationml/2006/main">
   <p:cSld>
+    <p:bg>
+      <p:bgRef idx="1001">
+        <a:schemeClr val="bg1"/>
+      </p:bgRef>
+    </p:bg>
     <p:spTree>
       <p:nvGrpSpPr>
         <p:cNvPr id="1" name=""/>
@@ -4473,8 +5105,13 @@
             </a:br>
             <a:r>
               <a:rPr lang="en-US" dirty="0" smtClean="0"/>
-              <a:t> Raffael Schmid</a:t>
-            </a:r>
+              <a:t> Raffael </a:t>
+            </a:r>
+            <a:r>
+              <a:rPr lang="en-US" dirty="0" smtClean="0"/>
+              <a:t>Schmid</a:t>
+            </a:r>
+            <a:endParaRPr lang="en-US" dirty="0" smtClean="0"/>
           </a:p>
         </p:txBody>
       </p:sp>
@@ -4725,7 +5362,7 @@
     </p:spTree>
   </p:cSld>
   <p:clrMapOvr>
-    <a:masterClrMapping/>
+    <a:overrideClrMapping bg1="lt1" tx1="dk1" bg2="lt2" tx2="dk2" accent1="accent1" accent2="accent2" accent3="accent3" accent4="accent4" accent5="accent5" accent6="accent6" hlink="hlink" folHlink="folHlink"/>
   </p:clrMapOvr>
   <p:timing>
     <p:tnLst>
@@ -5048,10 +5685,28 @@
           <a:lstStyle/>
           <a:p>
             <a:r>
-              <a:rPr lang="en-US" smtClean="0"/>
-              <a:t>Raffael Schmid</a:t>
-            </a:r>
-            <a:endParaRPr lang="en-US"/>
+              <a:rPr lang="en-US" dirty="0" err="1" smtClean="0"/>
+              <a:t>Bachelorthesis</a:t>
+            </a:r>
+            <a:r>
+              <a:rPr lang="en-US" dirty="0" smtClean="0"/>
+              <a:t> </a:t>
+            </a:r>
+            <a:r>
+              <a:rPr lang="en-US" dirty="0" err="1" smtClean="0"/>
+              <a:t>Abschlusspräsentation</a:t>
+            </a:r>
+            <a:r>
+              <a:rPr lang="en-US" dirty="0" smtClean="0"/>
+              <a:t/>
+            </a:r>
+            <a:br>
+              <a:rPr lang="en-US" dirty="0" smtClean="0"/>
+            </a:br>
+            <a:r>
+              <a:rPr lang="en-US" dirty="0" smtClean="0"/>
+              <a:t> Raffael Schmid</a:t>
+            </a:r>
           </a:p>
         </p:txBody>
       </p:sp>
@@ -5857,7 +6512,7 @@
         </p:nvSpPr>
         <p:spPr>
           <a:xfrm>
-            <a:off x="3124200" y="6492875"/>
+            <a:off x="3124200" y="6365875"/>
             <a:ext cx="2895600" cy="365125"/>
           </a:xfrm>
         </p:spPr>
@@ -5866,10 +6521,28 @@
           <a:lstStyle/>
           <a:p>
             <a:r>
-              <a:rPr lang="en-US" smtClean="0"/>
-              <a:t>Raffael Schmid</a:t>
-            </a:r>
-            <a:endParaRPr lang="en-US"/>
+              <a:rPr lang="en-US" dirty="0" err="1" smtClean="0"/>
+              <a:t>Bachelorthesis</a:t>
+            </a:r>
+            <a:r>
+              <a:rPr lang="en-US" dirty="0" smtClean="0"/>
+              <a:t> </a:t>
+            </a:r>
+            <a:r>
+              <a:rPr lang="en-US" dirty="0" err="1" smtClean="0"/>
+              <a:t>Abschlusspräsentation</a:t>
+            </a:r>
+            <a:r>
+              <a:rPr lang="en-US" dirty="0" smtClean="0"/>
+              <a:t/>
+            </a:r>
+            <a:br>
+              <a:rPr lang="en-US" dirty="0" smtClean="0"/>
+            </a:br>
+            <a:r>
+              <a:rPr lang="en-US" dirty="0" smtClean="0"/>
+              <a:t> Raffael Schmid</a:t>
+            </a:r>
           </a:p>
         </p:txBody>
       </p:sp>
@@ -5943,9 +6616,9 @@
         <p:grpSpPr>
           <a:xfrm>
             <a:off x="152400" y="1600200"/>
-            <a:ext cx="1638300" cy="1219200"/>
+            <a:ext cx="1638300" cy="1079500"/>
             <a:chOff x="152400" y="1600200"/>
-            <a:chExt cx="1638300" cy="1219200"/>
+            <a:chExt cx="1638300" cy="1079500"/>
           </a:xfrm>
         </p:grpSpPr>
         <p:sp>
@@ -6017,8 +6690,8 @@
           </p:nvCxnSpPr>
           <p:spPr>
             <a:xfrm flipH="1">
-              <a:off x="152400" y="2222500"/>
-              <a:ext cx="12700" cy="469900"/>
+              <a:off x="156519" y="2222500"/>
+              <a:ext cx="8581" cy="317500"/>
             </a:xfrm>
             <a:prstGeom prst="line">
               <a:avLst/>
@@ -6052,9 +6725,9 @@
           </p:nvGrpSpPr>
           <p:grpSpPr>
             <a:xfrm>
-              <a:off x="152400" y="2533650"/>
+              <a:off x="152400" y="2393950"/>
               <a:ext cx="1422400" cy="285750"/>
-              <a:chOff x="1778000" y="3289300"/>
+              <a:chOff x="1778000" y="3009900"/>
               <a:chExt cx="1422400" cy="571500"/>
             </a:xfrm>
             <a:solidFill>
@@ -6072,7 +6745,7 @@
             </p:nvSpPr>
             <p:spPr>
               <a:xfrm>
-                <a:off x="1844040" y="3289300"/>
+                <a:off x="1844040" y="3009900"/>
                 <a:ext cx="1356360" cy="571500"/>
               </a:xfrm>
               <a:prstGeom prst="snip1Rect">
@@ -6130,7 +6803,7 @@
             </p:nvCxnSpPr>
             <p:spPr>
               <a:xfrm flipV="1">
-                <a:off x="1778000" y="3575050"/>
+                <a:off x="1778000" y="3295650"/>
                 <a:ext cx="66040" cy="6350"/>
               </a:xfrm>
               <a:prstGeom prst="line">
@@ -6169,9 +6842,9 @@
         <p:grpSpPr>
           <a:xfrm>
             <a:off x="1701800" y="1600200"/>
-            <a:ext cx="3225800" cy="4850725"/>
+            <a:ext cx="3225800" cy="4660225"/>
             <a:chOff x="1701800" y="1600200"/>
-            <a:chExt cx="3225800" cy="4850725"/>
+            <a:chExt cx="3225800" cy="4660225"/>
           </a:xfrm>
         </p:grpSpPr>
         <p:sp>
@@ -6258,8 +6931,8 @@
           </p:nvCxnSpPr>
           <p:spPr>
             <a:xfrm flipH="1">
-              <a:off x="1765300" y="2235200"/>
-              <a:ext cx="25400" cy="1905000"/>
+              <a:off x="1767501" y="2235200"/>
+              <a:ext cx="23199" cy="1739900"/>
             </a:xfrm>
             <a:prstGeom prst="line">
               <a:avLst/>
@@ -6293,7 +6966,7 @@
           </p:nvSpPr>
           <p:spPr>
             <a:xfrm>
-              <a:off x="1831340" y="2552700"/>
+              <a:off x="1831340" y="2387600"/>
               <a:ext cx="1534160" cy="571500"/>
             </a:xfrm>
             <a:prstGeom prst="snip1Rect">
@@ -6372,7 +7045,7 @@
           </p:nvCxnSpPr>
           <p:spPr>
             <a:xfrm flipV="1">
-              <a:off x="1778000" y="2838450"/>
+              <a:off x="1778000" y="2673350"/>
               <a:ext cx="53340" cy="6350"/>
             </a:xfrm>
             <a:prstGeom prst="line">
@@ -6407,9 +7080,9 @@
           </p:nvGrpSpPr>
           <p:grpSpPr>
             <a:xfrm>
-              <a:off x="1765300" y="3848100"/>
+              <a:off x="1765300" y="3683000"/>
               <a:ext cx="1612900" cy="571500"/>
-              <a:chOff x="2538730" y="5048250"/>
+              <a:chOff x="2538730" y="4883150"/>
               <a:chExt cx="1612900" cy="571500"/>
             </a:xfrm>
             <a:solidFill>
@@ -6427,7 +7100,7 @@
             </p:nvSpPr>
             <p:spPr>
               <a:xfrm>
-                <a:off x="2604770" y="5048250"/>
+                <a:off x="2604770" y="4883150"/>
                 <a:ext cx="1546860" cy="571500"/>
               </a:xfrm>
               <a:prstGeom prst="snip1Rect">
@@ -6485,7 +7158,7 @@
             </p:nvCxnSpPr>
             <p:spPr>
               <a:xfrm flipV="1">
-                <a:off x="2538730" y="5334000"/>
+                <a:off x="2538730" y="5168900"/>
                 <a:ext cx="66040" cy="6350"/>
               </a:xfrm>
               <a:prstGeom prst="line">
@@ -6522,9 +7195,9 @@
           </p:nvGrpSpPr>
           <p:grpSpPr>
             <a:xfrm>
-              <a:off x="1765300" y="3200400"/>
+              <a:off x="1765300" y="3035300"/>
               <a:ext cx="1612900" cy="571500"/>
-              <a:chOff x="2399030" y="4159250"/>
+              <a:chOff x="2399030" y="3994150"/>
               <a:chExt cx="1612900" cy="571500"/>
             </a:xfrm>
             <a:solidFill>
@@ -6542,7 +7215,7 @@
             </p:nvSpPr>
             <p:spPr>
               <a:xfrm>
-                <a:off x="2465070" y="4159250"/>
+                <a:off x="2465070" y="3994150"/>
                 <a:ext cx="1546860" cy="571500"/>
               </a:xfrm>
               <a:prstGeom prst="snip1Rect">
@@ -6608,7 +7281,7 @@
             </p:nvCxnSpPr>
             <p:spPr>
               <a:xfrm flipV="1">
-                <a:off x="2399030" y="4445000"/>
+                <a:off x="2399030" y="4279900"/>
                 <a:ext cx="66040" cy="6350"/>
               </a:xfrm>
               <a:prstGeom prst="line">
@@ -6645,7 +7318,7 @@
           </p:nvSpPr>
           <p:spPr>
             <a:xfrm>
-              <a:off x="1701800" y="4419600"/>
+              <a:off x="1701800" y="4229100"/>
               <a:ext cx="3225800" cy="2031325"/>
             </a:xfrm>
             <a:prstGeom prst="rect">
@@ -7075,9 +7748,9 @@
           </p:nvGrpSpPr>
           <p:grpSpPr>
             <a:xfrm>
-              <a:off x="5524500" y="2533650"/>
+              <a:off x="5524500" y="2393950"/>
               <a:ext cx="1612900" cy="285750"/>
-              <a:chOff x="3429000" y="3708400"/>
+              <a:chOff x="3429000" y="3429000"/>
               <a:chExt cx="1612900" cy="571500"/>
             </a:xfrm>
             <a:solidFill>
@@ -7095,7 +7768,7 @@
             </p:nvSpPr>
             <p:spPr>
               <a:xfrm>
-                <a:off x="3495040" y="3708400"/>
+                <a:off x="3495040" y="3429000"/>
                 <a:ext cx="1546860" cy="571500"/>
               </a:xfrm>
               <a:prstGeom prst="snip1Rect">
@@ -7153,7 +7826,7 @@
             </p:nvCxnSpPr>
             <p:spPr>
               <a:xfrm flipV="1">
-                <a:off x="3429000" y="3994150"/>
+                <a:off x="3429000" y="3714750"/>
                 <a:ext cx="66040" cy="6350"/>
               </a:xfrm>
               <a:prstGeom prst="line">
@@ -7190,8 +7863,8 @@
           </p:nvCxnSpPr>
           <p:spPr>
             <a:xfrm flipH="1">
-              <a:off x="5511800" y="2222500"/>
-              <a:ext cx="12700" cy="958850"/>
+              <a:off x="5513650" y="2222500"/>
+              <a:ext cx="10850" cy="819150"/>
             </a:xfrm>
             <a:prstGeom prst="line">
               <a:avLst/>
@@ -7225,9 +7898,9 @@
           </p:nvGrpSpPr>
           <p:grpSpPr>
             <a:xfrm>
-              <a:off x="5524500" y="2889250"/>
+              <a:off x="5524500" y="2749550"/>
               <a:ext cx="1612900" cy="571500"/>
-              <a:chOff x="3429000" y="3708400"/>
+              <a:chOff x="3429000" y="3568700"/>
               <a:chExt cx="1612900" cy="571500"/>
             </a:xfrm>
             <a:solidFill>
@@ -7245,7 +7918,7 @@
             </p:nvSpPr>
             <p:spPr>
               <a:xfrm>
-                <a:off x="3495040" y="3708400"/>
+                <a:off x="3495040" y="3568700"/>
                 <a:ext cx="1546860" cy="571500"/>
               </a:xfrm>
               <a:prstGeom prst="snip1Rect">
@@ -7303,7 +7976,7 @@
             </p:nvCxnSpPr>
             <p:spPr>
               <a:xfrm flipV="1">
-                <a:off x="3429000" y="3994150"/>
+                <a:off x="3429000" y="3854450"/>
                 <a:ext cx="66040" cy="6350"/>
               </a:xfrm>
               <a:prstGeom prst="line">
@@ -7717,10 +8390,28 @@
           <a:lstStyle/>
           <a:p>
             <a:r>
-              <a:rPr lang="en-US" smtClean="0"/>
-              <a:t>Raffael Schmid</a:t>
-            </a:r>
-            <a:endParaRPr lang="en-US"/>
+              <a:rPr lang="en-US" dirty="0" err="1" smtClean="0"/>
+              <a:t>Bachelorthesis</a:t>
+            </a:r>
+            <a:r>
+              <a:rPr lang="en-US" dirty="0" smtClean="0"/>
+              <a:t> </a:t>
+            </a:r>
+            <a:r>
+              <a:rPr lang="en-US" dirty="0" err="1" smtClean="0"/>
+              <a:t>Abschlusspräsentation</a:t>
+            </a:r>
+            <a:r>
+              <a:rPr lang="en-US" dirty="0" smtClean="0"/>
+              <a:t/>
+            </a:r>
+            <a:br>
+              <a:rPr lang="en-US" dirty="0" smtClean="0"/>
+            </a:br>
+            <a:r>
+              <a:rPr lang="en-US" dirty="0" smtClean="0"/>
+              <a:t> Raffael Schmid</a:t>
+            </a:r>
           </a:p>
         </p:txBody>
       </p:sp>
@@ -8325,10 +9016,28 @@
           <a:lstStyle/>
           <a:p>
             <a:r>
-              <a:rPr lang="en-US" smtClean="0"/>
-              <a:t>Raffael Schmid</a:t>
-            </a:r>
-            <a:endParaRPr lang="en-US"/>
+              <a:rPr lang="en-US" dirty="0" err="1" smtClean="0"/>
+              <a:t>Bachelorthesis</a:t>
+            </a:r>
+            <a:r>
+              <a:rPr lang="en-US" dirty="0" smtClean="0"/>
+              <a:t> </a:t>
+            </a:r>
+            <a:r>
+              <a:rPr lang="en-US" dirty="0" err="1" smtClean="0"/>
+              <a:t>Abschlusspräsentation</a:t>
+            </a:r>
+            <a:r>
+              <a:rPr lang="en-US" dirty="0" smtClean="0"/>
+              <a:t/>
+            </a:r>
+            <a:br>
+              <a:rPr lang="en-US" dirty="0" smtClean="0"/>
+            </a:br>
+            <a:r>
+              <a:rPr lang="en-US" dirty="0" smtClean="0"/>
+              <a:t> Raffael Schmid</a:t>
+            </a:r>
           </a:p>
         </p:txBody>
       </p:sp>
@@ -8751,7 +9460,11 @@
           <a:p>
             <a:r>
               <a:rPr lang="de-CH" dirty="0" smtClean="0"/>
-              <a:t>Qualitätsanforderungen: </a:t>
+              <a:t>Anforderungen</a:t>
+            </a:r>
+            <a:r>
+              <a:rPr lang="de-CH" dirty="0" smtClean="0"/>
+              <a:t>: </a:t>
             </a:r>
             <a:br>
               <a:rPr lang="de-CH" dirty="0" smtClean="0"/>
@@ -8784,10 +9497,28 @@
           <a:lstStyle/>
           <a:p>
             <a:r>
-              <a:rPr lang="en-US" smtClean="0"/>
-              <a:t>Raffael Schmid</a:t>
-            </a:r>
-            <a:endParaRPr lang="en-US"/>
+              <a:rPr lang="en-US" dirty="0" err="1" smtClean="0"/>
+              <a:t>Bachelorthesis</a:t>
+            </a:r>
+            <a:r>
+              <a:rPr lang="en-US" dirty="0" smtClean="0"/>
+              <a:t> </a:t>
+            </a:r>
+            <a:r>
+              <a:rPr lang="en-US" dirty="0" err="1" smtClean="0"/>
+              <a:t>Abschlusspräsentation</a:t>
+            </a:r>
+            <a:r>
+              <a:rPr lang="en-US" dirty="0" smtClean="0"/>
+              <a:t/>
+            </a:r>
+            <a:br>
+              <a:rPr lang="en-US" dirty="0" smtClean="0"/>
+            </a:br>
+            <a:r>
+              <a:rPr lang="en-US" dirty="0" smtClean="0"/>
+              <a:t> Raffael Schmid</a:t>
+            </a:r>
           </a:p>
         </p:txBody>
       </p:sp>
@@ -8897,7 +9628,7 @@
                         <a:defRPr/>
                       </a:pPr>
                       <a:r>
-                        <a:rPr lang="de-CH" sz="2800" dirty="0" smtClean="0"/>
+                        <a:rPr lang="de-CH" sz="2800" smtClean="0"/>
                         <a:t>QRQ-F-02</a:t>
                       </a:r>
                       <a:endParaRPr lang="en-US" sz="2800" dirty="0" smtClean="0"/>
@@ -8944,7 +9675,7 @@
                         <a:defRPr/>
                       </a:pPr>
                       <a:r>
-                        <a:rPr lang="de-CH" sz="2800" dirty="0" smtClean="0"/>
+                        <a:rPr lang="de-CH" sz="2800" smtClean="0"/>
                         <a:t>QRQ-F-03</a:t>
                       </a:r>
                       <a:endParaRPr lang="en-US" sz="2800" dirty="0" smtClean="0"/>
@@ -8995,7 +9726,7 @@
                         <a:defRPr/>
                       </a:pPr>
                       <a:r>
-                        <a:rPr lang="de-CH" sz="2800" dirty="0" smtClean="0"/>
+                        <a:rPr lang="de-CH" sz="2800" smtClean="0"/>
                         <a:t>QRQ-F-04</a:t>
                       </a:r>
                       <a:endParaRPr lang="en-US" sz="2800" dirty="0" smtClean="0"/>
@@ -9042,7 +9773,7 @@
                         <a:defRPr/>
                       </a:pPr>
                       <a:r>
-                        <a:rPr lang="de-CH" sz="2800" dirty="0" smtClean="0"/>
+                        <a:rPr lang="de-CH" sz="2800" smtClean="0"/>
                         <a:t>QRQ-F-05</a:t>
                       </a:r>
                       <a:endParaRPr lang="en-US" sz="2800" dirty="0" smtClean="0"/>
@@ -9187,25 +9918,6 @@
       </p:sp>
       <p:sp>
         <p:nvSpPr>
-          <p:cNvPr id="3" name="Content Placeholder 2"/>
-          <p:cNvSpPr>
-            <a:spLocks noGrp="1"/>
-          </p:cNvSpPr>
-          <p:nvPr>
-            <p:ph idx="1"/>
-          </p:nvPr>
-        </p:nvSpPr>
-        <p:spPr/>
-        <p:txBody>
-          <a:bodyPr/>
-          <a:lstStyle/>
-          <a:p>
-            <a:endParaRPr lang="en-US" dirty="0"/>
-          </a:p>
-        </p:txBody>
-      </p:sp>
-      <p:sp>
-        <p:nvSpPr>
           <p:cNvPr id="4" name="Footer Placeholder 3"/>
           <p:cNvSpPr>
             <a:spLocks noGrp="1"/>
@@ -9220,9 +9932,661 @@
           <a:lstStyle/>
           <a:p>
             <a:r>
-              <a:rPr lang="en-US" smtClean="0"/>
-              <a:t>Raffael Schmid</a:t>
-            </a:r>
+              <a:rPr lang="en-US" dirty="0" err="1" smtClean="0"/>
+              <a:t>Bachelorthesis</a:t>
+            </a:r>
+            <a:r>
+              <a:rPr lang="en-US" dirty="0" smtClean="0"/>
+              <a:t> </a:t>
+            </a:r>
+            <a:r>
+              <a:rPr lang="en-US" dirty="0" err="1" smtClean="0"/>
+              <a:t>Abschlusspräsentation</a:t>
+            </a:r>
+            <a:r>
+              <a:rPr lang="en-US" dirty="0" smtClean="0"/>
+              <a:t/>
+            </a:r>
+            <a:br>
+              <a:rPr lang="en-US" dirty="0" smtClean="0"/>
+            </a:br>
+            <a:r>
+              <a:rPr lang="en-US" dirty="0" smtClean="0"/>
+              <a:t> Raffael Schmid</a:t>
+            </a:r>
+          </a:p>
+        </p:txBody>
+      </p:sp>
+      <p:graphicFrame>
+        <p:nvGraphicFramePr>
+          <p:cNvPr id="5" name="Table 4"/>
+          <p:cNvGraphicFramePr>
+            <a:graphicFrameLocks noGrp="1"/>
+          </p:cNvGraphicFramePr>
+          <p:nvPr/>
+        </p:nvGraphicFramePr>
+        <p:xfrm>
+          <a:off x="457199" y="1600197"/>
+          <a:ext cx="7528244" cy="4076702"/>
+        </p:xfrm>
+        <a:graphic>
+          <a:graphicData uri="http://schemas.openxmlformats.org/drawingml/2006/table">
+            <a:tbl>
+              <a:tblPr firstRow="1" bandRow="1">
+                <a:tableStyleId>{69012ECD-51FC-41F1-AA8D-1B2483CD663E}</a:tableStyleId>
+              </a:tblPr>
+              <a:tblGrid>
+                <a:gridCol w="3149601"/>
+                <a:gridCol w="1536700"/>
+                <a:gridCol w="1473200"/>
+                <a:gridCol w="1368743"/>
+              </a:tblGrid>
+              <a:tr h="582386">
+                <a:tc>
+                  <a:txBody>
+                    <a:bodyPr/>
+                    <a:lstStyle/>
+                    <a:p>
+                      <a:pPr algn="ctr"/>
+                      <a:r>
+                        <a:rPr lang="de-CH" sz="2000" dirty="0" smtClean="0"/>
+                        <a:t>Titel</a:t>
+                      </a:r>
+                      <a:endParaRPr lang="en-US" sz="2000" dirty="0"/>
+                    </a:p>
+                  </a:txBody>
+                  <a:tcPr anchor="ctr"/>
+                </a:tc>
+                <a:tc>
+                  <a:txBody>
+                    <a:bodyPr/>
+                    <a:lstStyle/>
+                    <a:p>
+                      <a:pPr algn="ctr"/>
+                      <a:r>
+                        <a:rPr lang="de-CH" sz="2000" dirty="0" err="1" smtClean="0"/>
+                        <a:t>Eclipse</a:t>
+                      </a:r>
+                      <a:r>
+                        <a:rPr lang="de-CH" sz="2000" dirty="0" smtClean="0"/>
+                        <a:t> 3.x</a:t>
+                      </a:r>
+                      <a:endParaRPr lang="en-US" sz="2000" dirty="0"/>
+                    </a:p>
+                  </a:txBody>
+                  <a:tcPr anchor="ctr"/>
+                </a:tc>
+                <a:tc>
+                  <a:txBody>
+                    <a:bodyPr/>
+                    <a:lstStyle/>
+                    <a:p>
+                      <a:pPr algn="ctr"/>
+                      <a:r>
+                        <a:rPr lang="de-CH" sz="2000" dirty="0" err="1" smtClean="0"/>
+                        <a:t>Eclipse</a:t>
+                      </a:r>
+                      <a:r>
+                        <a:rPr lang="de-CH" sz="2000" dirty="0" smtClean="0"/>
+                        <a:t> 4.x</a:t>
+                      </a:r>
+                      <a:endParaRPr lang="en-US" sz="2000" dirty="0"/>
+                    </a:p>
+                  </a:txBody>
+                  <a:tcPr anchor="ctr"/>
+                </a:tc>
+                <a:tc>
+                  <a:txBody>
+                    <a:bodyPr/>
+                    <a:lstStyle/>
+                    <a:p>
+                      <a:pPr algn="ctr"/>
+                      <a:r>
+                        <a:rPr lang="de-CH" sz="2000" dirty="0" err="1" smtClean="0"/>
+                        <a:t>Netbeans</a:t>
+                      </a:r>
+                      <a:endParaRPr lang="en-US" sz="2000" dirty="0"/>
+                    </a:p>
+                  </a:txBody>
+                  <a:tcPr anchor="ctr"/>
+                </a:tc>
+              </a:tr>
+              <a:tr h="582386">
+                <a:tc>
+                  <a:txBody>
+                    <a:bodyPr/>
+                    <a:lstStyle/>
+                    <a:p>
+                      <a:pPr algn="ctr"/>
+                      <a:r>
+                        <a:rPr lang="de-CH" sz="1800" dirty="0" smtClean="0"/>
+                        <a:t>Verbreitung (4)</a:t>
+                      </a:r>
+                      <a:endParaRPr lang="en-US" sz="1800" dirty="0"/>
+                    </a:p>
+                  </a:txBody>
+                  <a:tcPr anchor="ctr"/>
+                </a:tc>
+                <a:tc>
+                  <a:txBody>
+                    <a:bodyPr/>
+                    <a:lstStyle/>
+                    <a:p>
+                      <a:pPr algn="ctr"/>
+                      <a:r>
+                        <a:rPr lang="de-CH" sz="1800" dirty="0" smtClean="0"/>
+                        <a:t>5 (20)</a:t>
+                      </a:r>
+                      <a:endParaRPr lang="en-US" sz="1800" dirty="0"/>
+                    </a:p>
+                  </a:txBody>
+                  <a:tcPr anchor="ctr"/>
+                </a:tc>
+                <a:tc>
+                  <a:txBody>
+                    <a:bodyPr/>
+                    <a:lstStyle/>
+                    <a:p>
+                      <a:pPr algn="ctr"/>
+                      <a:r>
+                        <a:rPr lang="de-CH" sz="1800" dirty="0" smtClean="0"/>
+                        <a:t>1 (4)</a:t>
+                      </a:r>
+                      <a:endParaRPr lang="en-US" sz="1800" dirty="0"/>
+                    </a:p>
+                  </a:txBody>
+                  <a:tcPr anchor="ctr"/>
+                </a:tc>
+                <a:tc>
+                  <a:txBody>
+                    <a:bodyPr/>
+                    <a:lstStyle/>
+                    <a:p>
+                      <a:pPr algn="ctr"/>
+                      <a:r>
+                        <a:rPr lang="de-CH" sz="1800" dirty="0" smtClean="0"/>
+                        <a:t>2 (8)</a:t>
+                      </a:r>
+                      <a:endParaRPr lang="en-US" sz="1800" dirty="0"/>
+                    </a:p>
+                  </a:txBody>
+                  <a:tcPr anchor="ctr"/>
+                </a:tc>
+              </a:tr>
+              <a:tr h="582386">
+                <a:tc>
+                  <a:txBody>
+                    <a:bodyPr/>
+                    <a:lstStyle/>
+                    <a:p>
+                      <a:pPr algn="ctr"/>
+                      <a:r>
+                        <a:rPr lang="de-CH" sz="1800" dirty="0" smtClean="0"/>
+                        <a:t>Plattformunabhängigkeit (4)</a:t>
+                      </a:r>
+                      <a:endParaRPr lang="en-US" sz="1800" dirty="0"/>
+                    </a:p>
+                  </a:txBody>
+                  <a:tcPr anchor="ctr"/>
+                </a:tc>
+                <a:tc>
+                  <a:txBody>
+                    <a:bodyPr/>
+                    <a:lstStyle/>
+                    <a:p>
+                      <a:pPr marL="0" marR="0" indent="0" algn="ctr" defTabSz="457200" rtl="0" eaLnBrk="1" fontAlgn="auto" latinLnBrk="0" hangingPunct="1">
+                        <a:lnSpc>
+                          <a:spcPct val="100000"/>
+                        </a:lnSpc>
+                        <a:spcBef>
+                          <a:spcPts val="0"/>
+                        </a:spcBef>
+                        <a:spcAft>
+                          <a:spcPts val="0"/>
+                        </a:spcAft>
+                        <a:buClrTx/>
+                        <a:buSzTx/>
+                        <a:buFontTx/>
+                        <a:buNone/>
+                        <a:tabLst/>
+                        <a:defRPr/>
+                      </a:pPr>
+                      <a:r>
+                        <a:rPr lang="de-CH" sz="1800" dirty="0" smtClean="0"/>
+                        <a:t>5 (20)</a:t>
+                      </a:r>
+                      <a:endParaRPr lang="en-US" sz="1800" dirty="0" smtClean="0"/>
+                    </a:p>
+                  </a:txBody>
+                  <a:tcPr anchor="ctr"/>
+                </a:tc>
+                <a:tc>
+                  <a:txBody>
+                    <a:bodyPr/>
+                    <a:lstStyle/>
+                    <a:p>
+                      <a:pPr marL="0" marR="0" indent="0" algn="ctr" defTabSz="457200" rtl="0" eaLnBrk="1" fontAlgn="auto" latinLnBrk="0" hangingPunct="1">
+                        <a:lnSpc>
+                          <a:spcPct val="100000"/>
+                        </a:lnSpc>
+                        <a:spcBef>
+                          <a:spcPts val="0"/>
+                        </a:spcBef>
+                        <a:spcAft>
+                          <a:spcPts val="0"/>
+                        </a:spcAft>
+                        <a:buClrTx/>
+                        <a:buSzTx/>
+                        <a:buFontTx/>
+                        <a:buNone/>
+                        <a:tabLst/>
+                        <a:defRPr/>
+                      </a:pPr>
+                      <a:r>
+                        <a:rPr lang="de-CH" sz="1800" dirty="0" smtClean="0"/>
+                        <a:t>5 (20)</a:t>
+                      </a:r>
+                      <a:endParaRPr lang="en-US" sz="1800" dirty="0" smtClean="0"/>
+                    </a:p>
+                  </a:txBody>
+                  <a:tcPr anchor="ctr"/>
+                </a:tc>
+                <a:tc>
+                  <a:txBody>
+                    <a:bodyPr/>
+                    <a:lstStyle/>
+                    <a:p>
+                      <a:pPr marL="0" marR="0" indent="0" algn="ctr" defTabSz="457200" rtl="0" eaLnBrk="1" fontAlgn="auto" latinLnBrk="0" hangingPunct="1">
+                        <a:lnSpc>
+                          <a:spcPct val="100000"/>
+                        </a:lnSpc>
+                        <a:spcBef>
+                          <a:spcPts val="0"/>
+                        </a:spcBef>
+                        <a:spcAft>
+                          <a:spcPts val="0"/>
+                        </a:spcAft>
+                        <a:buClrTx/>
+                        <a:buSzTx/>
+                        <a:buFontTx/>
+                        <a:buNone/>
+                        <a:tabLst/>
+                        <a:defRPr/>
+                      </a:pPr>
+                      <a:r>
+                        <a:rPr lang="de-CH" sz="1800" dirty="0" smtClean="0"/>
+                        <a:t>5 (20)</a:t>
+                      </a:r>
+                      <a:endParaRPr lang="en-US" sz="1800" dirty="0" smtClean="0"/>
+                    </a:p>
+                  </a:txBody>
+                  <a:tcPr anchor="ctr"/>
+                </a:tc>
+              </a:tr>
+              <a:tr h="582386">
+                <a:tc>
+                  <a:txBody>
+                    <a:bodyPr/>
+                    <a:lstStyle/>
+                    <a:p>
+                      <a:pPr algn="ctr"/>
+                      <a:r>
+                        <a:rPr lang="de-CH" sz="1800" dirty="0" smtClean="0"/>
+                        <a:t>Support</a:t>
+                      </a:r>
+                      <a:r>
+                        <a:rPr lang="de-CH" sz="1800" baseline="0" dirty="0" smtClean="0"/>
+                        <a:t> </a:t>
+                      </a:r>
+                      <a:r>
+                        <a:rPr lang="de-CH" sz="1800" baseline="0" dirty="0" smtClean="0"/>
+                        <a:t>Lokalisierung (2)</a:t>
+                      </a:r>
+                      <a:endParaRPr lang="en-US" sz="1800" dirty="0"/>
+                    </a:p>
+                  </a:txBody>
+                  <a:tcPr anchor="ctr"/>
+                </a:tc>
+                <a:tc>
+                  <a:txBody>
+                    <a:bodyPr/>
+                    <a:lstStyle/>
+                    <a:p>
+                      <a:pPr algn="ctr"/>
+                      <a:r>
+                        <a:rPr lang="de-CH" sz="1800" dirty="0" smtClean="0"/>
+                        <a:t>5 (10)</a:t>
+                      </a:r>
+                      <a:endParaRPr lang="en-US" sz="1800" dirty="0"/>
+                    </a:p>
+                  </a:txBody>
+                  <a:tcPr anchor="ctr"/>
+                </a:tc>
+                <a:tc>
+                  <a:txBody>
+                    <a:bodyPr/>
+                    <a:lstStyle/>
+                    <a:p>
+                      <a:pPr marL="0" marR="0" indent="0" algn="ctr" defTabSz="457200" rtl="0" eaLnBrk="1" fontAlgn="auto" latinLnBrk="0" hangingPunct="1">
+                        <a:lnSpc>
+                          <a:spcPct val="100000"/>
+                        </a:lnSpc>
+                        <a:spcBef>
+                          <a:spcPts val="0"/>
+                        </a:spcBef>
+                        <a:spcAft>
+                          <a:spcPts val="0"/>
+                        </a:spcAft>
+                        <a:buClrTx/>
+                        <a:buSzTx/>
+                        <a:buFontTx/>
+                        <a:buNone/>
+                        <a:tabLst/>
+                        <a:defRPr/>
+                      </a:pPr>
+                      <a:r>
+                        <a:rPr lang="de-CH" sz="1800" dirty="0" smtClean="0"/>
+                        <a:t>5 (10)</a:t>
+                      </a:r>
+                      <a:endParaRPr lang="en-US" sz="1800" dirty="0" smtClean="0"/>
+                    </a:p>
+                  </a:txBody>
+                  <a:tcPr anchor="ctr"/>
+                </a:tc>
+                <a:tc>
+                  <a:txBody>
+                    <a:bodyPr/>
+                    <a:lstStyle/>
+                    <a:p>
+                      <a:pPr marL="0" marR="0" indent="0" algn="ctr" defTabSz="457200" rtl="0" eaLnBrk="1" fontAlgn="auto" latinLnBrk="0" hangingPunct="1">
+                        <a:lnSpc>
+                          <a:spcPct val="100000"/>
+                        </a:lnSpc>
+                        <a:spcBef>
+                          <a:spcPts val="0"/>
+                        </a:spcBef>
+                        <a:spcAft>
+                          <a:spcPts val="0"/>
+                        </a:spcAft>
+                        <a:buClrTx/>
+                        <a:buSzTx/>
+                        <a:buFontTx/>
+                        <a:buNone/>
+                        <a:tabLst/>
+                        <a:defRPr/>
+                      </a:pPr>
+                      <a:r>
+                        <a:rPr lang="de-CH" sz="1800" dirty="0" smtClean="0"/>
+                        <a:t>5 (10)</a:t>
+                      </a:r>
+                      <a:endParaRPr lang="en-US" sz="1800" dirty="0" smtClean="0"/>
+                    </a:p>
+                  </a:txBody>
+                  <a:tcPr anchor="ctr"/>
+                </a:tc>
+              </a:tr>
+              <a:tr h="582386">
+                <a:tc>
+                  <a:txBody>
+                    <a:bodyPr/>
+                    <a:lstStyle/>
+                    <a:p>
+                      <a:pPr algn="ctr"/>
+                      <a:r>
+                        <a:rPr lang="de-CH" sz="1800" dirty="0" smtClean="0"/>
+                        <a:t>Support </a:t>
+                      </a:r>
+                      <a:r>
+                        <a:rPr lang="de-CH" sz="1800" dirty="0" smtClean="0"/>
+                        <a:t>Modularisierung (3)</a:t>
+                      </a:r>
+                      <a:endParaRPr lang="en-US" sz="1800" dirty="0"/>
+                    </a:p>
+                  </a:txBody>
+                  <a:tcPr anchor="ctr"/>
+                </a:tc>
+                <a:tc>
+                  <a:txBody>
+                    <a:bodyPr/>
+                    <a:lstStyle/>
+                    <a:p>
+                      <a:pPr marL="0" marR="0" indent="0" algn="ctr" defTabSz="457200" rtl="0" eaLnBrk="1" fontAlgn="auto" latinLnBrk="0" hangingPunct="1">
+                        <a:lnSpc>
+                          <a:spcPct val="100000"/>
+                        </a:lnSpc>
+                        <a:spcBef>
+                          <a:spcPts val="0"/>
+                        </a:spcBef>
+                        <a:spcAft>
+                          <a:spcPts val="0"/>
+                        </a:spcAft>
+                        <a:buClrTx/>
+                        <a:buSzTx/>
+                        <a:buFontTx/>
+                        <a:buNone/>
+                        <a:tabLst/>
+                        <a:defRPr/>
+                      </a:pPr>
+                      <a:r>
+                        <a:rPr lang="de-CH" sz="1800" dirty="0" smtClean="0"/>
+                        <a:t>5 (15)</a:t>
+                      </a:r>
+                      <a:endParaRPr lang="en-US" sz="1800" dirty="0" smtClean="0"/>
+                    </a:p>
+                  </a:txBody>
+                  <a:tcPr anchor="ctr"/>
+                </a:tc>
+                <a:tc>
+                  <a:txBody>
+                    <a:bodyPr/>
+                    <a:lstStyle/>
+                    <a:p>
+                      <a:pPr algn="ctr"/>
+                      <a:r>
+                        <a:rPr lang="de-CH" sz="1800" dirty="0" smtClean="0"/>
+                        <a:t>5 (15)</a:t>
+                      </a:r>
+                      <a:endParaRPr lang="en-US" sz="1800" dirty="0"/>
+                    </a:p>
+                  </a:txBody>
+                  <a:tcPr anchor="ctr"/>
+                </a:tc>
+                <a:tc>
+                  <a:txBody>
+                    <a:bodyPr/>
+                    <a:lstStyle/>
+                    <a:p>
+                      <a:pPr algn="ctr"/>
+                      <a:r>
+                        <a:rPr lang="de-CH" sz="1800" dirty="0" smtClean="0"/>
+                        <a:t>5 (15)</a:t>
+                      </a:r>
+                      <a:endParaRPr lang="en-US" sz="1800" dirty="0"/>
+                    </a:p>
+                  </a:txBody>
+                  <a:tcPr anchor="ctr"/>
+                </a:tc>
+              </a:tr>
+              <a:tr h="582386">
+                <a:tc>
+                  <a:txBody>
+                    <a:bodyPr/>
+                    <a:lstStyle/>
+                    <a:p>
+                      <a:pPr algn="ctr"/>
+                      <a:r>
+                        <a:rPr lang="de-CH" sz="1800" dirty="0" err="1" smtClean="0"/>
+                        <a:t>Offline</a:t>
+                      </a:r>
+                      <a:r>
+                        <a:rPr lang="de-CH" sz="1800" baseline="0" dirty="0" smtClean="0"/>
+                        <a:t> </a:t>
+                      </a:r>
+                      <a:r>
+                        <a:rPr lang="de-CH" sz="1800" baseline="0" dirty="0" smtClean="0"/>
+                        <a:t>Betriebsmodus (4)</a:t>
+                      </a:r>
+                      <a:endParaRPr lang="en-US" sz="1800" dirty="0"/>
+                    </a:p>
+                  </a:txBody>
+                  <a:tcPr anchor="ctr"/>
+                </a:tc>
+                <a:tc>
+                  <a:txBody>
+                    <a:bodyPr/>
+                    <a:lstStyle/>
+                    <a:p>
+                      <a:pPr algn="ctr"/>
+                      <a:r>
+                        <a:rPr lang="de-CH" sz="1800" dirty="0" smtClean="0"/>
+                        <a:t>5 (20)</a:t>
+                      </a:r>
+                      <a:endParaRPr lang="en-US" sz="1800" dirty="0"/>
+                    </a:p>
+                  </a:txBody>
+                  <a:tcPr anchor="ctr"/>
+                </a:tc>
+                <a:tc>
+                  <a:txBody>
+                    <a:bodyPr/>
+                    <a:lstStyle/>
+                    <a:p>
+                      <a:pPr algn="ctr"/>
+                      <a:r>
+                        <a:rPr lang="de-CH" sz="1800" dirty="0" smtClean="0"/>
+                        <a:t>5 (20)</a:t>
+                      </a:r>
+                      <a:endParaRPr lang="en-US" sz="1800" dirty="0"/>
+                    </a:p>
+                  </a:txBody>
+                  <a:tcPr anchor="ctr"/>
+                </a:tc>
+                <a:tc>
+                  <a:txBody>
+                    <a:bodyPr/>
+                    <a:lstStyle/>
+                    <a:p>
+                      <a:pPr algn="ctr"/>
+                      <a:r>
+                        <a:rPr lang="de-CH" sz="1800" dirty="0" smtClean="0"/>
+                        <a:t>5 (20)</a:t>
+                      </a:r>
+                      <a:endParaRPr lang="en-US" sz="1800" dirty="0"/>
+                    </a:p>
+                  </a:txBody>
+                  <a:tcPr anchor="ctr"/>
+                </a:tc>
+              </a:tr>
+              <a:tr h="582386">
+                <a:tc>
+                  <a:txBody>
+                    <a:bodyPr/>
+                    <a:lstStyle/>
+                    <a:p>
+                      <a:pPr algn="ctr"/>
+                      <a:r>
+                        <a:rPr lang="de-CH" sz="1800" dirty="0" smtClean="0"/>
+                        <a:t>Installation als </a:t>
+                      </a:r>
+                      <a:r>
+                        <a:rPr lang="de-CH" sz="1800" dirty="0" smtClean="0"/>
+                        <a:t>Erweiterung (4)</a:t>
+                      </a:r>
+                      <a:endParaRPr lang="en-US" sz="1800" dirty="0"/>
+                    </a:p>
+                  </a:txBody>
+                  <a:tcPr anchor="ctr"/>
+                </a:tc>
+                <a:tc>
+                  <a:txBody>
+                    <a:bodyPr/>
+                    <a:lstStyle/>
+                    <a:p>
+                      <a:pPr algn="ctr"/>
+                      <a:r>
+                        <a:rPr lang="de-CH" sz="1800" dirty="0" smtClean="0"/>
+                        <a:t>5 (20)</a:t>
+                      </a:r>
+                      <a:endParaRPr lang="en-US" sz="1800" dirty="0"/>
+                    </a:p>
+                  </a:txBody>
+                  <a:tcPr anchor="ctr"/>
+                </a:tc>
+                <a:tc>
+                  <a:txBody>
+                    <a:bodyPr/>
+                    <a:lstStyle/>
+                    <a:p>
+                      <a:pPr algn="ctr"/>
+                      <a:r>
+                        <a:rPr lang="de-CH" sz="1800" dirty="0" smtClean="0"/>
+                        <a:t>5 (20)</a:t>
+                      </a:r>
+                      <a:endParaRPr lang="en-US" sz="1800" dirty="0"/>
+                    </a:p>
+                  </a:txBody>
+                  <a:tcPr anchor="ctr"/>
+                </a:tc>
+                <a:tc>
+                  <a:txBody>
+                    <a:bodyPr/>
+                    <a:lstStyle/>
+                    <a:p>
+                      <a:pPr algn="ctr"/>
+                      <a:r>
+                        <a:rPr lang="de-CH" sz="1800" dirty="0" smtClean="0"/>
+                        <a:t>5 (20)</a:t>
+                      </a:r>
+                      <a:endParaRPr lang="en-US" sz="1800" dirty="0"/>
+                    </a:p>
+                  </a:txBody>
+                  <a:tcPr anchor="ctr"/>
+                </a:tc>
+              </a:tr>
+            </a:tbl>
+          </a:graphicData>
+        </a:graphic>
+      </p:graphicFrame>
+      <p:sp>
+        <p:nvSpPr>
+          <p:cNvPr id="6" name="Rectangle 5"/>
+          <p:cNvSpPr/>
+          <p:nvPr/>
+        </p:nvSpPr>
+        <p:spPr>
+          <a:xfrm>
+            <a:off x="266700" y="2120900"/>
+            <a:ext cx="7899400" cy="762000"/>
+          </a:xfrm>
+          <a:prstGeom prst="rect">
+            <a:avLst/>
+          </a:prstGeom>
+          <a:noFill/>
+          <a:ln w="22225">
+            <a:solidFill>
+              <a:srgbClr val="FF0000"/>
+            </a:solidFill>
+          </a:ln>
+        </p:spPr>
+        <p:style>
+          <a:lnRef idx="1">
+            <a:schemeClr val="accent1"/>
+          </a:lnRef>
+          <a:fillRef idx="3">
+            <a:schemeClr val="accent1"/>
+          </a:fillRef>
+          <a:effectRef idx="2">
+            <a:schemeClr val="accent1"/>
+          </a:effectRef>
+          <a:fontRef idx="minor">
+            <a:schemeClr val="lt1"/>
+          </a:fontRef>
+        </p:style>
+        <p:txBody>
+          <a:bodyPr rtlCol="0" anchor="ctr"/>
+          <a:lstStyle/>
+          <a:p>
+            <a:pPr algn="ctr"/>
             <a:endParaRPr lang="en-US"/>
           </a:p>
         </p:txBody>
@@ -9235,9 +10599,80 @@
   <p:timing>
     <p:tnLst>
       <p:par>
-        <p:cTn id="1" dur="indefinite" restart="never" nodeType="tmRoot"/>
+        <p:cTn id="1" dur="indefinite" restart="never" nodeType="tmRoot">
+          <p:childTnLst>
+            <p:seq concurrent="1" nextAc="seek">
+              <p:cTn id="2" dur="indefinite" nodeType="mainSeq">
+                <p:childTnLst>
+                  <p:par>
+                    <p:cTn id="3" fill="hold">
+                      <p:stCondLst>
+                        <p:cond delay="indefinite"/>
+                      </p:stCondLst>
+                      <p:childTnLst>
+                        <p:par>
+                          <p:cTn id="4" fill="hold">
+                            <p:stCondLst>
+                              <p:cond delay="0"/>
+                            </p:stCondLst>
+                            <p:childTnLst>
+                              <p:par>
+                                <p:cTn id="5" presetID="1" presetClass="entr" presetSubtype="0" fill="hold" grpId="0" nodeType="clickEffect">
+                                  <p:stCondLst>
+                                    <p:cond delay="0"/>
+                                  </p:stCondLst>
+                                  <p:childTnLst>
+                                    <p:set>
+                                      <p:cBhvr>
+                                        <p:cTn id="6" dur="1" fill="hold">
+                                          <p:stCondLst>
+                                            <p:cond delay="0"/>
+                                          </p:stCondLst>
+                                        </p:cTn>
+                                        <p:tgtEl>
+                                          <p:spTgt spid="6"/>
+                                        </p:tgtEl>
+                                        <p:attrNameLst>
+                                          <p:attrName>style.visibility</p:attrName>
+                                        </p:attrNameLst>
+                                      </p:cBhvr>
+                                      <p:to>
+                                        <p:strVal val="visible"/>
+                                      </p:to>
+                                    </p:set>
+                                  </p:childTnLst>
+                                </p:cTn>
+                              </p:par>
+                            </p:childTnLst>
+                          </p:cTn>
+                        </p:par>
+                      </p:childTnLst>
+                    </p:cTn>
+                  </p:par>
+                </p:childTnLst>
+              </p:cTn>
+              <p:prevCondLst>
+                <p:cond evt="onPrev" delay="0">
+                  <p:tgtEl>
+                    <p:sldTgt/>
+                  </p:tgtEl>
+                </p:cond>
+              </p:prevCondLst>
+              <p:nextCondLst>
+                <p:cond evt="onNext" delay="0">
+                  <p:tgtEl>
+                    <p:sldTgt/>
+                  </p:tgtEl>
+                </p:cond>
+              </p:nextCondLst>
+            </p:seq>
+          </p:childTnLst>
+        </p:cTn>
       </p:par>
     </p:tnLst>
+    <p:bldLst>
+      <p:bldP spid="6" grpId="0" animBg="1"/>
+    </p:bldLst>
   </p:timing>
 </p:sld>
 </file>
@@ -9293,25 +10728,6 @@
       </p:sp>
       <p:sp>
         <p:nvSpPr>
-          <p:cNvPr id="3" name="Content Placeholder 2"/>
-          <p:cNvSpPr>
-            <a:spLocks noGrp="1"/>
-          </p:cNvSpPr>
-          <p:nvPr>
-            <p:ph idx="1"/>
-          </p:nvPr>
-        </p:nvSpPr>
-        <p:spPr/>
-        <p:txBody>
-          <a:bodyPr/>
-          <a:lstStyle/>
-          <a:p>
-            <a:endParaRPr lang="en-US" dirty="0"/>
-          </a:p>
-        </p:txBody>
-      </p:sp>
-      <p:sp>
-        <p:nvSpPr>
           <p:cNvPr id="4" name="Footer Placeholder 3"/>
           <p:cNvSpPr>
             <a:spLocks noGrp="1"/>
@@ -9326,10 +10742,259 @@
           <a:lstStyle/>
           <a:p>
             <a:r>
-              <a:rPr lang="en-US" smtClean="0"/>
-              <a:t>Raffael Schmid</a:t>
-            </a:r>
+              <a:rPr lang="en-US" dirty="0" err="1" smtClean="0"/>
+              <a:t>Bachelorthesis</a:t>
+            </a:r>
+            <a:r>
+              <a:rPr lang="en-US" dirty="0" smtClean="0"/>
+              <a:t> </a:t>
+            </a:r>
+            <a:r>
+              <a:rPr lang="en-US" dirty="0" err="1" smtClean="0"/>
+              <a:t>Abschlusspräsentation</a:t>
+            </a:r>
+            <a:r>
+              <a:rPr lang="en-US" dirty="0" smtClean="0"/>
+              <a:t/>
+            </a:r>
+            <a:br>
+              <a:rPr lang="en-US" dirty="0" smtClean="0"/>
+            </a:br>
+            <a:r>
+              <a:rPr lang="en-US" dirty="0" smtClean="0"/>
+              <a:t> Raffael Schmid</a:t>
+            </a:r>
+          </a:p>
+        </p:txBody>
+      </p:sp>
+      <p:pic>
+        <p:nvPicPr>
+          <p:cNvPr id="1031" name="Picture 7"/>
+          <p:cNvPicPr>
+            <a:picLocks noChangeAspect="1" noChangeArrowheads="1"/>
+          </p:cNvPicPr>
+          <p:nvPr/>
+        </p:nvPicPr>
+        <p:blipFill>
+          <a:blip r:embed="rId2"/>
+          <a:srcRect/>
+          <a:stretch>
+            <a:fillRect/>
+          </a:stretch>
+        </p:blipFill>
+        <p:spPr bwMode="auto">
+          <a:xfrm>
+            <a:off x="673230" y="1836738"/>
+            <a:ext cx="7721470" cy="4621910"/>
+          </a:xfrm>
+          <a:prstGeom prst="rect">
+            <a:avLst/>
+          </a:prstGeom>
+          <a:noFill/>
+          <a:ln w="9525">
+            <a:noFill/>
+            <a:miter lim="800000"/>
+            <a:headEnd/>
+            <a:tailEnd/>
+          </a:ln>
+          <a:effectLst/>
+        </p:spPr>
+      </p:pic>
+      <p:cxnSp>
+        <p:nvCxnSpPr>
+          <p:cNvPr id="24" name="Straight Connector 23"/>
+          <p:cNvCxnSpPr/>
+          <p:nvPr/>
+        </p:nvCxnSpPr>
+        <p:spPr>
+          <a:xfrm>
+            <a:off x="2324100" y="1892300"/>
+            <a:ext cx="0" cy="4324350"/>
+          </a:xfrm>
+          <a:prstGeom prst="line">
+            <a:avLst/>
+          </a:prstGeom>
+          <a:ln w="9525">
+            <a:solidFill>
+              <a:schemeClr val="tx1"/>
+            </a:solidFill>
+          </a:ln>
+        </p:spPr>
+        <p:style>
+          <a:lnRef idx="2">
+            <a:schemeClr val="accent1"/>
+          </a:lnRef>
+          <a:fillRef idx="0">
+            <a:schemeClr val="accent1"/>
+          </a:fillRef>
+          <a:effectRef idx="1">
+            <a:schemeClr val="accent1"/>
+          </a:effectRef>
+          <a:fontRef idx="minor">
+            <a:schemeClr val="tx1"/>
+          </a:fontRef>
+        </p:style>
+      </p:cxnSp>
+      <p:sp>
+        <p:nvSpPr>
+          <p:cNvPr id="25" name="Rectangle 24"/>
+          <p:cNvSpPr/>
+          <p:nvPr/>
+        </p:nvSpPr>
+        <p:spPr>
+          <a:xfrm>
+            <a:off x="2171700" y="1900238"/>
+            <a:ext cx="6515100" cy="4456112"/>
+          </a:xfrm>
+          <a:prstGeom prst="rect">
+            <a:avLst/>
+          </a:prstGeom>
+          <a:solidFill>
+            <a:schemeClr val="bg1"/>
+          </a:solidFill>
+          <a:ln>
+            <a:noFill/>
+          </a:ln>
+          <a:effectLst/>
+        </p:spPr>
+        <p:style>
+          <a:lnRef idx="1">
+            <a:schemeClr val="accent1"/>
+          </a:lnRef>
+          <a:fillRef idx="3">
+            <a:schemeClr val="accent1"/>
+          </a:fillRef>
+          <a:effectRef idx="2">
+            <a:schemeClr val="accent1"/>
+          </a:effectRef>
+          <a:fontRef idx="minor">
+            <a:schemeClr val="lt1"/>
+          </a:fontRef>
+        </p:style>
+        <p:txBody>
+          <a:bodyPr rtlCol="0" anchor="ctr"/>
+          <a:lstStyle/>
+          <a:p>
+            <a:pPr algn="ctr"/>
             <a:endParaRPr lang="en-US"/>
+          </a:p>
+        </p:txBody>
+      </p:sp>
+      <p:sp>
+        <p:nvSpPr>
+          <p:cNvPr id="5" name="Rectangle 4"/>
+          <p:cNvSpPr/>
+          <p:nvPr/>
+        </p:nvSpPr>
+        <p:spPr>
+          <a:xfrm>
+            <a:off x="6985000" y="1417638"/>
+            <a:ext cx="1981200" cy="368300"/>
+          </a:xfrm>
+          <a:prstGeom prst="rect">
+            <a:avLst/>
+          </a:prstGeom>
+          <a:solidFill>
+            <a:schemeClr val="tx2">
+              <a:lumMod val="20000"/>
+              <a:lumOff val="80000"/>
+            </a:schemeClr>
+          </a:solidFill>
+          <a:ln>
+            <a:noFill/>
+          </a:ln>
+        </p:spPr>
+        <p:style>
+          <a:lnRef idx="1">
+            <a:schemeClr val="accent1"/>
+          </a:lnRef>
+          <a:fillRef idx="3">
+            <a:schemeClr val="accent1"/>
+          </a:fillRef>
+          <a:effectRef idx="2">
+            <a:schemeClr val="accent1"/>
+          </a:effectRef>
+          <a:fontRef idx="minor">
+            <a:schemeClr val="lt1"/>
+          </a:fontRef>
+        </p:style>
+        <p:txBody>
+          <a:bodyPr rtlCol="0" anchor="ctr"/>
+          <a:lstStyle/>
+          <a:p>
+            <a:pPr algn="ctr"/>
+            <a:r>
+              <a:rPr lang="de-CH" sz="1600" dirty="0" smtClean="0">
+                <a:solidFill>
+                  <a:schemeClr val="tx1"/>
+                </a:solidFill>
+              </a:rPr>
+              <a:t>Erweiterbarkeit</a:t>
+            </a:r>
+            <a:endParaRPr lang="en-US" sz="1600" dirty="0">
+              <a:solidFill>
+                <a:schemeClr val="tx1"/>
+              </a:solidFill>
+            </a:endParaRPr>
+          </a:p>
+        </p:txBody>
+      </p:sp>
+      <p:sp>
+        <p:nvSpPr>
+          <p:cNvPr id="6" name="Rectangle 5"/>
+          <p:cNvSpPr/>
+          <p:nvPr/>
+        </p:nvSpPr>
+        <p:spPr>
+          <a:xfrm>
+            <a:off x="6985000" y="1847850"/>
+            <a:ext cx="1981200" cy="368300"/>
+          </a:xfrm>
+          <a:prstGeom prst="rect">
+            <a:avLst/>
+          </a:prstGeom>
+          <a:solidFill>
+            <a:schemeClr val="tx2">
+              <a:lumMod val="20000"/>
+              <a:lumOff val="80000"/>
+            </a:schemeClr>
+          </a:solidFill>
+          <a:ln>
+            <a:noFill/>
+          </a:ln>
+        </p:spPr>
+        <p:style>
+          <a:lnRef idx="1">
+            <a:schemeClr val="accent1"/>
+          </a:lnRef>
+          <a:fillRef idx="3">
+            <a:schemeClr val="accent1"/>
+          </a:fillRef>
+          <a:effectRef idx="2">
+            <a:schemeClr val="accent1"/>
+          </a:effectRef>
+          <a:fontRef idx="minor">
+            <a:schemeClr val="lt1"/>
+          </a:fontRef>
+        </p:style>
+        <p:txBody>
+          <a:bodyPr rtlCol="0" anchor="ctr"/>
+          <a:lstStyle/>
+          <a:p>
+            <a:pPr algn="ctr"/>
+            <a:r>
+              <a:rPr lang="de-CH" sz="1600" dirty="0" smtClean="0">
+                <a:solidFill>
+                  <a:schemeClr val="tx1"/>
+                </a:solidFill>
+              </a:rPr>
+              <a:t>Software installieren</a:t>
+            </a:r>
+            <a:endParaRPr lang="en-US" sz="1600" dirty="0">
+              <a:solidFill>
+                <a:schemeClr val="tx1"/>
+              </a:solidFill>
+            </a:endParaRPr>
           </a:p>
         </p:txBody>
       </p:sp>
@@ -9341,9 +11006,80 @@
   <p:timing>
     <p:tnLst>
       <p:par>
-        <p:cTn id="1" dur="indefinite" restart="never" nodeType="tmRoot"/>
+        <p:cTn id="1" dur="indefinite" restart="never" nodeType="tmRoot">
+          <p:childTnLst>
+            <p:seq concurrent="1" nextAc="seek">
+              <p:cTn id="2" dur="indefinite" nodeType="mainSeq">
+                <p:childTnLst>
+                  <p:par>
+                    <p:cTn id="3" fill="hold">
+                      <p:stCondLst>
+                        <p:cond delay="indefinite"/>
+                      </p:stCondLst>
+                      <p:childTnLst>
+                        <p:par>
+                          <p:cTn id="4" fill="hold">
+                            <p:stCondLst>
+                              <p:cond delay="0"/>
+                            </p:stCondLst>
+                            <p:childTnLst>
+                              <p:par>
+                                <p:cTn id="5" presetID="1" presetClass="exit" presetSubtype="0" fill="hold" grpId="1" nodeType="clickEffect">
+                                  <p:stCondLst>
+                                    <p:cond delay="0"/>
+                                  </p:stCondLst>
+                                  <p:childTnLst>
+                                    <p:set>
+                                      <p:cBhvr>
+                                        <p:cTn id="6" dur="1" fill="hold">
+                                          <p:stCondLst>
+                                            <p:cond delay="0"/>
+                                          </p:stCondLst>
+                                        </p:cTn>
+                                        <p:tgtEl>
+                                          <p:spTgt spid="25"/>
+                                        </p:tgtEl>
+                                        <p:attrNameLst>
+                                          <p:attrName>style.visibility</p:attrName>
+                                        </p:attrNameLst>
+                                      </p:cBhvr>
+                                      <p:to>
+                                        <p:strVal val="hidden"/>
+                                      </p:to>
+                                    </p:set>
+                                  </p:childTnLst>
+                                </p:cTn>
+                              </p:par>
+                            </p:childTnLst>
+                          </p:cTn>
+                        </p:par>
+                      </p:childTnLst>
+                    </p:cTn>
+                  </p:par>
+                </p:childTnLst>
+              </p:cTn>
+              <p:prevCondLst>
+                <p:cond evt="onPrev" delay="0">
+                  <p:tgtEl>
+                    <p:sldTgt/>
+                  </p:tgtEl>
+                </p:cond>
+              </p:prevCondLst>
+              <p:nextCondLst>
+                <p:cond evt="onNext" delay="0">
+                  <p:tgtEl>
+                    <p:sldTgt/>
+                  </p:tgtEl>
+                </p:cond>
+              </p:nextCondLst>
+            </p:seq>
+          </p:childTnLst>
+        </p:cTn>
       </p:par>
     </p:tnLst>
+    <p:bldLst>
+      <p:bldP spid="25" grpId="1" animBg="1"/>
+    </p:bldLst>
   </p:timing>
 </p:sld>
 </file>
@@ -10302,4 +12038,47 @@
   </a:objectDefaults>
   <a:extraClrSchemeLst/>
 </a:theme>
+</file>
+
+<file path=ppt/theme/themeOverride1.xml><?xml version="1.0" encoding="utf-8"?>
+<a:themeOverride xmlns:a="http://schemas.openxmlformats.org/drawingml/2006/main">
+  <a:clrScheme name="Office">
+    <a:dk1>
+      <a:sysClr val="windowText" lastClr="000000"/>
+    </a:dk1>
+    <a:lt1>
+      <a:sysClr val="window" lastClr="FFFFFF"/>
+    </a:lt1>
+    <a:dk2>
+      <a:srgbClr val="1F497D"/>
+    </a:dk2>
+    <a:lt2>
+      <a:srgbClr val="EEECE1"/>
+    </a:lt2>
+    <a:accent1>
+      <a:srgbClr val="4F81BD"/>
+    </a:accent1>
+    <a:accent2>
+      <a:srgbClr val="C0504D"/>
+    </a:accent2>
+    <a:accent3>
+      <a:srgbClr val="9BBB59"/>
+    </a:accent3>
+    <a:accent4>
+      <a:srgbClr val="8064A2"/>
+    </a:accent4>
+    <a:accent5>
+      <a:srgbClr val="4BACC6"/>
+    </a:accent5>
+    <a:accent6>
+      <a:srgbClr val="F79646"/>
+    </a:accent6>
+    <a:hlink>
+      <a:srgbClr val="0000FF"/>
+    </a:hlink>
+    <a:folHlink>
+      <a:srgbClr val="800080"/>
+    </a:folHlink>
+  </a:clrScheme>
+</a:themeOverride>
 </file>
--- a/Dokumentation/Abschlusspraesentation/rschmid_bachelorthesis_abschlusspraesentation.pptx
+++ b/Dokumentation/Abschlusspraesentation/rschmid_bachelorthesis_abschlusspraesentation.pptx
@@ -126,7 +126,7 @@
   </p:defaultTextStyle>
   <p:extLst>
     <p:ext uri="{521415D9-36F7-43E2-AB2F-B90AF26B5E84}">
-      <p14:sectionLst xmlns:p14="http://schemas.microsoft.com/office/powerpoint/2010/main" xmlns="">
+      <p14:sectionLst xmlns="" xmlns:p14="http://schemas.microsoft.com/office/powerpoint/2010/main">
         <p14:section name="Standardabschnitt" id="{7B243079-01A6-9A43-9750-52463C0078DC}">
           <p14:sldIdLst>
             <p14:sldId id="256"/>
@@ -310,7 +310,7 @@
     </p:spTree>
     <p:extLst>
       <p:ext uri="{BB962C8B-B14F-4D97-AF65-F5344CB8AC3E}">
-        <p14:creationId xmlns:p14="http://schemas.microsoft.com/office/powerpoint/2010/main" xmlns="" val="1086538339"/>
+        <p14:creationId xmlns="" xmlns:p14="http://schemas.microsoft.com/office/powerpoint/2010/main" val="1086538339"/>
       </p:ext>
     </p:extLst>
   </p:cSld>
@@ -573,7 +573,7 @@
     </p:spTree>
     <p:extLst>
       <p:ext uri="{BB962C8B-B14F-4D97-AF65-F5344CB8AC3E}">
-        <p14:creationId xmlns:p14="http://schemas.microsoft.com/office/powerpoint/2010/main" xmlns="" val="1800126041"/>
+        <p14:creationId xmlns="" xmlns:p14="http://schemas.microsoft.com/office/powerpoint/2010/main" val="1800126041"/>
       </p:ext>
     </p:extLst>
   </p:cSld>
@@ -930,7 +930,7 @@
     </p:spTree>
     <p:extLst>
       <p:ext uri="{BB962C8B-B14F-4D97-AF65-F5344CB8AC3E}">
-        <p14:creationId xmlns:p14="http://schemas.microsoft.com/office/powerpoint/2010/main" xmlns="" val="3481939034"/>
+        <p14:creationId xmlns="" xmlns:p14="http://schemas.microsoft.com/office/powerpoint/2010/main" val="3481939034"/>
       </p:ext>
     </p:extLst>
   </p:cSld>
@@ -1102,7 +1102,6 @@
               <a:rPr lang="en-US" dirty="0" smtClean="0"/>
               <a:t> Raffael Schmid</a:t>
             </a:r>
-            <a:endParaRPr lang="en-US" dirty="0" smtClean="0"/>
           </a:p>
         </p:txBody>
       </p:sp>
@@ -1133,7 +1132,7 @@
     </p:spTree>
     <p:extLst>
       <p:ext uri="{BB962C8B-B14F-4D97-AF65-F5344CB8AC3E}">
-        <p14:creationId xmlns:p14="http://schemas.microsoft.com/office/powerpoint/2010/main" xmlns="" val="586863889"/>
+        <p14:creationId xmlns="" xmlns:p14="http://schemas.microsoft.com/office/powerpoint/2010/main" val="586863889"/>
       </p:ext>
     </p:extLst>
   </p:cSld>
@@ -1315,7 +1314,6 @@
               <a:rPr lang="en-US" dirty="0" smtClean="0"/>
               <a:t> Raffael Schmid</a:t>
             </a:r>
-            <a:endParaRPr lang="en-US" dirty="0" smtClean="0"/>
           </a:p>
         </p:txBody>
       </p:sp>
@@ -1346,7 +1344,7 @@
     </p:spTree>
     <p:extLst>
       <p:ext uri="{BB962C8B-B14F-4D97-AF65-F5344CB8AC3E}">
-        <p14:creationId xmlns:p14="http://schemas.microsoft.com/office/powerpoint/2010/main" xmlns="" val="3481408629"/>
+        <p14:creationId xmlns="" xmlns:p14="http://schemas.microsoft.com/office/powerpoint/2010/main" val="3481408629"/>
       </p:ext>
     </p:extLst>
   </p:cSld>
@@ -1518,7 +1516,6 @@
               <a:rPr lang="en-US" dirty="0" smtClean="0"/>
               <a:t> Raffael Schmid</a:t>
             </a:r>
-            <a:endParaRPr lang="en-US" dirty="0" smtClean="0"/>
           </a:p>
         </p:txBody>
       </p:sp>
@@ -1549,7 +1546,7 @@
     </p:spTree>
     <p:extLst>
       <p:ext uri="{BB962C8B-B14F-4D97-AF65-F5344CB8AC3E}">
-        <p14:creationId xmlns:p14="http://schemas.microsoft.com/office/powerpoint/2010/main" xmlns="" val="1347152024"/>
+        <p14:creationId xmlns="" xmlns:p14="http://schemas.microsoft.com/office/powerpoint/2010/main" val="1347152024"/>
       </p:ext>
     </p:extLst>
   </p:cSld>
@@ -1827,7 +1824,7 @@
     </p:spTree>
     <p:extLst>
       <p:ext uri="{BB962C8B-B14F-4D97-AF65-F5344CB8AC3E}">
-        <p14:creationId xmlns:p14="http://schemas.microsoft.com/office/powerpoint/2010/main" xmlns="" val="4062453395"/>
+        <p14:creationId xmlns="" xmlns:p14="http://schemas.microsoft.com/office/powerpoint/2010/main" val="4062453395"/>
       </p:ext>
     </p:extLst>
   </p:cSld>
@@ -2117,7 +2114,6 @@
               <a:rPr lang="en-US" dirty="0" smtClean="0"/>
               <a:t> Raffael Schmid</a:t>
             </a:r>
-            <a:endParaRPr lang="en-US" dirty="0" smtClean="0"/>
           </a:p>
         </p:txBody>
       </p:sp>
@@ -2148,7 +2144,7 @@
     </p:spTree>
     <p:extLst>
       <p:ext uri="{BB962C8B-B14F-4D97-AF65-F5344CB8AC3E}">
-        <p14:creationId xmlns:p14="http://schemas.microsoft.com/office/powerpoint/2010/main" xmlns="" val="3785861044"/>
+        <p14:creationId xmlns="" xmlns:p14="http://schemas.microsoft.com/office/powerpoint/2010/main" val="3785861044"/>
       </p:ext>
     </p:extLst>
   </p:cSld>
@@ -2572,7 +2568,6 @@
               <a:rPr lang="en-US" dirty="0" smtClean="0"/>
               <a:t> Raffael Schmid</a:t>
             </a:r>
-            <a:endParaRPr lang="en-US" dirty="0" smtClean="0"/>
           </a:p>
         </p:txBody>
       </p:sp>
@@ -2603,7 +2598,7 @@
     </p:spTree>
     <p:extLst>
       <p:ext uri="{BB962C8B-B14F-4D97-AF65-F5344CB8AC3E}">
-        <p14:creationId xmlns:p14="http://schemas.microsoft.com/office/powerpoint/2010/main" xmlns="" val="462349177"/>
+        <p14:creationId xmlns="" xmlns:p14="http://schemas.microsoft.com/office/powerpoint/2010/main" val="462349177"/>
       </p:ext>
     </p:extLst>
   </p:cSld>
@@ -2723,7 +2718,6 @@
               <a:rPr lang="en-US" dirty="0" smtClean="0"/>
               <a:t> Raffael Schmid</a:t>
             </a:r>
-            <a:endParaRPr lang="en-US" dirty="0" smtClean="0"/>
           </a:p>
         </p:txBody>
       </p:sp>
@@ -2754,7 +2748,7 @@
     </p:spTree>
     <p:extLst>
       <p:ext uri="{BB962C8B-B14F-4D97-AF65-F5344CB8AC3E}">
-        <p14:creationId xmlns:p14="http://schemas.microsoft.com/office/powerpoint/2010/main" xmlns="" val="1564851609"/>
+        <p14:creationId xmlns="" xmlns:p14="http://schemas.microsoft.com/office/powerpoint/2010/main" val="1564851609"/>
       </p:ext>
     </p:extLst>
   </p:cSld>
@@ -2851,7 +2845,6 @@
               <a:rPr lang="en-US" dirty="0" smtClean="0"/>
               <a:t> Raffael Schmid</a:t>
             </a:r>
-            <a:endParaRPr lang="en-US" dirty="0" smtClean="0"/>
           </a:p>
         </p:txBody>
       </p:sp>
@@ -2882,7 +2875,7 @@
     </p:spTree>
     <p:extLst>
       <p:ext uri="{BB962C8B-B14F-4D97-AF65-F5344CB8AC3E}">
-        <p14:creationId xmlns:p14="http://schemas.microsoft.com/office/powerpoint/2010/main" xmlns="" val="63479136"/>
+        <p14:creationId xmlns="" xmlns:p14="http://schemas.microsoft.com/office/powerpoint/2010/main" val="63479136"/>
       </p:ext>
     </p:extLst>
   </p:cSld>
@@ -3161,7 +3154,6 @@
               <a:rPr lang="en-US" dirty="0" smtClean="0"/>
               <a:t> Raffael Schmid</a:t>
             </a:r>
-            <a:endParaRPr lang="en-US" dirty="0" smtClean="0"/>
           </a:p>
         </p:txBody>
       </p:sp>
@@ -3192,7 +3184,7 @@
     </p:spTree>
     <p:extLst>
       <p:ext uri="{BB962C8B-B14F-4D97-AF65-F5344CB8AC3E}">
-        <p14:creationId xmlns:p14="http://schemas.microsoft.com/office/powerpoint/2010/main" xmlns="" val="2551175190"/>
+        <p14:creationId xmlns="" xmlns:p14="http://schemas.microsoft.com/office/powerpoint/2010/main" val="2551175190"/>
       </p:ext>
     </p:extLst>
   </p:cSld>
@@ -3447,7 +3439,6 @@
               <a:rPr lang="en-US" dirty="0" smtClean="0"/>
               <a:t> Raffael Schmid</a:t>
             </a:r>
-            <a:endParaRPr lang="en-US" dirty="0" smtClean="0"/>
           </a:p>
         </p:txBody>
       </p:sp>
@@ -3478,7 +3469,7 @@
     </p:spTree>
     <p:extLst>
       <p:ext uri="{BB962C8B-B14F-4D97-AF65-F5344CB8AC3E}">
-        <p14:creationId xmlns:p14="http://schemas.microsoft.com/office/powerpoint/2010/main" xmlns="" val="2177690418"/>
+        <p14:creationId xmlns="" xmlns:p14="http://schemas.microsoft.com/office/powerpoint/2010/main" val="2177690418"/>
       </p:ext>
     </p:extLst>
   </p:cSld>
@@ -3711,7 +3702,6 @@
               <a:rPr lang="en-US" dirty="0" smtClean="0"/>
               <a:t> Raffael Schmid</a:t>
             </a:r>
-            <a:endParaRPr lang="en-US" dirty="0" smtClean="0"/>
           </a:p>
         </p:txBody>
       </p:sp>
@@ -3760,7 +3750,7 @@
     </p:spTree>
     <p:extLst>
       <p:ext uri="{BB962C8B-B14F-4D97-AF65-F5344CB8AC3E}">
-        <p14:creationId xmlns:p14="http://schemas.microsoft.com/office/powerpoint/2010/main" xmlns="" val="1050626384"/>
+        <p14:creationId xmlns="" xmlns:p14="http://schemas.microsoft.com/office/powerpoint/2010/main" val="1050626384"/>
       </p:ext>
     </p:extLst>
   </p:cSld>
@@ -4167,7 +4157,7 @@
     <a:masterClrMapping/>
   </p:clrMapOvr>
   <mc:AlternateContent xmlns:mc="http://schemas.openxmlformats.org/markup-compatibility/2006">
-    <mc:Choice xmlns:p14="http://schemas.microsoft.com/office/powerpoint/2010/main" xmlns="" Requires="p14">
+    <mc:Choice xmlns="" xmlns:p14="http://schemas.microsoft.com/office/powerpoint/2010/main" Requires="p14">
       <p:transition spd="slow" p14:dur="2000"/>
     </mc:Choice>
     <mc:Fallback>
@@ -4350,7 +4340,7 @@
         </p:nvSpPr>
         <p:spPr>
           <a:xfrm>
-            <a:off x="7015163" y="4521200"/>
+            <a:off x="7015163" y="3949700"/>
             <a:ext cx="2128837" cy="400110"/>
           </a:xfrm>
           <a:prstGeom prst="rect">
@@ -4380,7 +4370,7 @@
         </p:nvSpPr>
         <p:spPr>
           <a:xfrm>
-            <a:off x="7015163" y="1936690"/>
+            <a:off x="7015163" y="1796990"/>
             <a:ext cx="2128837" cy="707886"/>
           </a:xfrm>
           <a:prstGeom prst="rect">
@@ -4440,6 +4430,51 @@
       </p:grpSpPr>
       <p:sp>
         <p:nvSpPr>
+          <p:cNvPr id="7" name="Rectangle 6"/>
+          <p:cNvSpPr/>
+          <p:nvPr/>
+        </p:nvSpPr>
+        <p:spPr>
+          <a:xfrm>
+            <a:off x="177800" y="2533590"/>
+            <a:ext cx="6837363" cy="707886"/>
+          </a:xfrm>
+          <a:prstGeom prst="rect">
+            <a:avLst/>
+          </a:prstGeom>
+          <a:solidFill>
+            <a:schemeClr val="tx2">
+              <a:lumMod val="20000"/>
+              <a:lumOff val="80000"/>
+            </a:schemeClr>
+          </a:solidFill>
+          <a:effectLst/>
+        </p:spPr>
+        <p:style>
+          <a:lnRef idx="1">
+            <a:schemeClr val="accent1"/>
+          </a:lnRef>
+          <a:fillRef idx="3">
+            <a:schemeClr val="accent1"/>
+          </a:fillRef>
+          <a:effectRef idx="2">
+            <a:schemeClr val="accent1"/>
+          </a:effectRef>
+          <a:fontRef idx="minor">
+            <a:schemeClr val="lt1"/>
+          </a:fontRef>
+        </p:style>
+        <p:txBody>
+          <a:bodyPr rtlCol="0" anchor="ctr"/>
+          <a:lstStyle/>
+          <a:p>
+            <a:pPr algn="ctr"/>
+            <a:endParaRPr lang="en-US"/>
+          </a:p>
+        </p:txBody>
+      </p:sp>
+      <p:sp>
+        <p:nvSpPr>
           <p:cNvPr id="2" name="Title 1"/>
           <p:cNvSpPr>
             <a:spLocks noGrp="1"/>
@@ -4524,6 +4559,1021 @@
               <a:rPr lang="en-US" dirty="0" smtClean="0"/>
               <a:t> Raffael Schmid</a:t>
             </a:r>
+          </a:p>
+        </p:txBody>
+      </p:sp>
+      <p:sp>
+        <p:nvSpPr>
+          <p:cNvPr id="8" name="Rectangle 7"/>
+          <p:cNvSpPr/>
+          <p:nvPr/>
+        </p:nvSpPr>
+        <p:spPr>
+          <a:xfrm>
+            <a:off x="177800" y="4556324"/>
+            <a:ext cx="6837363" cy="707886"/>
+          </a:xfrm>
+          <a:prstGeom prst="rect">
+            <a:avLst/>
+          </a:prstGeom>
+          <a:solidFill>
+            <a:schemeClr val="tx2">
+              <a:lumMod val="20000"/>
+              <a:lumOff val="80000"/>
+            </a:schemeClr>
+          </a:solidFill>
+          <a:effectLst/>
+        </p:spPr>
+        <p:style>
+          <a:lnRef idx="1">
+            <a:schemeClr val="accent1"/>
+          </a:lnRef>
+          <a:fillRef idx="3">
+            <a:schemeClr val="accent1"/>
+          </a:fillRef>
+          <a:effectRef idx="2">
+            <a:schemeClr val="accent1"/>
+          </a:effectRef>
+          <a:fontRef idx="minor">
+            <a:schemeClr val="lt1"/>
+          </a:fontRef>
+        </p:style>
+        <p:txBody>
+          <a:bodyPr rtlCol="0" anchor="ctr"/>
+          <a:lstStyle/>
+          <a:p>
+            <a:pPr algn="ctr"/>
+            <a:endParaRPr lang="en-US"/>
+          </a:p>
+        </p:txBody>
+      </p:sp>
+      <p:sp>
+        <p:nvSpPr>
+          <p:cNvPr id="9" name="Rectangle 8"/>
+          <p:cNvSpPr/>
+          <p:nvPr/>
+        </p:nvSpPr>
+        <p:spPr>
+          <a:xfrm>
+            <a:off x="177800" y="4556324"/>
+            <a:ext cx="865808" cy="707886"/>
+          </a:xfrm>
+          <a:prstGeom prst="rect">
+            <a:avLst/>
+          </a:prstGeom>
+          <a:solidFill>
+            <a:schemeClr val="accent6">
+              <a:lumMod val="20000"/>
+              <a:lumOff val="80000"/>
+            </a:schemeClr>
+          </a:solidFill>
+          <a:effectLst/>
+        </p:spPr>
+        <p:style>
+          <a:lnRef idx="1">
+            <a:schemeClr val="accent1"/>
+          </a:lnRef>
+          <a:fillRef idx="3">
+            <a:schemeClr val="accent1"/>
+          </a:fillRef>
+          <a:effectRef idx="2">
+            <a:schemeClr val="accent1"/>
+          </a:effectRef>
+          <a:fontRef idx="minor">
+            <a:schemeClr val="lt1"/>
+          </a:fontRef>
+        </p:style>
+        <p:txBody>
+          <a:bodyPr rtlCol="0" anchor="ctr"/>
+          <a:lstStyle/>
+          <a:p>
+            <a:pPr algn="ctr"/>
+            <a:r>
+              <a:rPr lang="de-CH" dirty="0" smtClean="0">
+                <a:solidFill>
+                  <a:schemeClr val="tx1"/>
+                </a:solidFill>
+              </a:rPr>
+              <a:t>Import</a:t>
+            </a:r>
+            <a:endParaRPr lang="en-US" dirty="0">
+              <a:solidFill>
+                <a:schemeClr val="tx1"/>
+              </a:solidFill>
+            </a:endParaRPr>
+          </a:p>
+        </p:txBody>
+      </p:sp>
+      <p:sp>
+        <p:nvSpPr>
+          <p:cNvPr id="12" name="TextBox 11"/>
+          <p:cNvSpPr txBox="1"/>
+          <p:nvPr/>
+        </p:nvSpPr>
+        <p:spPr>
+          <a:xfrm>
+            <a:off x="7015163" y="4686300"/>
+            <a:ext cx="2128837" cy="400110"/>
+          </a:xfrm>
+          <a:prstGeom prst="rect">
+            <a:avLst/>
+          </a:prstGeom>
+          <a:noFill/>
+        </p:spPr>
+        <p:txBody>
+          <a:bodyPr wrap="square" rtlCol="0">
+            <a:spAutoFit/>
+          </a:bodyPr>
+          <a:lstStyle/>
+          <a:p>
+            <a:r>
+              <a:rPr lang="de-CH" sz="2000" b="1" dirty="0" smtClean="0"/>
+              <a:t>Basissoftware</a:t>
+            </a:r>
+            <a:endParaRPr lang="en-US" sz="2000" b="1" dirty="0"/>
+          </a:p>
+        </p:txBody>
+      </p:sp>
+      <p:sp>
+        <p:nvSpPr>
+          <p:cNvPr id="13" name="TextBox 12"/>
+          <p:cNvSpPr txBox="1"/>
+          <p:nvPr/>
+        </p:nvSpPr>
+        <p:spPr>
+          <a:xfrm>
+            <a:off x="7015163" y="2533590"/>
+            <a:ext cx="2128837" cy="707886"/>
+          </a:xfrm>
+          <a:prstGeom prst="rect">
+            <a:avLst/>
+          </a:prstGeom>
+          <a:noFill/>
+        </p:spPr>
+        <p:txBody>
+          <a:bodyPr wrap="square" rtlCol="0">
+            <a:spAutoFit/>
+          </a:bodyPr>
+          <a:lstStyle/>
+          <a:p>
+            <a:r>
+              <a:rPr lang="de-CH" sz="2000" b="1" dirty="0" err="1" smtClean="0"/>
+              <a:t>JRockit</a:t>
+            </a:r>
+            <a:r>
+              <a:rPr lang="de-CH" sz="2000" b="1" dirty="0" smtClean="0"/>
+              <a:t> Erweiterung</a:t>
+            </a:r>
+            <a:endParaRPr lang="en-US" sz="2000" b="1" dirty="0"/>
+          </a:p>
+        </p:txBody>
+      </p:sp>
+      <p:sp>
+        <p:nvSpPr>
+          <p:cNvPr id="14" name="Rectangle 13"/>
+          <p:cNvSpPr/>
+          <p:nvPr/>
+        </p:nvSpPr>
+        <p:spPr>
+          <a:xfrm>
+            <a:off x="1155700" y="4556324"/>
+            <a:ext cx="980852" cy="707886"/>
+          </a:xfrm>
+          <a:prstGeom prst="rect">
+            <a:avLst/>
+          </a:prstGeom>
+          <a:solidFill>
+            <a:schemeClr val="accent6">
+              <a:lumMod val="20000"/>
+              <a:lumOff val="80000"/>
+            </a:schemeClr>
+          </a:solidFill>
+          <a:effectLst/>
+        </p:spPr>
+        <p:style>
+          <a:lnRef idx="1">
+            <a:schemeClr val="accent1"/>
+          </a:lnRef>
+          <a:fillRef idx="3">
+            <a:schemeClr val="accent1"/>
+          </a:fillRef>
+          <a:effectRef idx="2">
+            <a:schemeClr val="accent1"/>
+          </a:effectRef>
+          <a:fontRef idx="minor">
+            <a:schemeClr val="lt1"/>
+          </a:fontRef>
+        </p:style>
+        <p:txBody>
+          <a:bodyPr rtlCol="0" anchor="ctr"/>
+          <a:lstStyle/>
+          <a:p>
+            <a:pPr algn="ctr"/>
+            <a:r>
+              <a:rPr lang="de-CH" dirty="0" smtClean="0">
+                <a:solidFill>
+                  <a:schemeClr val="tx1"/>
+                </a:solidFill>
+              </a:rPr>
+              <a:t>Einlesen</a:t>
+            </a:r>
+            <a:endParaRPr lang="en-US" dirty="0">
+              <a:solidFill>
+                <a:schemeClr val="tx1"/>
+              </a:solidFill>
+            </a:endParaRPr>
+          </a:p>
+        </p:txBody>
+      </p:sp>
+      <p:cxnSp>
+        <p:nvCxnSpPr>
+          <p:cNvPr id="16" name="Straight Arrow Connector 15"/>
+          <p:cNvCxnSpPr>
+            <a:stCxn id="9" idx="3"/>
+            <a:endCxn id="14" idx="1"/>
+          </p:cNvCxnSpPr>
+          <p:nvPr/>
+        </p:nvCxnSpPr>
+        <p:spPr>
+          <a:xfrm>
+            <a:off x="1043608" y="4910267"/>
+            <a:ext cx="112092" cy="0"/>
+          </a:xfrm>
+          <a:prstGeom prst="straightConnector1">
+            <a:avLst/>
+          </a:prstGeom>
+          <a:ln w="9525">
+            <a:solidFill>
+              <a:schemeClr val="tx1"/>
+            </a:solidFill>
+            <a:prstDash val="dash"/>
+            <a:tailEnd type="arrow"/>
+          </a:ln>
+        </p:spPr>
+        <p:style>
+          <a:lnRef idx="2">
+            <a:schemeClr val="accent1"/>
+          </a:lnRef>
+          <a:fillRef idx="0">
+            <a:schemeClr val="accent1"/>
+          </a:fillRef>
+          <a:effectRef idx="1">
+            <a:schemeClr val="accent1"/>
+          </a:effectRef>
+          <a:fontRef idx="minor">
+            <a:schemeClr val="tx1"/>
+          </a:fontRef>
+        </p:style>
+      </p:cxnSp>
+      <p:cxnSp>
+        <p:nvCxnSpPr>
+          <p:cNvPr id="17" name="Straight Arrow Connector 16"/>
+          <p:cNvCxnSpPr/>
+          <p:nvPr/>
+        </p:nvCxnSpPr>
+        <p:spPr>
+          <a:xfrm flipV="1">
+            <a:off x="2136552" y="3241476"/>
+            <a:ext cx="0" cy="1314847"/>
+          </a:xfrm>
+          <a:prstGeom prst="straightConnector1">
+            <a:avLst/>
+          </a:prstGeom>
+          <a:ln w="9525">
+            <a:solidFill>
+              <a:schemeClr val="tx1"/>
+            </a:solidFill>
+            <a:prstDash val="dash"/>
+            <a:tailEnd type="arrow"/>
+          </a:ln>
+        </p:spPr>
+        <p:style>
+          <a:lnRef idx="2">
+            <a:schemeClr val="accent1"/>
+          </a:lnRef>
+          <a:fillRef idx="0">
+            <a:schemeClr val="accent1"/>
+          </a:fillRef>
+          <a:effectRef idx="1">
+            <a:schemeClr val="accent1"/>
+          </a:effectRef>
+          <a:fontRef idx="minor">
+            <a:schemeClr val="tx1"/>
+          </a:fontRef>
+        </p:style>
+      </p:cxnSp>
+      <p:sp>
+        <p:nvSpPr>
+          <p:cNvPr id="18" name="Rectangle 17"/>
+          <p:cNvSpPr/>
+          <p:nvPr/>
+        </p:nvSpPr>
+        <p:spPr>
+          <a:xfrm>
+            <a:off x="2136552" y="2533590"/>
+            <a:ext cx="825500" cy="707886"/>
+          </a:xfrm>
+          <a:prstGeom prst="rect">
+            <a:avLst/>
+          </a:prstGeom>
+          <a:solidFill>
+            <a:schemeClr val="accent6">
+              <a:lumMod val="20000"/>
+              <a:lumOff val="80000"/>
+            </a:schemeClr>
+          </a:solidFill>
+          <a:effectLst/>
+        </p:spPr>
+        <p:style>
+          <a:lnRef idx="1">
+            <a:schemeClr val="accent1"/>
+          </a:lnRef>
+          <a:fillRef idx="3">
+            <a:schemeClr val="accent1"/>
+          </a:fillRef>
+          <a:effectRef idx="2">
+            <a:schemeClr val="accent1"/>
+          </a:effectRef>
+          <a:fontRef idx="minor">
+            <a:schemeClr val="lt1"/>
+          </a:fontRef>
+        </p:style>
+        <p:txBody>
+          <a:bodyPr rtlCol="0" anchor="ctr"/>
+          <a:lstStyle/>
+          <a:p>
+            <a:pPr algn="ctr"/>
+            <a:r>
+              <a:rPr lang="de-CH" dirty="0" smtClean="0">
+                <a:solidFill>
+                  <a:schemeClr val="tx1"/>
+                </a:solidFill>
+              </a:rPr>
+              <a:t>Parsen</a:t>
+            </a:r>
+            <a:endParaRPr lang="en-US" dirty="0">
+              <a:solidFill>
+                <a:schemeClr val="tx1"/>
+              </a:solidFill>
+            </a:endParaRPr>
+          </a:p>
+        </p:txBody>
+      </p:sp>
+      <p:sp>
+        <p:nvSpPr>
+          <p:cNvPr id="23" name="Rectangle 22"/>
+          <p:cNvSpPr/>
+          <p:nvPr/>
+        </p:nvSpPr>
+        <p:spPr>
+          <a:xfrm>
+            <a:off x="2962052" y="4556324"/>
+            <a:ext cx="774700" cy="707886"/>
+          </a:xfrm>
+          <a:prstGeom prst="rect">
+            <a:avLst/>
+          </a:prstGeom>
+          <a:solidFill>
+            <a:schemeClr val="accent6">
+              <a:lumMod val="20000"/>
+              <a:lumOff val="80000"/>
+            </a:schemeClr>
+          </a:solidFill>
+          <a:effectLst/>
+        </p:spPr>
+        <p:style>
+          <a:lnRef idx="1">
+            <a:schemeClr val="accent1"/>
+          </a:lnRef>
+          <a:fillRef idx="3">
+            <a:schemeClr val="accent1"/>
+          </a:fillRef>
+          <a:effectRef idx="2">
+            <a:schemeClr val="accent1"/>
+          </a:effectRef>
+          <a:fontRef idx="minor">
+            <a:schemeClr val="lt1"/>
+          </a:fontRef>
+        </p:style>
+        <p:txBody>
+          <a:bodyPr rtlCol="0" anchor="ctr"/>
+          <a:lstStyle/>
+          <a:p>
+            <a:pPr algn="ctr"/>
+            <a:r>
+              <a:rPr lang="de-CH" dirty="0" smtClean="0">
+                <a:solidFill>
+                  <a:schemeClr val="tx1"/>
+                </a:solidFill>
+              </a:rPr>
+              <a:t>Profil laden</a:t>
+            </a:r>
+            <a:endParaRPr lang="en-US" dirty="0">
+              <a:solidFill>
+                <a:schemeClr val="tx1"/>
+              </a:solidFill>
+            </a:endParaRPr>
+          </a:p>
+        </p:txBody>
+      </p:sp>
+      <p:cxnSp>
+        <p:nvCxnSpPr>
+          <p:cNvPr id="24" name="Straight Arrow Connector 23"/>
+          <p:cNvCxnSpPr/>
+          <p:nvPr/>
+        </p:nvCxnSpPr>
+        <p:spPr>
+          <a:xfrm>
+            <a:off x="2962052" y="3241474"/>
+            <a:ext cx="0" cy="1314848"/>
+          </a:xfrm>
+          <a:prstGeom prst="straightConnector1">
+            <a:avLst/>
+          </a:prstGeom>
+          <a:ln w="9525">
+            <a:solidFill>
+              <a:schemeClr val="tx1"/>
+            </a:solidFill>
+            <a:prstDash val="dash"/>
+            <a:tailEnd type="arrow"/>
+          </a:ln>
+        </p:spPr>
+        <p:style>
+          <a:lnRef idx="2">
+            <a:schemeClr val="accent1"/>
+          </a:lnRef>
+          <a:fillRef idx="0">
+            <a:schemeClr val="accent1"/>
+          </a:fillRef>
+          <a:effectRef idx="1">
+            <a:schemeClr val="accent1"/>
+          </a:effectRef>
+          <a:fontRef idx="minor">
+            <a:schemeClr val="tx1"/>
+          </a:fontRef>
+        </p:style>
+      </p:cxnSp>
+      <p:cxnSp>
+        <p:nvCxnSpPr>
+          <p:cNvPr id="27" name="Straight Arrow Connector 26"/>
+          <p:cNvCxnSpPr/>
+          <p:nvPr/>
+        </p:nvCxnSpPr>
+        <p:spPr>
+          <a:xfrm flipV="1">
+            <a:off x="5283200" y="3241474"/>
+            <a:ext cx="0" cy="1314847"/>
+          </a:xfrm>
+          <a:prstGeom prst="straightConnector1">
+            <a:avLst/>
+          </a:prstGeom>
+          <a:ln w="9525">
+            <a:solidFill>
+              <a:schemeClr val="tx1"/>
+            </a:solidFill>
+            <a:prstDash val="dash"/>
+            <a:tailEnd type="arrow"/>
+          </a:ln>
+        </p:spPr>
+        <p:style>
+          <a:lnRef idx="2">
+            <a:schemeClr val="accent1"/>
+          </a:lnRef>
+          <a:fillRef idx="0">
+            <a:schemeClr val="accent1"/>
+          </a:fillRef>
+          <a:effectRef idx="1">
+            <a:schemeClr val="accent1"/>
+          </a:effectRef>
+          <a:fontRef idx="minor">
+            <a:schemeClr val="tx1"/>
+          </a:fontRef>
+        </p:style>
+      </p:cxnSp>
+      <p:sp>
+        <p:nvSpPr>
+          <p:cNvPr id="28" name="Rectangle 27"/>
+          <p:cNvSpPr/>
+          <p:nvPr/>
+        </p:nvSpPr>
+        <p:spPr>
+          <a:xfrm>
+            <a:off x="5283200" y="2533588"/>
+            <a:ext cx="800968" cy="707886"/>
+          </a:xfrm>
+          <a:prstGeom prst="rect">
+            <a:avLst/>
+          </a:prstGeom>
+          <a:solidFill>
+            <a:schemeClr val="accent6">
+              <a:lumMod val="20000"/>
+              <a:lumOff val="80000"/>
+            </a:schemeClr>
+          </a:solidFill>
+          <a:effectLst/>
+        </p:spPr>
+        <p:style>
+          <a:lnRef idx="1">
+            <a:schemeClr val="accent1"/>
+          </a:lnRef>
+          <a:fillRef idx="3">
+            <a:schemeClr val="accent1"/>
+          </a:fillRef>
+          <a:effectRef idx="2">
+            <a:schemeClr val="accent1"/>
+          </a:effectRef>
+          <a:fontRef idx="minor">
+            <a:schemeClr val="lt1"/>
+          </a:fontRef>
+        </p:style>
+        <p:txBody>
+          <a:bodyPr rtlCol="0" anchor="ctr"/>
+          <a:lstStyle/>
+          <a:p>
+            <a:pPr algn="ctr"/>
+            <a:r>
+              <a:rPr lang="de-CH" dirty="0" smtClean="0">
+                <a:solidFill>
+                  <a:schemeClr val="tx1"/>
+                </a:solidFill>
+              </a:rPr>
+              <a:t>Daten laden</a:t>
+            </a:r>
+            <a:endParaRPr lang="en-US" dirty="0">
+              <a:solidFill>
+                <a:schemeClr val="tx1"/>
+              </a:solidFill>
+            </a:endParaRPr>
+          </a:p>
+        </p:txBody>
+      </p:sp>
+      <p:sp>
+        <p:nvSpPr>
+          <p:cNvPr id="29" name="Rectangle 28"/>
+          <p:cNvSpPr/>
+          <p:nvPr/>
+        </p:nvSpPr>
+        <p:spPr>
+          <a:xfrm>
+            <a:off x="6084168" y="4556323"/>
+            <a:ext cx="930994" cy="707886"/>
+          </a:xfrm>
+          <a:prstGeom prst="rect">
+            <a:avLst/>
+          </a:prstGeom>
+          <a:solidFill>
+            <a:schemeClr val="accent6">
+              <a:lumMod val="20000"/>
+              <a:lumOff val="80000"/>
+            </a:schemeClr>
+          </a:solidFill>
+          <a:effectLst/>
+        </p:spPr>
+        <p:style>
+          <a:lnRef idx="1">
+            <a:schemeClr val="accent1"/>
+          </a:lnRef>
+          <a:fillRef idx="3">
+            <a:schemeClr val="accent1"/>
+          </a:fillRef>
+          <a:effectRef idx="2">
+            <a:schemeClr val="accent1"/>
+          </a:effectRef>
+          <a:fontRef idx="minor">
+            <a:schemeClr val="lt1"/>
+          </a:fontRef>
+        </p:style>
+        <p:txBody>
+          <a:bodyPr rtlCol="0" anchor="ctr"/>
+          <a:lstStyle/>
+          <a:p>
+            <a:pPr algn="ctr"/>
+            <a:r>
+              <a:rPr lang="de-CH" dirty="0" smtClean="0">
+                <a:solidFill>
+                  <a:schemeClr val="tx1"/>
+                </a:solidFill>
+              </a:rPr>
+              <a:t>Anzeige</a:t>
+            </a:r>
+            <a:endParaRPr lang="en-US" dirty="0">
+              <a:solidFill>
+                <a:schemeClr val="tx1"/>
+              </a:solidFill>
+            </a:endParaRPr>
+          </a:p>
+        </p:txBody>
+      </p:sp>
+      <p:cxnSp>
+        <p:nvCxnSpPr>
+          <p:cNvPr id="30" name="Straight Arrow Connector 29"/>
+          <p:cNvCxnSpPr/>
+          <p:nvPr/>
+        </p:nvCxnSpPr>
+        <p:spPr>
+          <a:xfrm flipH="1">
+            <a:off x="6084168" y="3241478"/>
+            <a:ext cx="12700" cy="1314846"/>
+          </a:xfrm>
+          <a:prstGeom prst="straightConnector1">
+            <a:avLst/>
+          </a:prstGeom>
+          <a:ln w="9525">
+            <a:solidFill>
+              <a:schemeClr val="tx1"/>
+            </a:solidFill>
+            <a:prstDash val="dash"/>
+            <a:tailEnd type="arrow"/>
+          </a:ln>
+        </p:spPr>
+        <p:style>
+          <a:lnRef idx="2">
+            <a:schemeClr val="accent1"/>
+          </a:lnRef>
+          <a:fillRef idx="0">
+            <a:schemeClr val="accent1"/>
+          </a:fillRef>
+          <a:effectRef idx="1">
+            <a:schemeClr val="accent1"/>
+          </a:effectRef>
+          <a:fontRef idx="minor">
+            <a:schemeClr val="tx1"/>
+          </a:fontRef>
+        </p:style>
+      </p:cxnSp>
+      <p:grpSp>
+        <p:nvGrpSpPr>
+          <p:cNvPr id="53" name="Group 52"/>
+          <p:cNvGrpSpPr/>
+          <p:nvPr/>
+        </p:nvGrpSpPr>
+        <p:grpSpPr>
+          <a:xfrm>
+            <a:off x="1155700" y="5264210"/>
+            <a:ext cx="3352800" cy="730190"/>
+            <a:chOff x="1155700" y="4527610"/>
+            <a:chExt cx="3352800" cy="730190"/>
+          </a:xfrm>
+        </p:grpSpPr>
+        <p:cxnSp>
+          <p:nvCxnSpPr>
+            <p:cNvPr id="35" name="Straight Connector 34"/>
+            <p:cNvCxnSpPr/>
+            <p:nvPr/>
+          </p:nvCxnSpPr>
+          <p:spPr>
+            <a:xfrm>
+              <a:off x="1155700" y="4527610"/>
+              <a:ext cx="0" cy="730190"/>
+            </a:xfrm>
+            <a:prstGeom prst="line">
+              <a:avLst/>
+            </a:prstGeom>
+            <a:ln w="9525">
+              <a:prstDash val="sysDash"/>
+            </a:ln>
+          </p:spPr>
+          <p:style>
+            <a:lnRef idx="2">
+              <a:schemeClr val="accent1"/>
+            </a:lnRef>
+            <a:fillRef idx="0">
+              <a:schemeClr val="accent1"/>
+            </a:fillRef>
+            <a:effectRef idx="1">
+              <a:schemeClr val="accent1"/>
+            </a:effectRef>
+            <a:fontRef idx="minor">
+              <a:schemeClr val="tx1"/>
+            </a:fontRef>
+          </p:style>
+        </p:cxnSp>
+        <p:sp>
+          <p:nvSpPr>
+            <p:cNvPr id="38" name="TextBox 37"/>
+            <p:cNvSpPr txBox="1"/>
+            <p:nvPr/>
+          </p:nvSpPr>
+          <p:spPr>
+            <a:xfrm>
+              <a:off x="1155700" y="4673024"/>
+              <a:ext cx="3352800" cy="584775"/>
+            </a:xfrm>
+            <a:prstGeom prst="rect">
+              <a:avLst/>
+            </a:prstGeom>
+            <a:noFill/>
+          </p:spPr>
+          <p:txBody>
+            <a:bodyPr wrap="square" rtlCol="0">
+              <a:spAutoFit/>
+            </a:bodyPr>
+            <a:lstStyle/>
+            <a:p>
+              <a:r>
+                <a:rPr lang="de-CH" sz="1600" dirty="0" smtClean="0"/>
+                <a:t>Analyse öffnen</a:t>
+              </a:r>
+              <a:br>
+                <a:rPr lang="de-CH" sz="1600" dirty="0" smtClean="0"/>
+              </a:br>
+              <a:r>
+                <a:rPr lang="de-CH" sz="1600" dirty="0" smtClean="0"/>
+                <a:t>(bedingt Import)</a:t>
+              </a:r>
+              <a:endParaRPr lang="en-US" sz="1600" dirty="0"/>
+            </a:p>
+          </p:txBody>
+        </p:sp>
+      </p:grpSp>
+      <p:sp>
+        <p:nvSpPr>
+          <p:cNvPr id="43" name="Rectangle 42"/>
+          <p:cNvSpPr/>
+          <p:nvPr/>
+        </p:nvSpPr>
+        <p:spPr>
+          <a:xfrm>
+            <a:off x="3860800" y="4556322"/>
+            <a:ext cx="1422400" cy="707886"/>
+          </a:xfrm>
+          <a:prstGeom prst="rect">
+            <a:avLst/>
+          </a:prstGeom>
+          <a:solidFill>
+            <a:schemeClr val="accent6">
+              <a:lumMod val="20000"/>
+              <a:lumOff val="80000"/>
+            </a:schemeClr>
+          </a:solidFill>
+          <a:effectLst/>
+        </p:spPr>
+        <p:style>
+          <a:lnRef idx="1">
+            <a:schemeClr val="accent1"/>
+          </a:lnRef>
+          <a:fillRef idx="3">
+            <a:schemeClr val="accent1"/>
+          </a:fillRef>
+          <a:effectRef idx="2">
+            <a:schemeClr val="accent1"/>
+          </a:effectRef>
+          <a:fontRef idx="minor">
+            <a:schemeClr val="lt1"/>
+          </a:fontRef>
+        </p:style>
+        <p:txBody>
+          <a:bodyPr rtlCol="0" anchor="ctr"/>
+          <a:lstStyle/>
+          <a:p>
+            <a:pPr algn="ctr"/>
+            <a:r>
+              <a:rPr lang="de-CH" dirty="0" smtClean="0">
+                <a:solidFill>
+                  <a:schemeClr val="tx1"/>
+                </a:solidFill>
+              </a:rPr>
+              <a:t>Analysefenster öffnen</a:t>
+            </a:r>
+            <a:endParaRPr lang="en-US" dirty="0">
+              <a:solidFill>
+                <a:schemeClr val="tx1"/>
+              </a:solidFill>
+            </a:endParaRPr>
+          </a:p>
+        </p:txBody>
+      </p:sp>
+      <p:cxnSp>
+        <p:nvCxnSpPr>
+          <p:cNvPr id="50" name="Straight Arrow Connector 49"/>
+          <p:cNvCxnSpPr>
+            <a:stCxn id="23" idx="3"/>
+            <a:endCxn id="43" idx="1"/>
+          </p:cNvCxnSpPr>
+          <p:nvPr/>
+        </p:nvCxnSpPr>
+        <p:spPr>
+          <a:xfrm flipV="1">
+            <a:off x="3736752" y="4910265"/>
+            <a:ext cx="124048" cy="2"/>
+          </a:xfrm>
+          <a:prstGeom prst="straightConnector1">
+            <a:avLst/>
+          </a:prstGeom>
+          <a:ln w="9525">
+            <a:solidFill>
+              <a:schemeClr val="tx1"/>
+            </a:solidFill>
+            <a:prstDash val="dash"/>
+            <a:tailEnd type="arrow"/>
+          </a:ln>
+        </p:spPr>
+        <p:style>
+          <a:lnRef idx="2">
+            <a:schemeClr val="accent1"/>
+          </a:lnRef>
+          <a:fillRef idx="0">
+            <a:schemeClr val="accent1"/>
+          </a:fillRef>
+          <a:effectRef idx="1">
+            <a:schemeClr val="accent1"/>
+          </a:effectRef>
+          <a:fontRef idx="minor">
+            <a:schemeClr val="tx1"/>
+          </a:fontRef>
+        </p:style>
+      </p:cxnSp>
+      <p:grpSp>
+        <p:nvGrpSpPr>
+          <p:cNvPr id="54" name="Group 53"/>
+          <p:cNvGrpSpPr/>
+          <p:nvPr/>
+        </p:nvGrpSpPr>
+        <p:grpSpPr>
+          <a:xfrm>
+            <a:off x="2959100" y="5264210"/>
+            <a:ext cx="2324100" cy="976411"/>
+            <a:chOff x="1155700" y="4527610"/>
+            <a:chExt cx="2324100" cy="976411"/>
+          </a:xfrm>
+        </p:grpSpPr>
+        <p:cxnSp>
+          <p:nvCxnSpPr>
+            <p:cNvPr id="55" name="Straight Connector 54"/>
+            <p:cNvCxnSpPr/>
+            <p:nvPr/>
+          </p:nvCxnSpPr>
+          <p:spPr>
+            <a:xfrm>
+              <a:off x="1155700" y="4527610"/>
+              <a:ext cx="0" cy="730190"/>
+            </a:xfrm>
+            <a:prstGeom prst="line">
+              <a:avLst/>
+            </a:prstGeom>
+            <a:ln w="9525">
+              <a:prstDash val="sysDash"/>
+            </a:ln>
+          </p:spPr>
+          <p:style>
+            <a:lnRef idx="2">
+              <a:schemeClr val="accent1"/>
+            </a:lnRef>
+            <a:fillRef idx="0">
+              <a:schemeClr val="accent1"/>
+            </a:fillRef>
+            <a:effectRef idx="1">
+              <a:schemeClr val="accent1"/>
+            </a:effectRef>
+            <a:fontRef idx="minor">
+              <a:schemeClr val="tx1"/>
+            </a:fontRef>
+          </p:style>
+        </p:cxnSp>
+        <p:sp>
+          <p:nvSpPr>
+            <p:cNvPr id="56" name="TextBox 55"/>
+            <p:cNvSpPr txBox="1"/>
+            <p:nvPr/>
+          </p:nvSpPr>
+          <p:spPr>
+            <a:xfrm>
+              <a:off x="1155700" y="4673024"/>
+              <a:ext cx="2324100" cy="830997"/>
+            </a:xfrm>
+            <a:prstGeom prst="rect">
+              <a:avLst/>
+            </a:prstGeom>
+            <a:noFill/>
+          </p:spPr>
+          <p:txBody>
+            <a:bodyPr wrap="square" rtlCol="0">
+              <a:spAutoFit/>
+            </a:bodyPr>
+            <a:lstStyle/>
+            <a:p>
+              <a:r>
+                <a:rPr lang="de-CH" sz="1600" dirty="0" smtClean="0"/>
+                <a:t>Konfiguration der Diagramme befindet sich in Profilen</a:t>
+              </a:r>
+              <a:endParaRPr lang="en-US" sz="1600" dirty="0"/>
+            </a:p>
+          </p:txBody>
+        </p:sp>
+      </p:grpSp>
+      <p:grpSp>
+        <p:nvGrpSpPr>
+          <p:cNvPr id="57" name="Group 56"/>
+          <p:cNvGrpSpPr/>
+          <p:nvPr/>
+        </p:nvGrpSpPr>
+        <p:grpSpPr>
+          <a:xfrm>
+            <a:off x="2136552" y="1803398"/>
+            <a:ext cx="3352800" cy="730190"/>
+            <a:chOff x="1155700" y="4527610"/>
+            <a:chExt cx="3352800" cy="730190"/>
+          </a:xfrm>
+        </p:grpSpPr>
+        <p:cxnSp>
+          <p:nvCxnSpPr>
+            <p:cNvPr id="58" name="Straight Connector 57"/>
+            <p:cNvCxnSpPr/>
+            <p:nvPr/>
+          </p:nvCxnSpPr>
+          <p:spPr>
+            <a:xfrm>
+              <a:off x="1155700" y="4527610"/>
+              <a:ext cx="0" cy="730190"/>
+            </a:xfrm>
+            <a:prstGeom prst="line">
+              <a:avLst/>
+            </a:prstGeom>
+            <a:ln w="9525">
+              <a:prstDash val="sysDash"/>
+            </a:ln>
+          </p:spPr>
+          <p:style>
+            <a:lnRef idx="2">
+              <a:schemeClr val="accent1"/>
+            </a:lnRef>
+            <a:fillRef idx="0">
+              <a:schemeClr val="accent1"/>
+            </a:fillRef>
+            <a:effectRef idx="1">
+              <a:schemeClr val="accent1"/>
+            </a:effectRef>
+            <a:fontRef idx="minor">
+              <a:schemeClr val="tx1"/>
+            </a:fontRef>
+          </p:style>
+        </p:cxnSp>
+        <p:sp>
+          <p:nvSpPr>
+            <p:cNvPr id="59" name="TextBox 58"/>
+            <p:cNvSpPr txBox="1"/>
+            <p:nvPr/>
+          </p:nvSpPr>
+          <p:spPr>
+            <a:xfrm>
+              <a:off x="1155700" y="4673024"/>
+              <a:ext cx="3352800" cy="584775"/>
+            </a:xfrm>
+            <a:prstGeom prst="rect">
+              <a:avLst/>
+            </a:prstGeom>
+            <a:noFill/>
+          </p:spPr>
+          <p:txBody>
+            <a:bodyPr wrap="square" rtlCol="0">
+              <a:spAutoFit/>
+            </a:bodyPr>
+            <a:lstStyle/>
+            <a:p>
+              <a:r>
+                <a:rPr lang="de-CH" sz="1600" dirty="0" smtClean="0"/>
+                <a:t>syntaktische, semantische Analyse (</a:t>
+              </a:r>
+              <a:r>
+                <a:rPr lang="de-CH" sz="1600" dirty="0" err="1" smtClean="0"/>
+                <a:t>Instanzierung</a:t>
+              </a:r>
+              <a:r>
+                <a:rPr lang="de-CH" sz="1600" dirty="0" smtClean="0"/>
+                <a:t> Domänenmodell)</a:t>
+              </a:r>
+              <a:endParaRPr lang="en-US" sz="1600" dirty="0"/>
+            </a:p>
+          </p:txBody>
+        </p:sp>
+      </p:grpSp>
+      <p:sp>
+        <p:nvSpPr>
+          <p:cNvPr id="60" name="TextBox 59"/>
+          <p:cNvSpPr txBox="1"/>
+          <p:nvPr/>
+        </p:nvSpPr>
+        <p:spPr>
+          <a:xfrm>
+            <a:off x="5283200" y="1948815"/>
+            <a:ext cx="3352800" cy="584775"/>
+          </a:xfrm>
+          <a:prstGeom prst="rect">
+            <a:avLst/>
+          </a:prstGeom>
+          <a:noFill/>
+        </p:spPr>
+        <p:txBody>
+          <a:bodyPr wrap="square" rtlCol="0">
+            <a:spAutoFit/>
+          </a:bodyPr>
+          <a:lstStyle/>
+          <a:p>
+            <a:r>
+              <a:rPr lang="de-CH" sz="1600" dirty="0" smtClean="0"/>
+              <a:t>Datenreihen werden aus Domänenmodell geladen</a:t>
+            </a:r>
+            <a:endParaRPr lang="en-US" sz="1600" dirty="0"/>
           </a:p>
         </p:txBody>
       </p:sp>
@@ -4593,25 +5643,6 @@
       </p:sp>
       <p:sp>
         <p:nvSpPr>
-          <p:cNvPr id="3" name="Content Placeholder 2"/>
-          <p:cNvSpPr>
-            <a:spLocks noGrp="1"/>
-          </p:cNvSpPr>
-          <p:nvPr>
-            <p:ph idx="1"/>
-          </p:nvPr>
-        </p:nvSpPr>
-        <p:spPr/>
-        <p:txBody>
-          <a:bodyPr/>
-          <a:lstStyle/>
-          <a:p>
-            <a:endParaRPr lang="en-US" dirty="0"/>
-          </a:p>
-        </p:txBody>
-      </p:sp>
-      <p:sp>
-        <p:nvSpPr>
           <p:cNvPr id="4" name="Footer Placeholder 3"/>
           <p:cNvSpPr>
             <a:spLocks noGrp="1"/>
@@ -4648,6 +5679,120 @@
               <a:rPr lang="en-US" dirty="0" smtClean="0"/>
               <a:t> Raffael Schmid</a:t>
             </a:r>
+          </a:p>
+        </p:txBody>
+      </p:sp>
+      <p:pic>
+        <p:nvPicPr>
+          <p:cNvPr id="1026" name="Picture 2"/>
+          <p:cNvPicPr>
+            <a:picLocks noChangeAspect="1" noChangeArrowheads="1"/>
+          </p:cNvPicPr>
+          <p:nvPr/>
+        </p:nvPicPr>
+        <p:blipFill>
+          <a:blip r:embed="rId2"/>
+          <a:srcRect/>
+          <a:stretch>
+            <a:fillRect/>
+          </a:stretch>
+        </p:blipFill>
+        <p:spPr bwMode="auto">
+          <a:xfrm>
+            <a:off x="1400201" y="3124200"/>
+            <a:ext cx="6108215" cy="3232150"/>
+          </a:xfrm>
+          <a:prstGeom prst="rect">
+            <a:avLst/>
+          </a:prstGeom>
+          <a:noFill/>
+          <a:ln w="9525">
+            <a:noFill/>
+            <a:miter lim="800000"/>
+            <a:headEnd/>
+            <a:tailEnd/>
+          </a:ln>
+          <a:effectLst/>
+        </p:spPr>
+      </p:pic>
+      <p:pic>
+        <p:nvPicPr>
+          <p:cNvPr id="1027" name="Picture 3"/>
+          <p:cNvPicPr>
+            <a:picLocks noChangeAspect="1" noChangeArrowheads="1"/>
+          </p:cNvPicPr>
+          <p:nvPr/>
+        </p:nvPicPr>
+        <p:blipFill>
+          <a:blip r:embed="rId3"/>
+          <a:srcRect/>
+          <a:stretch>
+            <a:fillRect/>
+          </a:stretch>
+        </p:blipFill>
+        <p:spPr bwMode="auto">
+          <a:xfrm>
+            <a:off x="88900" y="1669697"/>
+            <a:ext cx="8964488" cy="1113126"/>
+          </a:xfrm>
+          <a:prstGeom prst="rect">
+            <a:avLst/>
+          </a:prstGeom>
+          <a:noFill/>
+          <a:ln w="9525">
+            <a:solidFill>
+              <a:schemeClr val="tx1">
+                <a:lumMod val="50000"/>
+                <a:lumOff val="50000"/>
+              </a:schemeClr>
+            </a:solidFill>
+            <a:miter lim="800000"/>
+            <a:headEnd/>
+            <a:tailEnd/>
+          </a:ln>
+        </p:spPr>
+      </p:pic>
+      <p:sp>
+        <p:nvSpPr>
+          <p:cNvPr id="8" name="Rectangle 7"/>
+          <p:cNvSpPr/>
+          <p:nvPr/>
+        </p:nvSpPr>
+        <p:spPr>
+          <a:xfrm>
+            <a:off x="3479800" y="4902200"/>
+            <a:ext cx="2301416" cy="1219200"/>
+          </a:xfrm>
+          <a:prstGeom prst="rect">
+            <a:avLst/>
+          </a:prstGeom>
+          <a:noFill/>
+          <a:ln w="22225">
+            <a:solidFill>
+              <a:srgbClr val="FF0000"/>
+            </a:solidFill>
+          </a:ln>
+        </p:spPr>
+        <p:style>
+          <a:lnRef idx="1">
+            <a:schemeClr val="accent1"/>
+          </a:lnRef>
+          <a:fillRef idx="3">
+            <a:schemeClr val="accent1"/>
+          </a:fillRef>
+          <a:effectRef idx="2">
+            <a:schemeClr val="accent1"/>
+          </a:effectRef>
+          <a:fontRef idx="minor">
+            <a:schemeClr val="lt1"/>
+          </a:fontRef>
+        </p:style>
+        <p:txBody>
+          <a:bodyPr rtlCol="0" anchor="ctr"/>
+          <a:lstStyle/>
+          <a:p>
+            <a:pPr algn="ctr"/>
+            <a:endParaRPr lang="en-US"/>
           </a:p>
         </p:txBody>
       </p:sp>
@@ -4659,9 +5804,80 @@
   <p:timing>
     <p:tnLst>
       <p:par>
-        <p:cTn id="1" dur="indefinite" restart="never" nodeType="tmRoot"/>
+        <p:cTn id="1" dur="indefinite" restart="never" nodeType="tmRoot">
+          <p:childTnLst>
+            <p:seq concurrent="1" nextAc="seek">
+              <p:cTn id="2" dur="indefinite" nodeType="mainSeq">
+                <p:childTnLst>
+                  <p:par>
+                    <p:cTn id="3" fill="hold">
+                      <p:stCondLst>
+                        <p:cond delay="indefinite"/>
+                      </p:stCondLst>
+                      <p:childTnLst>
+                        <p:par>
+                          <p:cTn id="4" fill="hold">
+                            <p:stCondLst>
+                              <p:cond delay="0"/>
+                            </p:stCondLst>
+                            <p:childTnLst>
+                              <p:par>
+                                <p:cTn id="5" presetID="1" presetClass="entr" presetSubtype="0" fill="hold" grpId="0" nodeType="clickEffect">
+                                  <p:stCondLst>
+                                    <p:cond delay="0"/>
+                                  </p:stCondLst>
+                                  <p:childTnLst>
+                                    <p:set>
+                                      <p:cBhvr>
+                                        <p:cTn id="6" dur="1" fill="hold">
+                                          <p:stCondLst>
+                                            <p:cond delay="0"/>
+                                          </p:stCondLst>
+                                        </p:cTn>
+                                        <p:tgtEl>
+                                          <p:spTgt spid="8"/>
+                                        </p:tgtEl>
+                                        <p:attrNameLst>
+                                          <p:attrName>style.visibility</p:attrName>
+                                        </p:attrNameLst>
+                                      </p:cBhvr>
+                                      <p:to>
+                                        <p:strVal val="visible"/>
+                                      </p:to>
+                                    </p:set>
+                                  </p:childTnLst>
+                                </p:cTn>
+                              </p:par>
+                            </p:childTnLst>
+                          </p:cTn>
+                        </p:par>
+                      </p:childTnLst>
+                    </p:cTn>
+                  </p:par>
+                </p:childTnLst>
+              </p:cTn>
+              <p:prevCondLst>
+                <p:cond evt="onPrev" delay="0">
+                  <p:tgtEl>
+                    <p:sldTgt/>
+                  </p:tgtEl>
+                </p:cond>
+              </p:prevCondLst>
+              <p:nextCondLst>
+                <p:cond evt="onNext" delay="0">
+                  <p:tgtEl>
+                    <p:sldTgt/>
+                  </p:tgtEl>
+                </p:cond>
+              </p:nextCondLst>
+            </p:seq>
+          </p:childTnLst>
+        </p:cTn>
       </p:par>
     </p:tnLst>
+    <p:bldLst>
+      <p:bldP spid="8" grpId="0" animBg="1"/>
+    </p:bldLst>
   </p:timing>
 </p:sld>
 </file>
@@ -4709,27 +5925,16 @@
             </a:br>
             <a:r>
               <a:rPr lang="de-CH" dirty="0" smtClean="0"/>
-              <a:t>(Anzeige)</a:t>
-            </a:r>
-            <a:endParaRPr lang="en-US" dirty="0"/>
-          </a:p>
-        </p:txBody>
-      </p:sp>
-      <p:sp>
-        <p:nvSpPr>
-          <p:cNvPr id="3" name="Content Placeholder 2"/>
-          <p:cNvSpPr>
-            <a:spLocks noGrp="1"/>
-          </p:cNvSpPr>
-          <p:nvPr>
-            <p:ph idx="1"/>
-          </p:nvPr>
-        </p:nvSpPr>
-        <p:spPr/>
-        <p:txBody>
-          <a:bodyPr/>
-          <a:lstStyle/>
-          <a:p>
+              <a:t>(</a:t>
+            </a:r>
+            <a:r>
+              <a:rPr lang="de-CH" dirty="0" err="1" smtClean="0"/>
+              <a:t>MemoryModuleParser</a:t>
+            </a:r>
+            <a:r>
+              <a:rPr lang="de-CH" dirty="0" smtClean="0"/>
+              <a:t>)</a:t>
+            </a:r>
             <a:endParaRPr lang="en-US" dirty="0"/>
           </a:p>
         </p:txBody>
@@ -4772,6 +5977,820 @@
               <a:rPr lang="en-US" dirty="0" smtClean="0"/>
               <a:t> Raffael Schmid</a:t>
             </a:r>
+          </a:p>
+        </p:txBody>
+      </p:sp>
+      <p:pic>
+        <p:nvPicPr>
+          <p:cNvPr id="2050" name="Picture 2"/>
+          <p:cNvPicPr>
+            <a:picLocks noChangeAspect="1" noChangeArrowheads="1"/>
+          </p:cNvPicPr>
+          <p:nvPr/>
+        </p:nvPicPr>
+        <p:blipFill>
+          <a:blip r:embed="rId2"/>
+          <a:srcRect/>
+          <a:stretch>
+            <a:fillRect/>
+          </a:stretch>
+        </p:blipFill>
+        <p:spPr bwMode="auto">
+          <a:xfrm>
+            <a:off x="0" y="2311400"/>
+            <a:ext cx="4166314" cy="2587625"/>
+          </a:xfrm>
+          <a:prstGeom prst="rect">
+            <a:avLst/>
+          </a:prstGeom>
+          <a:noFill/>
+          <a:ln w="9525">
+            <a:noFill/>
+            <a:miter lim="800000"/>
+            <a:headEnd/>
+            <a:tailEnd/>
+          </a:ln>
+          <a:effectLst/>
+        </p:spPr>
+      </p:pic>
+      <p:sp>
+        <p:nvSpPr>
+          <p:cNvPr id="6" name="Rectangle 5"/>
+          <p:cNvSpPr/>
+          <p:nvPr/>
+        </p:nvSpPr>
+        <p:spPr>
+          <a:xfrm>
+            <a:off x="4226149" y="1863924"/>
+            <a:ext cx="4409852" cy="447476"/>
+          </a:xfrm>
+          <a:prstGeom prst="rect">
+            <a:avLst/>
+          </a:prstGeom>
+          <a:solidFill>
+            <a:schemeClr val="tx2">
+              <a:lumMod val="20000"/>
+              <a:lumOff val="80000"/>
+            </a:schemeClr>
+          </a:solidFill>
+          <a:effectLst/>
+        </p:spPr>
+        <p:style>
+          <a:lnRef idx="1">
+            <a:schemeClr val="accent1"/>
+          </a:lnRef>
+          <a:fillRef idx="3">
+            <a:schemeClr val="accent1"/>
+          </a:fillRef>
+          <a:effectRef idx="2">
+            <a:schemeClr val="accent1"/>
+          </a:effectRef>
+          <a:fontRef idx="minor">
+            <a:schemeClr val="lt1"/>
+          </a:fontRef>
+        </p:style>
+        <p:txBody>
+          <a:bodyPr rtlCol="0" anchor="ctr"/>
+          <a:lstStyle/>
+          <a:p>
+            <a:pPr algn="ctr"/>
+            <a:endParaRPr lang="en-US"/>
+          </a:p>
+        </p:txBody>
+      </p:sp>
+      <p:sp>
+        <p:nvSpPr>
+          <p:cNvPr id="8" name="Rectangle 7"/>
+          <p:cNvSpPr/>
+          <p:nvPr/>
+        </p:nvSpPr>
+        <p:spPr>
+          <a:xfrm>
+            <a:off x="4226149" y="1863924"/>
+            <a:ext cx="256951" cy="447476"/>
+          </a:xfrm>
+          <a:prstGeom prst="rect">
+            <a:avLst/>
+          </a:prstGeom>
+          <a:solidFill>
+            <a:schemeClr val="accent6">
+              <a:lumMod val="20000"/>
+              <a:lumOff val="80000"/>
+            </a:schemeClr>
+          </a:solidFill>
+          <a:effectLst/>
+        </p:spPr>
+        <p:style>
+          <a:lnRef idx="1">
+            <a:schemeClr val="accent1"/>
+          </a:lnRef>
+          <a:fillRef idx="3">
+            <a:schemeClr val="accent1"/>
+          </a:fillRef>
+          <a:effectRef idx="2">
+            <a:schemeClr val="accent1"/>
+          </a:effectRef>
+          <a:fontRef idx="minor">
+            <a:schemeClr val="lt1"/>
+          </a:fontRef>
+        </p:style>
+        <p:txBody>
+          <a:bodyPr rtlCol="0" anchor="ctr"/>
+          <a:lstStyle/>
+          <a:p>
+            <a:pPr algn="ctr"/>
+            <a:endParaRPr lang="en-US" dirty="0">
+              <a:solidFill>
+                <a:schemeClr val="tx1"/>
+              </a:solidFill>
+            </a:endParaRPr>
+          </a:p>
+        </p:txBody>
+      </p:sp>
+      <p:cxnSp>
+        <p:nvCxnSpPr>
+          <p:cNvPr id="9" name="Straight Arrow Connector 8"/>
+          <p:cNvCxnSpPr/>
+          <p:nvPr/>
+        </p:nvCxnSpPr>
+        <p:spPr>
+          <a:xfrm>
+            <a:off x="4483100" y="2311400"/>
+            <a:ext cx="0" cy="794706"/>
+          </a:xfrm>
+          <a:prstGeom prst="straightConnector1">
+            <a:avLst/>
+          </a:prstGeom>
+          <a:ln w="9525">
+            <a:solidFill>
+              <a:schemeClr val="tx1"/>
+            </a:solidFill>
+            <a:prstDash val="dash"/>
+            <a:tailEnd type="arrow"/>
+          </a:ln>
+        </p:spPr>
+        <p:style>
+          <a:lnRef idx="2">
+            <a:schemeClr val="accent1"/>
+          </a:lnRef>
+          <a:fillRef idx="0">
+            <a:schemeClr val="accent1"/>
+          </a:fillRef>
+          <a:effectRef idx="1">
+            <a:schemeClr val="accent1"/>
+          </a:effectRef>
+          <a:fontRef idx="minor">
+            <a:schemeClr val="tx1"/>
+          </a:fontRef>
+        </p:style>
+      </p:cxnSp>
+      <p:sp>
+        <p:nvSpPr>
+          <p:cNvPr id="13" name="Rectangle 12"/>
+          <p:cNvSpPr/>
+          <p:nvPr/>
+        </p:nvSpPr>
+        <p:spPr>
+          <a:xfrm>
+            <a:off x="4226149" y="3106105"/>
+            <a:ext cx="4409852" cy="447476"/>
+          </a:xfrm>
+          <a:prstGeom prst="rect">
+            <a:avLst/>
+          </a:prstGeom>
+          <a:solidFill>
+            <a:schemeClr val="tx2">
+              <a:lumMod val="20000"/>
+              <a:lumOff val="80000"/>
+            </a:schemeClr>
+          </a:solidFill>
+          <a:effectLst/>
+        </p:spPr>
+        <p:style>
+          <a:lnRef idx="1">
+            <a:schemeClr val="accent1"/>
+          </a:lnRef>
+          <a:fillRef idx="3">
+            <a:schemeClr val="accent1"/>
+          </a:fillRef>
+          <a:effectRef idx="2">
+            <a:schemeClr val="accent1"/>
+          </a:effectRef>
+          <a:fontRef idx="minor">
+            <a:schemeClr val="lt1"/>
+          </a:fontRef>
+        </p:style>
+        <p:txBody>
+          <a:bodyPr rtlCol="0" anchor="ctr"/>
+          <a:lstStyle/>
+          <a:p>
+            <a:pPr algn="ctr"/>
+            <a:endParaRPr lang="en-US"/>
+          </a:p>
+        </p:txBody>
+      </p:sp>
+      <p:sp>
+        <p:nvSpPr>
+          <p:cNvPr id="14" name="Rectangle 13"/>
+          <p:cNvSpPr/>
+          <p:nvPr/>
+        </p:nvSpPr>
+        <p:spPr>
+          <a:xfrm>
+            <a:off x="4226149" y="4428568"/>
+            <a:ext cx="4409852" cy="447476"/>
+          </a:xfrm>
+          <a:prstGeom prst="rect">
+            <a:avLst/>
+          </a:prstGeom>
+          <a:solidFill>
+            <a:schemeClr val="tx2">
+              <a:lumMod val="20000"/>
+              <a:lumOff val="80000"/>
+            </a:schemeClr>
+          </a:solidFill>
+          <a:effectLst/>
+        </p:spPr>
+        <p:style>
+          <a:lnRef idx="1">
+            <a:schemeClr val="accent1"/>
+          </a:lnRef>
+          <a:fillRef idx="3">
+            <a:schemeClr val="accent1"/>
+          </a:fillRef>
+          <a:effectRef idx="2">
+            <a:schemeClr val="accent1"/>
+          </a:effectRef>
+          <a:fontRef idx="minor">
+            <a:schemeClr val="lt1"/>
+          </a:fontRef>
+        </p:style>
+        <p:txBody>
+          <a:bodyPr rtlCol="0" anchor="ctr"/>
+          <a:lstStyle/>
+          <a:p>
+            <a:pPr algn="ctr"/>
+            <a:endParaRPr lang="en-US"/>
+          </a:p>
+        </p:txBody>
+      </p:sp>
+      <p:sp>
+        <p:nvSpPr>
+          <p:cNvPr id="15" name="Rectangle 14"/>
+          <p:cNvSpPr/>
+          <p:nvPr/>
+        </p:nvSpPr>
+        <p:spPr>
+          <a:xfrm>
+            <a:off x="4483100" y="3106105"/>
+            <a:ext cx="1536700" cy="447476"/>
+          </a:xfrm>
+          <a:prstGeom prst="rect">
+            <a:avLst/>
+          </a:prstGeom>
+          <a:solidFill>
+            <a:schemeClr val="accent6">
+              <a:lumMod val="20000"/>
+              <a:lumOff val="80000"/>
+            </a:schemeClr>
+          </a:solidFill>
+          <a:effectLst/>
+        </p:spPr>
+        <p:style>
+          <a:lnRef idx="1">
+            <a:schemeClr val="accent1"/>
+          </a:lnRef>
+          <a:fillRef idx="3">
+            <a:schemeClr val="accent1"/>
+          </a:fillRef>
+          <a:effectRef idx="2">
+            <a:schemeClr val="accent1"/>
+          </a:effectRef>
+          <a:fontRef idx="minor">
+            <a:schemeClr val="lt1"/>
+          </a:fontRef>
+        </p:style>
+        <p:txBody>
+          <a:bodyPr rtlCol="0" anchor="ctr"/>
+          <a:lstStyle/>
+          <a:p>
+            <a:pPr algn="ctr"/>
+            <a:r>
+              <a:rPr lang="de-CH" dirty="0" smtClean="0">
+                <a:solidFill>
+                  <a:schemeClr val="tx1"/>
+                </a:solidFill>
+              </a:rPr>
+              <a:t>Semantische Analyse</a:t>
+            </a:r>
+            <a:endParaRPr lang="en-US" dirty="0">
+              <a:solidFill>
+                <a:schemeClr val="tx1"/>
+              </a:solidFill>
+            </a:endParaRPr>
+          </a:p>
+        </p:txBody>
+      </p:sp>
+      <p:cxnSp>
+        <p:nvCxnSpPr>
+          <p:cNvPr id="18" name="Straight Arrow Connector 17"/>
+          <p:cNvCxnSpPr/>
+          <p:nvPr/>
+        </p:nvCxnSpPr>
+        <p:spPr>
+          <a:xfrm flipV="1">
+            <a:off x="6019800" y="2311400"/>
+            <a:ext cx="0" cy="794705"/>
+          </a:xfrm>
+          <a:prstGeom prst="straightConnector1">
+            <a:avLst/>
+          </a:prstGeom>
+          <a:ln w="9525">
+            <a:solidFill>
+              <a:schemeClr val="tx1"/>
+            </a:solidFill>
+            <a:prstDash val="dash"/>
+            <a:tailEnd type="arrow"/>
+          </a:ln>
+        </p:spPr>
+        <p:style>
+          <a:lnRef idx="2">
+            <a:schemeClr val="accent1"/>
+          </a:lnRef>
+          <a:fillRef idx="0">
+            <a:schemeClr val="accent1"/>
+          </a:fillRef>
+          <a:effectRef idx="1">
+            <a:schemeClr val="accent1"/>
+          </a:effectRef>
+          <a:fontRef idx="minor">
+            <a:schemeClr val="tx1"/>
+          </a:fontRef>
+        </p:style>
+      </p:cxnSp>
+      <p:sp>
+        <p:nvSpPr>
+          <p:cNvPr id="21" name="Rectangle 20"/>
+          <p:cNvSpPr/>
+          <p:nvPr/>
+        </p:nvSpPr>
+        <p:spPr>
+          <a:xfrm>
+            <a:off x="6019800" y="1863924"/>
+            <a:ext cx="223664" cy="447476"/>
+          </a:xfrm>
+          <a:prstGeom prst="rect">
+            <a:avLst/>
+          </a:prstGeom>
+          <a:solidFill>
+            <a:schemeClr val="accent6">
+              <a:lumMod val="20000"/>
+              <a:lumOff val="80000"/>
+            </a:schemeClr>
+          </a:solidFill>
+          <a:effectLst/>
+        </p:spPr>
+        <p:style>
+          <a:lnRef idx="1">
+            <a:schemeClr val="accent1"/>
+          </a:lnRef>
+          <a:fillRef idx="3">
+            <a:schemeClr val="accent1"/>
+          </a:fillRef>
+          <a:effectRef idx="2">
+            <a:schemeClr val="accent1"/>
+          </a:effectRef>
+          <a:fontRef idx="minor">
+            <a:schemeClr val="lt1"/>
+          </a:fontRef>
+        </p:style>
+        <p:txBody>
+          <a:bodyPr rtlCol="0" anchor="ctr"/>
+          <a:lstStyle/>
+          <a:p>
+            <a:pPr algn="ctr"/>
+            <a:endParaRPr lang="en-US" dirty="0">
+              <a:solidFill>
+                <a:schemeClr val="tx1"/>
+              </a:solidFill>
+            </a:endParaRPr>
+          </a:p>
+        </p:txBody>
+      </p:sp>
+      <p:sp>
+        <p:nvSpPr>
+          <p:cNvPr id="22" name="Rectangle 21"/>
+          <p:cNvSpPr/>
+          <p:nvPr/>
+        </p:nvSpPr>
+        <p:spPr>
+          <a:xfrm>
+            <a:off x="6243464" y="4426149"/>
+            <a:ext cx="1638300" cy="447476"/>
+          </a:xfrm>
+          <a:prstGeom prst="rect">
+            <a:avLst/>
+          </a:prstGeom>
+          <a:solidFill>
+            <a:schemeClr val="accent6">
+              <a:lumMod val="20000"/>
+              <a:lumOff val="80000"/>
+            </a:schemeClr>
+          </a:solidFill>
+          <a:effectLst/>
+        </p:spPr>
+        <p:style>
+          <a:lnRef idx="1">
+            <a:schemeClr val="accent1"/>
+          </a:lnRef>
+          <a:fillRef idx="3">
+            <a:schemeClr val="accent1"/>
+          </a:fillRef>
+          <a:effectRef idx="2">
+            <a:schemeClr val="accent1"/>
+          </a:effectRef>
+          <a:fontRef idx="minor">
+            <a:schemeClr val="lt1"/>
+          </a:fontRef>
+        </p:style>
+        <p:txBody>
+          <a:bodyPr rtlCol="0" anchor="ctr"/>
+          <a:lstStyle/>
+          <a:p>
+            <a:pPr algn="ctr"/>
+            <a:r>
+              <a:rPr lang="de-CH" dirty="0" smtClean="0">
+                <a:solidFill>
+                  <a:schemeClr val="tx1"/>
+                </a:solidFill>
+              </a:rPr>
+              <a:t>Syntaktische Analyse</a:t>
+            </a:r>
+            <a:endParaRPr lang="en-US" dirty="0">
+              <a:solidFill>
+                <a:schemeClr val="tx1"/>
+              </a:solidFill>
+            </a:endParaRPr>
+          </a:p>
+        </p:txBody>
+      </p:sp>
+      <p:cxnSp>
+        <p:nvCxnSpPr>
+          <p:cNvPr id="23" name="Straight Arrow Connector 22"/>
+          <p:cNvCxnSpPr/>
+          <p:nvPr/>
+        </p:nvCxnSpPr>
+        <p:spPr>
+          <a:xfrm>
+            <a:off x="6243464" y="2308981"/>
+            <a:ext cx="0" cy="2117168"/>
+          </a:xfrm>
+          <a:prstGeom prst="straightConnector1">
+            <a:avLst/>
+          </a:prstGeom>
+          <a:ln w="9525">
+            <a:solidFill>
+              <a:schemeClr val="tx1"/>
+            </a:solidFill>
+            <a:prstDash val="dash"/>
+            <a:tailEnd type="arrow"/>
+          </a:ln>
+        </p:spPr>
+        <p:style>
+          <a:lnRef idx="2">
+            <a:schemeClr val="accent1"/>
+          </a:lnRef>
+          <a:fillRef idx="0">
+            <a:schemeClr val="accent1"/>
+          </a:fillRef>
+          <a:effectRef idx="1">
+            <a:schemeClr val="accent1"/>
+          </a:effectRef>
+          <a:fontRef idx="minor">
+            <a:schemeClr val="tx1"/>
+          </a:fontRef>
+        </p:style>
+      </p:cxnSp>
+      <p:grpSp>
+        <p:nvGrpSpPr>
+          <p:cNvPr id="27" name="Group 26"/>
+          <p:cNvGrpSpPr/>
+          <p:nvPr/>
+        </p:nvGrpSpPr>
+        <p:grpSpPr>
+          <a:xfrm>
+            <a:off x="6243464" y="4900256"/>
+            <a:ext cx="3352800" cy="730190"/>
+            <a:chOff x="1155700" y="4527610"/>
+            <a:chExt cx="3352800" cy="730190"/>
+          </a:xfrm>
+        </p:grpSpPr>
+        <p:cxnSp>
+          <p:nvCxnSpPr>
+            <p:cNvPr id="28" name="Straight Connector 27"/>
+            <p:cNvCxnSpPr/>
+            <p:nvPr/>
+          </p:nvCxnSpPr>
+          <p:spPr>
+            <a:xfrm>
+              <a:off x="1155700" y="4527610"/>
+              <a:ext cx="0" cy="730190"/>
+            </a:xfrm>
+            <a:prstGeom prst="line">
+              <a:avLst/>
+            </a:prstGeom>
+            <a:ln w="9525">
+              <a:prstDash val="sysDash"/>
+            </a:ln>
+          </p:spPr>
+          <p:style>
+            <a:lnRef idx="2">
+              <a:schemeClr val="accent1"/>
+            </a:lnRef>
+            <a:fillRef idx="0">
+              <a:schemeClr val="accent1"/>
+            </a:fillRef>
+            <a:effectRef idx="1">
+              <a:schemeClr val="accent1"/>
+            </a:effectRef>
+            <a:fontRef idx="minor">
+              <a:schemeClr val="tx1"/>
+            </a:fontRef>
+          </p:style>
+        </p:cxnSp>
+        <p:sp>
+          <p:nvSpPr>
+            <p:cNvPr id="29" name="TextBox 28"/>
+            <p:cNvSpPr txBox="1"/>
+            <p:nvPr/>
+          </p:nvSpPr>
+          <p:spPr>
+            <a:xfrm>
+              <a:off x="1155700" y="4919246"/>
+              <a:ext cx="3352800" cy="338554"/>
+            </a:xfrm>
+            <a:prstGeom prst="rect">
+              <a:avLst/>
+            </a:prstGeom>
+            <a:noFill/>
+          </p:spPr>
+          <p:txBody>
+            <a:bodyPr wrap="square" rtlCol="0">
+              <a:spAutoFit/>
+            </a:bodyPr>
+            <a:lstStyle/>
+            <a:p>
+              <a:r>
+                <a:rPr lang="de-CH" sz="1600" dirty="0" smtClean="0"/>
+                <a:t>Update Domänenmodell</a:t>
+              </a:r>
+              <a:endParaRPr lang="en-US" sz="1600" dirty="0"/>
+            </a:p>
+          </p:txBody>
+        </p:sp>
+      </p:grpSp>
+      <p:sp>
+        <p:nvSpPr>
+          <p:cNvPr id="30" name="TextBox 29"/>
+          <p:cNvSpPr txBox="1"/>
+          <p:nvPr/>
+        </p:nvSpPr>
+        <p:spPr>
+          <a:xfrm>
+            <a:off x="5386214" y="2616200"/>
+            <a:ext cx="1714500" cy="338554"/>
+          </a:xfrm>
+          <a:prstGeom prst="rect">
+            <a:avLst/>
+          </a:prstGeom>
+          <a:solidFill>
+            <a:schemeClr val="bg1"/>
+          </a:solidFill>
+        </p:spPr>
+        <p:txBody>
+          <a:bodyPr wrap="square" rtlCol="0">
+            <a:spAutoFit/>
+          </a:bodyPr>
+          <a:lstStyle/>
+          <a:p>
+            <a:r>
+              <a:rPr lang="de-CH" sz="1600" dirty="0" err="1" smtClean="0"/>
+              <a:t>Token</a:t>
+            </a:r>
+            <a:r>
+              <a:rPr lang="de-CH" sz="1600" dirty="0" smtClean="0"/>
+              <a:t> </a:t>
+            </a:r>
+            <a:r>
+              <a:rPr lang="de-CH" sz="1600" dirty="0" err="1" smtClean="0"/>
+              <a:t>Stream</a:t>
+            </a:r>
+            <a:endParaRPr lang="en-US" sz="1600" dirty="0"/>
+          </a:p>
+        </p:txBody>
+      </p:sp>
+      <p:cxnSp>
+        <p:nvCxnSpPr>
+          <p:cNvPr id="31" name="Straight Arrow Connector 30"/>
+          <p:cNvCxnSpPr/>
+          <p:nvPr/>
+        </p:nvCxnSpPr>
+        <p:spPr>
+          <a:xfrm flipV="1">
+            <a:off x="7881764" y="2311400"/>
+            <a:ext cx="0" cy="2117168"/>
+          </a:xfrm>
+          <a:prstGeom prst="straightConnector1">
+            <a:avLst/>
+          </a:prstGeom>
+          <a:ln w="9525">
+            <a:solidFill>
+              <a:schemeClr val="tx1"/>
+            </a:solidFill>
+            <a:prstDash val="dash"/>
+            <a:tailEnd type="arrow"/>
+          </a:ln>
+        </p:spPr>
+        <p:style>
+          <a:lnRef idx="2">
+            <a:schemeClr val="accent1"/>
+          </a:lnRef>
+          <a:fillRef idx="0">
+            <a:schemeClr val="accent1"/>
+          </a:fillRef>
+          <a:effectRef idx="1">
+            <a:schemeClr val="accent1"/>
+          </a:effectRef>
+          <a:fontRef idx="minor">
+            <a:schemeClr val="tx1"/>
+          </a:fontRef>
+        </p:style>
+      </p:cxnSp>
+      <p:sp>
+        <p:nvSpPr>
+          <p:cNvPr id="34" name="Rectangle 33"/>
+          <p:cNvSpPr/>
+          <p:nvPr/>
+        </p:nvSpPr>
+        <p:spPr>
+          <a:xfrm>
+            <a:off x="7881764" y="1861505"/>
+            <a:ext cx="223664" cy="447476"/>
+          </a:xfrm>
+          <a:prstGeom prst="rect">
+            <a:avLst/>
+          </a:prstGeom>
+          <a:solidFill>
+            <a:schemeClr val="accent6">
+              <a:lumMod val="20000"/>
+              <a:lumOff val="80000"/>
+            </a:schemeClr>
+          </a:solidFill>
+          <a:effectLst/>
+        </p:spPr>
+        <p:style>
+          <a:lnRef idx="1">
+            <a:schemeClr val="accent1"/>
+          </a:lnRef>
+          <a:fillRef idx="3">
+            <a:schemeClr val="accent1"/>
+          </a:fillRef>
+          <a:effectRef idx="2">
+            <a:schemeClr val="accent1"/>
+          </a:effectRef>
+          <a:fontRef idx="minor">
+            <a:schemeClr val="lt1"/>
+          </a:fontRef>
+        </p:style>
+        <p:txBody>
+          <a:bodyPr rtlCol="0" anchor="ctr"/>
+          <a:lstStyle/>
+          <a:p>
+            <a:pPr algn="ctr"/>
+            <a:endParaRPr lang="en-US" dirty="0">
+              <a:solidFill>
+                <a:schemeClr val="tx1"/>
+              </a:solidFill>
+            </a:endParaRPr>
+          </a:p>
+        </p:txBody>
+      </p:sp>
+      <p:cxnSp>
+        <p:nvCxnSpPr>
+          <p:cNvPr id="35" name="Straight Arrow Connector 34"/>
+          <p:cNvCxnSpPr/>
+          <p:nvPr/>
+        </p:nvCxnSpPr>
+        <p:spPr>
+          <a:xfrm flipV="1">
+            <a:off x="8105428" y="1610481"/>
+            <a:ext cx="0" cy="251024"/>
+          </a:xfrm>
+          <a:prstGeom prst="straightConnector1">
+            <a:avLst/>
+          </a:prstGeom>
+          <a:ln w="9525">
+            <a:solidFill>
+              <a:schemeClr val="tx1"/>
+            </a:solidFill>
+            <a:prstDash val="dash"/>
+            <a:tailEnd type="arrow"/>
+          </a:ln>
+        </p:spPr>
+        <p:style>
+          <a:lnRef idx="2">
+            <a:schemeClr val="accent1"/>
+          </a:lnRef>
+          <a:fillRef idx="0">
+            <a:schemeClr val="accent1"/>
+          </a:fillRef>
+          <a:effectRef idx="1">
+            <a:schemeClr val="accent1"/>
+          </a:effectRef>
+          <a:fontRef idx="minor">
+            <a:schemeClr val="tx1"/>
+          </a:fontRef>
+        </p:style>
+      </p:cxnSp>
+      <p:cxnSp>
+        <p:nvCxnSpPr>
+          <p:cNvPr id="38" name="Straight Arrow Connector 37"/>
+          <p:cNvCxnSpPr/>
+          <p:nvPr/>
+        </p:nvCxnSpPr>
+        <p:spPr>
+          <a:xfrm>
+            <a:off x="4483100" y="1612900"/>
+            <a:ext cx="0" cy="251024"/>
+          </a:xfrm>
+          <a:prstGeom prst="straightConnector1">
+            <a:avLst/>
+          </a:prstGeom>
+          <a:ln w="9525">
+            <a:solidFill>
+              <a:schemeClr val="tx1"/>
+            </a:solidFill>
+            <a:prstDash val="dash"/>
+            <a:tailEnd type="arrow"/>
+          </a:ln>
+        </p:spPr>
+        <p:style>
+          <a:lnRef idx="2">
+            <a:schemeClr val="accent1"/>
+          </a:lnRef>
+          <a:fillRef idx="0">
+            <a:schemeClr val="accent1"/>
+          </a:fillRef>
+          <a:effectRef idx="1">
+            <a:schemeClr val="accent1"/>
+          </a:effectRef>
+          <a:fontRef idx="minor">
+            <a:schemeClr val="tx1"/>
+          </a:fontRef>
+        </p:style>
+      </p:cxnSp>
+      <p:sp>
+        <p:nvSpPr>
+          <p:cNvPr id="41" name="Rectangle 40"/>
+          <p:cNvSpPr/>
+          <p:nvPr/>
+        </p:nvSpPr>
+        <p:spPr>
+          <a:xfrm>
+            <a:off x="4166314" y="1612900"/>
+            <a:ext cx="4520486" cy="4456112"/>
+          </a:xfrm>
+          <a:prstGeom prst="rect">
+            <a:avLst/>
+          </a:prstGeom>
+          <a:solidFill>
+            <a:schemeClr val="bg1"/>
+          </a:solidFill>
+          <a:ln>
+            <a:noFill/>
+          </a:ln>
+          <a:effectLst/>
+        </p:spPr>
+        <p:style>
+          <a:lnRef idx="1">
+            <a:schemeClr val="accent1"/>
+          </a:lnRef>
+          <a:fillRef idx="3">
+            <a:schemeClr val="accent1"/>
+          </a:fillRef>
+          <a:effectRef idx="2">
+            <a:schemeClr val="accent1"/>
+          </a:effectRef>
+          <a:fontRef idx="minor">
+            <a:schemeClr val="lt1"/>
+          </a:fontRef>
+        </p:style>
+        <p:txBody>
+          <a:bodyPr rtlCol="0" anchor="ctr"/>
+          <a:lstStyle/>
+          <a:p>
+            <a:pPr algn="ctr"/>
+            <a:endParaRPr lang="en-US"/>
           </a:p>
         </p:txBody>
       </p:sp>
@@ -4783,9 +6802,80 @@
   <p:timing>
     <p:tnLst>
       <p:par>
-        <p:cTn id="1" dur="indefinite" restart="never" nodeType="tmRoot"/>
+        <p:cTn id="1" dur="indefinite" restart="never" nodeType="tmRoot">
+          <p:childTnLst>
+            <p:seq concurrent="1" nextAc="seek">
+              <p:cTn id="2" dur="indefinite" nodeType="mainSeq">
+                <p:childTnLst>
+                  <p:par>
+                    <p:cTn id="3" fill="hold">
+                      <p:stCondLst>
+                        <p:cond delay="indefinite"/>
+                      </p:stCondLst>
+                      <p:childTnLst>
+                        <p:par>
+                          <p:cTn id="4" fill="hold">
+                            <p:stCondLst>
+                              <p:cond delay="0"/>
+                            </p:stCondLst>
+                            <p:childTnLst>
+                              <p:par>
+                                <p:cTn id="5" presetID="1" presetClass="exit" presetSubtype="0" fill="hold" grpId="0" nodeType="clickEffect">
+                                  <p:stCondLst>
+                                    <p:cond delay="0"/>
+                                  </p:stCondLst>
+                                  <p:childTnLst>
+                                    <p:set>
+                                      <p:cBhvr>
+                                        <p:cTn id="6" dur="1" fill="hold">
+                                          <p:stCondLst>
+                                            <p:cond delay="0"/>
+                                          </p:stCondLst>
+                                        </p:cTn>
+                                        <p:tgtEl>
+                                          <p:spTgt spid="41"/>
+                                        </p:tgtEl>
+                                        <p:attrNameLst>
+                                          <p:attrName>style.visibility</p:attrName>
+                                        </p:attrNameLst>
+                                      </p:cBhvr>
+                                      <p:to>
+                                        <p:strVal val="hidden"/>
+                                      </p:to>
+                                    </p:set>
+                                  </p:childTnLst>
+                                </p:cTn>
+                              </p:par>
+                            </p:childTnLst>
+                          </p:cTn>
+                        </p:par>
+                      </p:childTnLst>
+                    </p:cTn>
+                  </p:par>
+                </p:childTnLst>
+              </p:cTn>
+              <p:prevCondLst>
+                <p:cond evt="onPrev" delay="0">
+                  <p:tgtEl>
+                    <p:sldTgt/>
+                  </p:tgtEl>
+                </p:cond>
+              </p:prevCondLst>
+              <p:nextCondLst>
+                <p:cond evt="onNext" delay="0">
+                  <p:tgtEl>
+                    <p:sldTgt/>
+                  </p:tgtEl>
+                </p:cond>
+              </p:nextCondLst>
+            </p:seq>
+          </p:childTnLst>
+        </p:cTn>
       </p:par>
     </p:tnLst>
+    <p:bldLst>
+      <p:bldP spid="41" grpId="0" animBg="1"/>
+    </p:bldLst>
   </p:timing>
 </p:sld>
 </file>
@@ -4834,25 +6924,6 @@
       </p:sp>
       <p:sp>
         <p:nvSpPr>
-          <p:cNvPr id="3" name="Content Placeholder 2"/>
-          <p:cNvSpPr>
-            <a:spLocks noGrp="1"/>
-          </p:cNvSpPr>
-          <p:nvPr>
-            <p:ph idx="1"/>
-          </p:nvPr>
-        </p:nvSpPr>
-        <p:spPr/>
-        <p:txBody>
-          <a:bodyPr/>
-          <a:lstStyle/>
-          <a:p>
-            <a:endParaRPr lang="en-US" dirty="0"/>
-          </a:p>
-        </p:txBody>
-      </p:sp>
-      <p:sp>
-        <p:nvSpPr>
           <p:cNvPr id="4" name="Footer Placeholder 3"/>
           <p:cNvSpPr>
             <a:spLocks noGrp="1"/>
@@ -4892,6 +6963,714 @@
           </a:p>
         </p:txBody>
       </p:sp>
+      <p:sp>
+        <p:nvSpPr>
+          <p:cNvPr id="5" name="TextBox 4"/>
+          <p:cNvSpPr txBox="1"/>
+          <p:nvPr/>
+        </p:nvSpPr>
+        <p:spPr>
+          <a:xfrm>
+            <a:off x="622300" y="1417638"/>
+            <a:ext cx="8064500" cy="461665"/>
+          </a:xfrm>
+          <a:prstGeom prst="rect">
+            <a:avLst/>
+          </a:prstGeom>
+          <a:noFill/>
+        </p:spPr>
+        <p:txBody>
+          <a:bodyPr wrap="square" rtlCol="0">
+            <a:spAutoFit/>
+          </a:bodyPr>
+          <a:lstStyle/>
+          <a:p>
+            <a:r>
+              <a:rPr lang="de-CH" sz="2400" b="1" dirty="0" smtClean="0"/>
+              <a:t>Wann kann die Analysesoftware eingesetzt werden?</a:t>
+            </a:r>
+            <a:endParaRPr lang="en-US" sz="2400" b="1" dirty="0"/>
+          </a:p>
+        </p:txBody>
+      </p:sp>
+      <p:sp>
+        <p:nvSpPr>
+          <p:cNvPr id="6" name="Rounded Rectangle 5"/>
+          <p:cNvSpPr/>
+          <p:nvPr/>
+        </p:nvSpPr>
+        <p:spPr>
+          <a:xfrm>
+            <a:off x="622300" y="3182938"/>
+            <a:ext cx="3670300" cy="550862"/>
+          </a:xfrm>
+          <a:prstGeom prst="roundRect">
+            <a:avLst/>
+          </a:prstGeom>
+          <a:solidFill>
+            <a:schemeClr val="tx2">
+              <a:lumMod val="20000"/>
+              <a:lumOff val="80000"/>
+            </a:schemeClr>
+          </a:solidFill>
+        </p:spPr>
+        <p:style>
+          <a:lnRef idx="2">
+            <a:schemeClr val="dk1"/>
+          </a:lnRef>
+          <a:fillRef idx="1">
+            <a:schemeClr val="lt1"/>
+          </a:fillRef>
+          <a:effectRef idx="0">
+            <a:schemeClr val="dk1"/>
+          </a:effectRef>
+          <a:fontRef idx="minor">
+            <a:schemeClr val="dk1"/>
+          </a:fontRef>
+        </p:style>
+        <p:txBody>
+          <a:bodyPr rtlCol="0" anchor="ctr"/>
+          <a:lstStyle/>
+          <a:p>
+            <a:pPr algn="ctr"/>
+            <a:r>
+              <a:rPr lang="de-CH" sz="2400" dirty="0" err="1" smtClean="0"/>
+              <a:t>JRockit</a:t>
+            </a:r>
+            <a:r>
+              <a:rPr lang="de-CH" sz="2400" dirty="0" smtClean="0"/>
+              <a:t> VM R28</a:t>
+            </a:r>
+            <a:endParaRPr lang="en-US" sz="2400" dirty="0"/>
+          </a:p>
+        </p:txBody>
+      </p:sp>
+      <p:sp>
+        <p:nvSpPr>
+          <p:cNvPr id="7" name="Rounded Rectangle 6"/>
+          <p:cNvSpPr/>
+          <p:nvPr/>
+        </p:nvSpPr>
+        <p:spPr>
+          <a:xfrm>
+            <a:off x="622300" y="2201069"/>
+            <a:ext cx="3670300" cy="550862"/>
+          </a:xfrm>
+          <a:prstGeom prst="roundRect">
+            <a:avLst/>
+          </a:prstGeom>
+          <a:solidFill>
+            <a:schemeClr val="tx2">
+              <a:lumMod val="20000"/>
+              <a:lumOff val="80000"/>
+            </a:schemeClr>
+          </a:solidFill>
+        </p:spPr>
+        <p:style>
+          <a:lnRef idx="2">
+            <a:schemeClr val="dk1"/>
+          </a:lnRef>
+          <a:fillRef idx="1">
+            <a:schemeClr val="lt1"/>
+          </a:fillRef>
+          <a:effectRef idx="0">
+            <a:schemeClr val="dk1"/>
+          </a:effectRef>
+          <a:fontRef idx="minor">
+            <a:schemeClr val="dk1"/>
+          </a:fontRef>
+        </p:style>
+        <p:txBody>
+          <a:bodyPr rtlCol="0" anchor="ctr"/>
+          <a:lstStyle/>
+          <a:p>
+            <a:pPr algn="ctr"/>
+            <a:r>
+              <a:rPr lang="de-CH" sz="2400" dirty="0" smtClean="0"/>
+              <a:t>Performance-Probleme</a:t>
+            </a:r>
+            <a:endParaRPr lang="en-US" sz="2400" dirty="0"/>
+          </a:p>
+        </p:txBody>
+      </p:sp>
+      <p:cxnSp>
+        <p:nvCxnSpPr>
+          <p:cNvPr id="8" name="Straight Arrow Connector 7"/>
+          <p:cNvCxnSpPr>
+            <a:stCxn id="7" idx="2"/>
+            <a:endCxn id="6" idx="0"/>
+          </p:cNvCxnSpPr>
+          <p:nvPr/>
+        </p:nvCxnSpPr>
+        <p:spPr>
+          <a:xfrm>
+            <a:off x="2457450" y="2751931"/>
+            <a:ext cx="0" cy="431007"/>
+          </a:xfrm>
+          <a:prstGeom prst="straightConnector1">
+            <a:avLst/>
+          </a:prstGeom>
+          <a:ln w="9525">
+            <a:solidFill>
+              <a:schemeClr val="tx1"/>
+            </a:solidFill>
+            <a:prstDash val="dash"/>
+            <a:tailEnd type="arrow"/>
+          </a:ln>
+        </p:spPr>
+        <p:style>
+          <a:lnRef idx="2">
+            <a:schemeClr val="accent1"/>
+          </a:lnRef>
+          <a:fillRef idx="0">
+            <a:schemeClr val="accent1"/>
+          </a:fillRef>
+          <a:effectRef idx="1">
+            <a:schemeClr val="accent1"/>
+          </a:effectRef>
+          <a:fontRef idx="minor">
+            <a:schemeClr val="tx1"/>
+          </a:fontRef>
+        </p:style>
+      </p:cxnSp>
+      <p:sp>
+        <p:nvSpPr>
+          <p:cNvPr id="17" name="Rounded Rectangle 16"/>
+          <p:cNvSpPr/>
+          <p:nvPr/>
+        </p:nvSpPr>
+        <p:spPr>
+          <a:xfrm>
+            <a:off x="622300" y="5176838"/>
+            <a:ext cx="3670300" cy="550862"/>
+          </a:xfrm>
+          <a:prstGeom prst="roundRect">
+            <a:avLst/>
+          </a:prstGeom>
+          <a:solidFill>
+            <a:schemeClr val="tx2">
+              <a:lumMod val="20000"/>
+              <a:lumOff val="80000"/>
+            </a:schemeClr>
+          </a:solidFill>
+        </p:spPr>
+        <p:style>
+          <a:lnRef idx="2">
+            <a:schemeClr val="dk1"/>
+          </a:lnRef>
+          <a:fillRef idx="1">
+            <a:schemeClr val="lt1"/>
+          </a:fillRef>
+          <a:effectRef idx="0">
+            <a:schemeClr val="dk1"/>
+          </a:effectRef>
+          <a:fontRef idx="minor">
+            <a:schemeClr val="dk1"/>
+          </a:fontRef>
+        </p:style>
+        <p:txBody>
+          <a:bodyPr rtlCol="0" anchor="ctr"/>
+          <a:lstStyle/>
+          <a:p>
+            <a:pPr algn="ctr"/>
+            <a:r>
+              <a:rPr lang="de-CH" sz="2400" dirty="0" smtClean="0"/>
+              <a:t>kleine relative Systemlast</a:t>
+            </a:r>
+            <a:endParaRPr lang="en-US" sz="2400" dirty="0"/>
+          </a:p>
+        </p:txBody>
+      </p:sp>
+      <p:cxnSp>
+        <p:nvCxnSpPr>
+          <p:cNvPr id="18" name="Straight Arrow Connector 17"/>
+          <p:cNvCxnSpPr/>
+          <p:nvPr/>
+        </p:nvCxnSpPr>
+        <p:spPr>
+          <a:xfrm>
+            <a:off x="2457450" y="3755231"/>
+            <a:ext cx="0" cy="431007"/>
+          </a:xfrm>
+          <a:prstGeom prst="straightConnector1">
+            <a:avLst/>
+          </a:prstGeom>
+          <a:ln w="9525">
+            <a:solidFill>
+              <a:schemeClr val="tx1"/>
+            </a:solidFill>
+            <a:prstDash val="dash"/>
+            <a:tailEnd type="arrow"/>
+          </a:ln>
+        </p:spPr>
+        <p:style>
+          <a:lnRef idx="2">
+            <a:schemeClr val="accent1"/>
+          </a:lnRef>
+          <a:fillRef idx="0">
+            <a:schemeClr val="accent1"/>
+          </a:fillRef>
+          <a:effectRef idx="1">
+            <a:schemeClr val="accent1"/>
+          </a:effectRef>
+          <a:fontRef idx="minor">
+            <a:schemeClr val="tx1"/>
+          </a:fontRef>
+        </p:style>
+      </p:cxnSp>
+      <p:sp>
+        <p:nvSpPr>
+          <p:cNvPr id="20" name="Rounded Rectangle 19"/>
+          <p:cNvSpPr/>
+          <p:nvPr/>
+        </p:nvSpPr>
+        <p:spPr>
+          <a:xfrm>
+            <a:off x="4800600" y="2201069"/>
+            <a:ext cx="3670300" cy="550862"/>
+          </a:xfrm>
+          <a:prstGeom prst="roundRect">
+            <a:avLst/>
+          </a:prstGeom>
+          <a:solidFill>
+            <a:schemeClr val="tx2">
+              <a:lumMod val="20000"/>
+              <a:lumOff val="80000"/>
+            </a:schemeClr>
+          </a:solidFill>
+        </p:spPr>
+        <p:style>
+          <a:lnRef idx="2">
+            <a:schemeClr val="dk1"/>
+          </a:lnRef>
+          <a:fillRef idx="1">
+            <a:schemeClr val="lt1"/>
+          </a:fillRef>
+          <a:effectRef idx="0">
+            <a:schemeClr val="dk1"/>
+          </a:effectRef>
+          <a:fontRef idx="minor">
+            <a:schemeClr val="dk1"/>
+          </a:fontRef>
+        </p:style>
+        <p:txBody>
+          <a:bodyPr rtlCol="0" anchor="ctr"/>
+          <a:lstStyle/>
+          <a:p>
+            <a:pPr algn="ctr"/>
+            <a:r>
+              <a:rPr lang="de-CH" sz="2400" dirty="0" smtClean="0"/>
+              <a:t>kleine relative Systemlast</a:t>
+            </a:r>
+            <a:endParaRPr lang="en-US" sz="2400" dirty="0"/>
+          </a:p>
+        </p:txBody>
+      </p:sp>
+      <p:sp>
+        <p:nvSpPr>
+          <p:cNvPr id="24" name="Rounded Rectangle 23"/>
+          <p:cNvSpPr/>
+          <p:nvPr/>
+        </p:nvSpPr>
+        <p:spPr>
+          <a:xfrm>
+            <a:off x="4800600" y="3191669"/>
+            <a:ext cx="3670300" cy="550862"/>
+          </a:xfrm>
+          <a:prstGeom prst="roundRect">
+            <a:avLst/>
+          </a:prstGeom>
+          <a:solidFill>
+            <a:schemeClr val="tx2">
+              <a:lumMod val="20000"/>
+              <a:lumOff val="80000"/>
+            </a:schemeClr>
+          </a:solidFill>
+        </p:spPr>
+        <p:style>
+          <a:lnRef idx="2">
+            <a:schemeClr val="dk1"/>
+          </a:lnRef>
+          <a:fillRef idx="1">
+            <a:schemeClr val="lt1"/>
+          </a:fillRef>
+          <a:effectRef idx="0">
+            <a:schemeClr val="dk1"/>
+          </a:effectRef>
+          <a:fontRef idx="minor">
+            <a:schemeClr val="dk1"/>
+          </a:fontRef>
+        </p:style>
+        <p:txBody>
+          <a:bodyPr rtlCol="0" anchor="ctr"/>
+          <a:lstStyle/>
+          <a:p>
+            <a:pPr algn="ctr"/>
+            <a:r>
+              <a:rPr lang="de-CH" sz="2400" dirty="0" smtClean="0"/>
+              <a:t>hohe CPU-Auslastung</a:t>
+            </a:r>
+            <a:endParaRPr lang="en-US" sz="2400" dirty="0"/>
+          </a:p>
+        </p:txBody>
+      </p:sp>
+      <p:cxnSp>
+        <p:nvCxnSpPr>
+          <p:cNvPr id="25" name="Straight Arrow Connector 24"/>
+          <p:cNvCxnSpPr>
+            <a:stCxn id="24" idx="2"/>
+          </p:cNvCxnSpPr>
+          <p:nvPr/>
+        </p:nvCxnSpPr>
+        <p:spPr>
+          <a:xfrm>
+            <a:off x="6635750" y="3742531"/>
+            <a:ext cx="0" cy="431007"/>
+          </a:xfrm>
+          <a:prstGeom prst="straightConnector1">
+            <a:avLst/>
+          </a:prstGeom>
+          <a:ln w="9525">
+            <a:solidFill>
+              <a:schemeClr val="tx1"/>
+            </a:solidFill>
+            <a:prstDash val="dash"/>
+            <a:tailEnd type="arrow"/>
+          </a:ln>
+        </p:spPr>
+        <p:style>
+          <a:lnRef idx="2">
+            <a:schemeClr val="accent1"/>
+          </a:lnRef>
+          <a:fillRef idx="0">
+            <a:schemeClr val="accent1"/>
+          </a:fillRef>
+          <a:effectRef idx="1">
+            <a:schemeClr val="accent1"/>
+          </a:effectRef>
+          <a:fontRef idx="minor">
+            <a:schemeClr val="tx1"/>
+          </a:fontRef>
+        </p:style>
+      </p:cxnSp>
+      <p:sp>
+        <p:nvSpPr>
+          <p:cNvPr id="29" name="Rounded Rectangle 28"/>
+          <p:cNvSpPr/>
+          <p:nvPr/>
+        </p:nvSpPr>
+        <p:spPr>
+          <a:xfrm>
+            <a:off x="4800600" y="4194969"/>
+            <a:ext cx="3670300" cy="550862"/>
+          </a:xfrm>
+          <a:prstGeom prst="roundRect">
+            <a:avLst/>
+          </a:prstGeom>
+          <a:solidFill>
+            <a:schemeClr val="accent6">
+              <a:lumMod val="20000"/>
+              <a:lumOff val="80000"/>
+            </a:schemeClr>
+          </a:solidFill>
+        </p:spPr>
+        <p:style>
+          <a:lnRef idx="2">
+            <a:schemeClr val="dk1"/>
+          </a:lnRef>
+          <a:fillRef idx="1">
+            <a:schemeClr val="lt1"/>
+          </a:fillRef>
+          <a:effectRef idx="0">
+            <a:schemeClr val="dk1"/>
+          </a:effectRef>
+          <a:fontRef idx="minor">
+            <a:schemeClr val="dk1"/>
+          </a:fontRef>
+        </p:style>
+        <p:txBody>
+          <a:bodyPr rtlCol="0" anchor="ctr"/>
+          <a:lstStyle/>
+          <a:p>
+            <a:pPr algn="ctr"/>
+            <a:r>
+              <a:rPr lang="de-CH" sz="2000" dirty="0" smtClean="0"/>
+              <a:t>optimaler Objekt-Lebenszyklus</a:t>
+            </a:r>
+            <a:endParaRPr lang="en-US" sz="2000" dirty="0"/>
+          </a:p>
+        </p:txBody>
+      </p:sp>
+      <p:sp>
+        <p:nvSpPr>
+          <p:cNvPr id="30" name="Rounded Rectangle 29"/>
+          <p:cNvSpPr/>
+          <p:nvPr/>
+        </p:nvSpPr>
+        <p:spPr>
+          <a:xfrm>
+            <a:off x="4800600" y="5176838"/>
+            <a:ext cx="3670300" cy="550862"/>
+          </a:xfrm>
+          <a:prstGeom prst="roundRect">
+            <a:avLst/>
+          </a:prstGeom>
+          <a:solidFill>
+            <a:schemeClr val="accent6">
+              <a:lumMod val="20000"/>
+              <a:lumOff val="80000"/>
+            </a:schemeClr>
+          </a:solidFill>
+        </p:spPr>
+        <p:style>
+          <a:lnRef idx="2">
+            <a:schemeClr val="dk1"/>
+          </a:lnRef>
+          <a:fillRef idx="1">
+            <a:schemeClr val="lt1"/>
+          </a:fillRef>
+          <a:effectRef idx="0">
+            <a:schemeClr val="dk1"/>
+          </a:effectRef>
+          <a:fontRef idx="minor">
+            <a:schemeClr val="dk1"/>
+          </a:fontRef>
+        </p:style>
+        <p:txBody>
+          <a:bodyPr rtlCol="0" anchor="ctr"/>
+          <a:lstStyle/>
+          <a:p>
+            <a:pPr algn="ctr"/>
+            <a:r>
+              <a:rPr lang="de-CH" sz="2000" dirty="0" smtClean="0"/>
+              <a:t>Verhalten </a:t>
+            </a:r>
+            <a:r>
+              <a:rPr lang="de-CH" sz="2000" dirty="0" err="1" smtClean="0"/>
+              <a:t>Garbage</a:t>
+            </a:r>
+            <a:r>
+              <a:rPr lang="de-CH" sz="2000" dirty="0" smtClean="0"/>
+              <a:t> </a:t>
+            </a:r>
+            <a:r>
+              <a:rPr lang="de-CH" sz="2000" dirty="0" err="1" smtClean="0"/>
+              <a:t>Collection</a:t>
+            </a:r>
+            <a:endParaRPr lang="en-US" sz="2000" dirty="0"/>
+          </a:p>
+        </p:txBody>
+      </p:sp>
+      <p:cxnSp>
+        <p:nvCxnSpPr>
+          <p:cNvPr id="31" name="Straight Arrow Connector 30"/>
+          <p:cNvCxnSpPr>
+            <a:stCxn id="29" idx="2"/>
+          </p:cNvCxnSpPr>
+          <p:nvPr/>
+        </p:nvCxnSpPr>
+        <p:spPr>
+          <a:xfrm>
+            <a:off x="6635750" y="4745831"/>
+            <a:ext cx="0" cy="431007"/>
+          </a:xfrm>
+          <a:prstGeom prst="straightConnector1">
+            <a:avLst/>
+          </a:prstGeom>
+          <a:ln w="9525">
+            <a:solidFill>
+              <a:schemeClr val="tx1"/>
+            </a:solidFill>
+            <a:prstDash val="dash"/>
+            <a:tailEnd type="arrow"/>
+          </a:ln>
+        </p:spPr>
+        <p:style>
+          <a:lnRef idx="2">
+            <a:schemeClr val="accent1"/>
+          </a:lnRef>
+          <a:fillRef idx="0">
+            <a:schemeClr val="accent1"/>
+          </a:fillRef>
+          <a:effectRef idx="1">
+            <a:schemeClr val="accent1"/>
+          </a:effectRef>
+          <a:fontRef idx="minor">
+            <a:schemeClr val="tx1"/>
+          </a:fontRef>
+        </p:style>
+      </p:cxnSp>
+      <p:cxnSp>
+        <p:nvCxnSpPr>
+          <p:cNvPr id="37" name="Straight Arrow Connector 36"/>
+          <p:cNvCxnSpPr>
+            <a:stCxn id="20" idx="2"/>
+            <a:endCxn id="24" idx="0"/>
+          </p:cNvCxnSpPr>
+          <p:nvPr/>
+        </p:nvCxnSpPr>
+        <p:spPr>
+          <a:xfrm>
+            <a:off x="6635750" y="2751931"/>
+            <a:ext cx="0" cy="439738"/>
+          </a:xfrm>
+          <a:prstGeom prst="straightConnector1">
+            <a:avLst/>
+          </a:prstGeom>
+          <a:ln w="9525">
+            <a:solidFill>
+              <a:schemeClr val="tx1"/>
+            </a:solidFill>
+            <a:prstDash val="dash"/>
+            <a:tailEnd type="arrow"/>
+          </a:ln>
+        </p:spPr>
+        <p:style>
+          <a:lnRef idx="2">
+            <a:schemeClr val="accent1"/>
+          </a:lnRef>
+          <a:fillRef idx="0">
+            <a:schemeClr val="accent1"/>
+          </a:fillRef>
+          <a:effectRef idx="1">
+            <a:schemeClr val="accent1"/>
+          </a:effectRef>
+          <a:fontRef idx="minor">
+            <a:schemeClr val="tx1"/>
+          </a:fontRef>
+        </p:style>
+      </p:cxnSp>
+      <p:sp>
+        <p:nvSpPr>
+          <p:cNvPr id="40" name="Rounded Rectangle 39"/>
+          <p:cNvSpPr/>
+          <p:nvPr/>
+        </p:nvSpPr>
+        <p:spPr>
+          <a:xfrm>
+            <a:off x="622300" y="4194969"/>
+            <a:ext cx="3670300" cy="550862"/>
+          </a:xfrm>
+          <a:prstGeom prst="roundRect">
+            <a:avLst/>
+          </a:prstGeom>
+          <a:solidFill>
+            <a:schemeClr val="tx2">
+              <a:lumMod val="20000"/>
+              <a:lumOff val="80000"/>
+            </a:schemeClr>
+          </a:solidFill>
+        </p:spPr>
+        <p:style>
+          <a:lnRef idx="2">
+            <a:schemeClr val="dk1"/>
+          </a:lnRef>
+          <a:fillRef idx="1">
+            <a:schemeClr val="lt1"/>
+          </a:fillRef>
+          <a:effectRef idx="0">
+            <a:schemeClr val="dk1"/>
+          </a:effectRef>
+          <a:fontRef idx="minor">
+            <a:schemeClr val="dk1"/>
+          </a:fontRef>
+        </p:style>
+        <p:txBody>
+          <a:bodyPr rtlCol="0" anchor="ctr"/>
+          <a:lstStyle/>
+          <a:p>
+            <a:pPr algn="ctr"/>
+            <a:r>
+              <a:rPr lang="de-CH" sz="2400" dirty="0" smtClean="0"/>
+              <a:t>kein Zugriff auf VM</a:t>
+            </a:r>
+            <a:endParaRPr lang="en-US" sz="2400" dirty="0"/>
+          </a:p>
+        </p:txBody>
+      </p:sp>
+      <p:cxnSp>
+        <p:nvCxnSpPr>
+          <p:cNvPr id="41" name="Straight Arrow Connector 40"/>
+          <p:cNvCxnSpPr>
+            <a:stCxn id="40" idx="2"/>
+            <a:endCxn id="17" idx="0"/>
+          </p:cNvCxnSpPr>
+          <p:nvPr/>
+        </p:nvCxnSpPr>
+        <p:spPr>
+          <a:xfrm>
+            <a:off x="2457450" y="4745831"/>
+            <a:ext cx="0" cy="431007"/>
+          </a:xfrm>
+          <a:prstGeom prst="straightConnector1">
+            <a:avLst/>
+          </a:prstGeom>
+          <a:ln w="9525">
+            <a:solidFill>
+              <a:schemeClr val="tx1"/>
+            </a:solidFill>
+            <a:prstDash val="dash"/>
+            <a:tailEnd type="arrow"/>
+          </a:ln>
+        </p:spPr>
+        <p:style>
+          <a:lnRef idx="2">
+            <a:schemeClr val="accent1"/>
+          </a:lnRef>
+          <a:fillRef idx="0">
+            <a:schemeClr val="accent1"/>
+          </a:fillRef>
+          <a:effectRef idx="1">
+            <a:schemeClr val="accent1"/>
+          </a:effectRef>
+          <a:fontRef idx="minor">
+            <a:schemeClr val="tx1"/>
+          </a:fontRef>
+        </p:style>
+      </p:cxnSp>
+      <p:cxnSp>
+        <p:nvCxnSpPr>
+          <p:cNvPr id="46" name="Shape 45"/>
+          <p:cNvCxnSpPr>
+            <a:stCxn id="17" idx="2"/>
+            <a:endCxn id="20" idx="1"/>
+          </p:cNvCxnSpPr>
+          <p:nvPr/>
+        </p:nvCxnSpPr>
+        <p:spPr>
+          <a:xfrm rot="5400000" flipH="1" flipV="1">
+            <a:off x="2003425" y="2930525"/>
+            <a:ext cx="3251200" cy="2343150"/>
+          </a:xfrm>
+          <a:prstGeom prst="bentConnector4">
+            <a:avLst>
+              <a:gd name="adj1" fmla="val -7031"/>
+              <a:gd name="adj2" fmla="val 89160"/>
+            </a:avLst>
+          </a:prstGeom>
+          <a:ln w="9525">
+            <a:solidFill>
+              <a:schemeClr val="tx1"/>
+            </a:solidFill>
+            <a:prstDash val="dash"/>
+            <a:tailEnd type="arrow"/>
+          </a:ln>
+        </p:spPr>
+        <p:style>
+          <a:lnRef idx="2">
+            <a:schemeClr val="accent1"/>
+          </a:lnRef>
+          <a:fillRef idx="0">
+            <a:schemeClr val="accent1"/>
+          </a:fillRef>
+          <a:effectRef idx="1">
+            <a:schemeClr val="accent1"/>
+          </a:effectRef>
+          <a:fontRef idx="minor">
+            <a:schemeClr val="tx1"/>
+          </a:fontRef>
+        </p:style>
+      </p:cxnSp>
     </p:spTree>
   </p:cSld>
   <p:clrMapOvr>
@@ -4900,9 +7679,591 @@
   <p:timing>
     <p:tnLst>
       <p:par>
-        <p:cTn id="1" dur="indefinite" restart="never" nodeType="tmRoot"/>
+        <p:cTn id="1" dur="indefinite" restart="never" nodeType="tmRoot">
+          <p:childTnLst>
+            <p:seq concurrent="1" nextAc="seek">
+              <p:cTn id="2" dur="indefinite" nodeType="mainSeq">
+                <p:childTnLst>
+                  <p:par>
+                    <p:cTn id="3" fill="hold">
+                      <p:stCondLst>
+                        <p:cond delay="indefinite"/>
+                      </p:stCondLst>
+                      <p:childTnLst>
+                        <p:par>
+                          <p:cTn id="4" fill="hold">
+                            <p:stCondLst>
+                              <p:cond delay="0"/>
+                            </p:stCondLst>
+                            <p:childTnLst>
+                              <p:par>
+                                <p:cTn id="5" presetID="1" presetClass="entr" presetSubtype="0" fill="hold" grpId="0" nodeType="clickEffect">
+                                  <p:stCondLst>
+                                    <p:cond delay="0"/>
+                                  </p:stCondLst>
+                                  <p:childTnLst>
+                                    <p:set>
+                                      <p:cBhvr>
+                                        <p:cTn id="6" dur="1" fill="hold">
+                                          <p:stCondLst>
+                                            <p:cond delay="0"/>
+                                          </p:stCondLst>
+                                        </p:cTn>
+                                        <p:tgtEl>
+                                          <p:spTgt spid="7"/>
+                                        </p:tgtEl>
+                                        <p:attrNameLst>
+                                          <p:attrName>style.visibility</p:attrName>
+                                        </p:attrNameLst>
+                                      </p:cBhvr>
+                                      <p:to>
+                                        <p:strVal val="visible"/>
+                                      </p:to>
+                                    </p:set>
+                                  </p:childTnLst>
+                                </p:cTn>
+                              </p:par>
+                            </p:childTnLst>
+                          </p:cTn>
+                        </p:par>
+                      </p:childTnLst>
+                    </p:cTn>
+                  </p:par>
+                  <p:par>
+                    <p:cTn id="7" fill="hold">
+                      <p:stCondLst>
+                        <p:cond delay="indefinite"/>
+                      </p:stCondLst>
+                      <p:childTnLst>
+                        <p:par>
+                          <p:cTn id="8" fill="hold">
+                            <p:stCondLst>
+                              <p:cond delay="0"/>
+                            </p:stCondLst>
+                            <p:childTnLst>
+                              <p:par>
+                                <p:cTn id="9" presetID="1" presetClass="entr" presetSubtype="0" fill="hold" nodeType="clickEffect">
+                                  <p:stCondLst>
+                                    <p:cond delay="0"/>
+                                  </p:stCondLst>
+                                  <p:childTnLst>
+                                    <p:set>
+                                      <p:cBhvr>
+                                        <p:cTn id="10" dur="1" fill="hold">
+                                          <p:stCondLst>
+                                            <p:cond delay="0"/>
+                                          </p:stCondLst>
+                                        </p:cTn>
+                                        <p:tgtEl>
+                                          <p:spTgt spid="8"/>
+                                        </p:tgtEl>
+                                        <p:attrNameLst>
+                                          <p:attrName>style.visibility</p:attrName>
+                                        </p:attrNameLst>
+                                      </p:cBhvr>
+                                      <p:to>
+                                        <p:strVal val="visible"/>
+                                      </p:to>
+                                    </p:set>
+                                  </p:childTnLst>
+                                </p:cTn>
+                              </p:par>
+                              <p:par>
+                                <p:cTn id="11" presetID="1" presetClass="entr" presetSubtype="0" fill="hold" grpId="0" nodeType="withEffect">
+                                  <p:stCondLst>
+                                    <p:cond delay="0"/>
+                                  </p:stCondLst>
+                                  <p:childTnLst>
+                                    <p:set>
+                                      <p:cBhvr>
+                                        <p:cTn id="12" dur="1" fill="hold">
+                                          <p:stCondLst>
+                                            <p:cond delay="0"/>
+                                          </p:stCondLst>
+                                        </p:cTn>
+                                        <p:tgtEl>
+                                          <p:spTgt spid="6"/>
+                                        </p:tgtEl>
+                                        <p:attrNameLst>
+                                          <p:attrName>style.visibility</p:attrName>
+                                        </p:attrNameLst>
+                                      </p:cBhvr>
+                                      <p:to>
+                                        <p:strVal val="visible"/>
+                                      </p:to>
+                                    </p:set>
+                                  </p:childTnLst>
+                                </p:cTn>
+                              </p:par>
+                            </p:childTnLst>
+                          </p:cTn>
+                        </p:par>
+                      </p:childTnLst>
+                    </p:cTn>
+                  </p:par>
+                  <p:par>
+                    <p:cTn id="13" fill="hold">
+                      <p:stCondLst>
+                        <p:cond delay="indefinite"/>
+                      </p:stCondLst>
+                      <p:childTnLst>
+                        <p:par>
+                          <p:cTn id="14" fill="hold">
+                            <p:stCondLst>
+                              <p:cond delay="0"/>
+                            </p:stCondLst>
+                            <p:childTnLst>
+                              <p:par>
+                                <p:cTn id="15" presetID="1" presetClass="entr" presetSubtype="0" fill="hold" grpId="0" nodeType="clickEffect">
+                                  <p:stCondLst>
+                                    <p:cond delay="0"/>
+                                  </p:stCondLst>
+                                  <p:childTnLst>
+                                    <p:set>
+                                      <p:cBhvr>
+                                        <p:cTn id="16" dur="1" fill="hold">
+                                          <p:stCondLst>
+                                            <p:cond delay="0"/>
+                                          </p:stCondLst>
+                                        </p:cTn>
+                                        <p:tgtEl>
+                                          <p:spTgt spid="40"/>
+                                        </p:tgtEl>
+                                        <p:attrNameLst>
+                                          <p:attrName>style.visibility</p:attrName>
+                                        </p:attrNameLst>
+                                      </p:cBhvr>
+                                      <p:to>
+                                        <p:strVal val="visible"/>
+                                      </p:to>
+                                    </p:set>
+                                  </p:childTnLst>
+                                </p:cTn>
+                              </p:par>
+                              <p:par>
+                                <p:cTn id="17" presetID="1" presetClass="entr" presetSubtype="0" fill="hold" nodeType="withEffect">
+                                  <p:stCondLst>
+                                    <p:cond delay="0"/>
+                                  </p:stCondLst>
+                                  <p:childTnLst>
+                                    <p:set>
+                                      <p:cBhvr>
+                                        <p:cTn id="18" dur="1" fill="hold">
+                                          <p:stCondLst>
+                                            <p:cond delay="0"/>
+                                          </p:stCondLst>
+                                        </p:cTn>
+                                        <p:tgtEl>
+                                          <p:spTgt spid="18"/>
+                                        </p:tgtEl>
+                                        <p:attrNameLst>
+                                          <p:attrName>style.visibility</p:attrName>
+                                        </p:attrNameLst>
+                                      </p:cBhvr>
+                                      <p:to>
+                                        <p:strVal val="visible"/>
+                                      </p:to>
+                                    </p:set>
+                                  </p:childTnLst>
+                                </p:cTn>
+                              </p:par>
+                            </p:childTnLst>
+                          </p:cTn>
+                        </p:par>
+                      </p:childTnLst>
+                    </p:cTn>
+                  </p:par>
+                  <p:par>
+                    <p:cTn id="19" fill="hold">
+                      <p:stCondLst>
+                        <p:cond delay="indefinite"/>
+                      </p:stCondLst>
+                      <p:childTnLst>
+                        <p:par>
+                          <p:cTn id="20" fill="hold">
+                            <p:stCondLst>
+                              <p:cond delay="0"/>
+                            </p:stCondLst>
+                            <p:childTnLst>
+                              <p:par>
+                                <p:cTn id="21" presetID="1" presetClass="entr" presetSubtype="0" fill="hold" grpId="0" nodeType="clickEffect">
+                                  <p:stCondLst>
+                                    <p:cond delay="0"/>
+                                  </p:stCondLst>
+                                  <p:childTnLst>
+                                    <p:set>
+                                      <p:cBhvr>
+                                        <p:cTn id="22" dur="1" fill="hold">
+                                          <p:stCondLst>
+                                            <p:cond delay="0"/>
+                                          </p:stCondLst>
+                                        </p:cTn>
+                                        <p:tgtEl>
+                                          <p:spTgt spid="17"/>
+                                        </p:tgtEl>
+                                        <p:attrNameLst>
+                                          <p:attrName>style.visibility</p:attrName>
+                                        </p:attrNameLst>
+                                      </p:cBhvr>
+                                      <p:to>
+                                        <p:strVal val="visible"/>
+                                      </p:to>
+                                    </p:set>
+                                  </p:childTnLst>
+                                </p:cTn>
+                              </p:par>
+                              <p:par>
+                                <p:cTn id="23" presetID="1" presetClass="entr" presetSubtype="0" fill="hold" nodeType="withEffect">
+                                  <p:stCondLst>
+                                    <p:cond delay="0"/>
+                                  </p:stCondLst>
+                                  <p:childTnLst>
+                                    <p:set>
+                                      <p:cBhvr>
+                                        <p:cTn id="24" dur="1" fill="hold">
+                                          <p:stCondLst>
+                                            <p:cond delay="0"/>
+                                          </p:stCondLst>
+                                        </p:cTn>
+                                        <p:tgtEl>
+                                          <p:spTgt spid="41"/>
+                                        </p:tgtEl>
+                                        <p:attrNameLst>
+                                          <p:attrName>style.visibility</p:attrName>
+                                        </p:attrNameLst>
+                                      </p:cBhvr>
+                                      <p:to>
+                                        <p:strVal val="visible"/>
+                                      </p:to>
+                                    </p:set>
+                                  </p:childTnLst>
+                                </p:cTn>
+                              </p:par>
+                            </p:childTnLst>
+                          </p:cTn>
+                        </p:par>
+                      </p:childTnLst>
+                    </p:cTn>
+                  </p:par>
+                  <p:par>
+                    <p:cTn id="25" fill="hold">
+                      <p:stCondLst>
+                        <p:cond delay="indefinite"/>
+                      </p:stCondLst>
+                      <p:childTnLst>
+                        <p:par>
+                          <p:cTn id="26" fill="hold">
+                            <p:stCondLst>
+                              <p:cond delay="0"/>
+                            </p:stCondLst>
+                            <p:childTnLst>
+                              <p:par>
+                                <p:cTn id="27" presetID="1" presetClass="entr" presetSubtype="0" fill="hold" nodeType="clickEffect">
+                                  <p:stCondLst>
+                                    <p:cond delay="0"/>
+                                  </p:stCondLst>
+                                  <p:childTnLst>
+                                    <p:set>
+                                      <p:cBhvr>
+                                        <p:cTn id="28" dur="1" fill="hold">
+                                          <p:stCondLst>
+                                            <p:cond delay="0"/>
+                                          </p:stCondLst>
+                                        </p:cTn>
+                                        <p:tgtEl>
+                                          <p:spTgt spid="46"/>
+                                        </p:tgtEl>
+                                        <p:attrNameLst>
+                                          <p:attrName>style.visibility</p:attrName>
+                                        </p:attrNameLst>
+                                      </p:cBhvr>
+                                      <p:to>
+                                        <p:strVal val="visible"/>
+                                      </p:to>
+                                    </p:set>
+                                  </p:childTnLst>
+                                </p:cTn>
+                              </p:par>
+                              <p:par>
+                                <p:cTn id="29" presetID="1" presetClass="entr" presetSubtype="0" fill="hold" grpId="0" nodeType="withEffect">
+                                  <p:stCondLst>
+                                    <p:cond delay="0"/>
+                                  </p:stCondLst>
+                                  <p:childTnLst>
+                                    <p:set>
+                                      <p:cBhvr>
+                                        <p:cTn id="30" dur="1" fill="hold">
+                                          <p:stCondLst>
+                                            <p:cond delay="0"/>
+                                          </p:stCondLst>
+                                        </p:cTn>
+                                        <p:tgtEl>
+                                          <p:spTgt spid="20"/>
+                                        </p:tgtEl>
+                                        <p:attrNameLst>
+                                          <p:attrName>style.visibility</p:attrName>
+                                        </p:attrNameLst>
+                                      </p:cBhvr>
+                                      <p:to>
+                                        <p:strVal val="visible"/>
+                                      </p:to>
+                                    </p:set>
+                                  </p:childTnLst>
+                                </p:cTn>
+                              </p:par>
+                            </p:childTnLst>
+                          </p:cTn>
+                        </p:par>
+                      </p:childTnLst>
+                    </p:cTn>
+                  </p:par>
+                  <p:par>
+                    <p:cTn id="31" fill="hold">
+                      <p:stCondLst>
+                        <p:cond delay="indefinite"/>
+                      </p:stCondLst>
+                      <p:childTnLst>
+                        <p:par>
+                          <p:cTn id="32" fill="hold">
+                            <p:stCondLst>
+                              <p:cond delay="0"/>
+                            </p:stCondLst>
+                            <p:childTnLst>
+                              <p:par>
+                                <p:cTn id="33" presetID="1" presetClass="entr" presetSubtype="0" fill="hold" grpId="0" nodeType="clickEffect">
+                                  <p:stCondLst>
+                                    <p:cond delay="0"/>
+                                  </p:stCondLst>
+                                  <p:childTnLst>
+                                    <p:set>
+                                      <p:cBhvr>
+                                        <p:cTn id="34" dur="1" fill="hold">
+                                          <p:stCondLst>
+                                            <p:cond delay="0"/>
+                                          </p:stCondLst>
+                                        </p:cTn>
+                                        <p:tgtEl>
+                                          <p:spTgt spid="24"/>
+                                        </p:tgtEl>
+                                        <p:attrNameLst>
+                                          <p:attrName>style.visibility</p:attrName>
+                                        </p:attrNameLst>
+                                      </p:cBhvr>
+                                      <p:to>
+                                        <p:strVal val="visible"/>
+                                      </p:to>
+                                    </p:set>
+                                  </p:childTnLst>
+                                </p:cTn>
+                              </p:par>
+                              <p:par>
+                                <p:cTn id="35" presetID="1" presetClass="entr" presetSubtype="0" fill="hold" nodeType="withEffect">
+                                  <p:stCondLst>
+                                    <p:cond delay="0"/>
+                                  </p:stCondLst>
+                                  <p:childTnLst>
+                                    <p:set>
+                                      <p:cBhvr>
+                                        <p:cTn id="36" dur="1" fill="hold">
+                                          <p:stCondLst>
+                                            <p:cond delay="0"/>
+                                          </p:stCondLst>
+                                        </p:cTn>
+                                        <p:tgtEl>
+                                          <p:spTgt spid="37"/>
+                                        </p:tgtEl>
+                                        <p:attrNameLst>
+                                          <p:attrName>style.visibility</p:attrName>
+                                        </p:attrNameLst>
+                                      </p:cBhvr>
+                                      <p:to>
+                                        <p:strVal val="visible"/>
+                                      </p:to>
+                                    </p:set>
+                                  </p:childTnLst>
+                                </p:cTn>
+                              </p:par>
+                            </p:childTnLst>
+                          </p:cTn>
+                        </p:par>
+                      </p:childTnLst>
+                    </p:cTn>
+                  </p:par>
+                  <p:par>
+                    <p:cTn id="37" fill="hold">
+                      <p:stCondLst>
+                        <p:cond delay="indefinite"/>
+                      </p:stCondLst>
+                      <p:childTnLst>
+                        <p:par>
+                          <p:cTn id="38" fill="hold">
+                            <p:stCondLst>
+                              <p:cond delay="0"/>
+                            </p:stCondLst>
+                            <p:childTnLst>
+                              <p:par>
+                                <p:cTn id="39" presetID="1" presetClass="entr" presetSubtype="0" fill="hold" grpId="0" nodeType="clickEffect">
+                                  <p:stCondLst>
+                                    <p:cond delay="0"/>
+                                  </p:stCondLst>
+                                  <p:childTnLst>
+                                    <p:set>
+                                      <p:cBhvr>
+                                        <p:cTn id="40" dur="1" fill="hold">
+                                          <p:stCondLst>
+                                            <p:cond delay="0"/>
+                                          </p:stCondLst>
+                                        </p:cTn>
+                                        <p:tgtEl>
+                                          <p:spTgt spid="29"/>
+                                        </p:tgtEl>
+                                        <p:attrNameLst>
+                                          <p:attrName>style.visibility</p:attrName>
+                                        </p:attrNameLst>
+                                      </p:cBhvr>
+                                      <p:to>
+                                        <p:strVal val="visible"/>
+                                      </p:to>
+                                    </p:set>
+                                  </p:childTnLst>
+                                </p:cTn>
+                              </p:par>
+                              <p:par>
+                                <p:cTn id="41" presetID="1" presetClass="entr" presetSubtype="0" fill="hold" nodeType="withEffect">
+                                  <p:stCondLst>
+                                    <p:cond delay="0"/>
+                                  </p:stCondLst>
+                                  <p:childTnLst>
+                                    <p:set>
+                                      <p:cBhvr>
+                                        <p:cTn id="42" dur="1" fill="hold">
+                                          <p:stCondLst>
+                                            <p:cond delay="0"/>
+                                          </p:stCondLst>
+                                        </p:cTn>
+                                        <p:tgtEl>
+                                          <p:spTgt spid="25"/>
+                                        </p:tgtEl>
+                                        <p:attrNameLst>
+                                          <p:attrName>style.visibility</p:attrName>
+                                        </p:attrNameLst>
+                                      </p:cBhvr>
+                                      <p:to>
+                                        <p:strVal val="visible"/>
+                                      </p:to>
+                                    </p:set>
+                                  </p:childTnLst>
+                                </p:cTn>
+                              </p:par>
+                            </p:childTnLst>
+                          </p:cTn>
+                        </p:par>
+                      </p:childTnLst>
+                    </p:cTn>
+                  </p:par>
+                  <p:par>
+                    <p:cTn id="43" fill="hold">
+                      <p:stCondLst>
+                        <p:cond delay="indefinite"/>
+                      </p:stCondLst>
+                      <p:childTnLst>
+                        <p:par>
+                          <p:cTn id="44" fill="hold">
+                            <p:stCondLst>
+                              <p:cond delay="0"/>
+                            </p:stCondLst>
+                            <p:childTnLst>
+                              <p:par>
+                                <p:cTn id="45" presetID="1" presetClass="entr" presetSubtype="0" fill="hold" grpId="0" nodeType="clickEffect">
+                                  <p:stCondLst>
+                                    <p:cond delay="0"/>
+                                  </p:stCondLst>
+                                  <p:childTnLst>
+                                    <p:set>
+                                      <p:cBhvr>
+                                        <p:cTn id="46" dur="1" fill="hold">
+                                          <p:stCondLst>
+                                            <p:cond delay="0"/>
+                                          </p:stCondLst>
+                                        </p:cTn>
+                                        <p:tgtEl>
+                                          <p:spTgt spid="30"/>
+                                        </p:tgtEl>
+                                        <p:attrNameLst>
+                                          <p:attrName>style.visibility</p:attrName>
+                                        </p:attrNameLst>
+                                      </p:cBhvr>
+                                      <p:to>
+                                        <p:strVal val="visible"/>
+                                      </p:to>
+                                    </p:set>
+                                  </p:childTnLst>
+                                </p:cTn>
+                              </p:par>
+                              <p:par>
+                                <p:cTn id="47" presetID="1" presetClass="entr" presetSubtype="0" fill="hold" nodeType="withEffect">
+                                  <p:stCondLst>
+                                    <p:cond delay="0"/>
+                                  </p:stCondLst>
+                                  <p:childTnLst>
+                                    <p:set>
+                                      <p:cBhvr>
+                                        <p:cTn id="48" dur="1" fill="hold">
+                                          <p:stCondLst>
+                                            <p:cond delay="0"/>
+                                          </p:stCondLst>
+                                        </p:cTn>
+                                        <p:tgtEl>
+                                          <p:spTgt spid="31"/>
+                                        </p:tgtEl>
+                                        <p:attrNameLst>
+                                          <p:attrName>style.visibility</p:attrName>
+                                        </p:attrNameLst>
+                                      </p:cBhvr>
+                                      <p:to>
+                                        <p:strVal val="visible"/>
+                                      </p:to>
+                                    </p:set>
+                                  </p:childTnLst>
+                                </p:cTn>
+                              </p:par>
+                            </p:childTnLst>
+                          </p:cTn>
+                        </p:par>
+                      </p:childTnLst>
+                    </p:cTn>
+                  </p:par>
+                </p:childTnLst>
+              </p:cTn>
+              <p:prevCondLst>
+                <p:cond evt="onPrev" delay="0">
+                  <p:tgtEl>
+                    <p:sldTgt/>
+                  </p:tgtEl>
+                </p:cond>
+              </p:prevCondLst>
+              <p:nextCondLst>
+                <p:cond evt="onNext" delay="0">
+                  <p:tgtEl>
+                    <p:sldTgt/>
+                  </p:tgtEl>
+                </p:cond>
+              </p:nextCondLst>
+            </p:seq>
+          </p:childTnLst>
+        </p:cTn>
       </p:par>
     </p:tnLst>
+    <p:bldLst>
+      <p:bldP spid="6" grpId="0" animBg="1"/>
+      <p:bldP spid="7" grpId="0" animBg="1"/>
+      <p:bldP spid="17" grpId="0" animBg="1"/>
+      <p:bldP spid="20" grpId="0" animBg="1"/>
+      <p:bldP spid="24" grpId="0" animBg="1"/>
+      <p:bldP spid="29" grpId="0" animBg="1"/>
+      <p:bldP spid="30" grpId="0" animBg="1"/>
+      <p:bldP spid="40" grpId="0" animBg="1"/>
+    </p:bldLst>
   </p:timing>
 </p:sld>
 </file>
@@ -4951,18 +8312,95 @@
       </p:sp>
       <p:sp>
         <p:nvSpPr>
-          <p:cNvPr id="3" name="Content Placeholder 2"/>
+          <p:cNvPr id="7" name="Text Placeholder 6"/>
           <p:cNvSpPr>
             <a:spLocks noGrp="1"/>
           </p:cNvSpPr>
           <p:nvPr>
-            <p:ph idx="1"/>
+            <p:ph type="body" idx="1"/>
           </p:nvPr>
         </p:nvSpPr>
         <p:spPr/>
         <p:txBody>
           <a:bodyPr/>
           <a:lstStyle/>
+          <a:p>
+            <a:r>
+              <a:rPr lang="de-CH" dirty="0" smtClean="0"/>
+              <a:t>Positiv</a:t>
+            </a:r>
+            <a:endParaRPr lang="en-US" dirty="0"/>
+          </a:p>
+        </p:txBody>
+      </p:sp>
+      <p:sp>
+        <p:nvSpPr>
+          <p:cNvPr id="8" name="Content Placeholder 7"/>
+          <p:cNvSpPr>
+            <a:spLocks noGrp="1"/>
+          </p:cNvSpPr>
+          <p:nvPr>
+            <p:ph sz="half" idx="2"/>
+          </p:nvPr>
+        </p:nvSpPr>
+        <p:spPr/>
+        <p:txBody>
+          <a:bodyPr/>
+          <a:lstStyle/>
+          <a:p>
+            <a:r>
+              <a:rPr lang="de-CH" dirty="0" smtClean="0"/>
+              <a:t>Entstehung einiger Diskussionen rund um die Anforderungsanalyse</a:t>
+            </a:r>
+          </a:p>
+          <a:p>
+            <a:endParaRPr lang="en-US" dirty="0"/>
+          </a:p>
+        </p:txBody>
+      </p:sp>
+      <p:sp>
+        <p:nvSpPr>
+          <p:cNvPr id="9" name="Text Placeholder 8"/>
+          <p:cNvSpPr>
+            <a:spLocks noGrp="1"/>
+          </p:cNvSpPr>
+          <p:nvPr>
+            <p:ph type="body" sz="quarter" idx="3"/>
+          </p:nvPr>
+        </p:nvSpPr>
+        <p:spPr/>
+        <p:txBody>
+          <a:bodyPr/>
+          <a:lstStyle/>
+          <a:p>
+            <a:r>
+              <a:rPr lang="de-CH" dirty="0" smtClean="0"/>
+              <a:t>Negativ</a:t>
+            </a:r>
+            <a:endParaRPr lang="en-US" dirty="0"/>
+          </a:p>
+        </p:txBody>
+      </p:sp>
+      <p:sp>
+        <p:nvSpPr>
+          <p:cNvPr id="10" name="Content Placeholder 9"/>
+          <p:cNvSpPr>
+            <a:spLocks noGrp="1"/>
+          </p:cNvSpPr>
+          <p:nvPr>
+            <p:ph sz="quarter" idx="4"/>
+          </p:nvPr>
+        </p:nvSpPr>
+        <p:spPr/>
+        <p:txBody>
+          <a:bodyPr/>
+          <a:lstStyle/>
+          <a:p>
+            <a:r>
+              <a:rPr lang="de-CH" dirty="0" smtClean="0"/>
+              <a:t>Latex (Word) nicht das richtige Werkzeug für Anforderungsanalyse</a:t>
+            </a:r>
+          </a:p>
           <a:p>
             <a:endParaRPr lang="en-US" dirty="0"/>
           </a:p>
@@ -5105,13 +8543,8 @@
             </a:br>
             <a:r>
               <a:rPr lang="en-US" dirty="0" smtClean="0"/>
-              <a:t> Raffael </a:t>
-            </a:r>
-            <a:r>
-              <a:rPr lang="en-US" dirty="0" smtClean="0"/>
-              <a:t>Schmid</a:t>
-            </a:r>
-            <a:endParaRPr lang="en-US" dirty="0" smtClean="0"/>
+              <a:t> Raffael Schmid</a:t>
+            </a:r>
           </a:p>
         </p:txBody>
       </p:sp>
@@ -9460,11 +12893,7 @@
           <a:p>
             <a:r>
               <a:rPr lang="de-CH" dirty="0" smtClean="0"/>
-              <a:t>Anforderungen</a:t>
-            </a:r>
-            <a:r>
-              <a:rPr lang="de-CH" dirty="0" smtClean="0"/>
-              <a:t>: </a:t>
+              <a:t>Anforderungen: </a:t>
             </a:r>
             <a:br>
               <a:rPr lang="de-CH" dirty="0" smtClean="0"/>
@@ -10236,11 +13665,7 @@
                       </a:r>
                       <a:r>
                         <a:rPr lang="de-CH" sz="1800" baseline="0" dirty="0" smtClean="0"/>
-                        <a:t> </a:t>
-                      </a:r>
-                      <a:r>
-                        <a:rPr lang="de-CH" sz="1800" baseline="0" dirty="0" smtClean="0"/>
-                        <a:t>Lokalisierung (2)</a:t>
+                        <a:t> Lokalisierung (2)</a:t>
                       </a:r>
                       <a:endParaRPr lang="en-US" sz="1800" dirty="0"/>
                     </a:p>
@@ -10334,11 +13759,7 @@
                       <a:pPr algn="ctr"/>
                       <a:r>
                         <a:rPr lang="de-CH" sz="1800" dirty="0" smtClean="0"/>
-                        <a:t>Support </a:t>
-                      </a:r>
-                      <a:r>
-                        <a:rPr lang="de-CH" sz="1800" dirty="0" smtClean="0"/>
-                        <a:t>Modularisierung (3)</a:t>
+                        <a:t>Support Modularisierung (3)</a:t>
                       </a:r>
                       <a:endParaRPr lang="en-US" sz="1800" dirty="0"/>
                     </a:p>
@@ -10420,11 +13841,7 @@
                       </a:r>
                       <a:r>
                         <a:rPr lang="de-CH" sz="1800" baseline="0" dirty="0" smtClean="0"/>
-                        <a:t> </a:t>
-                      </a:r>
-                      <a:r>
-                        <a:rPr lang="de-CH" sz="1800" baseline="0" dirty="0" smtClean="0"/>
-                        <a:t>Betriebsmodus (4)</a:t>
+                        <a:t> Betriebsmodus (4)</a:t>
                       </a:r>
                       <a:endParaRPr lang="en-US" sz="1800" dirty="0"/>
                     </a:p>
@@ -10486,11 +13903,7 @@
                       <a:pPr algn="ctr"/>
                       <a:r>
                         <a:rPr lang="de-CH" sz="1800" dirty="0" smtClean="0"/>
-                        <a:t>Installation als </a:t>
-                      </a:r>
-                      <a:r>
-                        <a:rPr lang="de-CH" sz="1800" dirty="0" smtClean="0"/>
-                        <a:t>Erweiterung (4)</a:t>
+                        <a:t>Installation als Erweiterung (4)</a:t>
                       </a:r>
                       <a:endParaRPr lang="en-US" sz="1800" dirty="0"/>
                     </a:p>

--- a/Dokumentation/Abschlusspraesentation/rschmid_bachelorthesis_abschlusspraesentation.pptx
+++ b/Dokumentation/Abschlusspraesentation/rschmid_bachelorthesis_abschlusspraesentation.pptx
@@ -20,9 +20,9 @@
     <p:sldId id="269" r:id="rId8"/>
     <p:sldId id="267" r:id="rId9"/>
     <p:sldId id="273" r:id="rId10"/>
-    <p:sldId id="274" r:id="rId11"/>
-    <p:sldId id="268" r:id="rId12"/>
-    <p:sldId id="275" r:id="rId13"/>
+    <p:sldId id="268" r:id="rId11"/>
+    <p:sldId id="275" r:id="rId12"/>
+    <p:sldId id="276" r:id="rId13"/>
     <p:sldId id="271" r:id="rId14"/>
     <p:sldId id="272" r:id="rId15"/>
   </p:sldIdLst>
@@ -233,7 +233,7 @@
             <a:fld id="{48963EAB-4A99-D64B-BC3F-87BAAF8C12D9}" type="datetimeFigureOut">
               <a:rPr lang="en-US" smtClean="0"/>
               <a:pPr/>
-              <a:t>12/19/2011</a:t>
+              <a:t>12/20/2011</a:t>
             </a:fld>
             <a:endParaRPr lang="en-US"/>
           </a:p>
@@ -401,7 +401,7 @@
             <a:fld id="{B0C02851-8190-9D48-AFFD-96352E7B1DB3}" type="datetimeFigureOut">
               <a:rPr lang="en-US" smtClean="0"/>
               <a:pPr/>
-              <a:t>12/19/2011</a:t>
+              <a:t>12/20/2011</a:t>
             </a:fld>
             <a:endParaRPr lang="en-US"/>
           </a:p>
@@ -937,7 +937,7 @@
             <a:fld id="{70BA1CFD-BFF0-48BC-9BA5-4974D7A6AB15}" type="datetimeFigureOut">
               <a:rPr lang="en-US" smtClean="0"/>
               <a:pPr/>
-              <a:t>12/19/2011</a:t>
+              <a:t>12/20/2011</a:t>
             </a:fld>
             <a:endParaRPr lang="en-US"/>
           </a:p>
@@ -1139,7 +1139,7 @@
             <a:fld id="{4CAB20F4-3FC6-6845-A294-AABD6FF25740}" type="datetime1">
               <a:rPr lang="en-US" smtClean="0"/>
               <a:pPr/>
-              <a:t>12/19/2011</a:t>
+              <a:t>12/20/2011</a:t>
             </a:fld>
             <a:endParaRPr lang="en-US"/>
           </a:p>
@@ -1351,7 +1351,7 @@
             <a:fld id="{4CAB20F4-3FC6-6845-A294-AABD6FF25740}" type="datetime1">
               <a:rPr lang="en-US" smtClean="0"/>
               <a:pPr/>
-              <a:t>12/19/2011</a:t>
+              <a:t>12/20/2011</a:t>
             </a:fld>
             <a:endParaRPr lang="en-US"/>
           </a:p>
@@ -1553,7 +1553,7 @@
             <a:fld id="{4CAB20F4-3FC6-6845-A294-AABD6FF25740}" type="datetime1">
               <a:rPr lang="en-US" smtClean="0"/>
               <a:pPr/>
-              <a:t>12/19/2011</a:t>
+              <a:t>12/20/2011</a:t>
             </a:fld>
             <a:endParaRPr lang="en-US"/>
           </a:p>
@@ -1831,7 +1831,7 @@
             <a:fld id="{70BA1CFD-BFF0-48BC-9BA5-4974D7A6AB15}" type="datetimeFigureOut">
               <a:rPr lang="en-US" smtClean="0"/>
               <a:pPr/>
-              <a:t>12/19/2011</a:t>
+              <a:t>12/20/2011</a:t>
             </a:fld>
             <a:endParaRPr lang="en-US"/>
           </a:p>
@@ -2151,7 +2151,7 @@
             <a:fld id="{4CAB20F4-3FC6-6845-A294-AABD6FF25740}" type="datetime1">
               <a:rPr lang="en-US" smtClean="0"/>
               <a:pPr/>
-              <a:t>12/19/2011</a:t>
+              <a:t>12/20/2011</a:t>
             </a:fld>
             <a:endParaRPr lang="en-US"/>
           </a:p>
@@ -2605,7 +2605,7 @@
             <a:fld id="{4CAB20F4-3FC6-6845-A294-AABD6FF25740}" type="datetime1">
               <a:rPr lang="en-US" smtClean="0"/>
               <a:pPr/>
-              <a:t>12/19/2011</a:t>
+              <a:t>12/20/2011</a:t>
             </a:fld>
             <a:endParaRPr lang="en-US"/>
           </a:p>
@@ -2755,7 +2755,7 @@
             <a:fld id="{4CAB20F4-3FC6-6845-A294-AABD6FF25740}" type="datetime1">
               <a:rPr lang="en-US" smtClean="0"/>
               <a:pPr/>
-              <a:t>12/19/2011</a:t>
+              <a:t>12/20/2011</a:t>
             </a:fld>
             <a:endParaRPr lang="en-US"/>
           </a:p>
@@ -2882,7 +2882,7 @@
             <a:fld id="{4CAB20F4-3FC6-6845-A294-AABD6FF25740}" type="datetime1">
               <a:rPr lang="en-US" smtClean="0"/>
               <a:pPr/>
-              <a:t>12/19/2011</a:t>
+              <a:t>12/20/2011</a:t>
             </a:fld>
             <a:endParaRPr lang="en-US"/>
           </a:p>
@@ -3191,7 +3191,7 @@
             <a:fld id="{4CAB20F4-3FC6-6845-A294-AABD6FF25740}" type="datetime1">
               <a:rPr lang="en-US" smtClean="0"/>
               <a:pPr/>
-              <a:t>12/19/2011</a:t>
+              <a:t>12/20/2011</a:t>
             </a:fld>
             <a:endParaRPr lang="en-US"/>
           </a:p>
@@ -3476,7 +3476,7 @@
             <a:fld id="{4CAB20F4-3FC6-6845-A294-AABD6FF25740}" type="datetime1">
               <a:rPr lang="en-US" smtClean="0"/>
               <a:pPr/>
-              <a:t>12/19/2011</a:t>
+              <a:t>12/20/2011</a:t>
             </a:fld>
             <a:endParaRPr lang="en-US"/>
           </a:p>
@@ -3721,7 +3721,7 @@
             <a:fld id="{4CAB20F4-3FC6-6845-A294-AABD6FF25740}" type="datetime1">
               <a:rPr lang="en-US" smtClean="0"/>
               <a:pPr/>
-              <a:t>12/19/2011</a:t>
+              <a:t>12/20/2011</a:t>
             </a:fld>
             <a:endParaRPr lang="en-US"/>
           </a:p>
@@ -4279,142 +4279,7 @@
           <a:p>
             <a:r>
               <a:rPr lang="de-CH" dirty="0" smtClean="0"/>
-              <a:t>Parser</a:t>
-            </a:r>
-            <a:endParaRPr lang="en-US" dirty="0"/>
-          </a:p>
-        </p:txBody>
-      </p:sp>
-      <p:sp>
-        <p:nvSpPr>
-          <p:cNvPr id="4" name="Footer Placeholder 3"/>
-          <p:cNvSpPr>
-            <a:spLocks noGrp="1"/>
-          </p:cNvSpPr>
-          <p:nvPr>
-            <p:ph type="ftr" sz="quarter" idx="11"/>
-          </p:nvPr>
-        </p:nvSpPr>
-        <p:spPr/>
-        <p:txBody>
-          <a:bodyPr/>
-          <a:lstStyle/>
-          <a:p>
-            <a:r>
-              <a:rPr lang="en-US" dirty="0" err="1" smtClean="0"/>
-              <a:t>Bachelorthesis</a:t>
-            </a:r>
-            <a:r>
-              <a:rPr lang="en-US" dirty="0" smtClean="0"/>
-              <a:t> </a:t>
-            </a:r>
-            <a:r>
-              <a:rPr lang="en-US" dirty="0" err="1" smtClean="0"/>
-              <a:t>Abschlusspräsentation</a:t>
-            </a:r>
-            <a:r>
-              <a:rPr lang="en-US" dirty="0" smtClean="0"/>
-              <a:t/>
-            </a:r>
-            <a:br>
-              <a:rPr lang="en-US" dirty="0" smtClean="0"/>
-            </a:br>
-            <a:r>
-              <a:rPr lang="en-US" dirty="0" smtClean="0"/>
-              <a:t> Raffael Schmid</a:t>
-            </a:r>
-          </a:p>
-        </p:txBody>
-      </p:sp>
-      <p:pic>
-        <p:nvPicPr>
-          <p:cNvPr id="2050" name="Picture 2"/>
-          <p:cNvPicPr>
-            <a:picLocks noChangeAspect="1" noChangeArrowheads="1"/>
-          </p:cNvPicPr>
-          <p:nvPr/>
-        </p:nvPicPr>
-        <p:blipFill>
-          <a:blip r:embed="rId2"/>
-          <a:srcRect/>
-          <a:stretch>
-            <a:fillRect/>
-          </a:stretch>
-        </p:blipFill>
-        <p:spPr bwMode="auto">
-          <a:xfrm>
-            <a:off x="913404" y="1101760"/>
-            <a:ext cx="7278096" cy="5254590"/>
-          </a:xfrm>
-          <a:prstGeom prst="rect">
-            <a:avLst/>
-          </a:prstGeom>
-          <a:noFill/>
-          <a:ln w="9525">
-            <a:noFill/>
-            <a:miter lim="800000"/>
-            <a:headEnd/>
-            <a:tailEnd/>
-          </a:ln>
-          <a:effectLst/>
-        </p:spPr>
-      </p:pic>
-    </p:spTree>
-  </p:cSld>
-  <p:clrMapOvr>
-    <a:masterClrMapping/>
-  </p:clrMapOvr>
-  <p:timing>
-    <p:tnLst>
-      <p:par>
-        <p:cTn id="1" dur="indefinite" restart="never" nodeType="tmRoot"/>
-      </p:par>
-    </p:tnLst>
-  </p:timing>
-</p:sld>
-</file>
-
-<file path=ppt/slides/slide11.xml><?xml version="1.0" encoding="utf-8"?>
-<p:sld xmlns:a="http://schemas.openxmlformats.org/drawingml/2006/main" xmlns:r="http://schemas.openxmlformats.org/officeDocument/2006/relationships" xmlns:p="http://schemas.openxmlformats.org/presentationml/2006/main">
-  <p:cSld>
-    <p:spTree>
-      <p:nvGrpSpPr>
-        <p:cNvPr id="1" name=""/>
-        <p:cNvGrpSpPr/>
-        <p:nvPr/>
-      </p:nvGrpSpPr>
-      <p:grpSpPr>
-        <a:xfrm>
-          <a:off x="0" y="0"/>
-          <a:ext cx="0" cy="0"/>
-          <a:chOff x="0" y="0"/>
-          <a:chExt cx="0" cy="0"/>
-        </a:xfrm>
-      </p:grpSpPr>
-      <p:sp>
-        <p:nvSpPr>
-          <p:cNvPr id="2" name="Title 1"/>
-          <p:cNvSpPr>
-            <a:spLocks noGrp="1"/>
-          </p:cNvSpPr>
-          <p:nvPr>
-            <p:ph type="title"/>
-          </p:nvPr>
-        </p:nvSpPr>
-        <p:spPr/>
-        <p:txBody>
-          <a:bodyPr>
-            <a:normAutofit/>
-          </a:bodyPr>
-          <a:lstStyle/>
-          <a:p>
-            <a:r>
-              <a:rPr lang="de-CH" dirty="0" err="1" smtClean="0"/>
-              <a:t>Lexer</a:t>
-            </a:r>
-            <a:r>
-              <a:rPr lang="de-CH" dirty="0" smtClean="0"/>
-              <a:t> (</a:t>
+              <a:t>Parser (</a:t>
             </a:r>
             <a:r>
               <a:rPr lang="de-CH" dirty="0" err="1" smtClean="0"/>
@@ -4643,14 +4508,7 @@
                 <a:latin typeface="Courier New" pitchFamily="49" charset="0"/>
                 <a:cs typeface="Courier New" pitchFamily="49" charset="0"/>
               </a:rPr>
-              <a:t>([</a:t>
-            </a:r>
-            <a:r>
-              <a:rPr lang="en-US" sz="1400" b="1" dirty="0" smtClean="0">
-                <a:latin typeface="Courier New" pitchFamily="49" charset="0"/>
-                <a:cs typeface="Courier New" pitchFamily="49" charset="0"/>
-              </a:rPr>
-              <a:t>O|Y]C)</a:t>
+              <a:t>([O|Y]C)</a:t>
             </a:r>
             <a:r>
               <a:rPr lang="en-US" sz="1400" dirty="0" smtClean="0">
@@ -4919,8 +4777,16 @@
           <a:lstStyle/>
           <a:p>
             <a:r>
+              <a:rPr lang="de-CH" sz="2000" b="1" dirty="0" smtClean="0"/>
+              <a:t>Output (</a:t>
+            </a:r>
+            <a:r>
               <a:rPr lang="de-CH" sz="2000" b="1" dirty="0" err="1" smtClean="0"/>
-              <a:t>Tokens</a:t>
+              <a:t>Tokenstream</a:t>
+            </a:r>
+            <a:r>
+              <a:rPr lang="de-CH" sz="2000" b="1" dirty="0" smtClean="0"/>
+              <a:t>)</a:t>
             </a:r>
             <a:endParaRPr lang="en-US" sz="2000" b="1" dirty="0"/>
           </a:p>
@@ -5294,7 +5160,7 @@
           <a:p>
             <a:r>
               <a:rPr lang="de-CH" sz="2000" b="1" dirty="0" smtClean="0"/>
-              <a:t>Garbage Collection Log</a:t>
+              <a:t>Input (Rohdaten)</a:t>
             </a:r>
             <a:endParaRPr lang="en-US" sz="2000" b="1" dirty="0"/>
           </a:p>
@@ -5684,6 +5550,670 @@
 </p:sld>
 </file>
 
+<file path=ppt/slides/slide11.xml><?xml version="1.0" encoding="utf-8"?>
+<p:sld xmlns:a="http://schemas.openxmlformats.org/drawingml/2006/main" xmlns:r="http://schemas.openxmlformats.org/officeDocument/2006/relationships" xmlns:p="http://schemas.openxmlformats.org/presentationml/2006/main">
+  <p:cSld>
+    <p:spTree>
+      <p:nvGrpSpPr>
+        <p:cNvPr id="1" name=""/>
+        <p:cNvGrpSpPr/>
+        <p:nvPr/>
+      </p:nvGrpSpPr>
+      <p:grpSpPr>
+        <a:xfrm>
+          <a:off x="0" y="0"/>
+          <a:ext cx="0" cy="0"/>
+          <a:chOff x="0" y="0"/>
+          <a:chExt cx="0" cy="0"/>
+        </a:xfrm>
+      </p:grpSpPr>
+      <p:sp>
+        <p:nvSpPr>
+          <p:cNvPr id="2" name="Title 1"/>
+          <p:cNvSpPr>
+            <a:spLocks noGrp="1"/>
+          </p:cNvSpPr>
+          <p:nvPr>
+            <p:ph type="title"/>
+          </p:nvPr>
+        </p:nvSpPr>
+        <p:spPr/>
+        <p:txBody>
+          <a:bodyPr>
+            <a:normAutofit/>
+          </a:bodyPr>
+          <a:lstStyle/>
+          <a:p>
+            <a:r>
+              <a:rPr lang="de-CH" dirty="0" smtClean="0"/>
+              <a:t>Parser (</a:t>
+            </a:r>
+            <a:r>
+              <a:rPr lang="de-CH" dirty="0" err="1" smtClean="0"/>
+              <a:t>Semantic</a:t>
+            </a:r>
+            <a:r>
+              <a:rPr lang="de-CH" dirty="0" smtClean="0"/>
+              <a:t> Analysis)</a:t>
+            </a:r>
+            <a:endParaRPr lang="en-US" dirty="0"/>
+          </a:p>
+        </p:txBody>
+      </p:sp>
+      <p:sp>
+        <p:nvSpPr>
+          <p:cNvPr id="4" name="Footer Placeholder 3"/>
+          <p:cNvSpPr>
+            <a:spLocks noGrp="1"/>
+          </p:cNvSpPr>
+          <p:nvPr>
+            <p:ph type="ftr" sz="quarter" idx="11"/>
+          </p:nvPr>
+        </p:nvSpPr>
+        <p:spPr/>
+        <p:txBody>
+          <a:bodyPr/>
+          <a:lstStyle/>
+          <a:p>
+            <a:r>
+              <a:rPr lang="en-US" dirty="0" err="1" smtClean="0"/>
+              <a:t>Bachelorthesis</a:t>
+            </a:r>
+            <a:r>
+              <a:rPr lang="en-US" dirty="0" smtClean="0"/>
+              <a:t> </a:t>
+            </a:r>
+            <a:r>
+              <a:rPr lang="en-US" dirty="0" err="1" smtClean="0"/>
+              <a:t>Abschlusspräsentation</a:t>
+            </a:r>
+            <a:r>
+              <a:rPr lang="en-US" dirty="0" smtClean="0"/>
+              <a:t/>
+            </a:r>
+            <a:br>
+              <a:rPr lang="en-US" dirty="0" smtClean="0"/>
+            </a:br>
+            <a:r>
+              <a:rPr lang="en-US" dirty="0" smtClean="0"/>
+              <a:t> Raffael Schmid</a:t>
+            </a:r>
+          </a:p>
+        </p:txBody>
+      </p:sp>
+      <p:pic>
+        <p:nvPicPr>
+          <p:cNvPr id="3074" name="Picture 2"/>
+          <p:cNvPicPr>
+            <a:picLocks noChangeAspect="1" noChangeArrowheads="1"/>
+          </p:cNvPicPr>
+          <p:nvPr/>
+        </p:nvPicPr>
+        <p:blipFill>
+          <a:blip r:embed="rId2"/>
+          <a:srcRect/>
+          <a:stretch>
+            <a:fillRect/>
+          </a:stretch>
+        </p:blipFill>
+        <p:spPr bwMode="auto">
+          <a:xfrm>
+            <a:off x="129944" y="2242742"/>
+            <a:ext cx="8945624" cy="4615258"/>
+          </a:xfrm>
+          <a:prstGeom prst="rect">
+            <a:avLst/>
+          </a:prstGeom>
+          <a:noFill/>
+          <a:ln w="9525">
+            <a:noFill/>
+            <a:miter lim="800000"/>
+            <a:headEnd/>
+            <a:tailEnd/>
+          </a:ln>
+          <a:effectLst/>
+        </p:spPr>
+      </p:pic>
+      <p:grpSp>
+        <p:nvGrpSpPr>
+          <p:cNvPr id="13" name="Group 12"/>
+          <p:cNvGrpSpPr/>
+          <p:nvPr/>
+        </p:nvGrpSpPr>
+        <p:grpSpPr>
+          <a:xfrm>
+            <a:off x="279400" y="1657727"/>
+            <a:ext cx="5098845" cy="556212"/>
+            <a:chOff x="266027" y="1417638"/>
+            <a:chExt cx="8022107" cy="1146683"/>
+          </a:xfrm>
+        </p:grpSpPr>
+        <p:sp>
+          <p:nvSpPr>
+            <p:cNvPr id="5" name="TextBox 4"/>
+            <p:cNvSpPr txBox="1"/>
+            <p:nvPr/>
+          </p:nvSpPr>
+          <p:spPr>
+            <a:xfrm>
+              <a:off x="279399" y="1420407"/>
+              <a:ext cx="1220019" cy="507607"/>
+            </a:xfrm>
+            <a:prstGeom prst="rect">
+              <a:avLst/>
+            </a:prstGeom>
+            <a:solidFill>
+              <a:schemeClr val="tx2">
+                <a:lumMod val="20000"/>
+                <a:lumOff val="80000"/>
+              </a:schemeClr>
+            </a:solidFill>
+            <a:ln>
+              <a:solidFill>
+                <a:schemeClr val="tx1"/>
+              </a:solidFill>
+            </a:ln>
+          </p:spPr>
+          <p:txBody>
+            <a:bodyPr wrap="square" rtlCol="0">
+              <a:spAutoFit/>
+            </a:bodyPr>
+            <a:lstStyle/>
+            <a:p>
+              <a:r>
+                <a:rPr lang="en-US" sz="1000" i="1" dirty="0" smtClean="0"/>
+                <a:t>Type1: YC</a:t>
+              </a:r>
+              <a:endParaRPr lang="en-US" sz="1000" b="1" dirty="0" smtClean="0">
+                <a:latin typeface="Courier New" pitchFamily="49" charset="0"/>
+                <a:cs typeface="Courier New" pitchFamily="49" charset="0"/>
+              </a:endParaRPr>
+            </a:p>
+          </p:txBody>
+        </p:sp>
+        <p:sp>
+          <p:nvSpPr>
+            <p:cNvPr id="6" name="TextBox 5"/>
+            <p:cNvSpPr txBox="1"/>
+            <p:nvPr/>
+          </p:nvSpPr>
+          <p:spPr>
+            <a:xfrm>
+              <a:off x="1576763" y="1420409"/>
+              <a:ext cx="1067619" cy="504839"/>
+            </a:xfrm>
+            <a:prstGeom prst="rect">
+              <a:avLst/>
+            </a:prstGeom>
+            <a:solidFill>
+              <a:schemeClr val="tx2">
+                <a:lumMod val="20000"/>
+                <a:lumOff val="80000"/>
+              </a:schemeClr>
+            </a:solidFill>
+            <a:ln>
+              <a:solidFill>
+                <a:schemeClr val="tx1"/>
+              </a:solidFill>
+            </a:ln>
+          </p:spPr>
+          <p:txBody>
+            <a:bodyPr wrap="square" rtlCol="0">
+              <a:spAutoFit/>
+            </a:bodyPr>
+            <a:lstStyle/>
+            <a:p>
+              <a:r>
+                <a:rPr lang="de-CH" sz="1000" i="1" dirty="0" smtClean="0"/>
+                <a:t>Index: 1</a:t>
+              </a:r>
+              <a:endParaRPr lang="en-US" sz="1000" b="1" dirty="0" smtClean="0">
+                <a:latin typeface="Courier New" pitchFamily="49" charset="0"/>
+                <a:cs typeface="Courier New" pitchFamily="49" charset="0"/>
+              </a:endParaRPr>
+            </a:p>
+          </p:txBody>
+        </p:sp>
+        <p:sp>
+          <p:nvSpPr>
+            <p:cNvPr id="7" name="TextBox 6"/>
+            <p:cNvSpPr txBox="1"/>
+            <p:nvPr/>
+          </p:nvSpPr>
+          <p:spPr>
+            <a:xfrm>
+              <a:off x="2742790" y="1420407"/>
+              <a:ext cx="1971778" cy="526123"/>
+            </a:xfrm>
+            <a:prstGeom prst="rect">
+              <a:avLst/>
+            </a:prstGeom>
+            <a:solidFill>
+              <a:schemeClr val="tx2">
+                <a:lumMod val="20000"/>
+                <a:lumOff val="80000"/>
+              </a:schemeClr>
+            </a:solidFill>
+            <a:ln>
+              <a:solidFill>
+                <a:schemeClr val="tx1"/>
+              </a:solidFill>
+            </a:ln>
+          </p:spPr>
+          <p:txBody>
+            <a:bodyPr wrap="square" rtlCol="0">
+              <a:spAutoFit/>
+            </a:bodyPr>
+            <a:lstStyle/>
+            <a:p>
+              <a:r>
+                <a:rPr lang="de-CH" sz="1000" i="1" dirty="0" smtClean="0"/>
+                <a:t>Start Time: 1.535</a:t>
+              </a:r>
+              <a:endParaRPr lang="en-US" sz="1000" b="1" dirty="0" smtClean="0">
+                <a:latin typeface="Courier New" pitchFamily="49" charset="0"/>
+                <a:cs typeface="Courier New" pitchFamily="49" charset="0"/>
+              </a:endParaRPr>
+            </a:p>
+          </p:txBody>
+        </p:sp>
+        <p:sp>
+          <p:nvSpPr>
+            <p:cNvPr id="8" name="TextBox 7"/>
+            <p:cNvSpPr txBox="1"/>
+            <p:nvPr/>
+          </p:nvSpPr>
+          <p:spPr>
+            <a:xfrm>
+              <a:off x="4866968" y="1417638"/>
+              <a:ext cx="1971778" cy="526123"/>
+            </a:xfrm>
+            <a:prstGeom prst="rect">
+              <a:avLst/>
+            </a:prstGeom>
+            <a:solidFill>
+              <a:schemeClr val="tx2">
+                <a:lumMod val="20000"/>
+                <a:lumOff val="80000"/>
+              </a:schemeClr>
+            </a:solidFill>
+            <a:ln>
+              <a:solidFill>
+                <a:schemeClr val="tx1"/>
+              </a:solidFill>
+            </a:ln>
+          </p:spPr>
+          <p:txBody>
+            <a:bodyPr wrap="square" rtlCol="0">
+              <a:spAutoFit/>
+            </a:bodyPr>
+            <a:lstStyle/>
+            <a:p>
+              <a:r>
+                <a:rPr lang="de-CH" sz="1000" i="1" dirty="0" smtClean="0"/>
+                <a:t>End Time: 1.617</a:t>
+              </a:r>
+              <a:endParaRPr lang="en-US" sz="1000" b="1" dirty="0" smtClean="0">
+                <a:latin typeface="Courier New" pitchFamily="49" charset="0"/>
+                <a:cs typeface="Courier New" pitchFamily="49" charset="0"/>
+              </a:endParaRPr>
+            </a:p>
+          </p:txBody>
+        </p:sp>
+        <p:sp>
+          <p:nvSpPr>
+            <p:cNvPr id="9" name="TextBox 8"/>
+            <p:cNvSpPr txBox="1"/>
+            <p:nvPr/>
+          </p:nvSpPr>
+          <p:spPr>
+            <a:xfrm>
+              <a:off x="7019413" y="1417638"/>
+              <a:ext cx="1268721" cy="507608"/>
+            </a:xfrm>
+            <a:prstGeom prst="rect">
+              <a:avLst/>
+            </a:prstGeom>
+            <a:solidFill>
+              <a:schemeClr val="tx2">
+                <a:lumMod val="20000"/>
+                <a:lumOff val="80000"/>
+              </a:schemeClr>
+            </a:solidFill>
+            <a:ln>
+              <a:solidFill>
+                <a:schemeClr val="tx1"/>
+              </a:solidFill>
+            </a:ln>
+          </p:spPr>
+          <p:txBody>
+            <a:bodyPr wrap="square" rtlCol="0">
+              <a:spAutoFit/>
+            </a:bodyPr>
+            <a:lstStyle/>
+            <a:p>
+              <a:r>
+                <a:rPr lang="en-US" sz="1000" i="1" dirty="0" smtClean="0"/>
+                <a:t>Type2: YC</a:t>
+              </a:r>
+              <a:endParaRPr lang="en-US" sz="1000" b="1" dirty="0" smtClean="0">
+                <a:latin typeface="Courier New" pitchFamily="49" charset="0"/>
+                <a:cs typeface="Courier New" pitchFamily="49" charset="0"/>
+              </a:endParaRPr>
+            </a:p>
+          </p:txBody>
+        </p:sp>
+        <p:sp>
+          <p:nvSpPr>
+            <p:cNvPr id="10" name="TextBox 9"/>
+            <p:cNvSpPr txBox="1"/>
+            <p:nvPr/>
+          </p:nvSpPr>
+          <p:spPr>
+            <a:xfrm>
+              <a:off x="266027" y="2056711"/>
+              <a:ext cx="2463390" cy="507607"/>
+            </a:xfrm>
+            <a:prstGeom prst="rect">
+              <a:avLst/>
+            </a:prstGeom>
+            <a:solidFill>
+              <a:schemeClr val="tx2">
+                <a:lumMod val="20000"/>
+                <a:lumOff val="80000"/>
+              </a:schemeClr>
+            </a:solidFill>
+            <a:ln>
+              <a:solidFill>
+                <a:schemeClr val="tx1"/>
+              </a:solidFill>
+            </a:ln>
+          </p:spPr>
+          <p:txBody>
+            <a:bodyPr wrap="square" rtlCol="0">
+              <a:spAutoFit/>
+            </a:bodyPr>
+            <a:lstStyle/>
+            <a:p>
+              <a:r>
+                <a:rPr lang="en-US" sz="1000" i="1" dirty="0" smtClean="0"/>
+                <a:t>Memory Before: 176976</a:t>
+              </a:r>
+              <a:endParaRPr lang="en-US" sz="1000" b="1" dirty="0" smtClean="0">
+                <a:latin typeface="Courier New" pitchFamily="49" charset="0"/>
+                <a:cs typeface="Courier New" pitchFamily="49" charset="0"/>
+              </a:endParaRPr>
+            </a:p>
+          </p:txBody>
+        </p:sp>
+        <p:sp>
+          <p:nvSpPr>
+            <p:cNvPr id="11" name="TextBox 10"/>
+            <p:cNvSpPr txBox="1"/>
+            <p:nvPr/>
+          </p:nvSpPr>
+          <p:spPr>
+            <a:xfrm>
+              <a:off x="2895190" y="2056711"/>
+              <a:ext cx="2463390" cy="507610"/>
+            </a:xfrm>
+            <a:prstGeom prst="rect">
+              <a:avLst/>
+            </a:prstGeom>
+            <a:solidFill>
+              <a:schemeClr val="tx2">
+                <a:lumMod val="20000"/>
+                <a:lumOff val="80000"/>
+              </a:schemeClr>
+            </a:solidFill>
+            <a:ln>
+              <a:solidFill>
+                <a:schemeClr val="tx1"/>
+              </a:solidFill>
+            </a:ln>
+          </p:spPr>
+          <p:txBody>
+            <a:bodyPr wrap="square" rtlCol="0">
+              <a:spAutoFit/>
+            </a:bodyPr>
+            <a:lstStyle/>
+            <a:p>
+              <a:r>
+                <a:rPr lang="en-US" sz="1000" i="1" dirty="0" smtClean="0"/>
+                <a:t>Memory After: 177017</a:t>
+              </a:r>
+              <a:endParaRPr lang="en-US" sz="1000" dirty="0" smtClean="0">
+                <a:latin typeface="Courier New" pitchFamily="49" charset="0"/>
+                <a:cs typeface="Courier New" pitchFamily="49" charset="0"/>
+              </a:endParaRPr>
+            </a:p>
+          </p:txBody>
+        </p:sp>
+        <p:sp>
+          <p:nvSpPr>
+            <p:cNvPr id="12" name="TextBox 11"/>
+            <p:cNvSpPr txBox="1"/>
+            <p:nvPr/>
+          </p:nvSpPr>
+          <p:spPr>
+            <a:xfrm>
+              <a:off x="5510981" y="2056709"/>
+              <a:ext cx="2463390" cy="507612"/>
+            </a:xfrm>
+            <a:prstGeom prst="rect">
+              <a:avLst/>
+            </a:prstGeom>
+            <a:solidFill>
+              <a:schemeClr val="tx2">
+                <a:lumMod val="20000"/>
+                <a:lumOff val="80000"/>
+              </a:schemeClr>
+            </a:solidFill>
+            <a:ln>
+              <a:solidFill>
+                <a:schemeClr val="tx1"/>
+              </a:solidFill>
+            </a:ln>
+          </p:spPr>
+          <p:txBody>
+            <a:bodyPr wrap="square" rtlCol="0">
+              <a:spAutoFit/>
+            </a:bodyPr>
+            <a:lstStyle/>
+            <a:p>
+              <a:r>
+                <a:rPr lang="en-US" sz="1000" i="1" dirty="0" smtClean="0"/>
+                <a:t>Heap Size After: 177017</a:t>
+              </a:r>
+              <a:endParaRPr lang="en-US" sz="1000" dirty="0" smtClean="0">
+                <a:latin typeface="Courier New" pitchFamily="49" charset="0"/>
+                <a:cs typeface="Courier New" pitchFamily="49" charset="0"/>
+              </a:endParaRPr>
+            </a:p>
+          </p:txBody>
+        </p:sp>
+      </p:grpSp>
+      <p:sp>
+        <p:nvSpPr>
+          <p:cNvPr id="14" name="TextBox 13"/>
+          <p:cNvSpPr txBox="1"/>
+          <p:nvPr/>
+        </p:nvSpPr>
+        <p:spPr>
+          <a:xfrm>
+            <a:off x="289232" y="1257617"/>
+            <a:ext cx="2997200" cy="400110"/>
+          </a:xfrm>
+          <a:prstGeom prst="rect">
+            <a:avLst/>
+          </a:prstGeom>
+          <a:noFill/>
+        </p:spPr>
+        <p:txBody>
+          <a:bodyPr wrap="square" rtlCol="0">
+            <a:spAutoFit/>
+          </a:bodyPr>
+          <a:lstStyle/>
+          <a:p>
+            <a:r>
+              <a:rPr lang="de-CH" sz="2000" b="1" dirty="0" smtClean="0"/>
+              <a:t>Output (</a:t>
+            </a:r>
+            <a:r>
+              <a:rPr lang="de-CH" sz="2000" b="1" dirty="0" err="1" smtClean="0"/>
+              <a:t>Tokenstream</a:t>
+            </a:r>
+            <a:r>
+              <a:rPr lang="de-CH" sz="2000" b="1" dirty="0" smtClean="0"/>
+              <a:t>)</a:t>
+            </a:r>
+            <a:endParaRPr lang="en-US" sz="2000" b="1" dirty="0"/>
+          </a:p>
+        </p:txBody>
+      </p:sp>
+      <p:sp>
+        <p:nvSpPr>
+          <p:cNvPr id="15" name="TextBox 14"/>
+          <p:cNvSpPr txBox="1"/>
+          <p:nvPr/>
+        </p:nvSpPr>
+        <p:spPr>
+          <a:xfrm>
+            <a:off x="289232" y="2441413"/>
+            <a:ext cx="2997200" cy="400110"/>
+          </a:xfrm>
+          <a:prstGeom prst="rect">
+            <a:avLst/>
+          </a:prstGeom>
+          <a:noFill/>
+        </p:spPr>
+        <p:txBody>
+          <a:bodyPr wrap="square" rtlCol="0">
+            <a:spAutoFit/>
+          </a:bodyPr>
+          <a:lstStyle/>
+          <a:p>
+            <a:r>
+              <a:rPr lang="de-CH" sz="2000" b="1" dirty="0" smtClean="0"/>
+              <a:t>Objektgraph</a:t>
+            </a:r>
+            <a:endParaRPr lang="en-US" sz="2000" b="1" dirty="0"/>
+          </a:p>
+        </p:txBody>
+      </p:sp>
+    </p:spTree>
+  </p:cSld>
+  <p:clrMapOvr>
+    <a:masterClrMapping/>
+  </p:clrMapOvr>
+  <p:timing>
+    <p:tnLst>
+      <p:par>
+        <p:cTn id="1" dur="indefinite" restart="never" nodeType="tmRoot">
+          <p:childTnLst>
+            <p:seq concurrent="1" nextAc="seek">
+              <p:cTn id="2" dur="indefinite" nodeType="mainSeq">
+                <p:childTnLst>
+                  <p:par>
+                    <p:cTn id="3" fill="hold">
+                      <p:stCondLst>
+                        <p:cond delay="indefinite"/>
+                      </p:stCondLst>
+                      <p:childTnLst>
+                        <p:par>
+                          <p:cTn id="4" fill="hold">
+                            <p:stCondLst>
+                              <p:cond delay="0"/>
+                            </p:stCondLst>
+                            <p:childTnLst>
+                              <p:par>
+                                <p:cTn id="5" presetID="1" presetClass="entr" presetSubtype="0" fill="hold" grpId="0" nodeType="clickEffect">
+                                  <p:stCondLst>
+                                    <p:cond delay="0"/>
+                                  </p:stCondLst>
+                                  <p:childTnLst>
+                                    <p:set>
+                                      <p:cBhvr>
+                                        <p:cTn id="6" dur="1" fill="hold">
+                                          <p:stCondLst>
+                                            <p:cond delay="0"/>
+                                          </p:stCondLst>
+                                        </p:cTn>
+                                        <p:tgtEl>
+                                          <p:spTgt spid="15"/>
+                                        </p:tgtEl>
+                                        <p:attrNameLst>
+                                          <p:attrName>style.visibility</p:attrName>
+                                        </p:attrNameLst>
+                                      </p:cBhvr>
+                                      <p:to>
+                                        <p:strVal val="visible"/>
+                                      </p:to>
+                                    </p:set>
+                                  </p:childTnLst>
+                                </p:cTn>
+                              </p:par>
+                              <p:par>
+                                <p:cTn id="7" presetID="1" presetClass="entr" presetSubtype="0" fill="hold" nodeType="withEffect">
+                                  <p:stCondLst>
+                                    <p:cond delay="0"/>
+                                  </p:stCondLst>
+                                  <p:childTnLst>
+                                    <p:set>
+                                      <p:cBhvr>
+                                        <p:cTn id="8" dur="1" fill="hold">
+                                          <p:stCondLst>
+                                            <p:cond delay="0"/>
+                                          </p:stCondLst>
+                                        </p:cTn>
+                                        <p:tgtEl>
+                                          <p:spTgt spid="3074"/>
+                                        </p:tgtEl>
+                                        <p:attrNameLst>
+                                          <p:attrName>style.visibility</p:attrName>
+                                        </p:attrNameLst>
+                                      </p:cBhvr>
+                                      <p:to>
+                                        <p:strVal val="visible"/>
+                                      </p:to>
+                                    </p:set>
+                                  </p:childTnLst>
+                                </p:cTn>
+                              </p:par>
+                            </p:childTnLst>
+                          </p:cTn>
+                        </p:par>
+                      </p:childTnLst>
+                    </p:cTn>
+                  </p:par>
+                </p:childTnLst>
+              </p:cTn>
+              <p:prevCondLst>
+                <p:cond evt="onPrev" delay="0">
+                  <p:tgtEl>
+                    <p:sldTgt/>
+                  </p:tgtEl>
+                </p:cond>
+              </p:prevCondLst>
+              <p:nextCondLst>
+                <p:cond evt="onNext" delay="0">
+                  <p:tgtEl>
+                    <p:sldTgt/>
+                  </p:tgtEl>
+                </p:cond>
+              </p:nextCondLst>
+            </p:seq>
+          </p:childTnLst>
+        </p:cTn>
+      </p:par>
+    </p:tnLst>
+    <p:bldLst>
+      <p:bldP spid="15" grpId="0"/>
+    </p:bldLst>
+  </p:timing>
+</p:sld>
+</file>
+
 <file path=ppt/slides/slide12.xml><?xml version="1.0" encoding="utf-8"?>
 <p:sld xmlns:a="http://schemas.openxmlformats.org/drawingml/2006/main" xmlns:r="http://schemas.openxmlformats.org/officeDocument/2006/relationships" xmlns:p="http://schemas.openxmlformats.org/presentationml/2006/main">
   <p:cSld>
@@ -5719,12 +6249,8 @@
           <a:lstStyle/>
           <a:p>
             <a:r>
-              <a:rPr lang="de-CH" dirty="0" err="1" smtClean="0"/>
-              <a:t>Semantic</a:t>
-            </a:r>
-            <a:r>
               <a:rPr lang="de-CH" dirty="0" smtClean="0"/>
-              <a:t> Analysis</a:t>
+              <a:t>Anzeige</a:t>
             </a:r>
             <a:endParaRPr lang="en-US" dirty="0"/>
           </a:p>
@@ -5788,8 +6314,8 @@
         </p:blipFill>
         <p:spPr bwMode="auto">
           <a:xfrm>
-            <a:off x="129944" y="1641987"/>
-            <a:ext cx="8556856" cy="4414684"/>
+            <a:off x="4924520" y="4323992"/>
+            <a:ext cx="3939261" cy="2032358"/>
           </a:xfrm>
           <a:prstGeom prst="rect">
             <a:avLst/>
@@ -5804,6 +6330,235 @@
           <a:effectLst/>
         </p:spPr>
       </p:pic>
+      <p:pic>
+        <p:nvPicPr>
+          <p:cNvPr id="1027" name="Picture 3"/>
+          <p:cNvPicPr>
+            <a:picLocks noChangeAspect="1" noChangeArrowheads="1"/>
+          </p:cNvPicPr>
+          <p:nvPr/>
+        </p:nvPicPr>
+        <p:blipFill>
+          <a:blip r:embed="rId3"/>
+          <a:srcRect/>
+          <a:stretch>
+            <a:fillRect/>
+          </a:stretch>
+        </p:blipFill>
+        <p:spPr bwMode="auto">
+          <a:xfrm>
+            <a:off x="303573" y="1160387"/>
+            <a:ext cx="3747318" cy="3303459"/>
+          </a:xfrm>
+          <a:prstGeom prst="rect">
+            <a:avLst/>
+          </a:prstGeom>
+          <a:noFill/>
+          <a:ln w="9525">
+            <a:solidFill>
+              <a:schemeClr val="tx1">
+                <a:lumMod val="50000"/>
+                <a:lumOff val="50000"/>
+              </a:schemeClr>
+            </a:solidFill>
+            <a:miter lim="800000"/>
+            <a:headEnd/>
+            <a:tailEnd/>
+          </a:ln>
+        </p:spPr>
+      </p:pic>
+      <p:sp>
+        <p:nvSpPr>
+          <p:cNvPr id="18" name="Rectangle 17"/>
+          <p:cNvSpPr/>
+          <p:nvPr/>
+        </p:nvSpPr>
+        <p:spPr>
+          <a:xfrm>
+            <a:off x="1983870" y="1236222"/>
+            <a:ext cx="1471152" cy="855407"/>
+          </a:xfrm>
+          <a:prstGeom prst="rect">
+            <a:avLst/>
+          </a:prstGeom>
+          <a:noFill/>
+          <a:ln w="22225">
+            <a:solidFill>
+              <a:srgbClr val="FF0000"/>
+            </a:solidFill>
+          </a:ln>
+        </p:spPr>
+        <p:style>
+          <a:lnRef idx="1">
+            <a:schemeClr val="accent1"/>
+          </a:lnRef>
+          <a:fillRef idx="3">
+            <a:schemeClr val="accent1"/>
+          </a:fillRef>
+          <a:effectRef idx="2">
+            <a:schemeClr val="accent1"/>
+          </a:effectRef>
+          <a:fontRef idx="minor">
+            <a:schemeClr val="lt1"/>
+          </a:fontRef>
+        </p:style>
+        <p:txBody>
+          <a:bodyPr rtlCol="0" anchor="ctr"/>
+          <a:lstStyle/>
+          <a:p>
+            <a:pPr algn="ctr"/>
+            <a:endParaRPr lang="en-US"/>
+          </a:p>
+        </p:txBody>
+      </p:sp>
+      <p:sp>
+        <p:nvSpPr>
+          <p:cNvPr id="20" name="Left-Right Arrow 19"/>
+          <p:cNvSpPr/>
+          <p:nvPr/>
+        </p:nvSpPr>
+        <p:spPr>
+          <a:xfrm rot="1846805">
+            <a:off x="4115540" y="3987100"/>
+            <a:ext cx="1529909" cy="673783"/>
+          </a:xfrm>
+          <a:prstGeom prst="leftRightArrow">
+            <a:avLst/>
+          </a:prstGeom>
+          <a:noFill/>
+          <a:ln>
+            <a:solidFill>
+              <a:srgbClr val="FF0000"/>
+            </a:solidFill>
+          </a:ln>
+        </p:spPr>
+        <p:style>
+          <a:lnRef idx="1">
+            <a:schemeClr val="accent1"/>
+          </a:lnRef>
+          <a:fillRef idx="3">
+            <a:schemeClr val="accent1"/>
+          </a:fillRef>
+          <a:effectRef idx="2">
+            <a:schemeClr val="accent1"/>
+          </a:effectRef>
+          <a:fontRef idx="minor">
+            <a:schemeClr val="lt1"/>
+          </a:fontRef>
+        </p:style>
+        <p:txBody>
+          <a:bodyPr rtlCol="0" anchor="ctr"/>
+          <a:lstStyle/>
+          <a:p>
+            <a:pPr algn="ctr"/>
+            <a:endParaRPr lang="en-US"/>
+          </a:p>
+        </p:txBody>
+      </p:sp>
+      <p:sp>
+        <p:nvSpPr>
+          <p:cNvPr id="23" name="Rectangle 22"/>
+          <p:cNvSpPr/>
+          <p:nvPr/>
+        </p:nvSpPr>
+        <p:spPr>
+          <a:xfrm>
+            <a:off x="4336026" y="1612671"/>
+            <a:ext cx="4527755" cy="1867948"/>
+          </a:xfrm>
+          <a:prstGeom prst="rect">
+            <a:avLst/>
+          </a:prstGeom>
+          <a:noFill/>
+          <a:ln>
+            <a:solidFill>
+              <a:srgbClr val="FF0000"/>
+            </a:solidFill>
+          </a:ln>
+        </p:spPr>
+        <p:style>
+          <a:lnRef idx="1">
+            <a:schemeClr val="accent1"/>
+          </a:lnRef>
+          <a:fillRef idx="3">
+            <a:schemeClr val="accent1"/>
+          </a:fillRef>
+          <a:effectRef idx="2">
+            <a:schemeClr val="accent1"/>
+          </a:effectRef>
+          <a:fontRef idx="minor">
+            <a:schemeClr val="lt1"/>
+          </a:fontRef>
+        </p:style>
+        <p:txBody>
+          <a:bodyPr rtlCol="0" anchor="t"/>
+          <a:lstStyle/>
+          <a:p>
+            <a:r>
+              <a:rPr lang="de-CH" dirty="0" smtClean="0">
+                <a:solidFill>
+                  <a:schemeClr val="tx1"/>
+                </a:solidFill>
+              </a:rPr>
+              <a:t>X-Filter:</a:t>
+            </a:r>
+          </a:p>
+          <a:p>
+            <a:r>
+              <a:rPr lang="de-CH" dirty="0" err="1" smtClean="0">
+                <a:solidFill>
+                  <a:schemeClr val="tx1"/>
+                </a:solidFill>
+              </a:rPr>
+              <a:t>states*.timestamp*.second</a:t>
+            </a:r>
+            <a:endParaRPr lang="de-CH" dirty="0" smtClean="0">
+              <a:solidFill>
+                <a:schemeClr val="tx1"/>
+              </a:solidFill>
+            </a:endParaRPr>
+          </a:p>
+          <a:p>
+            <a:endParaRPr lang="de-CH" dirty="0" smtClean="0">
+              <a:solidFill>
+                <a:schemeClr val="tx1"/>
+              </a:solidFill>
+            </a:endParaRPr>
+          </a:p>
+          <a:p>
+            <a:endParaRPr lang="de-CH" dirty="0" smtClean="0">
+              <a:solidFill>
+                <a:schemeClr val="tx1"/>
+              </a:solidFill>
+            </a:endParaRPr>
+          </a:p>
+          <a:p>
+            <a:r>
+              <a:rPr lang="de-CH" dirty="0" smtClean="0">
+                <a:solidFill>
+                  <a:schemeClr val="tx1"/>
+                </a:solidFill>
+              </a:rPr>
+              <a:t>Y-Filter: </a:t>
+            </a:r>
+          </a:p>
+          <a:p>
+            <a:r>
+              <a:rPr lang="de-CH" dirty="0" err="1" smtClean="0">
+                <a:solidFill>
+                  <a:schemeClr val="tx1"/>
+                </a:solidFill>
+              </a:rPr>
+              <a:t>states*.memoryUsed*.kiloByte</a:t>
+            </a:r>
+            <a:endParaRPr lang="en-US" dirty="0">
+              <a:solidFill>
+                <a:schemeClr val="tx1"/>
+              </a:solidFill>
+            </a:endParaRPr>
+          </a:p>
+        </p:txBody>
+      </p:sp>
     </p:spTree>
   </p:cSld>
   <p:clrMapOvr>
@@ -5812,9 +6567,154 @@
   <p:timing>
     <p:tnLst>
       <p:par>
-        <p:cTn id="1" dur="indefinite" restart="never" nodeType="tmRoot"/>
+        <p:cTn id="1" dur="indefinite" restart="never" nodeType="tmRoot">
+          <p:childTnLst>
+            <p:seq concurrent="1" nextAc="seek">
+              <p:cTn id="2" dur="indefinite" nodeType="mainSeq">
+                <p:childTnLst>
+                  <p:par>
+                    <p:cTn id="3" fill="hold">
+                      <p:stCondLst>
+                        <p:cond delay="indefinite"/>
+                      </p:stCondLst>
+                      <p:childTnLst>
+                        <p:par>
+                          <p:cTn id="4" fill="hold">
+                            <p:stCondLst>
+                              <p:cond delay="0"/>
+                            </p:stCondLst>
+                            <p:childTnLst>
+                              <p:par>
+                                <p:cTn id="5" presetID="1" presetClass="entr" presetSubtype="0" fill="hold" grpId="0" nodeType="clickEffect">
+                                  <p:stCondLst>
+                                    <p:cond delay="0"/>
+                                  </p:stCondLst>
+                                  <p:childTnLst>
+                                    <p:set>
+                                      <p:cBhvr>
+                                        <p:cTn id="6" dur="1" fill="hold">
+                                          <p:stCondLst>
+                                            <p:cond delay="0"/>
+                                          </p:stCondLst>
+                                        </p:cTn>
+                                        <p:tgtEl>
+                                          <p:spTgt spid="18"/>
+                                        </p:tgtEl>
+                                        <p:attrNameLst>
+                                          <p:attrName>style.visibility</p:attrName>
+                                        </p:attrNameLst>
+                                      </p:cBhvr>
+                                      <p:to>
+                                        <p:strVal val="visible"/>
+                                      </p:to>
+                                    </p:set>
+                                  </p:childTnLst>
+                                </p:cTn>
+                              </p:par>
+                              <p:par>
+                                <p:cTn id="7" presetID="1" presetClass="entr" presetSubtype="0" fill="hold" grpId="0" nodeType="withEffect">
+                                  <p:stCondLst>
+                                    <p:cond delay="0"/>
+                                  </p:stCondLst>
+                                  <p:childTnLst>
+                                    <p:set>
+                                      <p:cBhvr>
+                                        <p:cTn id="8" dur="1" fill="hold">
+                                          <p:stCondLst>
+                                            <p:cond delay="0"/>
+                                          </p:stCondLst>
+                                        </p:cTn>
+                                        <p:tgtEl>
+                                          <p:spTgt spid="20"/>
+                                        </p:tgtEl>
+                                        <p:attrNameLst>
+                                          <p:attrName>style.visibility</p:attrName>
+                                        </p:attrNameLst>
+                                      </p:cBhvr>
+                                      <p:to>
+                                        <p:strVal val="visible"/>
+                                      </p:to>
+                                    </p:set>
+                                  </p:childTnLst>
+                                </p:cTn>
+                              </p:par>
+                            </p:childTnLst>
+                          </p:cTn>
+                        </p:par>
+                      </p:childTnLst>
+                    </p:cTn>
+                  </p:par>
+                  <p:par>
+                    <p:cTn id="9" fill="hold">
+                      <p:stCondLst>
+                        <p:cond delay="indefinite"/>
+                      </p:stCondLst>
+                      <p:childTnLst>
+                        <p:par>
+                          <p:cTn id="10" fill="hold">
+                            <p:stCondLst>
+                              <p:cond delay="0"/>
+                            </p:stCondLst>
+                            <p:childTnLst>
+                              <p:par>
+                                <p:cTn id="11" presetID="1" presetClass="entr" presetSubtype="0" fill="hold" grpId="0" nodeType="clickEffect">
+                                  <p:stCondLst>
+                                    <p:cond delay="0"/>
+                                  </p:stCondLst>
+                                  <p:childTnLst>
+                                    <p:set>
+                                      <p:cBhvr>
+                                        <p:cTn id="12" dur="1" fill="hold">
+                                          <p:stCondLst>
+                                            <p:cond delay="0"/>
+                                          </p:stCondLst>
+                                        </p:cTn>
+                                        <p:tgtEl>
+                                          <p:spTgt spid="23"/>
+                                        </p:tgtEl>
+                                        <p:attrNameLst>
+                                          <p:attrName>style.visibility</p:attrName>
+                                        </p:attrNameLst>
+                                      </p:cBhvr>
+                                      <p:to>
+                                        <p:strVal val="visible"/>
+                                      </p:to>
+                                    </p:set>
+                                  </p:childTnLst>
+                                </p:cTn>
+                              </p:par>
+                            </p:childTnLst>
+                          </p:cTn>
+                        </p:par>
+                      </p:childTnLst>
+                    </p:cTn>
+                  </p:par>
+                </p:childTnLst>
+              </p:cTn>
+              <p:prevCondLst>
+                <p:cond evt="onPrev" delay="0">
+                  <p:tgtEl>
+                    <p:sldTgt/>
+                  </p:tgtEl>
+                </p:cond>
+              </p:prevCondLst>
+              <p:nextCondLst>
+                <p:cond evt="onNext" delay="0">
+                  <p:tgtEl>
+                    <p:sldTgt/>
+                  </p:tgtEl>
+                </p:cond>
+              </p:nextCondLst>
+            </p:seq>
+          </p:childTnLst>
+        </p:cTn>
       </p:par>
     </p:tnLst>
+    <p:bldLst>
+      <p:bldP spid="18" grpId="0" animBg="1"/>
+      <p:bldP spid="20" grpId="0" animBg="1"/>
+      <p:bldP spid="23" grpId="0" animBg="1"/>
+    </p:bldLst>
   </p:timing>
 </p:sld>
 </file>
@@ -5940,7 +6840,7 @@
         </p:nvSpPr>
         <p:spPr>
           <a:xfrm>
-            <a:off x="622300" y="3182938"/>
+            <a:off x="622300" y="3713866"/>
             <a:ext cx="3670300" cy="550862"/>
           </a:xfrm>
           <a:prstGeom prst="roundRect">
@@ -5988,7 +6888,7 @@
         </p:nvSpPr>
         <p:spPr>
           <a:xfrm>
-            <a:off x="622300" y="2201069"/>
+            <a:off x="622300" y="2731997"/>
             <a:ext cx="3670300" cy="550862"/>
           </a:xfrm>
           <a:prstGeom prst="roundRect">
@@ -6039,402 +6939,7 @@
         </p:nvCxnSpPr>
         <p:spPr>
           <a:xfrm>
-            <a:off x="2457450" y="2751931"/>
-            <a:ext cx="0" cy="431007"/>
-          </a:xfrm>
-          <a:prstGeom prst="straightConnector1">
-            <a:avLst/>
-          </a:prstGeom>
-          <a:ln w="9525">
-            <a:solidFill>
-              <a:schemeClr val="tx1"/>
-            </a:solidFill>
-            <a:prstDash val="dash"/>
-            <a:tailEnd type="arrow"/>
-          </a:ln>
-        </p:spPr>
-        <p:style>
-          <a:lnRef idx="2">
-            <a:schemeClr val="accent1"/>
-          </a:lnRef>
-          <a:fillRef idx="0">
-            <a:schemeClr val="accent1"/>
-          </a:fillRef>
-          <a:effectRef idx="1">
-            <a:schemeClr val="accent1"/>
-          </a:effectRef>
-          <a:fontRef idx="minor">
-            <a:schemeClr val="tx1"/>
-          </a:fontRef>
-        </p:style>
-      </p:cxnSp>
-      <p:sp>
-        <p:nvSpPr>
-          <p:cNvPr id="17" name="Rounded Rectangle 16"/>
-          <p:cNvSpPr/>
-          <p:nvPr/>
-        </p:nvSpPr>
-        <p:spPr>
-          <a:xfrm>
-            <a:off x="622300" y="5176838"/>
-            <a:ext cx="3670300" cy="550862"/>
-          </a:xfrm>
-          <a:prstGeom prst="roundRect">
-            <a:avLst/>
-          </a:prstGeom>
-          <a:solidFill>
-            <a:schemeClr val="tx2">
-              <a:lumMod val="20000"/>
-              <a:lumOff val="80000"/>
-            </a:schemeClr>
-          </a:solidFill>
-        </p:spPr>
-        <p:style>
-          <a:lnRef idx="2">
-            <a:schemeClr val="dk1"/>
-          </a:lnRef>
-          <a:fillRef idx="1">
-            <a:schemeClr val="lt1"/>
-          </a:fillRef>
-          <a:effectRef idx="0">
-            <a:schemeClr val="dk1"/>
-          </a:effectRef>
-          <a:fontRef idx="minor">
-            <a:schemeClr val="dk1"/>
-          </a:fontRef>
-        </p:style>
-        <p:txBody>
-          <a:bodyPr rtlCol="0" anchor="ctr"/>
-          <a:lstStyle/>
-          <a:p>
-            <a:pPr algn="ctr"/>
-            <a:r>
-              <a:rPr lang="de-CH" sz="2400" dirty="0" smtClean="0"/>
-              <a:t>kleine relative Systemlast</a:t>
-            </a:r>
-            <a:endParaRPr lang="en-US" sz="2400" dirty="0"/>
-          </a:p>
-        </p:txBody>
-      </p:sp>
-      <p:cxnSp>
-        <p:nvCxnSpPr>
-          <p:cNvPr id="18" name="Straight Arrow Connector 17"/>
-          <p:cNvCxnSpPr/>
-          <p:nvPr/>
-        </p:nvCxnSpPr>
-        <p:spPr>
-          <a:xfrm>
-            <a:off x="2457450" y="3755231"/>
-            <a:ext cx="0" cy="431007"/>
-          </a:xfrm>
-          <a:prstGeom prst="straightConnector1">
-            <a:avLst/>
-          </a:prstGeom>
-          <a:ln w="9525">
-            <a:solidFill>
-              <a:schemeClr val="tx1"/>
-            </a:solidFill>
-            <a:prstDash val="dash"/>
-            <a:tailEnd type="arrow"/>
-          </a:ln>
-        </p:spPr>
-        <p:style>
-          <a:lnRef idx="2">
-            <a:schemeClr val="accent1"/>
-          </a:lnRef>
-          <a:fillRef idx="0">
-            <a:schemeClr val="accent1"/>
-          </a:fillRef>
-          <a:effectRef idx="1">
-            <a:schemeClr val="accent1"/>
-          </a:effectRef>
-          <a:fontRef idx="minor">
-            <a:schemeClr val="tx1"/>
-          </a:fontRef>
-        </p:style>
-      </p:cxnSp>
-      <p:sp>
-        <p:nvSpPr>
-          <p:cNvPr id="24" name="Rounded Rectangle 23"/>
-          <p:cNvSpPr/>
-          <p:nvPr/>
-        </p:nvSpPr>
-        <p:spPr>
-          <a:xfrm>
-            <a:off x="4800600" y="2213769"/>
-            <a:ext cx="3670300" cy="550862"/>
-          </a:xfrm>
-          <a:prstGeom prst="roundRect">
-            <a:avLst/>
-          </a:prstGeom>
-          <a:solidFill>
-            <a:schemeClr val="tx2">
-              <a:lumMod val="20000"/>
-              <a:lumOff val="80000"/>
-            </a:schemeClr>
-          </a:solidFill>
-        </p:spPr>
-        <p:style>
-          <a:lnRef idx="2">
-            <a:schemeClr val="dk1"/>
-          </a:lnRef>
-          <a:fillRef idx="1">
-            <a:schemeClr val="lt1"/>
-          </a:fillRef>
-          <a:effectRef idx="0">
-            <a:schemeClr val="dk1"/>
-          </a:effectRef>
-          <a:fontRef idx="minor">
-            <a:schemeClr val="dk1"/>
-          </a:fontRef>
-        </p:style>
-        <p:txBody>
-          <a:bodyPr rtlCol="0" anchor="ctr"/>
-          <a:lstStyle/>
-          <a:p>
-            <a:pPr algn="ctr"/>
-            <a:r>
-              <a:rPr lang="de-CH" sz="2400" dirty="0" smtClean="0"/>
-              <a:t>hohe CPU-Auslastung</a:t>
-            </a:r>
-            <a:endParaRPr lang="en-US" sz="2400" dirty="0"/>
-          </a:p>
-        </p:txBody>
-      </p:sp>
-      <p:cxnSp>
-        <p:nvCxnSpPr>
-          <p:cNvPr id="25" name="Straight Arrow Connector 24"/>
-          <p:cNvCxnSpPr>
-            <a:stCxn id="24" idx="2"/>
-          </p:cNvCxnSpPr>
-          <p:nvPr/>
-        </p:nvCxnSpPr>
-        <p:spPr>
-          <a:xfrm>
-            <a:off x="6635750" y="2764631"/>
-            <a:ext cx="0" cy="431007"/>
-          </a:xfrm>
-          <a:prstGeom prst="straightConnector1">
-            <a:avLst/>
-          </a:prstGeom>
-          <a:ln w="9525">
-            <a:solidFill>
-              <a:schemeClr val="tx1"/>
-            </a:solidFill>
-            <a:prstDash val="dash"/>
-            <a:tailEnd type="arrow"/>
-          </a:ln>
-        </p:spPr>
-        <p:style>
-          <a:lnRef idx="2">
-            <a:schemeClr val="accent1"/>
-          </a:lnRef>
-          <a:fillRef idx="0">
-            <a:schemeClr val="accent1"/>
-          </a:fillRef>
-          <a:effectRef idx="1">
-            <a:schemeClr val="accent1"/>
-          </a:effectRef>
-          <a:fontRef idx="minor">
-            <a:schemeClr val="tx1"/>
-          </a:fontRef>
-        </p:style>
-      </p:cxnSp>
-      <p:sp>
-        <p:nvSpPr>
-          <p:cNvPr id="29" name="Rounded Rectangle 28"/>
-          <p:cNvSpPr/>
-          <p:nvPr/>
-        </p:nvSpPr>
-        <p:spPr>
-          <a:xfrm>
-            <a:off x="4800600" y="3217069"/>
-            <a:ext cx="3670300" cy="550862"/>
-          </a:xfrm>
-          <a:prstGeom prst="roundRect">
-            <a:avLst/>
-          </a:prstGeom>
-          <a:solidFill>
-            <a:schemeClr val="accent6">
-              <a:lumMod val="20000"/>
-              <a:lumOff val="80000"/>
-            </a:schemeClr>
-          </a:solidFill>
-        </p:spPr>
-        <p:style>
-          <a:lnRef idx="2">
-            <a:schemeClr val="dk1"/>
-          </a:lnRef>
-          <a:fillRef idx="1">
-            <a:schemeClr val="lt1"/>
-          </a:fillRef>
-          <a:effectRef idx="0">
-            <a:schemeClr val="dk1"/>
-          </a:effectRef>
-          <a:fontRef idx="minor">
-            <a:schemeClr val="dk1"/>
-          </a:fontRef>
-        </p:style>
-        <p:txBody>
-          <a:bodyPr rtlCol="0" anchor="ctr"/>
-          <a:lstStyle/>
-          <a:p>
-            <a:pPr algn="ctr"/>
-            <a:r>
-              <a:rPr lang="de-CH" sz="2000" dirty="0" smtClean="0"/>
-              <a:t>optimaler Objekt-Lebenszyklus</a:t>
-            </a:r>
-            <a:endParaRPr lang="en-US" sz="2000" dirty="0"/>
-          </a:p>
-        </p:txBody>
-      </p:sp>
-      <p:sp>
-        <p:nvSpPr>
-          <p:cNvPr id="30" name="Rounded Rectangle 29"/>
-          <p:cNvSpPr/>
-          <p:nvPr/>
-        </p:nvSpPr>
-        <p:spPr>
-          <a:xfrm>
-            <a:off x="4800600" y="4198938"/>
-            <a:ext cx="3670300" cy="550862"/>
-          </a:xfrm>
-          <a:prstGeom prst="roundRect">
-            <a:avLst/>
-          </a:prstGeom>
-          <a:solidFill>
-            <a:schemeClr val="accent6">
-              <a:lumMod val="20000"/>
-              <a:lumOff val="80000"/>
-            </a:schemeClr>
-          </a:solidFill>
-        </p:spPr>
-        <p:style>
-          <a:lnRef idx="2">
-            <a:schemeClr val="dk1"/>
-          </a:lnRef>
-          <a:fillRef idx="1">
-            <a:schemeClr val="lt1"/>
-          </a:fillRef>
-          <a:effectRef idx="0">
-            <a:schemeClr val="dk1"/>
-          </a:effectRef>
-          <a:fontRef idx="minor">
-            <a:schemeClr val="dk1"/>
-          </a:fontRef>
-        </p:style>
-        <p:txBody>
-          <a:bodyPr rtlCol="0" anchor="ctr"/>
-          <a:lstStyle/>
-          <a:p>
-            <a:pPr algn="ctr"/>
-            <a:r>
-              <a:rPr lang="de-CH" sz="2000" dirty="0" smtClean="0"/>
-              <a:t>Verhalten Garbage Collection</a:t>
-            </a:r>
-            <a:endParaRPr lang="en-US" sz="2000" dirty="0"/>
-          </a:p>
-        </p:txBody>
-      </p:sp>
-      <p:cxnSp>
-        <p:nvCxnSpPr>
-          <p:cNvPr id="31" name="Straight Arrow Connector 30"/>
-          <p:cNvCxnSpPr>
-            <a:stCxn id="29" idx="2"/>
-          </p:cNvCxnSpPr>
-          <p:nvPr/>
-        </p:nvCxnSpPr>
-        <p:spPr>
-          <a:xfrm>
-            <a:off x="6635750" y="3767931"/>
-            <a:ext cx="0" cy="431007"/>
-          </a:xfrm>
-          <a:prstGeom prst="straightConnector1">
-            <a:avLst/>
-          </a:prstGeom>
-          <a:ln w="9525">
-            <a:solidFill>
-              <a:schemeClr val="tx1"/>
-            </a:solidFill>
-            <a:prstDash val="dash"/>
-            <a:tailEnd type="arrow"/>
-          </a:ln>
-        </p:spPr>
-        <p:style>
-          <a:lnRef idx="2">
-            <a:schemeClr val="accent1"/>
-          </a:lnRef>
-          <a:fillRef idx="0">
-            <a:schemeClr val="accent1"/>
-          </a:fillRef>
-          <a:effectRef idx="1">
-            <a:schemeClr val="accent1"/>
-          </a:effectRef>
-          <a:fontRef idx="minor">
-            <a:schemeClr val="tx1"/>
-          </a:fontRef>
-        </p:style>
-      </p:cxnSp>
-      <p:sp>
-        <p:nvSpPr>
-          <p:cNvPr id="40" name="Rounded Rectangle 39"/>
-          <p:cNvSpPr/>
-          <p:nvPr/>
-        </p:nvSpPr>
-        <p:spPr>
-          <a:xfrm>
-            <a:off x="622300" y="4194969"/>
-            <a:ext cx="3670300" cy="550862"/>
-          </a:xfrm>
-          <a:prstGeom prst="roundRect">
-            <a:avLst/>
-          </a:prstGeom>
-          <a:solidFill>
-            <a:schemeClr val="tx2">
-              <a:lumMod val="20000"/>
-              <a:lumOff val="80000"/>
-            </a:schemeClr>
-          </a:solidFill>
-        </p:spPr>
-        <p:style>
-          <a:lnRef idx="2">
-            <a:schemeClr val="dk1"/>
-          </a:lnRef>
-          <a:fillRef idx="1">
-            <a:schemeClr val="lt1"/>
-          </a:fillRef>
-          <a:effectRef idx="0">
-            <a:schemeClr val="dk1"/>
-          </a:effectRef>
-          <a:fontRef idx="minor">
-            <a:schemeClr val="dk1"/>
-          </a:fontRef>
-        </p:style>
-        <p:txBody>
-          <a:bodyPr rtlCol="0" anchor="ctr"/>
-          <a:lstStyle/>
-          <a:p>
-            <a:pPr algn="ctr"/>
-            <a:r>
-              <a:rPr lang="de-CH" sz="2400" dirty="0" smtClean="0"/>
-              <a:t>kein Zugriff auf VM</a:t>
-            </a:r>
-            <a:endParaRPr lang="en-US" sz="2400" dirty="0"/>
-          </a:p>
-        </p:txBody>
-      </p:sp>
-      <p:cxnSp>
-        <p:nvCxnSpPr>
-          <p:cNvPr id="41" name="Straight Arrow Connector 40"/>
-          <p:cNvCxnSpPr>
-            <a:stCxn id="40" idx="2"/>
-            <a:endCxn id="17" idx="0"/>
-          </p:cNvCxnSpPr>
-          <p:nvPr/>
-        </p:nvCxnSpPr>
-        <p:spPr>
-          <a:xfrm>
-            <a:off x="2457450" y="4745831"/>
+            <a:off x="2457450" y="3282859"/>
             <a:ext cx="0" cy="431007"/>
           </a:xfrm>
           <a:prstGeom prst="straightConnector1">
@@ -6465,21 +6970,241 @@
       </p:cxnSp>
       <p:cxnSp>
         <p:nvCxnSpPr>
+          <p:cNvPr id="18" name="Straight Arrow Connector 17"/>
+          <p:cNvCxnSpPr/>
+          <p:nvPr/>
+        </p:nvCxnSpPr>
+        <p:spPr>
+          <a:xfrm>
+            <a:off x="2457450" y="4286159"/>
+            <a:ext cx="0" cy="431007"/>
+          </a:xfrm>
+          <a:prstGeom prst="straightConnector1">
+            <a:avLst/>
+          </a:prstGeom>
+          <a:ln w="9525">
+            <a:solidFill>
+              <a:schemeClr val="tx1"/>
+            </a:solidFill>
+            <a:prstDash val="dash"/>
+            <a:tailEnd type="arrow"/>
+          </a:ln>
+        </p:spPr>
+        <p:style>
+          <a:lnRef idx="2">
+            <a:schemeClr val="accent1"/>
+          </a:lnRef>
+          <a:fillRef idx="0">
+            <a:schemeClr val="accent1"/>
+          </a:fillRef>
+          <a:effectRef idx="1">
+            <a:schemeClr val="accent1"/>
+          </a:effectRef>
+          <a:fontRef idx="minor">
+            <a:schemeClr val="tx1"/>
+          </a:fontRef>
+        </p:style>
+      </p:cxnSp>
+      <p:sp>
+        <p:nvSpPr>
+          <p:cNvPr id="29" name="Rounded Rectangle 28"/>
+          <p:cNvSpPr/>
+          <p:nvPr/>
+        </p:nvSpPr>
+        <p:spPr>
+          <a:xfrm>
+            <a:off x="4800600" y="2715637"/>
+            <a:ext cx="3670300" cy="550862"/>
+          </a:xfrm>
+          <a:prstGeom prst="roundRect">
+            <a:avLst/>
+          </a:prstGeom>
+          <a:solidFill>
+            <a:schemeClr val="accent6">
+              <a:lumMod val="20000"/>
+              <a:lumOff val="80000"/>
+            </a:schemeClr>
+          </a:solidFill>
+        </p:spPr>
+        <p:style>
+          <a:lnRef idx="2">
+            <a:schemeClr val="dk1"/>
+          </a:lnRef>
+          <a:fillRef idx="1">
+            <a:schemeClr val="lt1"/>
+          </a:fillRef>
+          <a:effectRef idx="0">
+            <a:schemeClr val="dk1"/>
+          </a:effectRef>
+          <a:fontRef idx="minor">
+            <a:schemeClr val="dk1"/>
+          </a:fontRef>
+        </p:style>
+        <p:txBody>
+          <a:bodyPr rtlCol="0" anchor="ctr"/>
+          <a:lstStyle/>
+          <a:p>
+            <a:pPr algn="ctr"/>
+            <a:r>
+              <a:rPr lang="de-CH" sz="2000" dirty="0" smtClean="0"/>
+              <a:t>optimaler Objekt-Lebenszyklus</a:t>
+            </a:r>
+            <a:endParaRPr lang="en-US" sz="2000" dirty="0"/>
+          </a:p>
+        </p:txBody>
+      </p:sp>
+      <p:sp>
+        <p:nvSpPr>
+          <p:cNvPr id="30" name="Rounded Rectangle 29"/>
+          <p:cNvSpPr/>
+          <p:nvPr/>
+        </p:nvSpPr>
+        <p:spPr>
+          <a:xfrm>
+            <a:off x="4800600" y="3697506"/>
+            <a:ext cx="3670300" cy="550862"/>
+          </a:xfrm>
+          <a:prstGeom prst="roundRect">
+            <a:avLst/>
+          </a:prstGeom>
+          <a:solidFill>
+            <a:schemeClr val="accent6">
+              <a:lumMod val="20000"/>
+              <a:lumOff val="80000"/>
+            </a:schemeClr>
+          </a:solidFill>
+        </p:spPr>
+        <p:style>
+          <a:lnRef idx="2">
+            <a:schemeClr val="dk1"/>
+          </a:lnRef>
+          <a:fillRef idx="1">
+            <a:schemeClr val="lt1"/>
+          </a:fillRef>
+          <a:effectRef idx="0">
+            <a:schemeClr val="dk1"/>
+          </a:effectRef>
+          <a:fontRef idx="minor">
+            <a:schemeClr val="dk1"/>
+          </a:fontRef>
+        </p:style>
+        <p:txBody>
+          <a:bodyPr rtlCol="0" anchor="ctr"/>
+          <a:lstStyle/>
+          <a:p>
+            <a:pPr algn="ctr"/>
+            <a:r>
+              <a:rPr lang="de-CH" sz="2000" dirty="0" smtClean="0"/>
+              <a:t>Verhalten Garbage Collection</a:t>
+            </a:r>
+            <a:endParaRPr lang="en-US" sz="2000" dirty="0"/>
+          </a:p>
+        </p:txBody>
+      </p:sp>
+      <p:cxnSp>
+        <p:nvCxnSpPr>
+          <p:cNvPr id="31" name="Straight Arrow Connector 30"/>
+          <p:cNvCxnSpPr>
+            <a:stCxn id="29" idx="2"/>
+          </p:cNvCxnSpPr>
+          <p:nvPr/>
+        </p:nvCxnSpPr>
+        <p:spPr>
+          <a:xfrm>
+            <a:off x="6635750" y="3266499"/>
+            <a:ext cx="0" cy="431007"/>
+          </a:xfrm>
+          <a:prstGeom prst="straightConnector1">
+            <a:avLst/>
+          </a:prstGeom>
+          <a:ln w="9525">
+            <a:solidFill>
+              <a:schemeClr val="tx1"/>
+            </a:solidFill>
+            <a:prstDash val="dash"/>
+            <a:tailEnd type="arrow"/>
+          </a:ln>
+        </p:spPr>
+        <p:style>
+          <a:lnRef idx="2">
+            <a:schemeClr val="accent1"/>
+          </a:lnRef>
+          <a:fillRef idx="0">
+            <a:schemeClr val="accent1"/>
+          </a:fillRef>
+          <a:effectRef idx="1">
+            <a:schemeClr val="accent1"/>
+          </a:effectRef>
+          <a:fontRef idx="minor">
+            <a:schemeClr val="tx1"/>
+          </a:fontRef>
+        </p:style>
+      </p:cxnSp>
+      <p:sp>
+        <p:nvSpPr>
+          <p:cNvPr id="40" name="Rounded Rectangle 39"/>
+          <p:cNvSpPr/>
+          <p:nvPr/>
+        </p:nvSpPr>
+        <p:spPr>
+          <a:xfrm>
+            <a:off x="622300" y="4725897"/>
+            <a:ext cx="3670300" cy="550862"/>
+          </a:xfrm>
+          <a:prstGeom prst="roundRect">
+            <a:avLst/>
+          </a:prstGeom>
+          <a:solidFill>
+            <a:schemeClr val="tx2">
+              <a:lumMod val="20000"/>
+              <a:lumOff val="80000"/>
+            </a:schemeClr>
+          </a:solidFill>
+        </p:spPr>
+        <p:style>
+          <a:lnRef idx="2">
+            <a:schemeClr val="dk1"/>
+          </a:lnRef>
+          <a:fillRef idx="1">
+            <a:schemeClr val="lt1"/>
+          </a:fillRef>
+          <a:effectRef idx="0">
+            <a:schemeClr val="dk1"/>
+          </a:effectRef>
+          <a:fontRef idx="minor">
+            <a:schemeClr val="dk1"/>
+          </a:fontRef>
+        </p:style>
+        <p:txBody>
+          <a:bodyPr rtlCol="0" anchor="ctr"/>
+          <a:lstStyle/>
+          <a:p>
+            <a:pPr algn="ctr"/>
+            <a:r>
+              <a:rPr lang="de-CH" sz="2400" dirty="0" smtClean="0"/>
+              <a:t>kein Zugriff auf VM</a:t>
+            </a:r>
+            <a:endParaRPr lang="en-US" sz="2400" dirty="0"/>
+          </a:p>
+        </p:txBody>
+      </p:sp>
+      <p:cxnSp>
+        <p:nvCxnSpPr>
           <p:cNvPr id="46" name="Shape 45"/>
           <p:cNvCxnSpPr>
-            <a:stCxn id="17" idx="2"/>
-            <a:endCxn id="24" idx="1"/>
+            <a:stCxn id="40" idx="2"/>
+            <a:endCxn id="29" idx="1"/>
           </p:cNvCxnSpPr>
           <p:nvPr/>
         </p:nvCxnSpPr>
         <p:spPr>
           <a:xfrm rot="5400000" flipH="1" flipV="1">
-            <a:off x="2009775" y="2936875"/>
-            <a:ext cx="3238500" cy="2343150"/>
+            <a:off x="2486179" y="2962339"/>
+            <a:ext cx="2285691" cy="2343150"/>
           </a:xfrm>
           <a:prstGeom prst="bentConnector4">
             <a:avLst>
-              <a:gd name="adj1" fmla="val -7059"/>
+              <a:gd name="adj1" fmla="val -10001"/>
               <a:gd name="adj2" fmla="val 89160"/>
             </a:avLst>
           </a:prstGeom>
@@ -6721,7 +7446,7 @@
                             </p:stCondLst>
                             <p:childTnLst>
                               <p:par>
-                                <p:cTn id="21" presetID="1" presetClass="entr" presetSubtype="0" fill="hold" grpId="0" nodeType="clickEffect">
+                                <p:cTn id="21" presetID="1" presetClass="entr" presetSubtype="0" fill="hold" nodeType="clickEffect">
                                   <p:stCondLst>
                                     <p:cond delay="0"/>
                                   </p:stCondLst>
@@ -6734,34 +7459,7 @@
                                           </p:stCondLst>
                                         </p:cTn>
                                         <p:tgtEl>
-                                          <p:spTgt spid="17"/>
-                                        </p:tgtEl>
-                                        <p:attrNameLst>
-                                          <p:attrName>style.visibility</p:attrName>
-                                        </p:attrNameLst>
-                                      </p:cBhvr>
-                                      <p:to>
-                                        <p:strVal val="visible"/>
-                                      </p:to>
-                                    </p:set>
-                                  </p:childTnLst>
-                                </p:cTn>
-                              </p:par>
-                              <p:par>
-                                <p:cTn id="23" presetID="1" presetClass="entr" presetSubtype="0" fill="hold" nodeType="withEffect">
-                                  <p:stCondLst>
-                                    <p:cond delay="0"/>
-                                  </p:stCondLst>
-                                  <p:childTnLst>
-                                    <p:set>
-                                      <p:cBhvr>
-                                        <p:cTn id="24" dur="1" fill="hold">
-                                          <p:stCondLst>
-                                            <p:cond delay="0"/>
-                                          </p:stCondLst>
-                                        </p:cTn>
-                                        <p:tgtEl>
-                                          <p:spTgt spid="41"/>
+                                          <p:spTgt spid="46"/>
                                         </p:tgtEl>
                                         <p:attrNameLst>
                                           <p:attrName>style.visibility</p:attrName>
@@ -6781,59 +7479,32 @@
                     </p:cTn>
                   </p:par>
                   <p:par>
-                    <p:cTn id="25" fill="hold">
+                    <p:cTn id="23" fill="hold">
                       <p:stCondLst>
                         <p:cond delay="indefinite"/>
                       </p:stCondLst>
                       <p:childTnLst>
                         <p:par>
-                          <p:cTn id="26" fill="hold">
+                          <p:cTn id="24" fill="hold">
                             <p:stCondLst>
                               <p:cond delay="0"/>
                             </p:stCondLst>
                             <p:childTnLst>
                               <p:par>
-                                <p:cTn id="27" presetID="1" presetClass="entr" presetSubtype="0" fill="hold" nodeType="clickEffect">
+                                <p:cTn id="25" presetID="1" presetClass="entr" presetSubtype="0" fill="hold" grpId="0" nodeType="clickEffect">
                                   <p:stCondLst>
                                     <p:cond delay="0"/>
                                   </p:stCondLst>
                                   <p:childTnLst>
                                     <p:set>
                                       <p:cBhvr>
-                                        <p:cTn id="28" dur="1" fill="hold">
+                                        <p:cTn id="26" dur="1" fill="hold">
                                           <p:stCondLst>
                                             <p:cond delay="0"/>
                                           </p:stCondLst>
                                         </p:cTn>
                                         <p:tgtEl>
-                                          <p:spTgt spid="46"/>
-                                        </p:tgtEl>
-                                        <p:attrNameLst>
-                                          <p:attrName>style.visibility</p:attrName>
-                                        </p:attrNameLst>
-                                      </p:cBhvr>
-                                      <p:to>
-                                        <p:strVal val="visible"/>
-                                      </p:to>
-                                    </p:set>
-                                  </p:childTnLst>
-                                </p:cTn>
-                              </p:par>
-                              <p:par>
-                                <p:cTn id="29" presetID="1" presetClass="entr" presetSubtype="0" fill="hold" grpId="0" nodeType="withEffect">
-                                  <p:stCondLst>
-                                    <p:cond delay="0"/>
-                                  </p:stCondLst>
-                                  <p:childTnLst>
-                                    <p:set>
-                                      <p:cBhvr>
-                                        <p:cTn id="30" dur="1" fill="hold">
-                                          <p:stCondLst>
-                                            <p:cond delay="0"/>
-                                          </p:stCondLst>
-                                        </p:cTn>
-                                        <p:tgtEl>
-                                          <p:spTgt spid="24"/>
+                                          <p:spTgt spid="29"/>
                                         </p:tgtEl>
                                         <p:attrNameLst>
                                           <p:attrName>style.visibility</p:attrName>
@@ -6853,98 +7524,26 @@
                     </p:cTn>
                   </p:par>
                   <p:par>
-                    <p:cTn id="31" fill="hold">
+                    <p:cTn id="27" fill="hold">
                       <p:stCondLst>
                         <p:cond delay="indefinite"/>
                       </p:stCondLst>
                       <p:childTnLst>
                         <p:par>
-                          <p:cTn id="32" fill="hold">
+                          <p:cTn id="28" fill="hold">
                             <p:stCondLst>
                               <p:cond delay="0"/>
                             </p:stCondLst>
                             <p:childTnLst>
                               <p:par>
-                                <p:cTn id="33" presetID="1" presetClass="entr" presetSubtype="0" fill="hold" grpId="0" nodeType="clickEffect">
+                                <p:cTn id="29" presetID="1" presetClass="entr" presetSubtype="0" fill="hold" grpId="0" nodeType="clickEffect">
                                   <p:stCondLst>
                                     <p:cond delay="0"/>
                                   </p:stCondLst>
                                   <p:childTnLst>
                                     <p:set>
                                       <p:cBhvr>
-                                        <p:cTn id="34" dur="1" fill="hold">
-                                          <p:stCondLst>
-                                            <p:cond delay="0"/>
-                                          </p:stCondLst>
-                                        </p:cTn>
-                                        <p:tgtEl>
-                                          <p:spTgt spid="29"/>
-                                        </p:tgtEl>
-                                        <p:attrNameLst>
-                                          <p:attrName>style.visibility</p:attrName>
-                                        </p:attrNameLst>
-                                      </p:cBhvr>
-                                      <p:to>
-                                        <p:strVal val="visible"/>
-                                      </p:to>
-                                    </p:set>
-                                  </p:childTnLst>
-                                </p:cTn>
-                              </p:par>
-                              <p:par>
-                                <p:cTn id="35" presetID="1" presetClass="entr" presetSubtype="0" fill="hold" nodeType="withEffect">
-                                  <p:stCondLst>
-                                    <p:cond delay="0"/>
-                                  </p:stCondLst>
-                                  <p:childTnLst>
-                                    <p:set>
-                                      <p:cBhvr>
-                                        <p:cTn id="36" dur="1" fill="hold">
-                                          <p:stCondLst>
-                                            <p:cond delay="0"/>
-                                          </p:stCondLst>
-                                        </p:cTn>
-                                        <p:tgtEl>
-                                          <p:spTgt spid="25"/>
-                                        </p:tgtEl>
-                                        <p:attrNameLst>
-                                          <p:attrName>style.visibility</p:attrName>
-                                        </p:attrNameLst>
-                                      </p:cBhvr>
-                                      <p:to>
-                                        <p:strVal val="visible"/>
-                                      </p:to>
-                                    </p:set>
-                                  </p:childTnLst>
-                                </p:cTn>
-                              </p:par>
-                            </p:childTnLst>
-                          </p:cTn>
-                        </p:par>
-                      </p:childTnLst>
-                    </p:cTn>
-                  </p:par>
-                  <p:par>
-                    <p:cTn id="37" fill="hold">
-                      <p:stCondLst>
-                        <p:cond delay="indefinite"/>
-                      </p:stCondLst>
-                      <p:childTnLst>
-                        <p:par>
-                          <p:cTn id="38" fill="hold">
-                            <p:stCondLst>
-                              <p:cond delay="0"/>
-                            </p:stCondLst>
-                            <p:childTnLst>
-                              <p:par>
-                                <p:cTn id="39" presetID="1" presetClass="entr" presetSubtype="0" fill="hold" grpId="0" nodeType="clickEffect">
-                                  <p:stCondLst>
-                                    <p:cond delay="0"/>
-                                  </p:stCondLst>
-                                  <p:childTnLst>
-                                    <p:set>
-                                      <p:cBhvr>
-                                        <p:cTn id="40" dur="1" fill="hold">
+                                        <p:cTn id="30" dur="1" fill="hold">
                                           <p:stCondLst>
                                             <p:cond delay="0"/>
                                           </p:stCondLst>
@@ -6964,14 +7563,14 @@
                                 </p:cTn>
                               </p:par>
                               <p:par>
-                                <p:cTn id="41" presetID="1" presetClass="entr" presetSubtype="0" fill="hold" nodeType="withEffect">
+                                <p:cTn id="31" presetID="1" presetClass="entr" presetSubtype="0" fill="hold" nodeType="withEffect">
                                   <p:stCondLst>
                                     <p:cond delay="0"/>
                                   </p:stCondLst>
                                   <p:childTnLst>
                                     <p:set>
                                       <p:cBhvr>
-                                        <p:cTn id="42" dur="1" fill="hold">
+                                        <p:cTn id="32" dur="1" fill="hold">
                                           <p:stCondLst>
                                             <p:cond delay="0"/>
                                           </p:stCondLst>
@@ -7020,8 +7619,6 @@
     <p:bldLst>
       <p:bldP spid="6" grpId="0" animBg="1"/>
       <p:bldP spid="7" grpId="0" animBg="1"/>
-      <p:bldP spid="17" grpId="0" animBg="1"/>
-      <p:bldP spid="24" grpId="0" animBg="1"/>
       <p:bldP spid="29" grpId="0" animBg="1"/>
       <p:bldP spid="30" grpId="0" animBg="1"/>
       <p:bldP spid="40" grpId="0" animBg="1"/>
@@ -7112,11 +7709,7 @@
           <a:p>
             <a:r>
               <a:rPr lang="de-CH" dirty="0" smtClean="0"/>
-              <a:t>Entstehung einiger Diskussionen rund um die </a:t>
-            </a:r>
-            <a:r>
-              <a:rPr lang="de-CH" dirty="0" smtClean="0"/>
-              <a:t>Anforderungsanalyse</a:t>
+              <a:t>Entstehung einiger Diskussionen rund um die Anforderungsanalyse</a:t>
             </a:r>
           </a:p>
           <a:p>
@@ -7124,7 +7717,6 @@
               <a:rPr lang="de-CH" dirty="0" smtClean="0"/>
               <a:t>Erarbeitung von Wissen im Bereich Garbage Collection</a:t>
             </a:r>
-            <a:endParaRPr lang="de-CH" dirty="0" smtClean="0"/>
           </a:p>
           <a:p>
             <a:r>
@@ -7139,7 +7731,6 @@
               <a:rPr lang="de-CH" dirty="0" smtClean="0"/>
               <a:t> Client Frameworks</a:t>
             </a:r>
-            <a:endParaRPr lang="de-CH" dirty="0" smtClean="0"/>
           </a:p>
           <a:p>
             <a:endParaRPr lang="en-US" dirty="0"/>
@@ -7186,11 +7777,7 @@
           <a:p>
             <a:r>
               <a:rPr lang="de-CH" dirty="0" smtClean="0"/>
-              <a:t>Latex (Word) nicht das richtige Werkzeug für </a:t>
-            </a:r>
-            <a:r>
-              <a:rPr lang="de-CH" dirty="0" smtClean="0"/>
-              <a:t>Anforderungsanalyse</a:t>
+              <a:t>Latex (Word) nicht das richtige Werkzeug für Anforderungsanalyse</a:t>
             </a:r>
           </a:p>
           <a:p>
@@ -7487,7 +8074,7 @@
             <a:pPr algn="ctr"/>
             <a:r>
               <a:rPr lang="de-CH" sz="3200" dirty="0" smtClean="0"/>
-              <a:t>Evaluation Framework</a:t>
+              <a:t>Anforderungsanalyse</a:t>
             </a:r>
             <a:endParaRPr lang="en-US" sz="3200" dirty="0"/>
           </a:p>
@@ -7535,7 +8122,7 @@
             <a:pPr algn="ctr"/>
             <a:r>
               <a:rPr lang="de-CH" sz="3200" dirty="0" smtClean="0"/>
-              <a:t>Konzeption und Implementation</a:t>
+              <a:t>Evaluation Framework</a:t>
             </a:r>
             <a:endParaRPr lang="en-US" sz="3200" dirty="0"/>
           </a:p>
@@ -7550,6 +8137,58 @@
         <p:spPr>
           <a:xfrm>
             <a:off x="1282700" y="4610100"/>
+            <a:ext cx="6604000" cy="550862"/>
+          </a:xfrm>
+          <a:prstGeom prst="roundRect">
+            <a:avLst/>
+          </a:prstGeom>
+          <a:solidFill>
+            <a:schemeClr val="tx2">
+              <a:lumMod val="20000"/>
+              <a:lumOff val="80000"/>
+            </a:schemeClr>
+          </a:solidFill>
+        </p:spPr>
+        <p:style>
+          <a:lnRef idx="2">
+            <a:schemeClr val="dk1"/>
+          </a:lnRef>
+          <a:fillRef idx="1">
+            <a:schemeClr val="lt1"/>
+          </a:fillRef>
+          <a:effectRef idx="0">
+            <a:schemeClr val="dk1"/>
+          </a:effectRef>
+          <a:fontRef idx="minor">
+            <a:schemeClr val="dk1"/>
+          </a:fontRef>
+        </p:style>
+        <p:txBody>
+          <a:bodyPr rtlCol="0" anchor="ctr"/>
+          <a:lstStyle/>
+          <a:p>
+            <a:pPr algn="ctr"/>
+            <a:r>
+              <a:rPr lang="de-CH" sz="3200" dirty="0" smtClean="0"/>
+              <a:t>Konzept und </a:t>
+            </a:r>
+            <a:r>
+              <a:rPr lang="de-CH" sz="3200" dirty="0" err="1" smtClean="0"/>
+              <a:t>Implementation</a:t>
+            </a:r>
+            <a:endParaRPr lang="en-US" sz="3200" dirty="0"/>
+          </a:p>
+        </p:txBody>
+      </p:sp>
+      <p:sp>
+        <p:nvSpPr>
+          <p:cNvPr id="11" name="Rounded Rectangle 10"/>
+          <p:cNvSpPr/>
+          <p:nvPr/>
+        </p:nvSpPr>
+        <p:spPr>
+          <a:xfrm>
+            <a:off x="1282700" y="5342858"/>
             <a:ext cx="6604000" cy="550862"/>
           </a:xfrm>
           <a:prstGeom prst="roundRect">
@@ -7827,6 +8466,51 @@
                       </p:childTnLst>
                     </p:cTn>
                   </p:par>
+                  <p:par>
+                    <p:cTn id="23" fill="hold">
+                      <p:stCondLst>
+                        <p:cond delay="indefinite"/>
+                      </p:stCondLst>
+                      <p:childTnLst>
+                        <p:par>
+                          <p:cTn id="24" fill="hold">
+                            <p:stCondLst>
+                              <p:cond delay="0"/>
+                            </p:stCondLst>
+                            <p:childTnLst>
+                              <p:par>
+                                <p:cTn id="25" presetID="1" presetClass="entr" presetSubtype="0" fill="hold" grpId="0" nodeType="clickEffect">
+                                  <p:stCondLst>
+                                    <p:cond delay="0"/>
+                                  </p:stCondLst>
+                                  <p:childTnLst>
+                                    <p:set>
+                                      <p:cBhvr>
+                                        <p:cTn id="26" dur="1" fill="hold">
+                                          <p:stCondLst>
+                                            <p:cond delay="0"/>
+                                          </p:stCondLst>
+                                        </p:cTn>
+                                        <p:tgtEl>
+                                          <p:spTgt spid="11"/>
+                                        </p:tgtEl>
+                                        <p:attrNameLst>
+                                          <p:attrName>style.visibility</p:attrName>
+                                        </p:attrNameLst>
+                                      </p:cBhvr>
+                                      <p:to>
+                                        <p:strVal val="visible"/>
+                                      </p:to>
+                                    </p:set>
+                                  </p:childTnLst>
+                                </p:cTn>
+                              </p:par>
+                            </p:childTnLst>
+                          </p:cTn>
+                        </p:par>
+                      </p:childTnLst>
+                    </p:cTn>
+                  </p:par>
                 </p:childTnLst>
               </p:cTn>
               <p:prevCondLst>
@@ -7854,6 +8538,7 @@
       <p:bldP spid="7" grpId="0" animBg="1"/>
       <p:bldP spid="8" grpId="0" animBg="1"/>
       <p:bldP spid="9" grpId="0" animBg="1"/>
+      <p:bldP spid="11" grpId="0" animBg="1"/>
     </p:bldLst>
   </p:timing>
 </p:sld>
@@ -8090,11 +8775,7 @@
             <a:pPr algn="ctr"/>
             <a:r>
               <a:rPr lang="de-CH" sz="2200" dirty="0" smtClean="0"/>
-              <a:t>Auswertung Garbage </a:t>
-            </a:r>
-            <a:r>
-              <a:rPr lang="de-CH" sz="2200" dirty="0" smtClean="0"/>
-              <a:t>Collection auf JRockit R28</a:t>
+              <a:t>Auswertung Garbage Collection auf JRockit R28</a:t>
             </a:r>
             <a:endParaRPr lang="en-US" sz="2200" dirty="0"/>
           </a:p>
@@ -8142,15 +8823,7 @@
             <a:pPr algn="ctr"/>
             <a:r>
               <a:rPr lang="de-CH" sz="2200" dirty="0" smtClean="0"/>
-              <a:t>Zugriff auf Virtuelle </a:t>
-            </a:r>
-            <a:r>
-              <a:rPr lang="de-CH" sz="2200" dirty="0" smtClean="0"/>
-              <a:t>Maschine </a:t>
-            </a:r>
-            <a:r>
-              <a:rPr lang="de-CH" sz="2200" dirty="0" smtClean="0"/>
-              <a:t>nicht möglich</a:t>
+              <a:t>Zugriff auf Virtuelle Maschine nicht möglich</a:t>
             </a:r>
             <a:endParaRPr lang="en-US" sz="2200" dirty="0"/>
           </a:p>
@@ -9448,11 +10121,7 @@
               </a:pPr>
               <a:r>
                 <a:rPr lang="de-CH" dirty="0" smtClean="0"/>
-                <a:t>Performance </a:t>
-              </a:r>
-              <a:r>
-                <a:rPr lang="de-CH" dirty="0" smtClean="0"/>
-                <a:t>Analyst</a:t>
+                <a:t>Performance Analyst</a:t>
               </a:r>
               <a:endParaRPr lang="en-US" dirty="0"/>
             </a:p>
@@ -10854,14 +11523,6 @@
                         <a:rPr lang="de-CH" sz="1800" dirty="0" smtClean="0"/>
                         <a:t>benutzerdefinierte Auswertung</a:t>
                       </a:r>
-                      <a:r>
-                        <a:rPr lang="de-CH" sz="1800" baseline="0" dirty="0" smtClean="0"/>
-                        <a:t> </a:t>
-                      </a:r>
-                      <a:r>
-                        <a:rPr lang="de-CH" sz="1800" dirty="0" smtClean="0"/>
-                        <a:t>erstellen</a:t>
-                      </a:r>
                       <a:endParaRPr lang="en-US" sz="1800" dirty="0"/>
                     </a:p>
                   </a:txBody>
@@ -11275,7 +11936,7 @@
         </p:nvSpPr>
         <p:spPr>
           <a:xfrm>
-            <a:off x="4508500" y="4673600"/>
+            <a:off x="4514236" y="4668680"/>
             <a:ext cx="4276725" cy="533400"/>
           </a:xfrm>
           <a:prstGeom prst="rect">
@@ -16086,15 +16747,7 @@
           <a:p>
             <a:r>
               <a:rPr lang="de-CH" dirty="0" smtClean="0"/>
-              <a:t>Ablauf </a:t>
-            </a:r>
-            <a:r>
-              <a:rPr lang="de-CH" dirty="0" smtClean="0"/>
-              <a:t>Garbage Collection </a:t>
-            </a:r>
-            <a:r>
-              <a:rPr lang="de-CH" dirty="0" smtClean="0"/>
-              <a:t>Analyse</a:t>
+              <a:t>Ablauf Garbage Collection Analyse</a:t>
             </a:r>
             <a:endParaRPr lang="en-US" dirty="0"/>
           </a:p>

--- a/Dokumentation/Abschlusspraesentation/rschmid_bachelorthesis_abschlusspraesentation.pptx
+++ b/Dokumentation/Abschlusspraesentation/rschmid_bachelorthesis_abschlusspraesentation.pptx
@@ -5,10 +5,10 @@
     <p:sldMasterId id="2147484703" r:id="rId1"/>
   </p:sldMasterIdLst>
   <p:notesMasterIdLst>
-    <p:notesMasterId r:id="rId16"/>
+    <p:notesMasterId r:id="rId15"/>
   </p:notesMasterIdLst>
   <p:handoutMasterIdLst>
-    <p:handoutMasterId r:id="rId17"/>
+    <p:handoutMasterId r:id="rId16"/>
   </p:handoutMasterIdLst>
   <p:sldIdLst>
     <p:sldId id="256" r:id="rId2"/>
@@ -17,14 +17,13 @@
     <p:sldId id="265" r:id="rId5"/>
     <p:sldId id="260" r:id="rId6"/>
     <p:sldId id="266" r:id="rId7"/>
-    <p:sldId id="269" r:id="rId8"/>
-    <p:sldId id="267" r:id="rId9"/>
-    <p:sldId id="273" r:id="rId10"/>
-    <p:sldId id="268" r:id="rId11"/>
-    <p:sldId id="275" r:id="rId12"/>
-    <p:sldId id="276" r:id="rId13"/>
-    <p:sldId id="271" r:id="rId14"/>
-    <p:sldId id="272" r:id="rId15"/>
+    <p:sldId id="267" r:id="rId8"/>
+    <p:sldId id="273" r:id="rId9"/>
+    <p:sldId id="268" r:id="rId10"/>
+    <p:sldId id="275" r:id="rId11"/>
+    <p:sldId id="276" r:id="rId12"/>
+    <p:sldId id="271" r:id="rId13"/>
+    <p:sldId id="272" r:id="rId14"/>
   </p:sldIdLst>
   <p:sldSz cx="9144000" cy="6858000" type="screen4x3"/>
   <p:notesSz cx="6858000" cy="9144000"/>
@@ -4279,15 +4278,11 @@
           <a:p>
             <a:r>
               <a:rPr lang="de-CH" dirty="0" smtClean="0"/>
-              <a:t>Parser (</a:t>
+              <a:t>Parser </a:t>
             </a:r>
             <a:r>
               <a:rPr lang="de-CH" dirty="0" err="1" smtClean="0"/>
-              <a:t>Tokenizer</a:t>
-            </a:r>
-            <a:r>
-              <a:rPr lang="de-CH" dirty="0" smtClean="0"/>
-              <a:t>)</a:t>
+              <a:t>Result</a:t>
             </a:r>
             <a:endParaRPr lang="en-US" dirty="0"/>
           </a:p>
@@ -4334,477 +4329,381 @@
           </a:p>
         </p:txBody>
       </p:sp>
-      <p:sp>
-        <p:nvSpPr>
-          <p:cNvPr id="9" name="TextBox 8"/>
-          <p:cNvSpPr txBox="1"/>
+      <p:pic>
+        <p:nvPicPr>
+          <p:cNvPr id="3074" name="Picture 2"/>
+          <p:cNvPicPr>
+            <a:picLocks noChangeAspect="1" noChangeArrowheads="1"/>
+          </p:cNvPicPr>
           <p:nvPr/>
-        </p:nvSpPr>
-        <p:spPr>
+        </p:nvPicPr>
+        <p:blipFill>
+          <a:blip r:embed="rId2"/>
+          <a:srcRect/>
+          <a:stretch>
+            <a:fillRect/>
+          </a:stretch>
+        </p:blipFill>
+        <p:spPr bwMode="auto">
           <a:xfrm>
-            <a:off x="127000" y="1702766"/>
-            <a:ext cx="8890000" cy="707886"/>
-          </a:xfrm>
-          <a:prstGeom prst="rect">
-            <a:avLst/>
-          </a:prstGeom>
-          <a:solidFill>
-            <a:schemeClr val="accent1">
-              <a:lumMod val="20000"/>
-              <a:lumOff val="80000"/>
-            </a:schemeClr>
-          </a:solidFill>
-          <a:ln>
-            <a:solidFill>
-              <a:schemeClr val="tx1"/>
-            </a:solidFill>
-          </a:ln>
-        </p:spPr>
-        <p:txBody>
-          <a:bodyPr wrap="square" rtlCol="0">
-            <a:spAutoFit/>
-          </a:bodyPr>
-          <a:lstStyle/>
-          <a:p>
-            <a:r>
-              <a:rPr lang="en-US" sz="1000" dirty="0" smtClean="0">
-                <a:latin typeface="Courier New" pitchFamily="49" charset="0"/>
-                <a:cs typeface="Courier New" pitchFamily="49" charset="0"/>
-              </a:rPr>
-              <a:t>[OC#1] 0.868-0.872: OC 362KB-&gt;78371KB (117028KB), 0.004 s, sum of pauses 2.253 ms, longest pause 1.294 </a:t>
-            </a:r>
-            <a:r>
-              <a:rPr lang="en-US" sz="1000" dirty="0" err="1" smtClean="0">
-                <a:latin typeface="Courier New" pitchFamily="49" charset="0"/>
-                <a:cs typeface="Courier New" pitchFamily="49" charset="0"/>
-              </a:rPr>
-              <a:t>ms.</a:t>
-            </a:r>
-            <a:endParaRPr lang="en-US" sz="1000" dirty="0" smtClean="0">
-              <a:latin typeface="Courier New" pitchFamily="49" charset="0"/>
-              <a:cs typeface="Courier New" pitchFamily="49" charset="0"/>
-            </a:endParaRPr>
-          </a:p>
-          <a:p>
-            <a:r>
-              <a:rPr lang="en-US" sz="1000" dirty="0" smtClean="0">
-                <a:latin typeface="Courier New" pitchFamily="49" charset="0"/>
-                <a:cs typeface="Courier New" pitchFamily="49" charset="0"/>
-              </a:rPr>
-              <a:t>[OC#2] Changing GC strategy from: </a:t>
-            </a:r>
-            <a:r>
-              <a:rPr lang="en-US" sz="1000" dirty="0" err="1" smtClean="0">
-                <a:latin typeface="Courier New" pitchFamily="49" charset="0"/>
-                <a:cs typeface="Courier New" pitchFamily="49" charset="0"/>
-              </a:rPr>
-              <a:t>genconpar</a:t>
-            </a:r>
-            <a:r>
-              <a:rPr lang="en-US" sz="1000" dirty="0" smtClean="0">
-                <a:latin typeface="Courier New" pitchFamily="49" charset="0"/>
-                <a:cs typeface="Courier New" pitchFamily="49" charset="0"/>
-              </a:rPr>
-              <a:t> to: </a:t>
-            </a:r>
-            <a:r>
-              <a:rPr lang="en-US" sz="1000" dirty="0" err="1" smtClean="0">
-                <a:latin typeface="Courier New" pitchFamily="49" charset="0"/>
-                <a:cs typeface="Courier New" pitchFamily="49" charset="0"/>
-              </a:rPr>
-              <a:t>genconcon</a:t>
-            </a:r>
-            <a:r>
-              <a:rPr lang="en-US" sz="1000" dirty="0" smtClean="0">
-                <a:latin typeface="Courier New" pitchFamily="49" charset="0"/>
-                <a:cs typeface="Courier New" pitchFamily="49" charset="0"/>
-              </a:rPr>
-              <a:t>, reason: Return to basic strategy.</a:t>
-            </a:r>
-          </a:p>
-          <a:p>
-            <a:r>
-              <a:rPr lang="en-US" sz="1000" dirty="0" smtClean="0">
-                <a:latin typeface="Courier New" pitchFamily="49" charset="0"/>
-                <a:cs typeface="Courier New" pitchFamily="49" charset="0"/>
-              </a:rPr>
-              <a:t>[OC#2] 1.413-1.417: OC 78389KB-&gt;156497KB (233636KB), 0.005 s, sum of pauses 1.752 ms, longest pause 0.832 </a:t>
-            </a:r>
-            <a:r>
-              <a:rPr lang="en-US" sz="1000" dirty="0" err="1" smtClean="0">
-                <a:latin typeface="Courier New" pitchFamily="49" charset="0"/>
-                <a:cs typeface="Courier New" pitchFamily="49" charset="0"/>
-              </a:rPr>
-              <a:t>ms.</a:t>
-            </a:r>
-            <a:endParaRPr lang="en-US" sz="1000" dirty="0" smtClean="0">
-              <a:latin typeface="Courier New" pitchFamily="49" charset="0"/>
-              <a:cs typeface="Courier New" pitchFamily="49" charset="0"/>
-            </a:endParaRPr>
-          </a:p>
-          <a:p>
-            <a:r>
-              <a:rPr lang="en-US" sz="1000" b="1" dirty="0" smtClean="0">
-                <a:latin typeface="Courier New" pitchFamily="49" charset="0"/>
-                <a:cs typeface="Courier New" pitchFamily="49" charset="0"/>
-              </a:rPr>
-              <a:t>[YC#1] 1.535-1.617: YC 176976KB-&gt;177017KB (233636KB), 0.082 s, sum of pauses 82.409 ms, longest pause 82.409 </a:t>
-            </a:r>
-            <a:r>
-              <a:rPr lang="en-US" sz="1000" b="1" dirty="0" err="1" smtClean="0">
-                <a:latin typeface="Courier New" pitchFamily="49" charset="0"/>
-                <a:cs typeface="Courier New" pitchFamily="49" charset="0"/>
-              </a:rPr>
-              <a:t>ms.</a:t>
-            </a:r>
-            <a:endParaRPr lang="en-US" sz="1000" b="1" dirty="0" smtClean="0">
-              <a:latin typeface="Courier New" pitchFamily="49" charset="0"/>
-              <a:cs typeface="Courier New" pitchFamily="49" charset="0"/>
-            </a:endParaRPr>
-          </a:p>
-        </p:txBody>
-      </p:sp>
-      <p:sp>
-        <p:nvSpPr>
-          <p:cNvPr id="11" name="TextBox 10"/>
-          <p:cNvSpPr txBox="1"/>
-          <p:nvPr/>
-        </p:nvSpPr>
-        <p:spPr>
-          <a:xfrm>
-            <a:off x="127000" y="3815138"/>
-            <a:ext cx="8890000" cy="523220"/>
-          </a:xfrm>
-          <a:prstGeom prst="rect">
-            <a:avLst/>
-          </a:prstGeom>
-          <a:solidFill>
-            <a:schemeClr val="accent6">
-              <a:lumMod val="20000"/>
-              <a:lumOff val="80000"/>
-            </a:schemeClr>
-          </a:solidFill>
-          <a:ln>
-            <a:solidFill>
-              <a:schemeClr val="tx1"/>
-            </a:solidFill>
-          </a:ln>
-        </p:spPr>
-        <p:txBody>
-          <a:bodyPr wrap="square" rtlCol="0">
-            <a:spAutoFit/>
-          </a:bodyPr>
-          <a:lstStyle/>
-          <a:p>
-            <a:r>
-              <a:rPr lang="en-US" sz="1400" dirty="0" smtClean="0">
-                <a:latin typeface="Courier New" pitchFamily="49" charset="0"/>
-                <a:cs typeface="Courier New" pitchFamily="49" charset="0"/>
-              </a:rPr>
-              <a:t>[</a:t>
-            </a:r>
-            <a:r>
-              <a:rPr lang="en-US" sz="1400" b="1" dirty="0" smtClean="0">
-                <a:latin typeface="Courier New" pitchFamily="49" charset="0"/>
-                <a:cs typeface="Courier New" pitchFamily="49" charset="0"/>
-              </a:rPr>
-              <a:t>([O|Y]C)</a:t>
-            </a:r>
-            <a:r>
-              <a:rPr lang="en-US" sz="1400" dirty="0" smtClean="0">
-                <a:latin typeface="Courier New" pitchFamily="49" charset="0"/>
-                <a:cs typeface="Courier New" pitchFamily="49" charset="0"/>
-              </a:rPr>
-              <a:t>#</a:t>
-            </a:r>
-            <a:r>
-              <a:rPr lang="en-US" sz="1400" b="1" dirty="0" smtClean="0">
-                <a:latin typeface="Courier New" pitchFamily="49" charset="0"/>
-                <a:cs typeface="Courier New" pitchFamily="49" charset="0"/>
-              </a:rPr>
-              <a:t>(\d+)</a:t>
-            </a:r>
-            <a:r>
-              <a:rPr lang="en-US" sz="1400" dirty="0" smtClean="0">
-                <a:latin typeface="Courier New" pitchFamily="49" charset="0"/>
-                <a:cs typeface="Courier New" pitchFamily="49" charset="0"/>
-              </a:rPr>
-              <a:t>\] </a:t>
-            </a:r>
-            <a:r>
-              <a:rPr lang="en-US" sz="1400" b="1" dirty="0" smtClean="0">
-                <a:latin typeface="Courier New" pitchFamily="49" charset="0"/>
-                <a:cs typeface="Courier New" pitchFamily="49" charset="0"/>
-              </a:rPr>
-              <a:t>(\d+.\d{3})</a:t>
-            </a:r>
-            <a:r>
-              <a:rPr lang="en-US" sz="1400" dirty="0" smtClean="0">
-                <a:latin typeface="Courier New" pitchFamily="49" charset="0"/>
-                <a:cs typeface="Courier New" pitchFamily="49" charset="0"/>
-              </a:rPr>
-              <a:t>-</a:t>
-            </a:r>
-            <a:r>
-              <a:rPr lang="en-US" sz="1400" b="1" dirty="0" smtClean="0">
-                <a:latin typeface="Courier New" pitchFamily="49" charset="0"/>
-                <a:cs typeface="Courier New" pitchFamily="49" charset="0"/>
-              </a:rPr>
-              <a:t>(\d+.\d{3})</a:t>
-            </a:r>
-            <a:r>
-              <a:rPr lang="en-US" sz="1400" dirty="0" smtClean="0">
-                <a:latin typeface="Courier New" pitchFamily="49" charset="0"/>
-                <a:cs typeface="Courier New" pitchFamily="49" charset="0"/>
-              </a:rPr>
-              <a:t>: </a:t>
-            </a:r>
-            <a:r>
-              <a:rPr lang="en-US" sz="1400" b="1" dirty="0" smtClean="0">
-                <a:latin typeface="Courier New" pitchFamily="49" charset="0"/>
-                <a:cs typeface="Courier New" pitchFamily="49" charset="0"/>
-              </a:rPr>
-              <a:t>([O|Y]C)</a:t>
-            </a:r>
-            <a:r>
-              <a:rPr lang="en-US" sz="1400" dirty="0" smtClean="0">
-                <a:latin typeface="Courier New" pitchFamily="49" charset="0"/>
-                <a:cs typeface="Courier New" pitchFamily="49" charset="0"/>
-              </a:rPr>
-              <a:t> </a:t>
-            </a:r>
-            <a:r>
-              <a:rPr lang="en-US" sz="1400" b="1" dirty="0" smtClean="0">
-                <a:latin typeface="Courier New" pitchFamily="49" charset="0"/>
-                <a:cs typeface="Courier New" pitchFamily="49" charset="0"/>
-              </a:rPr>
-              <a:t>(\d+)</a:t>
-            </a:r>
-            <a:r>
-              <a:rPr lang="en-US" sz="1400" dirty="0" smtClean="0">
-                <a:latin typeface="Courier New" pitchFamily="49" charset="0"/>
-                <a:cs typeface="Courier New" pitchFamily="49" charset="0"/>
-              </a:rPr>
-              <a:t>KB-&gt;</a:t>
-            </a:r>
-            <a:r>
-              <a:rPr lang="en-US" sz="1400" b="1" dirty="0" smtClean="0">
-                <a:latin typeface="Courier New" pitchFamily="49" charset="0"/>
-                <a:cs typeface="Courier New" pitchFamily="49" charset="0"/>
-              </a:rPr>
-              <a:t>(\d+)</a:t>
-            </a:r>
-            <a:r>
-              <a:rPr lang="en-US" sz="1400" dirty="0" smtClean="0">
-                <a:latin typeface="Courier New" pitchFamily="49" charset="0"/>
-                <a:cs typeface="Courier New" pitchFamily="49" charset="0"/>
-              </a:rPr>
-              <a:t>KB \(</a:t>
-            </a:r>
-            <a:r>
-              <a:rPr lang="en-US" sz="1400" b="1" dirty="0" smtClean="0">
-                <a:latin typeface="Courier New" pitchFamily="49" charset="0"/>
-                <a:cs typeface="Courier New" pitchFamily="49" charset="0"/>
-              </a:rPr>
-              <a:t>(\d+)</a:t>
-            </a:r>
-            <a:r>
-              <a:rPr lang="en-US" sz="1400" dirty="0" smtClean="0">
-                <a:latin typeface="Courier New" pitchFamily="49" charset="0"/>
-                <a:cs typeface="Courier New" pitchFamily="49" charset="0"/>
-              </a:rPr>
-              <a:t>KB\), </a:t>
-            </a:r>
-            <a:r>
-              <a:rPr lang="en-US" sz="1400" b="1" dirty="0" smtClean="0">
-                <a:latin typeface="Courier New" pitchFamily="49" charset="0"/>
-                <a:cs typeface="Courier New" pitchFamily="49" charset="0"/>
-              </a:rPr>
-              <a:t>(\d+.\d{3})</a:t>
-            </a:r>
-            <a:r>
-              <a:rPr lang="en-US" sz="1400" dirty="0" smtClean="0">
-                <a:latin typeface="Courier New" pitchFamily="49" charset="0"/>
-                <a:cs typeface="Courier New" pitchFamily="49" charset="0"/>
-              </a:rPr>
-              <a:t> s, sum of pauses </a:t>
-            </a:r>
-            <a:r>
-              <a:rPr lang="en-US" sz="1400" b="1" dirty="0" smtClean="0">
-                <a:latin typeface="Courier New" pitchFamily="49" charset="0"/>
-                <a:cs typeface="Courier New" pitchFamily="49" charset="0"/>
-              </a:rPr>
-              <a:t>(\d+.\d{3})</a:t>
-            </a:r>
-            <a:r>
-              <a:rPr lang="en-US" sz="1400" dirty="0" smtClean="0">
-                <a:latin typeface="Courier New" pitchFamily="49" charset="0"/>
-                <a:cs typeface="Courier New" pitchFamily="49" charset="0"/>
-              </a:rPr>
-              <a:t> ms, longest pause </a:t>
-            </a:r>
-            <a:r>
-              <a:rPr lang="en-US" sz="1400" b="1" dirty="0" smtClean="0">
-                <a:latin typeface="Courier New" pitchFamily="49" charset="0"/>
-                <a:cs typeface="Courier New" pitchFamily="49" charset="0"/>
-              </a:rPr>
-              <a:t>(\d+.\d{3})</a:t>
-            </a:r>
-            <a:r>
-              <a:rPr lang="en-US" sz="1400" dirty="0" smtClean="0">
-                <a:latin typeface="Courier New" pitchFamily="49" charset="0"/>
-                <a:cs typeface="Courier New" pitchFamily="49" charset="0"/>
-              </a:rPr>
-              <a:t> </a:t>
-            </a:r>
-            <a:r>
-              <a:rPr lang="en-US" sz="1400" dirty="0" err="1" smtClean="0">
-                <a:latin typeface="Courier New" pitchFamily="49" charset="0"/>
-                <a:cs typeface="Courier New" pitchFamily="49" charset="0"/>
-              </a:rPr>
-              <a:t>ms.</a:t>
-            </a:r>
-            <a:endParaRPr lang="en-US" sz="1600" dirty="0">
-              <a:latin typeface="Courier New" pitchFamily="49" charset="0"/>
-              <a:cs typeface="Courier New" pitchFamily="49" charset="0"/>
-            </a:endParaRPr>
-          </a:p>
-        </p:txBody>
-      </p:sp>
-      <p:sp>
-        <p:nvSpPr>
-          <p:cNvPr id="12" name="TextBox 11"/>
-          <p:cNvSpPr txBox="1"/>
-          <p:nvPr/>
-        </p:nvSpPr>
-        <p:spPr>
-          <a:xfrm>
-            <a:off x="127000" y="3415027"/>
-            <a:ext cx="2997200" cy="400110"/>
+            <a:off x="0" y="1340982"/>
+            <a:ext cx="8945624" cy="4615258"/>
           </a:xfrm>
           <a:prstGeom prst="rect">
             <a:avLst/>
           </a:prstGeom>
           <a:noFill/>
+          <a:ln w="9525">
+            <a:noFill/>
+            <a:miter lim="800000"/>
+            <a:headEnd/>
+            <a:tailEnd/>
+          </a:ln>
+          <a:effectLst/>
         </p:spPr>
-        <p:txBody>
-          <a:bodyPr wrap="square" rtlCol="0">
-            <a:spAutoFit/>
+      </p:pic>
+    </p:spTree>
+  </p:cSld>
+  <p:clrMapOvr>
+    <a:masterClrMapping/>
+  </p:clrMapOvr>
+  <p:timing>
+    <p:tnLst>
+      <p:par>
+        <p:cTn id="1" dur="indefinite" restart="never" nodeType="tmRoot"/>
+      </p:par>
+    </p:tnLst>
+  </p:timing>
+</p:sld>
+</file>
+
+<file path=ppt/slides/slide11.xml><?xml version="1.0" encoding="utf-8"?>
+<p:sld xmlns:a="http://schemas.openxmlformats.org/drawingml/2006/main" xmlns:r="http://schemas.openxmlformats.org/officeDocument/2006/relationships" xmlns:p="http://schemas.openxmlformats.org/presentationml/2006/main">
+  <p:cSld>
+    <p:spTree>
+      <p:nvGrpSpPr>
+        <p:cNvPr id="1" name=""/>
+        <p:cNvGrpSpPr/>
+        <p:nvPr/>
+      </p:nvGrpSpPr>
+      <p:grpSpPr>
+        <a:xfrm>
+          <a:off x="0" y="0"/>
+          <a:ext cx="0" cy="0"/>
+          <a:chOff x="0" y="0"/>
+          <a:chExt cx="0" cy="0"/>
+        </a:xfrm>
+      </p:grpSpPr>
+      <p:sp>
+        <p:nvSpPr>
+          <p:cNvPr id="2" name="Title 1"/>
+          <p:cNvSpPr>
+            <a:spLocks noGrp="1"/>
+          </p:cNvSpPr>
+          <p:nvPr>
+            <p:ph type="title"/>
+          </p:nvPr>
+        </p:nvSpPr>
+        <p:spPr/>
+        <p:txBody>
+          <a:bodyPr>
+            <a:normAutofit/>
           </a:bodyPr>
           <a:lstStyle/>
           <a:p>
             <a:r>
-              <a:rPr lang="de-CH" sz="2000" b="1" dirty="0" smtClean="0"/>
-              <a:t>Pattern</a:t>
-            </a:r>
-            <a:endParaRPr lang="en-US" sz="2000" b="1" dirty="0"/>
-          </a:p>
-        </p:txBody>
-      </p:sp>
-      <p:sp>
-        <p:nvSpPr>
-          <p:cNvPr id="13" name="TextBox 12"/>
-          <p:cNvSpPr txBox="1"/>
+              <a:rPr lang="de-CH" dirty="0" smtClean="0"/>
+              <a:t>Anzeige</a:t>
+            </a:r>
+            <a:endParaRPr lang="en-US" dirty="0"/>
+          </a:p>
+        </p:txBody>
+      </p:sp>
+      <p:sp>
+        <p:nvSpPr>
+          <p:cNvPr id="4" name="Footer Placeholder 3"/>
+          <p:cNvSpPr>
+            <a:spLocks noGrp="1"/>
+          </p:cNvSpPr>
+          <p:nvPr>
+            <p:ph type="ftr" sz="quarter" idx="11"/>
+          </p:nvPr>
+        </p:nvSpPr>
+        <p:spPr/>
+        <p:txBody>
+          <a:bodyPr/>
+          <a:lstStyle/>
+          <a:p>
+            <a:r>
+              <a:rPr lang="en-US" dirty="0" err="1" smtClean="0"/>
+              <a:t>Bachelorthesis</a:t>
+            </a:r>
+            <a:r>
+              <a:rPr lang="en-US" dirty="0" smtClean="0"/>
+              <a:t> </a:t>
+            </a:r>
+            <a:r>
+              <a:rPr lang="en-US" dirty="0" err="1" smtClean="0"/>
+              <a:t>Abschlusspräsentation</a:t>
+            </a:r>
+            <a:r>
+              <a:rPr lang="en-US" dirty="0" smtClean="0"/>
+              <a:t/>
+            </a:r>
+            <a:br>
+              <a:rPr lang="en-US" dirty="0" smtClean="0"/>
+            </a:br>
+            <a:r>
+              <a:rPr lang="en-US" dirty="0" smtClean="0"/>
+              <a:t> Raffael Schmid</a:t>
+            </a:r>
+          </a:p>
+        </p:txBody>
+      </p:sp>
+      <p:pic>
+        <p:nvPicPr>
+          <p:cNvPr id="1027" name="Picture 3"/>
+          <p:cNvPicPr>
+            <a:picLocks noChangeAspect="1" noChangeArrowheads="1"/>
+          </p:cNvPicPr>
           <p:nvPr/>
-        </p:nvSpPr>
-        <p:spPr>
+        </p:nvPicPr>
+        <p:blipFill>
+          <a:blip r:embed="rId2"/>
+          <a:srcRect/>
+          <a:stretch>
+            <a:fillRect/>
+          </a:stretch>
+        </p:blipFill>
+        <p:spPr bwMode="auto">
           <a:xfrm>
-            <a:off x="127000" y="2605541"/>
-            <a:ext cx="8890000" cy="584775"/>
-          </a:xfrm>
-          <a:prstGeom prst="rect">
-            <a:avLst/>
-          </a:prstGeom>
-          <a:solidFill>
-            <a:schemeClr val="accent1">
-              <a:lumMod val="20000"/>
-              <a:lumOff val="80000"/>
-            </a:schemeClr>
-          </a:solidFill>
-          <a:ln>
-            <a:solidFill>
-              <a:schemeClr val="tx1"/>
-            </a:solidFill>
-          </a:ln>
-        </p:spPr>
-        <p:txBody>
-          <a:bodyPr wrap="square" rtlCol="0">
-            <a:spAutoFit/>
-          </a:bodyPr>
-          <a:lstStyle/>
-          <a:p>
-            <a:r>
-              <a:rPr lang="en-US" sz="1600" b="1" dirty="0" smtClean="0">
-                <a:latin typeface="Courier New" pitchFamily="49" charset="0"/>
-                <a:cs typeface="Courier New" pitchFamily="49" charset="0"/>
-              </a:rPr>
-              <a:t>[YC#1] 1.535-1.617: YC 176976KB-&gt;177017KB (233636KB), 0.082 s, sum of pauses 82.409 ms, longest pause 82.409 </a:t>
-            </a:r>
-            <a:r>
-              <a:rPr lang="en-US" sz="1600" b="1" dirty="0" err="1" smtClean="0">
-                <a:latin typeface="Courier New" pitchFamily="49" charset="0"/>
-                <a:cs typeface="Courier New" pitchFamily="49" charset="0"/>
-              </a:rPr>
-              <a:t>ms.</a:t>
-            </a:r>
-            <a:endParaRPr lang="en-US" sz="1600" b="1" dirty="0" smtClean="0">
-              <a:latin typeface="Courier New" pitchFamily="49" charset="0"/>
-              <a:cs typeface="Courier New" pitchFamily="49" charset="0"/>
-            </a:endParaRPr>
-          </a:p>
-        </p:txBody>
-      </p:sp>
-      <p:sp>
-        <p:nvSpPr>
-          <p:cNvPr id="14" name="TextBox 13"/>
-          <p:cNvSpPr txBox="1"/>
-          <p:nvPr/>
-        </p:nvSpPr>
-        <p:spPr>
-          <a:xfrm>
-            <a:off x="127000" y="4623767"/>
-            <a:ext cx="2997200" cy="400110"/>
+            <a:off x="154067" y="1261668"/>
+            <a:ext cx="3958584" cy="3356431"/>
           </a:xfrm>
           <a:prstGeom prst="rect">
             <a:avLst/>
           </a:prstGeom>
           <a:noFill/>
+          <a:ln w="9525">
+            <a:solidFill>
+              <a:schemeClr val="tx1">
+                <a:lumMod val="50000"/>
+                <a:lumOff val="50000"/>
+              </a:schemeClr>
+            </a:solidFill>
+            <a:miter lim="800000"/>
+            <a:headEnd/>
+            <a:tailEnd/>
+          </a:ln>
         </p:spPr>
-        <p:txBody>
-          <a:bodyPr wrap="square" rtlCol="0">
-            <a:spAutoFit/>
-          </a:bodyPr>
-          <a:lstStyle/>
-          <a:p>
-            <a:r>
-              <a:rPr lang="de-CH" sz="2000" b="1" dirty="0" smtClean="0"/>
-              <a:t>Output (</a:t>
-            </a:r>
-            <a:r>
-              <a:rPr lang="de-CH" sz="2000" b="1" dirty="0" err="1" smtClean="0"/>
-              <a:t>Tokenstream</a:t>
-            </a:r>
-            <a:r>
-              <a:rPr lang="de-CH" sz="2000" b="1" dirty="0" smtClean="0"/>
-              <a:t>)</a:t>
-            </a:r>
-            <a:endParaRPr lang="en-US" sz="2000" b="1" dirty="0"/>
-          </a:p>
-        </p:txBody>
-      </p:sp>
-      <p:sp>
-        <p:nvSpPr>
-          <p:cNvPr id="19" name="TextBox 18"/>
-          <p:cNvSpPr txBox="1"/>
+      </p:pic>
+      <p:sp>
+        <p:nvSpPr>
+          <p:cNvPr id="23" name="Rectangle 22"/>
+          <p:cNvSpPr/>
           <p:nvPr/>
         </p:nvSpPr>
         <p:spPr>
           <a:xfrm>
-            <a:off x="127000" y="4991611"/>
-            <a:ext cx="1067619" cy="369332"/>
+            <a:off x="5569132" y="4916129"/>
+            <a:ext cx="3469804" cy="1072279"/>
           </a:xfrm>
           <a:prstGeom prst="rect">
             <a:avLst/>
+          </a:prstGeom>
+          <a:noFill/>
+          <a:ln>
+            <a:noFill/>
+          </a:ln>
+        </p:spPr>
+        <p:style>
+          <a:lnRef idx="1">
+            <a:schemeClr val="accent1"/>
+          </a:lnRef>
+          <a:fillRef idx="3">
+            <a:schemeClr val="accent1"/>
+          </a:fillRef>
+          <a:effectRef idx="2">
+            <a:schemeClr val="accent1"/>
+          </a:effectRef>
+          <a:fontRef idx="minor">
+            <a:schemeClr val="lt1"/>
+          </a:fontRef>
+        </p:style>
+        <p:txBody>
+          <a:bodyPr rtlCol="0" anchor="t"/>
+          <a:lstStyle/>
+          <a:p>
+            <a:r>
+              <a:rPr lang="de-CH" b="1" dirty="0" err="1" smtClean="0">
+                <a:solidFill>
+                  <a:schemeClr val="tx1"/>
+                </a:solidFill>
+              </a:rPr>
+              <a:t>Queries</a:t>
+            </a:r>
+            <a:r>
+              <a:rPr lang="de-CH" b="1" dirty="0" smtClean="0">
+                <a:solidFill>
+                  <a:schemeClr val="tx1"/>
+                </a:solidFill>
+              </a:rPr>
+              <a:t>:</a:t>
+            </a:r>
+            <a:r>
+              <a:rPr lang="de-CH" dirty="0" smtClean="0">
+                <a:solidFill>
+                  <a:schemeClr val="tx1"/>
+                </a:solidFill>
+              </a:rPr>
+              <a:t/>
+            </a:r>
+            <a:br>
+              <a:rPr lang="de-CH" dirty="0" smtClean="0">
+                <a:solidFill>
+                  <a:schemeClr val="tx1"/>
+                </a:solidFill>
+              </a:rPr>
+            </a:br>
+            <a:endParaRPr lang="de-CH" sz="600" dirty="0" smtClean="0">
+              <a:solidFill>
+                <a:schemeClr val="tx1"/>
+              </a:solidFill>
+            </a:endParaRPr>
+          </a:p>
+          <a:p>
+            <a:pPr marL="342900" indent="-342900">
+              <a:buFont typeface="Arial" pitchFamily="34" charset="0"/>
+              <a:buChar char="•"/>
+            </a:pPr>
+            <a:r>
+              <a:rPr lang="de-CH" dirty="0" err="1" smtClean="0">
+                <a:solidFill>
+                  <a:schemeClr val="tx1"/>
+                </a:solidFill>
+              </a:rPr>
+              <a:t>states*.timestamp*.second</a:t>
+            </a:r>
+            <a:endParaRPr lang="de-CH" dirty="0" smtClean="0">
+              <a:solidFill>
+                <a:schemeClr val="tx1"/>
+              </a:solidFill>
+            </a:endParaRPr>
+          </a:p>
+          <a:p>
+            <a:pPr marL="342900" indent="-342900">
+              <a:buFont typeface="Arial" pitchFamily="34" charset="0"/>
+              <a:buChar char="•"/>
+            </a:pPr>
+            <a:r>
+              <a:rPr lang="de-CH" dirty="0" err="1" smtClean="0">
+                <a:solidFill>
+                  <a:schemeClr val="tx1"/>
+                </a:solidFill>
+              </a:rPr>
+              <a:t>states*.memoryUsed*.kiloByte</a:t>
+            </a:r>
+            <a:endParaRPr lang="en-US" dirty="0">
+              <a:solidFill>
+                <a:schemeClr val="tx1"/>
+              </a:solidFill>
+            </a:endParaRPr>
+          </a:p>
+        </p:txBody>
+      </p:sp>
+      <p:pic>
+        <p:nvPicPr>
+          <p:cNvPr id="1026" name="Picture 2"/>
+          <p:cNvPicPr>
+            <a:picLocks noChangeAspect="1" noChangeArrowheads="1"/>
+          </p:cNvPicPr>
+          <p:nvPr/>
+        </p:nvPicPr>
+        <p:blipFill>
+          <a:blip r:embed="rId3"/>
+          <a:srcRect/>
+          <a:stretch>
+            <a:fillRect/>
+          </a:stretch>
+        </p:blipFill>
+        <p:spPr bwMode="auto">
+          <a:xfrm>
+            <a:off x="4181475" y="1110739"/>
+            <a:ext cx="4962525" cy="3638550"/>
+          </a:xfrm>
+          <a:prstGeom prst="rect">
+            <a:avLst/>
+          </a:prstGeom>
+          <a:noFill/>
+          <a:ln w="9525">
+            <a:noFill/>
+            <a:miter lim="800000"/>
+            <a:headEnd/>
+            <a:tailEnd/>
+          </a:ln>
+          <a:effectLst/>
+        </p:spPr>
+      </p:pic>
+      <p:sp>
+        <p:nvSpPr>
+          <p:cNvPr id="12" name="Rectangle 11"/>
+          <p:cNvSpPr/>
+          <p:nvPr/>
+        </p:nvSpPr>
+        <p:spPr>
+          <a:xfrm>
+            <a:off x="5793031" y="3500284"/>
+            <a:ext cx="1619925" cy="1104834"/>
+          </a:xfrm>
+          <a:prstGeom prst="rect">
+            <a:avLst/>
+          </a:prstGeom>
+          <a:noFill/>
+          <a:ln w="22225">
+            <a:solidFill>
+              <a:srgbClr val="FF0000"/>
+            </a:solidFill>
+          </a:ln>
+        </p:spPr>
+        <p:style>
+          <a:lnRef idx="1">
+            <a:schemeClr val="accent1"/>
+          </a:lnRef>
+          <a:fillRef idx="3">
+            <a:schemeClr val="accent1"/>
+          </a:fillRef>
+          <a:effectRef idx="2">
+            <a:schemeClr val="accent1"/>
+          </a:effectRef>
+          <a:fontRef idx="minor">
+            <a:schemeClr val="lt1"/>
+          </a:fontRef>
+        </p:style>
+        <p:txBody>
+          <a:bodyPr rtlCol="0" anchor="ctr"/>
+          <a:lstStyle/>
+          <a:p>
+            <a:pPr algn="ctr"/>
+            <a:endParaRPr lang="en-US"/>
+          </a:p>
+        </p:txBody>
+      </p:sp>
+      <p:sp>
+        <p:nvSpPr>
+          <p:cNvPr id="14" name="Left-Right Arrow 13"/>
+          <p:cNvSpPr/>
+          <p:nvPr/>
+        </p:nvSpPr>
+        <p:spPr>
+          <a:xfrm>
+            <a:off x="4331675" y="2541641"/>
+            <a:ext cx="1461356" cy="771832"/>
+          </a:xfrm>
+          <a:prstGeom prst="leftRightArrow">
+            <a:avLst>
+              <a:gd name="adj1" fmla="val 69048"/>
+              <a:gd name="adj2" fmla="val 45767"/>
+            </a:avLst>
           </a:prstGeom>
           <a:solidFill>
             <a:schemeClr val="tx2">
@@ -4818,351 +4717,53 @@
             </a:solidFill>
           </a:ln>
         </p:spPr>
-        <p:txBody>
-          <a:bodyPr wrap="square" rtlCol="0">
-            <a:spAutoFit/>
-          </a:bodyPr>
+        <p:style>
+          <a:lnRef idx="1">
+            <a:schemeClr val="accent1"/>
+          </a:lnRef>
+          <a:fillRef idx="3">
+            <a:schemeClr val="accent1"/>
+          </a:fillRef>
+          <a:effectRef idx="2">
+            <a:schemeClr val="accent1"/>
+          </a:effectRef>
+          <a:fontRef idx="minor">
+            <a:schemeClr val="lt1"/>
+          </a:fontRef>
+        </p:style>
+        <p:txBody>
+          <a:bodyPr rtlCol="0" anchor="ctr"/>
           <a:lstStyle/>
           <a:p>
-            <a:r>
-              <a:rPr lang="en-US" i="1" dirty="0" smtClean="0"/>
-              <a:t>Type1: YC</a:t>
-            </a:r>
-            <a:endParaRPr lang="en-US" b="1" dirty="0" smtClean="0">
-              <a:latin typeface="Courier New" pitchFamily="49" charset="0"/>
-              <a:cs typeface="Courier New" pitchFamily="49" charset="0"/>
+            <a:pPr algn="ctr"/>
+            <a:r>
+              <a:rPr lang="de-CH" sz="1600" dirty="0" smtClean="0">
+                <a:solidFill>
+                  <a:schemeClr val="tx1"/>
+                </a:solidFill>
+              </a:rPr>
+              <a:t>Data</a:t>
+            </a:r>
+            <a:br>
+              <a:rPr lang="de-CH" sz="1600" dirty="0" smtClean="0">
+                <a:solidFill>
+                  <a:schemeClr val="tx1"/>
+                </a:solidFill>
+              </a:rPr>
+            </a:br>
+            <a:r>
+              <a:rPr lang="de-CH" sz="1600" dirty="0" smtClean="0">
+                <a:solidFill>
+                  <a:schemeClr val="tx1"/>
+                </a:solidFill>
+              </a:rPr>
+              <a:t>Binding</a:t>
+            </a:r>
+            <a:endParaRPr lang="en-US" sz="1600" dirty="0">
+              <a:solidFill>
+                <a:schemeClr val="tx1"/>
+              </a:solidFill>
             </a:endParaRPr>
-          </a:p>
-        </p:txBody>
-      </p:sp>
-      <p:sp>
-        <p:nvSpPr>
-          <p:cNvPr id="20" name="TextBox 19"/>
-          <p:cNvSpPr txBox="1"/>
-          <p:nvPr/>
-        </p:nvSpPr>
-        <p:spPr>
-          <a:xfrm>
-            <a:off x="1347019" y="4991611"/>
-            <a:ext cx="1067619" cy="369332"/>
-          </a:xfrm>
-          <a:prstGeom prst="rect">
-            <a:avLst/>
-          </a:prstGeom>
-          <a:solidFill>
-            <a:schemeClr val="tx2">
-              <a:lumMod val="20000"/>
-              <a:lumOff val="80000"/>
-            </a:schemeClr>
-          </a:solidFill>
-          <a:ln>
-            <a:solidFill>
-              <a:schemeClr val="tx1"/>
-            </a:solidFill>
-          </a:ln>
-        </p:spPr>
-        <p:txBody>
-          <a:bodyPr wrap="square" rtlCol="0">
-            <a:spAutoFit/>
-          </a:bodyPr>
-          <a:lstStyle/>
-          <a:p>
-            <a:r>
-              <a:rPr lang="de-CH" i="1" dirty="0" smtClean="0"/>
-              <a:t>Index: 1</a:t>
-            </a:r>
-            <a:endParaRPr lang="en-US" b="1" dirty="0" smtClean="0">
-              <a:latin typeface="Courier New" pitchFamily="49" charset="0"/>
-              <a:cs typeface="Courier New" pitchFamily="49" charset="0"/>
-            </a:endParaRPr>
-          </a:p>
-        </p:txBody>
-      </p:sp>
-      <p:sp>
-        <p:nvSpPr>
-          <p:cNvPr id="21" name="TextBox 20"/>
-          <p:cNvSpPr txBox="1"/>
-          <p:nvPr/>
-        </p:nvSpPr>
-        <p:spPr>
-          <a:xfrm>
-            <a:off x="2590390" y="4991611"/>
-            <a:ext cx="1971778" cy="369332"/>
-          </a:xfrm>
-          <a:prstGeom prst="rect">
-            <a:avLst/>
-          </a:prstGeom>
-          <a:solidFill>
-            <a:schemeClr val="tx2">
-              <a:lumMod val="20000"/>
-              <a:lumOff val="80000"/>
-            </a:schemeClr>
-          </a:solidFill>
-          <a:ln>
-            <a:solidFill>
-              <a:schemeClr val="tx1"/>
-            </a:solidFill>
-          </a:ln>
-        </p:spPr>
-        <p:txBody>
-          <a:bodyPr wrap="square" rtlCol="0">
-            <a:spAutoFit/>
-          </a:bodyPr>
-          <a:lstStyle/>
-          <a:p>
-            <a:r>
-              <a:rPr lang="de-CH" i="1" dirty="0" smtClean="0"/>
-              <a:t>Start Time: 1.535</a:t>
-            </a:r>
-            <a:endParaRPr lang="en-US" b="1" dirty="0" smtClean="0">
-              <a:latin typeface="Courier New" pitchFamily="49" charset="0"/>
-              <a:cs typeface="Courier New" pitchFamily="49" charset="0"/>
-            </a:endParaRPr>
-          </a:p>
-        </p:txBody>
-      </p:sp>
-      <p:sp>
-        <p:nvSpPr>
-          <p:cNvPr id="24" name="TextBox 23"/>
-          <p:cNvSpPr txBox="1"/>
-          <p:nvPr/>
-        </p:nvSpPr>
-        <p:spPr>
-          <a:xfrm>
-            <a:off x="4714568" y="4988841"/>
-            <a:ext cx="1971778" cy="369332"/>
-          </a:xfrm>
-          <a:prstGeom prst="rect">
-            <a:avLst/>
-          </a:prstGeom>
-          <a:solidFill>
-            <a:schemeClr val="tx2">
-              <a:lumMod val="20000"/>
-              <a:lumOff val="80000"/>
-            </a:schemeClr>
-          </a:solidFill>
-          <a:ln>
-            <a:solidFill>
-              <a:schemeClr val="tx1"/>
-            </a:solidFill>
-          </a:ln>
-        </p:spPr>
-        <p:txBody>
-          <a:bodyPr wrap="square" rtlCol="0">
-            <a:spAutoFit/>
-          </a:bodyPr>
-          <a:lstStyle/>
-          <a:p>
-            <a:r>
-              <a:rPr lang="de-CH" i="1" dirty="0" smtClean="0"/>
-              <a:t>End Time: 1.617</a:t>
-            </a:r>
-            <a:endParaRPr lang="en-US" b="1" dirty="0" smtClean="0">
-              <a:latin typeface="Courier New" pitchFamily="49" charset="0"/>
-              <a:cs typeface="Courier New" pitchFamily="49" charset="0"/>
-            </a:endParaRPr>
-          </a:p>
-        </p:txBody>
-      </p:sp>
-      <p:sp>
-        <p:nvSpPr>
-          <p:cNvPr id="25" name="TextBox 24"/>
-          <p:cNvSpPr txBox="1"/>
-          <p:nvPr/>
-        </p:nvSpPr>
-        <p:spPr>
-          <a:xfrm>
-            <a:off x="6867013" y="4988841"/>
-            <a:ext cx="1067619" cy="369332"/>
-          </a:xfrm>
-          <a:prstGeom prst="rect">
-            <a:avLst/>
-          </a:prstGeom>
-          <a:solidFill>
-            <a:schemeClr val="tx2">
-              <a:lumMod val="20000"/>
-              <a:lumOff val="80000"/>
-            </a:schemeClr>
-          </a:solidFill>
-          <a:ln>
-            <a:solidFill>
-              <a:schemeClr val="tx1"/>
-            </a:solidFill>
-          </a:ln>
-        </p:spPr>
-        <p:txBody>
-          <a:bodyPr wrap="square" rtlCol="0">
-            <a:spAutoFit/>
-          </a:bodyPr>
-          <a:lstStyle/>
-          <a:p>
-            <a:r>
-              <a:rPr lang="en-US" i="1" dirty="0" smtClean="0"/>
-              <a:t>Type2: YC</a:t>
-            </a:r>
-            <a:endParaRPr lang="en-US" b="1" dirty="0" smtClean="0">
-              <a:latin typeface="Courier New" pitchFamily="49" charset="0"/>
-              <a:cs typeface="Courier New" pitchFamily="49" charset="0"/>
-            </a:endParaRPr>
-          </a:p>
-        </p:txBody>
-      </p:sp>
-      <p:sp>
-        <p:nvSpPr>
-          <p:cNvPr id="26" name="TextBox 25"/>
-          <p:cNvSpPr txBox="1"/>
-          <p:nvPr/>
-        </p:nvSpPr>
-        <p:spPr>
-          <a:xfrm>
-            <a:off x="127000" y="5480852"/>
-            <a:ext cx="2463390" cy="369332"/>
-          </a:xfrm>
-          <a:prstGeom prst="rect">
-            <a:avLst/>
-          </a:prstGeom>
-          <a:solidFill>
-            <a:schemeClr val="tx2">
-              <a:lumMod val="20000"/>
-              <a:lumOff val="80000"/>
-            </a:schemeClr>
-          </a:solidFill>
-          <a:ln>
-            <a:solidFill>
-              <a:schemeClr val="tx1"/>
-            </a:solidFill>
-          </a:ln>
-        </p:spPr>
-        <p:txBody>
-          <a:bodyPr wrap="square" rtlCol="0">
-            <a:spAutoFit/>
-          </a:bodyPr>
-          <a:lstStyle/>
-          <a:p>
-            <a:r>
-              <a:rPr lang="en-US" i="1" dirty="0" smtClean="0"/>
-              <a:t>Memory Before: 176976</a:t>
-            </a:r>
-            <a:endParaRPr lang="en-US" b="1" dirty="0" smtClean="0">
-              <a:latin typeface="Courier New" pitchFamily="49" charset="0"/>
-              <a:cs typeface="Courier New" pitchFamily="49" charset="0"/>
-            </a:endParaRPr>
-          </a:p>
-        </p:txBody>
-      </p:sp>
-      <p:sp>
-        <p:nvSpPr>
-          <p:cNvPr id="27" name="TextBox 26"/>
-          <p:cNvSpPr txBox="1"/>
-          <p:nvPr/>
-        </p:nvSpPr>
-        <p:spPr>
-          <a:xfrm>
-            <a:off x="2742790" y="5480852"/>
-            <a:ext cx="2463390" cy="369332"/>
-          </a:xfrm>
-          <a:prstGeom prst="rect">
-            <a:avLst/>
-          </a:prstGeom>
-          <a:solidFill>
-            <a:schemeClr val="tx2">
-              <a:lumMod val="20000"/>
-              <a:lumOff val="80000"/>
-            </a:schemeClr>
-          </a:solidFill>
-          <a:ln>
-            <a:solidFill>
-              <a:schemeClr val="tx1"/>
-            </a:solidFill>
-          </a:ln>
-        </p:spPr>
-        <p:txBody>
-          <a:bodyPr wrap="square" rtlCol="0">
-            <a:spAutoFit/>
-          </a:bodyPr>
-          <a:lstStyle/>
-          <a:p>
-            <a:r>
-              <a:rPr lang="en-US" i="1" dirty="0" smtClean="0"/>
-              <a:t>Memory After: 177017</a:t>
-            </a:r>
-            <a:endParaRPr lang="en-US" dirty="0" smtClean="0">
-              <a:latin typeface="Courier New" pitchFamily="49" charset="0"/>
-              <a:cs typeface="Courier New" pitchFamily="49" charset="0"/>
-            </a:endParaRPr>
-          </a:p>
-        </p:txBody>
-      </p:sp>
-      <p:sp>
-        <p:nvSpPr>
-          <p:cNvPr id="28" name="TextBox 27"/>
-          <p:cNvSpPr txBox="1"/>
-          <p:nvPr/>
-        </p:nvSpPr>
-        <p:spPr>
-          <a:xfrm>
-            <a:off x="5358580" y="5480852"/>
-            <a:ext cx="2463390" cy="369332"/>
-          </a:xfrm>
-          <a:prstGeom prst="rect">
-            <a:avLst/>
-          </a:prstGeom>
-          <a:solidFill>
-            <a:schemeClr val="tx2">
-              <a:lumMod val="20000"/>
-              <a:lumOff val="80000"/>
-            </a:schemeClr>
-          </a:solidFill>
-          <a:ln>
-            <a:solidFill>
-              <a:schemeClr val="tx1"/>
-            </a:solidFill>
-          </a:ln>
-        </p:spPr>
-        <p:txBody>
-          <a:bodyPr wrap="square" rtlCol="0">
-            <a:spAutoFit/>
-          </a:bodyPr>
-          <a:lstStyle/>
-          <a:p>
-            <a:r>
-              <a:rPr lang="en-US" i="1" dirty="0" smtClean="0"/>
-              <a:t>Heap Size After: 177017</a:t>
-            </a:r>
-            <a:endParaRPr lang="en-US" dirty="0" smtClean="0">
-              <a:latin typeface="Courier New" pitchFamily="49" charset="0"/>
-              <a:cs typeface="Courier New" pitchFamily="49" charset="0"/>
-            </a:endParaRPr>
-          </a:p>
-        </p:txBody>
-      </p:sp>
-      <p:sp>
-        <p:nvSpPr>
-          <p:cNvPr id="29" name="TextBox 28"/>
-          <p:cNvSpPr txBox="1"/>
-          <p:nvPr/>
-        </p:nvSpPr>
-        <p:spPr>
-          <a:xfrm>
-            <a:off x="127000" y="1302656"/>
-            <a:ext cx="2997200" cy="400110"/>
-          </a:xfrm>
-          <a:prstGeom prst="rect">
-            <a:avLst/>
-          </a:prstGeom>
-          <a:noFill/>
-        </p:spPr>
-        <p:txBody>
-          <a:bodyPr wrap="square" rtlCol="0">
-            <a:spAutoFit/>
-          </a:bodyPr>
-          <a:lstStyle/>
-          <a:p>
-            <a:r>
-              <a:rPr lang="de-CH" sz="2000" b="1" dirty="0" smtClean="0"/>
-              <a:t>Input (Rohdaten)</a:t>
-            </a:r>
-            <a:endParaRPr lang="en-US" sz="2000" b="1" dirty="0"/>
           </a:p>
         </p:txBody>
       </p:sp>
@@ -5205,7 +4806,7 @@
                                           </p:stCondLst>
                                         </p:cTn>
                                         <p:tgtEl>
-                                          <p:spTgt spid="12"/>
+                                          <p:spTgt spid="14"/>
                                         </p:tgtEl>
                                         <p:attrNameLst>
                                           <p:attrName>style.visibility</p:attrName>
@@ -5219,7 +4820,7 @@
                                 </p:cTn>
                               </p:par>
                               <p:par>
-                                <p:cTn id="7" presetID="1" presetClass="entr" presetSubtype="0" fill="hold" grpId="0" nodeType="withEffect">
+                                <p:cTn id="7" presetID="1" presetClass="entr" presetSubtype="0" fill="hold" nodeType="withEffect">
                                   <p:stCondLst>
                                     <p:cond delay="0"/>
                                   </p:stCondLst>
@@ -5232,7 +4833,7 @@
                                           </p:stCondLst>
                                         </p:cTn>
                                         <p:tgtEl>
-                                          <p:spTgt spid="11"/>
+                                          <p:spTgt spid="1026"/>
                                         </p:tgtEl>
                                         <p:attrNameLst>
                                           <p:attrName>style.visibility</p:attrName>
@@ -5277,7 +4878,7 @@
                                           </p:stCondLst>
                                         </p:cTn>
                                         <p:tgtEl>
-                                          <p:spTgt spid="19"/>
+                                          <p:spTgt spid="12"/>
                                         </p:tgtEl>
                                         <p:attrNameLst>
                                           <p:attrName>style.visibility</p:attrName>
@@ -5299,1372 +4900,6 @@
                                     <p:set>
                                       <p:cBhvr>
                                         <p:cTn id="14" dur="1" fill="hold">
-                                          <p:stCondLst>
-                                            <p:cond delay="0"/>
-                                          </p:stCondLst>
-                                        </p:cTn>
-                                        <p:tgtEl>
-                                          <p:spTgt spid="20"/>
-                                        </p:tgtEl>
-                                        <p:attrNameLst>
-                                          <p:attrName>style.visibility</p:attrName>
-                                        </p:attrNameLst>
-                                      </p:cBhvr>
-                                      <p:to>
-                                        <p:strVal val="visible"/>
-                                      </p:to>
-                                    </p:set>
-                                  </p:childTnLst>
-                                </p:cTn>
-                              </p:par>
-                              <p:par>
-                                <p:cTn id="15" presetID="1" presetClass="entr" presetSubtype="0" fill="hold" grpId="0" nodeType="withEffect">
-                                  <p:stCondLst>
-                                    <p:cond delay="0"/>
-                                  </p:stCondLst>
-                                  <p:childTnLst>
-                                    <p:set>
-                                      <p:cBhvr>
-                                        <p:cTn id="16" dur="1" fill="hold">
-                                          <p:stCondLst>
-                                            <p:cond delay="0"/>
-                                          </p:stCondLst>
-                                        </p:cTn>
-                                        <p:tgtEl>
-                                          <p:spTgt spid="21"/>
-                                        </p:tgtEl>
-                                        <p:attrNameLst>
-                                          <p:attrName>style.visibility</p:attrName>
-                                        </p:attrNameLst>
-                                      </p:cBhvr>
-                                      <p:to>
-                                        <p:strVal val="visible"/>
-                                      </p:to>
-                                    </p:set>
-                                  </p:childTnLst>
-                                </p:cTn>
-                              </p:par>
-                              <p:par>
-                                <p:cTn id="17" presetID="1" presetClass="entr" presetSubtype="0" fill="hold" grpId="0" nodeType="withEffect">
-                                  <p:stCondLst>
-                                    <p:cond delay="0"/>
-                                  </p:stCondLst>
-                                  <p:childTnLst>
-                                    <p:set>
-                                      <p:cBhvr>
-                                        <p:cTn id="18" dur="1" fill="hold">
-                                          <p:stCondLst>
-                                            <p:cond delay="0"/>
-                                          </p:stCondLst>
-                                        </p:cTn>
-                                        <p:tgtEl>
-                                          <p:spTgt spid="24"/>
-                                        </p:tgtEl>
-                                        <p:attrNameLst>
-                                          <p:attrName>style.visibility</p:attrName>
-                                        </p:attrNameLst>
-                                      </p:cBhvr>
-                                      <p:to>
-                                        <p:strVal val="visible"/>
-                                      </p:to>
-                                    </p:set>
-                                  </p:childTnLst>
-                                </p:cTn>
-                              </p:par>
-                              <p:par>
-                                <p:cTn id="19" presetID="1" presetClass="entr" presetSubtype="0" fill="hold" grpId="0" nodeType="withEffect">
-                                  <p:stCondLst>
-                                    <p:cond delay="0"/>
-                                  </p:stCondLst>
-                                  <p:childTnLst>
-                                    <p:set>
-                                      <p:cBhvr>
-                                        <p:cTn id="20" dur="1" fill="hold">
-                                          <p:stCondLst>
-                                            <p:cond delay="0"/>
-                                          </p:stCondLst>
-                                        </p:cTn>
-                                        <p:tgtEl>
-                                          <p:spTgt spid="25"/>
-                                        </p:tgtEl>
-                                        <p:attrNameLst>
-                                          <p:attrName>style.visibility</p:attrName>
-                                        </p:attrNameLst>
-                                      </p:cBhvr>
-                                      <p:to>
-                                        <p:strVal val="visible"/>
-                                      </p:to>
-                                    </p:set>
-                                  </p:childTnLst>
-                                </p:cTn>
-                              </p:par>
-                              <p:par>
-                                <p:cTn id="21" presetID="1" presetClass="entr" presetSubtype="0" fill="hold" grpId="0" nodeType="withEffect">
-                                  <p:stCondLst>
-                                    <p:cond delay="0"/>
-                                  </p:stCondLst>
-                                  <p:childTnLst>
-                                    <p:set>
-                                      <p:cBhvr>
-                                        <p:cTn id="22" dur="1" fill="hold">
-                                          <p:stCondLst>
-                                            <p:cond delay="0"/>
-                                          </p:stCondLst>
-                                        </p:cTn>
-                                        <p:tgtEl>
-                                          <p:spTgt spid="26"/>
-                                        </p:tgtEl>
-                                        <p:attrNameLst>
-                                          <p:attrName>style.visibility</p:attrName>
-                                        </p:attrNameLst>
-                                      </p:cBhvr>
-                                      <p:to>
-                                        <p:strVal val="visible"/>
-                                      </p:to>
-                                    </p:set>
-                                  </p:childTnLst>
-                                </p:cTn>
-                              </p:par>
-                              <p:par>
-                                <p:cTn id="23" presetID="1" presetClass="entr" presetSubtype="0" fill="hold" grpId="0" nodeType="withEffect">
-                                  <p:stCondLst>
-                                    <p:cond delay="0"/>
-                                  </p:stCondLst>
-                                  <p:childTnLst>
-                                    <p:set>
-                                      <p:cBhvr>
-                                        <p:cTn id="24" dur="1" fill="hold">
-                                          <p:stCondLst>
-                                            <p:cond delay="0"/>
-                                          </p:stCondLst>
-                                        </p:cTn>
-                                        <p:tgtEl>
-                                          <p:spTgt spid="27"/>
-                                        </p:tgtEl>
-                                        <p:attrNameLst>
-                                          <p:attrName>style.visibility</p:attrName>
-                                        </p:attrNameLst>
-                                      </p:cBhvr>
-                                      <p:to>
-                                        <p:strVal val="visible"/>
-                                      </p:to>
-                                    </p:set>
-                                  </p:childTnLst>
-                                </p:cTn>
-                              </p:par>
-                              <p:par>
-                                <p:cTn id="25" presetID="1" presetClass="entr" presetSubtype="0" fill="hold" grpId="0" nodeType="withEffect">
-                                  <p:stCondLst>
-                                    <p:cond delay="0"/>
-                                  </p:stCondLst>
-                                  <p:childTnLst>
-                                    <p:set>
-                                      <p:cBhvr>
-                                        <p:cTn id="26" dur="1" fill="hold">
-                                          <p:stCondLst>
-                                            <p:cond delay="0"/>
-                                          </p:stCondLst>
-                                        </p:cTn>
-                                        <p:tgtEl>
-                                          <p:spTgt spid="28"/>
-                                        </p:tgtEl>
-                                        <p:attrNameLst>
-                                          <p:attrName>style.visibility</p:attrName>
-                                        </p:attrNameLst>
-                                      </p:cBhvr>
-                                      <p:to>
-                                        <p:strVal val="visible"/>
-                                      </p:to>
-                                    </p:set>
-                                  </p:childTnLst>
-                                </p:cTn>
-                              </p:par>
-                              <p:par>
-                                <p:cTn id="27" presetID="1" presetClass="entr" presetSubtype="0" fill="hold" grpId="0" nodeType="withEffect">
-                                  <p:stCondLst>
-                                    <p:cond delay="0"/>
-                                  </p:stCondLst>
-                                  <p:childTnLst>
-                                    <p:set>
-                                      <p:cBhvr>
-                                        <p:cTn id="28" dur="1" fill="hold">
-                                          <p:stCondLst>
-                                            <p:cond delay="0"/>
-                                          </p:stCondLst>
-                                        </p:cTn>
-                                        <p:tgtEl>
-                                          <p:spTgt spid="14"/>
-                                        </p:tgtEl>
-                                        <p:attrNameLst>
-                                          <p:attrName>style.visibility</p:attrName>
-                                        </p:attrNameLst>
-                                      </p:cBhvr>
-                                      <p:to>
-                                        <p:strVal val="visible"/>
-                                      </p:to>
-                                    </p:set>
-                                  </p:childTnLst>
-                                </p:cTn>
-                              </p:par>
-                            </p:childTnLst>
-                          </p:cTn>
-                        </p:par>
-                      </p:childTnLst>
-                    </p:cTn>
-                  </p:par>
-                </p:childTnLst>
-              </p:cTn>
-              <p:prevCondLst>
-                <p:cond evt="onPrev" delay="0">
-                  <p:tgtEl>
-                    <p:sldTgt/>
-                  </p:tgtEl>
-                </p:cond>
-              </p:prevCondLst>
-              <p:nextCondLst>
-                <p:cond evt="onNext" delay="0">
-                  <p:tgtEl>
-                    <p:sldTgt/>
-                  </p:tgtEl>
-                </p:cond>
-              </p:nextCondLst>
-            </p:seq>
-          </p:childTnLst>
-        </p:cTn>
-      </p:par>
-    </p:tnLst>
-    <p:bldLst>
-      <p:bldP spid="11" grpId="0" animBg="1"/>
-      <p:bldP spid="12" grpId="0"/>
-      <p:bldP spid="14" grpId="0"/>
-      <p:bldP spid="19" grpId="0" animBg="1"/>
-      <p:bldP spid="20" grpId="0" animBg="1"/>
-      <p:bldP spid="21" grpId="0" animBg="1"/>
-      <p:bldP spid="24" grpId="0" animBg="1"/>
-      <p:bldP spid="25" grpId="0" animBg="1"/>
-      <p:bldP spid="26" grpId="0" animBg="1"/>
-      <p:bldP spid="27" grpId="0" animBg="1"/>
-      <p:bldP spid="28" grpId="0" animBg="1"/>
-    </p:bldLst>
-  </p:timing>
-</p:sld>
-</file>
-
-<file path=ppt/slides/slide11.xml><?xml version="1.0" encoding="utf-8"?>
-<p:sld xmlns:a="http://schemas.openxmlformats.org/drawingml/2006/main" xmlns:r="http://schemas.openxmlformats.org/officeDocument/2006/relationships" xmlns:p="http://schemas.openxmlformats.org/presentationml/2006/main">
-  <p:cSld>
-    <p:spTree>
-      <p:nvGrpSpPr>
-        <p:cNvPr id="1" name=""/>
-        <p:cNvGrpSpPr/>
-        <p:nvPr/>
-      </p:nvGrpSpPr>
-      <p:grpSpPr>
-        <a:xfrm>
-          <a:off x="0" y="0"/>
-          <a:ext cx="0" cy="0"/>
-          <a:chOff x="0" y="0"/>
-          <a:chExt cx="0" cy="0"/>
-        </a:xfrm>
-      </p:grpSpPr>
-      <p:sp>
-        <p:nvSpPr>
-          <p:cNvPr id="2" name="Title 1"/>
-          <p:cNvSpPr>
-            <a:spLocks noGrp="1"/>
-          </p:cNvSpPr>
-          <p:nvPr>
-            <p:ph type="title"/>
-          </p:nvPr>
-        </p:nvSpPr>
-        <p:spPr/>
-        <p:txBody>
-          <a:bodyPr>
-            <a:normAutofit/>
-          </a:bodyPr>
-          <a:lstStyle/>
-          <a:p>
-            <a:r>
-              <a:rPr lang="de-CH" dirty="0" smtClean="0"/>
-              <a:t>Parser (</a:t>
-            </a:r>
-            <a:r>
-              <a:rPr lang="de-CH" dirty="0" err="1" smtClean="0"/>
-              <a:t>Semantic</a:t>
-            </a:r>
-            <a:r>
-              <a:rPr lang="de-CH" dirty="0" smtClean="0"/>
-              <a:t> Analysis)</a:t>
-            </a:r>
-            <a:endParaRPr lang="en-US" dirty="0"/>
-          </a:p>
-        </p:txBody>
-      </p:sp>
-      <p:sp>
-        <p:nvSpPr>
-          <p:cNvPr id="4" name="Footer Placeholder 3"/>
-          <p:cNvSpPr>
-            <a:spLocks noGrp="1"/>
-          </p:cNvSpPr>
-          <p:nvPr>
-            <p:ph type="ftr" sz="quarter" idx="11"/>
-          </p:nvPr>
-        </p:nvSpPr>
-        <p:spPr/>
-        <p:txBody>
-          <a:bodyPr/>
-          <a:lstStyle/>
-          <a:p>
-            <a:r>
-              <a:rPr lang="en-US" dirty="0" err="1" smtClean="0"/>
-              <a:t>Bachelorthesis</a:t>
-            </a:r>
-            <a:r>
-              <a:rPr lang="en-US" dirty="0" smtClean="0"/>
-              <a:t> </a:t>
-            </a:r>
-            <a:r>
-              <a:rPr lang="en-US" dirty="0" err="1" smtClean="0"/>
-              <a:t>Abschlusspräsentation</a:t>
-            </a:r>
-            <a:r>
-              <a:rPr lang="en-US" dirty="0" smtClean="0"/>
-              <a:t/>
-            </a:r>
-            <a:br>
-              <a:rPr lang="en-US" dirty="0" smtClean="0"/>
-            </a:br>
-            <a:r>
-              <a:rPr lang="en-US" dirty="0" smtClean="0"/>
-              <a:t> Raffael Schmid</a:t>
-            </a:r>
-          </a:p>
-        </p:txBody>
-      </p:sp>
-      <p:pic>
-        <p:nvPicPr>
-          <p:cNvPr id="3074" name="Picture 2"/>
-          <p:cNvPicPr>
-            <a:picLocks noChangeAspect="1" noChangeArrowheads="1"/>
-          </p:cNvPicPr>
-          <p:nvPr/>
-        </p:nvPicPr>
-        <p:blipFill>
-          <a:blip r:embed="rId2"/>
-          <a:srcRect/>
-          <a:stretch>
-            <a:fillRect/>
-          </a:stretch>
-        </p:blipFill>
-        <p:spPr bwMode="auto">
-          <a:xfrm>
-            <a:off x="129944" y="2242742"/>
-            <a:ext cx="8945624" cy="4615258"/>
-          </a:xfrm>
-          <a:prstGeom prst="rect">
-            <a:avLst/>
-          </a:prstGeom>
-          <a:noFill/>
-          <a:ln w="9525">
-            <a:noFill/>
-            <a:miter lim="800000"/>
-            <a:headEnd/>
-            <a:tailEnd/>
-          </a:ln>
-          <a:effectLst/>
-        </p:spPr>
-      </p:pic>
-      <p:grpSp>
-        <p:nvGrpSpPr>
-          <p:cNvPr id="13" name="Group 12"/>
-          <p:cNvGrpSpPr/>
-          <p:nvPr/>
-        </p:nvGrpSpPr>
-        <p:grpSpPr>
-          <a:xfrm>
-            <a:off x="279400" y="1657727"/>
-            <a:ext cx="5098845" cy="556212"/>
-            <a:chOff x="266027" y="1417638"/>
-            <a:chExt cx="8022107" cy="1146683"/>
-          </a:xfrm>
-        </p:grpSpPr>
-        <p:sp>
-          <p:nvSpPr>
-            <p:cNvPr id="5" name="TextBox 4"/>
-            <p:cNvSpPr txBox="1"/>
-            <p:nvPr/>
-          </p:nvSpPr>
-          <p:spPr>
-            <a:xfrm>
-              <a:off x="279399" y="1420407"/>
-              <a:ext cx="1220019" cy="507607"/>
-            </a:xfrm>
-            <a:prstGeom prst="rect">
-              <a:avLst/>
-            </a:prstGeom>
-            <a:solidFill>
-              <a:schemeClr val="tx2">
-                <a:lumMod val="20000"/>
-                <a:lumOff val="80000"/>
-              </a:schemeClr>
-            </a:solidFill>
-            <a:ln>
-              <a:solidFill>
-                <a:schemeClr val="tx1"/>
-              </a:solidFill>
-            </a:ln>
-          </p:spPr>
-          <p:txBody>
-            <a:bodyPr wrap="square" rtlCol="0">
-              <a:spAutoFit/>
-            </a:bodyPr>
-            <a:lstStyle/>
-            <a:p>
-              <a:r>
-                <a:rPr lang="en-US" sz="1000" i="1" dirty="0" smtClean="0"/>
-                <a:t>Type1: YC</a:t>
-              </a:r>
-              <a:endParaRPr lang="en-US" sz="1000" b="1" dirty="0" smtClean="0">
-                <a:latin typeface="Courier New" pitchFamily="49" charset="0"/>
-                <a:cs typeface="Courier New" pitchFamily="49" charset="0"/>
-              </a:endParaRPr>
-            </a:p>
-          </p:txBody>
-        </p:sp>
-        <p:sp>
-          <p:nvSpPr>
-            <p:cNvPr id="6" name="TextBox 5"/>
-            <p:cNvSpPr txBox="1"/>
-            <p:nvPr/>
-          </p:nvSpPr>
-          <p:spPr>
-            <a:xfrm>
-              <a:off x="1576763" y="1420409"/>
-              <a:ext cx="1067619" cy="504839"/>
-            </a:xfrm>
-            <a:prstGeom prst="rect">
-              <a:avLst/>
-            </a:prstGeom>
-            <a:solidFill>
-              <a:schemeClr val="tx2">
-                <a:lumMod val="20000"/>
-                <a:lumOff val="80000"/>
-              </a:schemeClr>
-            </a:solidFill>
-            <a:ln>
-              <a:solidFill>
-                <a:schemeClr val="tx1"/>
-              </a:solidFill>
-            </a:ln>
-          </p:spPr>
-          <p:txBody>
-            <a:bodyPr wrap="square" rtlCol="0">
-              <a:spAutoFit/>
-            </a:bodyPr>
-            <a:lstStyle/>
-            <a:p>
-              <a:r>
-                <a:rPr lang="de-CH" sz="1000" i="1" dirty="0" smtClean="0"/>
-                <a:t>Index: 1</a:t>
-              </a:r>
-              <a:endParaRPr lang="en-US" sz="1000" b="1" dirty="0" smtClean="0">
-                <a:latin typeface="Courier New" pitchFamily="49" charset="0"/>
-                <a:cs typeface="Courier New" pitchFamily="49" charset="0"/>
-              </a:endParaRPr>
-            </a:p>
-          </p:txBody>
-        </p:sp>
-        <p:sp>
-          <p:nvSpPr>
-            <p:cNvPr id="7" name="TextBox 6"/>
-            <p:cNvSpPr txBox="1"/>
-            <p:nvPr/>
-          </p:nvSpPr>
-          <p:spPr>
-            <a:xfrm>
-              <a:off x="2742790" y="1420407"/>
-              <a:ext cx="1971778" cy="526123"/>
-            </a:xfrm>
-            <a:prstGeom prst="rect">
-              <a:avLst/>
-            </a:prstGeom>
-            <a:solidFill>
-              <a:schemeClr val="tx2">
-                <a:lumMod val="20000"/>
-                <a:lumOff val="80000"/>
-              </a:schemeClr>
-            </a:solidFill>
-            <a:ln>
-              <a:solidFill>
-                <a:schemeClr val="tx1"/>
-              </a:solidFill>
-            </a:ln>
-          </p:spPr>
-          <p:txBody>
-            <a:bodyPr wrap="square" rtlCol="0">
-              <a:spAutoFit/>
-            </a:bodyPr>
-            <a:lstStyle/>
-            <a:p>
-              <a:r>
-                <a:rPr lang="de-CH" sz="1000" i="1" dirty="0" smtClean="0"/>
-                <a:t>Start Time: 1.535</a:t>
-              </a:r>
-              <a:endParaRPr lang="en-US" sz="1000" b="1" dirty="0" smtClean="0">
-                <a:latin typeface="Courier New" pitchFamily="49" charset="0"/>
-                <a:cs typeface="Courier New" pitchFamily="49" charset="0"/>
-              </a:endParaRPr>
-            </a:p>
-          </p:txBody>
-        </p:sp>
-        <p:sp>
-          <p:nvSpPr>
-            <p:cNvPr id="8" name="TextBox 7"/>
-            <p:cNvSpPr txBox="1"/>
-            <p:nvPr/>
-          </p:nvSpPr>
-          <p:spPr>
-            <a:xfrm>
-              <a:off x="4866968" y="1417638"/>
-              <a:ext cx="1971778" cy="526123"/>
-            </a:xfrm>
-            <a:prstGeom prst="rect">
-              <a:avLst/>
-            </a:prstGeom>
-            <a:solidFill>
-              <a:schemeClr val="tx2">
-                <a:lumMod val="20000"/>
-                <a:lumOff val="80000"/>
-              </a:schemeClr>
-            </a:solidFill>
-            <a:ln>
-              <a:solidFill>
-                <a:schemeClr val="tx1"/>
-              </a:solidFill>
-            </a:ln>
-          </p:spPr>
-          <p:txBody>
-            <a:bodyPr wrap="square" rtlCol="0">
-              <a:spAutoFit/>
-            </a:bodyPr>
-            <a:lstStyle/>
-            <a:p>
-              <a:r>
-                <a:rPr lang="de-CH" sz="1000" i="1" dirty="0" smtClean="0"/>
-                <a:t>End Time: 1.617</a:t>
-              </a:r>
-              <a:endParaRPr lang="en-US" sz="1000" b="1" dirty="0" smtClean="0">
-                <a:latin typeface="Courier New" pitchFamily="49" charset="0"/>
-                <a:cs typeface="Courier New" pitchFamily="49" charset="0"/>
-              </a:endParaRPr>
-            </a:p>
-          </p:txBody>
-        </p:sp>
-        <p:sp>
-          <p:nvSpPr>
-            <p:cNvPr id="9" name="TextBox 8"/>
-            <p:cNvSpPr txBox="1"/>
-            <p:nvPr/>
-          </p:nvSpPr>
-          <p:spPr>
-            <a:xfrm>
-              <a:off x="7019413" y="1417638"/>
-              <a:ext cx="1268721" cy="507608"/>
-            </a:xfrm>
-            <a:prstGeom prst="rect">
-              <a:avLst/>
-            </a:prstGeom>
-            <a:solidFill>
-              <a:schemeClr val="tx2">
-                <a:lumMod val="20000"/>
-                <a:lumOff val="80000"/>
-              </a:schemeClr>
-            </a:solidFill>
-            <a:ln>
-              <a:solidFill>
-                <a:schemeClr val="tx1"/>
-              </a:solidFill>
-            </a:ln>
-          </p:spPr>
-          <p:txBody>
-            <a:bodyPr wrap="square" rtlCol="0">
-              <a:spAutoFit/>
-            </a:bodyPr>
-            <a:lstStyle/>
-            <a:p>
-              <a:r>
-                <a:rPr lang="en-US" sz="1000" i="1" dirty="0" smtClean="0"/>
-                <a:t>Type2: YC</a:t>
-              </a:r>
-              <a:endParaRPr lang="en-US" sz="1000" b="1" dirty="0" smtClean="0">
-                <a:latin typeface="Courier New" pitchFamily="49" charset="0"/>
-                <a:cs typeface="Courier New" pitchFamily="49" charset="0"/>
-              </a:endParaRPr>
-            </a:p>
-          </p:txBody>
-        </p:sp>
-        <p:sp>
-          <p:nvSpPr>
-            <p:cNvPr id="10" name="TextBox 9"/>
-            <p:cNvSpPr txBox="1"/>
-            <p:nvPr/>
-          </p:nvSpPr>
-          <p:spPr>
-            <a:xfrm>
-              <a:off x="266027" y="2056711"/>
-              <a:ext cx="2463390" cy="507607"/>
-            </a:xfrm>
-            <a:prstGeom prst="rect">
-              <a:avLst/>
-            </a:prstGeom>
-            <a:solidFill>
-              <a:schemeClr val="tx2">
-                <a:lumMod val="20000"/>
-                <a:lumOff val="80000"/>
-              </a:schemeClr>
-            </a:solidFill>
-            <a:ln>
-              <a:solidFill>
-                <a:schemeClr val="tx1"/>
-              </a:solidFill>
-            </a:ln>
-          </p:spPr>
-          <p:txBody>
-            <a:bodyPr wrap="square" rtlCol="0">
-              <a:spAutoFit/>
-            </a:bodyPr>
-            <a:lstStyle/>
-            <a:p>
-              <a:r>
-                <a:rPr lang="en-US" sz="1000" i="1" dirty="0" smtClean="0"/>
-                <a:t>Memory Before: 176976</a:t>
-              </a:r>
-              <a:endParaRPr lang="en-US" sz="1000" b="1" dirty="0" smtClean="0">
-                <a:latin typeface="Courier New" pitchFamily="49" charset="0"/>
-                <a:cs typeface="Courier New" pitchFamily="49" charset="0"/>
-              </a:endParaRPr>
-            </a:p>
-          </p:txBody>
-        </p:sp>
-        <p:sp>
-          <p:nvSpPr>
-            <p:cNvPr id="11" name="TextBox 10"/>
-            <p:cNvSpPr txBox="1"/>
-            <p:nvPr/>
-          </p:nvSpPr>
-          <p:spPr>
-            <a:xfrm>
-              <a:off x="2895190" y="2056711"/>
-              <a:ext cx="2463390" cy="507610"/>
-            </a:xfrm>
-            <a:prstGeom prst="rect">
-              <a:avLst/>
-            </a:prstGeom>
-            <a:solidFill>
-              <a:schemeClr val="tx2">
-                <a:lumMod val="20000"/>
-                <a:lumOff val="80000"/>
-              </a:schemeClr>
-            </a:solidFill>
-            <a:ln>
-              <a:solidFill>
-                <a:schemeClr val="tx1"/>
-              </a:solidFill>
-            </a:ln>
-          </p:spPr>
-          <p:txBody>
-            <a:bodyPr wrap="square" rtlCol="0">
-              <a:spAutoFit/>
-            </a:bodyPr>
-            <a:lstStyle/>
-            <a:p>
-              <a:r>
-                <a:rPr lang="en-US" sz="1000" i="1" dirty="0" smtClean="0"/>
-                <a:t>Memory After: 177017</a:t>
-              </a:r>
-              <a:endParaRPr lang="en-US" sz="1000" dirty="0" smtClean="0">
-                <a:latin typeface="Courier New" pitchFamily="49" charset="0"/>
-                <a:cs typeface="Courier New" pitchFamily="49" charset="0"/>
-              </a:endParaRPr>
-            </a:p>
-          </p:txBody>
-        </p:sp>
-        <p:sp>
-          <p:nvSpPr>
-            <p:cNvPr id="12" name="TextBox 11"/>
-            <p:cNvSpPr txBox="1"/>
-            <p:nvPr/>
-          </p:nvSpPr>
-          <p:spPr>
-            <a:xfrm>
-              <a:off x="5510981" y="2056709"/>
-              <a:ext cx="2463390" cy="507612"/>
-            </a:xfrm>
-            <a:prstGeom prst="rect">
-              <a:avLst/>
-            </a:prstGeom>
-            <a:solidFill>
-              <a:schemeClr val="tx2">
-                <a:lumMod val="20000"/>
-                <a:lumOff val="80000"/>
-              </a:schemeClr>
-            </a:solidFill>
-            <a:ln>
-              <a:solidFill>
-                <a:schemeClr val="tx1"/>
-              </a:solidFill>
-            </a:ln>
-          </p:spPr>
-          <p:txBody>
-            <a:bodyPr wrap="square" rtlCol="0">
-              <a:spAutoFit/>
-            </a:bodyPr>
-            <a:lstStyle/>
-            <a:p>
-              <a:r>
-                <a:rPr lang="en-US" sz="1000" i="1" dirty="0" smtClean="0"/>
-                <a:t>Heap Size After: 177017</a:t>
-              </a:r>
-              <a:endParaRPr lang="en-US" sz="1000" dirty="0" smtClean="0">
-                <a:latin typeface="Courier New" pitchFamily="49" charset="0"/>
-                <a:cs typeface="Courier New" pitchFamily="49" charset="0"/>
-              </a:endParaRPr>
-            </a:p>
-          </p:txBody>
-        </p:sp>
-      </p:grpSp>
-      <p:sp>
-        <p:nvSpPr>
-          <p:cNvPr id="14" name="TextBox 13"/>
-          <p:cNvSpPr txBox="1"/>
-          <p:nvPr/>
-        </p:nvSpPr>
-        <p:spPr>
-          <a:xfrm>
-            <a:off x="289232" y="1257617"/>
-            <a:ext cx="2997200" cy="400110"/>
-          </a:xfrm>
-          <a:prstGeom prst="rect">
-            <a:avLst/>
-          </a:prstGeom>
-          <a:noFill/>
-        </p:spPr>
-        <p:txBody>
-          <a:bodyPr wrap="square" rtlCol="0">
-            <a:spAutoFit/>
-          </a:bodyPr>
-          <a:lstStyle/>
-          <a:p>
-            <a:r>
-              <a:rPr lang="de-CH" sz="2000" b="1" dirty="0" smtClean="0"/>
-              <a:t>Output (</a:t>
-            </a:r>
-            <a:r>
-              <a:rPr lang="de-CH" sz="2000" b="1" dirty="0" err="1" smtClean="0"/>
-              <a:t>Tokenstream</a:t>
-            </a:r>
-            <a:r>
-              <a:rPr lang="de-CH" sz="2000" b="1" dirty="0" smtClean="0"/>
-              <a:t>)</a:t>
-            </a:r>
-            <a:endParaRPr lang="en-US" sz="2000" b="1" dirty="0"/>
-          </a:p>
-        </p:txBody>
-      </p:sp>
-      <p:sp>
-        <p:nvSpPr>
-          <p:cNvPr id="15" name="TextBox 14"/>
-          <p:cNvSpPr txBox="1"/>
-          <p:nvPr/>
-        </p:nvSpPr>
-        <p:spPr>
-          <a:xfrm>
-            <a:off x="289232" y="2441413"/>
-            <a:ext cx="2997200" cy="400110"/>
-          </a:xfrm>
-          <a:prstGeom prst="rect">
-            <a:avLst/>
-          </a:prstGeom>
-          <a:noFill/>
-        </p:spPr>
-        <p:txBody>
-          <a:bodyPr wrap="square" rtlCol="0">
-            <a:spAutoFit/>
-          </a:bodyPr>
-          <a:lstStyle/>
-          <a:p>
-            <a:r>
-              <a:rPr lang="de-CH" sz="2000" b="1" dirty="0" smtClean="0"/>
-              <a:t>Objektgraph</a:t>
-            </a:r>
-            <a:endParaRPr lang="en-US" sz="2000" b="1" dirty="0"/>
-          </a:p>
-        </p:txBody>
-      </p:sp>
-    </p:spTree>
-  </p:cSld>
-  <p:clrMapOvr>
-    <a:masterClrMapping/>
-  </p:clrMapOvr>
-  <p:timing>
-    <p:tnLst>
-      <p:par>
-        <p:cTn id="1" dur="indefinite" restart="never" nodeType="tmRoot">
-          <p:childTnLst>
-            <p:seq concurrent="1" nextAc="seek">
-              <p:cTn id="2" dur="indefinite" nodeType="mainSeq">
-                <p:childTnLst>
-                  <p:par>
-                    <p:cTn id="3" fill="hold">
-                      <p:stCondLst>
-                        <p:cond delay="indefinite"/>
-                      </p:stCondLst>
-                      <p:childTnLst>
-                        <p:par>
-                          <p:cTn id="4" fill="hold">
-                            <p:stCondLst>
-                              <p:cond delay="0"/>
-                            </p:stCondLst>
-                            <p:childTnLst>
-                              <p:par>
-                                <p:cTn id="5" presetID="1" presetClass="entr" presetSubtype="0" fill="hold" grpId="0" nodeType="clickEffect">
-                                  <p:stCondLst>
-                                    <p:cond delay="0"/>
-                                  </p:stCondLst>
-                                  <p:childTnLst>
-                                    <p:set>
-                                      <p:cBhvr>
-                                        <p:cTn id="6" dur="1" fill="hold">
-                                          <p:stCondLst>
-                                            <p:cond delay="0"/>
-                                          </p:stCondLst>
-                                        </p:cTn>
-                                        <p:tgtEl>
-                                          <p:spTgt spid="15"/>
-                                        </p:tgtEl>
-                                        <p:attrNameLst>
-                                          <p:attrName>style.visibility</p:attrName>
-                                        </p:attrNameLst>
-                                      </p:cBhvr>
-                                      <p:to>
-                                        <p:strVal val="visible"/>
-                                      </p:to>
-                                    </p:set>
-                                  </p:childTnLst>
-                                </p:cTn>
-                              </p:par>
-                              <p:par>
-                                <p:cTn id="7" presetID="1" presetClass="entr" presetSubtype="0" fill="hold" nodeType="withEffect">
-                                  <p:stCondLst>
-                                    <p:cond delay="0"/>
-                                  </p:stCondLst>
-                                  <p:childTnLst>
-                                    <p:set>
-                                      <p:cBhvr>
-                                        <p:cTn id="8" dur="1" fill="hold">
-                                          <p:stCondLst>
-                                            <p:cond delay="0"/>
-                                          </p:stCondLst>
-                                        </p:cTn>
-                                        <p:tgtEl>
-                                          <p:spTgt spid="3074"/>
-                                        </p:tgtEl>
-                                        <p:attrNameLst>
-                                          <p:attrName>style.visibility</p:attrName>
-                                        </p:attrNameLst>
-                                      </p:cBhvr>
-                                      <p:to>
-                                        <p:strVal val="visible"/>
-                                      </p:to>
-                                    </p:set>
-                                  </p:childTnLst>
-                                </p:cTn>
-                              </p:par>
-                            </p:childTnLst>
-                          </p:cTn>
-                        </p:par>
-                      </p:childTnLst>
-                    </p:cTn>
-                  </p:par>
-                </p:childTnLst>
-              </p:cTn>
-              <p:prevCondLst>
-                <p:cond evt="onPrev" delay="0">
-                  <p:tgtEl>
-                    <p:sldTgt/>
-                  </p:tgtEl>
-                </p:cond>
-              </p:prevCondLst>
-              <p:nextCondLst>
-                <p:cond evt="onNext" delay="0">
-                  <p:tgtEl>
-                    <p:sldTgt/>
-                  </p:tgtEl>
-                </p:cond>
-              </p:nextCondLst>
-            </p:seq>
-          </p:childTnLst>
-        </p:cTn>
-      </p:par>
-    </p:tnLst>
-    <p:bldLst>
-      <p:bldP spid="15" grpId="0"/>
-    </p:bldLst>
-  </p:timing>
-</p:sld>
-</file>
-
-<file path=ppt/slides/slide12.xml><?xml version="1.0" encoding="utf-8"?>
-<p:sld xmlns:a="http://schemas.openxmlformats.org/drawingml/2006/main" xmlns:r="http://schemas.openxmlformats.org/officeDocument/2006/relationships" xmlns:p="http://schemas.openxmlformats.org/presentationml/2006/main">
-  <p:cSld>
-    <p:spTree>
-      <p:nvGrpSpPr>
-        <p:cNvPr id="1" name=""/>
-        <p:cNvGrpSpPr/>
-        <p:nvPr/>
-      </p:nvGrpSpPr>
-      <p:grpSpPr>
-        <a:xfrm>
-          <a:off x="0" y="0"/>
-          <a:ext cx="0" cy="0"/>
-          <a:chOff x="0" y="0"/>
-          <a:chExt cx="0" cy="0"/>
-        </a:xfrm>
-      </p:grpSpPr>
-      <p:sp>
-        <p:nvSpPr>
-          <p:cNvPr id="2" name="Title 1"/>
-          <p:cNvSpPr>
-            <a:spLocks noGrp="1"/>
-          </p:cNvSpPr>
-          <p:nvPr>
-            <p:ph type="title"/>
-          </p:nvPr>
-        </p:nvSpPr>
-        <p:spPr/>
-        <p:txBody>
-          <a:bodyPr>
-            <a:normAutofit/>
-          </a:bodyPr>
-          <a:lstStyle/>
-          <a:p>
-            <a:r>
-              <a:rPr lang="de-CH" dirty="0" smtClean="0"/>
-              <a:t>Anzeige</a:t>
-            </a:r>
-            <a:endParaRPr lang="en-US" dirty="0"/>
-          </a:p>
-        </p:txBody>
-      </p:sp>
-      <p:sp>
-        <p:nvSpPr>
-          <p:cNvPr id="4" name="Footer Placeholder 3"/>
-          <p:cNvSpPr>
-            <a:spLocks noGrp="1"/>
-          </p:cNvSpPr>
-          <p:nvPr>
-            <p:ph type="ftr" sz="quarter" idx="11"/>
-          </p:nvPr>
-        </p:nvSpPr>
-        <p:spPr/>
-        <p:txBody>
-          <a:bodyPr/>
-          <a:lstStyle/>
-          <a:p>
-            <a:r>
-              <a:rPr lang="en-US" dirty="0" err="1" smtClean="0"/>
-              <a:t>Bachelorthesis</a:t>
-            </a:r>
-            <a:r>
-              <a:rPr lang="en-US" dirty="0" smtClean="0"/>
-              <a:t> </a:t>
-            </a:r>
-            <a:r>
-              <a:rPr lang="en-US" dirty="0" err="1" smtClean="0"/>
-              <a:t>Abschlusspräsentation</a:t>
-            </a:r>
-            <a:r>
-              <a:rPr lang="en-US" dirty="0" smtClean="0"/>
-              <a:t/>
-            </a:r>
-            <a:br>
-              <a:rPr lang="en-US" dirty="0" smtClean="0"/>
-            </a:br>
-            <a:r>
-              <a:rPr lang="en-US" dirty="0" smtClean="0"/>
-              <a:t> Raffael Schmid</a:t>
-            </a:r>
-          </a:p>
-        </p:txBody>
-      </p:sp>
-      <p:pic>
-        <p:nvPicPr>
-          <p:cNvPr id="3074" name="Picture 2"/>
-          <p:cNvPicPr>
-            <a:picLocks noChangeAspect="1" noChangeArrowheads="1"/>
-          </p:cNvPicPr>
-          <p:nvPr/>
-        </p:nvPicPr>
-        <p:blipFill>
-          <a:blip r:embed="rId2"/>
-          <a:srcRect/>
-          <a:stretch>
-            <a:fillRect/>
-          </a:stretch>
-        </p:blipFill>
-        <p:spPr bwMode="auto">
-          <a:xfrm>
-            <a:off x="4924520" y="4323992"/>
-            <a:ext cx="3939261" cy="2032358"/>
-          </a:xfrm>
-          <a:prstGeom prst="rect">
-            <a:avLst/>
-          </a:prstGeom>
-          <a:noFill/>
-          <a:ln w="9525">
-            <a:noFill/>
-            <a:miter lim="800000"/>
-            <a:headEnd/>
-            <a:tailEnd/>
-          </a:ln>
-          <a:effectLst/>
-        </p:spPr>
-      </p:pic>
-      <p:pic>
-        <p:nvPicPr>
-          <p:cNvPr id="1027" name="Picture 3"/>
-          <p:cNvPicPr>
-            <a:picLocks noChangeAspect="1" noChangeArrowheads="1"/>
-          </p:cNvPicPr>
-          <p:nvPr/>
-        </p:nvPicPr>
-        <p:blipFill>
-          <a:blip r:embed="rId3"/>
-          <a:srcRect/>
-          <a:stretch>
-            <a:fillRect/>
-          </a:stretch>
-        </p:blipFill>
-        <p:spPr bwMode="auto">
-          <a:xfrm>
-            <a:off x="303573" y="1160387"/>
-            <a:ext cx="3747318" cy="3303459"/>
-          </a:xfrm>
-          <a:prstGeom prst="rect">
-            <a:avLst/>
-          </a:prstGeom>
-          <a:noFill/>
-          <a:ln w="9525">
-            <a:solidFill>
-              <a:schemeClr val="tx1">
-                <a:lumMod val="50000"/>
-                <a:lumOff val="50000"/>
-              </a:schemeClr>
-            </a:solidFill>
-            <a:miter lim="800000"/>
-            <a:headEnd/>
-            <a:tailEnd/>
-          </a:ln>
-        </p:spPr>
-      </p:pic>
-      <p:sp>
-        <p:nvSpPr>
-          <p:cNvPr id="18" name="Rectangle 17"/>
-          <p:cNvSpPr/>
-          <p:nvPr/>
-        </p:nvSpPr>
-        <p:spPr>
-          <a:xfrm>
-            <a:off x="1983870" y="1236222"/>
-            <a:ext cx="1471152" cy="855407"/>
-          </a:xfrm>
-          <a:prstGeom prst="rect">
-            <a:avLst/>
-          </a:prstGeom>
-          <a:noFill/>
-          <a:ln w="22225">
-            <a:solidFill>
-              <a:srgbClr val="FF0000"/>
-            </a:solidFill>
-          </a:ln>
-        </p:spPr>
-        <p:style>
-          <a:lnRef idx="1">
-            <a:schemeClr val="accent1"/>
-          </a:lnRef>
-          <a:fillRef idx="3">
-            <a:schemeClr val="accent1"/>
-          </a:fillRef>
-          <a:effectRef idx="2">
-            <a:schemeClr val="accent1"/>
-          </a:effectRef>
-          <a:fontRef idx="minor">
-            <a:schemeClr val="lt1"/>
-          </a:fontRef>
-        </p:style>
-        <p:txBody>
-          <a:bodyPr rtlCol="0" anchor="ctr"/>
-          <a:lstStyle/>
-          <a:p>
-            <a:pPr algn="ctr"/>
-            <a:endParaRPr lang="en-US"/>
-          </a:p>
-        </p:txBody>
-      </p:sp>
-      <p:sp>
-        <p:nvSpPr>
-          <p:cNvPr id="20" name="Left-Right Arrow 19"/>
-          <p:cNvSpPr/>
-          <p:nvPr/>
-        </p:nvSpPr>
-        <p:spPr>
-          <a:xfrm rot="1846805">
-            <a:off x="4115540" y="3987100"/>
-            <a:ext cx="1529909" cy="673783"/>
-          </a:xfrm>
-          <a:prstGeom prst="leftRightArrow">
-            <a:avLst/>
-          </a:prstGeom>
-          <a:noFill/>
-          <a:ln>
-            <a:solidFill>
-              <a:srgbClr val="FF0000"/>
-            </a:solidFill>
-          </a:ln>
-        </p:spPr>
-        <p:style>
-          <a:lnRef idx="1">
-            <a:schemeClr val="accent1"/>
-          </a:lnRef>
-          <a:fillRef idx="3">
-            <a:schemeClr val="accent1"/>
-          </a:fillRef>
-          <a:effectRef idx="2">
-            <a:schemeClr val="accent1"/>
-          </a:effectRef>
-          <a:fontRef idx="minor">
-            <a:schemeClr val="lt1"/>
-          </a:fontRef>
-        </p:style>
-        <p:txBody>
-          <a:bodyPr rtlCol="0" anchor="ctr"/>
-          <a:lstStyle/>
-          <a:p>
-            <a:pPr algn="ctr"/>
-            <a:endParaRPr lang="en-US"/>
-          </a:p>
-        </p:txBody>
-      </p:sp>
-      <p:sp>
-        <p:nvSpPr>
-          <p:cNvPr id="23" name="Rectangle 22"/>
-          <p:cNvSpPr/>
-          <p:nvPr/>
-        </p:nvSpPr>
-        <p:spPr>
-          <a:xfrm>
-            <a:off x="4336026" y="1612671"/>
-            <a:ext cx="4527755" cy="1867948"/>
-          </a:xfrm>
-          <a:prstGeom prst="rect">
-            <a:avLst/>
-          </a:prstGeom>
-          <a:noFill/>
-          <a:ln>
-            <a:solidFill>
-              <a:srgbClr val="FF0000"/>
-            </a:solidFill>
-          </a:ln>
-        </p:spPr>
-        <p:style>
-          <a:lnRef idx="1">
-            <a:schemeClr val="accent1"/>
-          </a:lnRef>
-          <a:fillRef idx="3">
-            <a:schemeClr val="accent1"/>
-          </a:fillRef>
-          <a:effectRef idx="2">
-            <a:schemeClr val="accent1"/>
-          </a:effectRef>
-          <a:fontRef idx="minor">
-            <a:schemeClr val="lt1"/>
-          </a:fontRef>
-        </p:style>
-        <p:txBody>
-          <a:bodyPr rtlCol="0" anchor="t"/>
-          <a:lstStyle/>
-          <a:p>
-            <a:r>
-              <a:rPr lang="de-CH" dirty="0" smtClean="0">
-                <a:solidFill>
-                  <a:schemeClr val="tx1"/>
-                </a:solidFill>
-              </a:rPr>
-              <a:t>X-Filter:</a:t>
-            </a:r>
-          </a:p>
-          <a:p>
-            <a:r>
-              <a:rPr lang="de-CH" dirty="0" err="1" smtClean="0">
-                <a:solidFill>
-                  <a:schemeClr val="tx1"/>
-                </a:solidFill>
-              </a:rPr>
-              <a:t>states*.timestamp*.second</a:t>
-            </a:r>
-            <a:endParaRPr lang="de-CH" dirty="0" smtClean="0">
-              <a:solidFill>
-                <a:schemeClr val="tx1"/>
-              </a:solidFill>
-            </a:endParaRPr>
-          </a:p>
-          <a:p>
-            <a:endParaRPr lang="de-CH" dirty="0" smtClean="0">
-              <a:solidFill>
-                <a:schemeClr val="tx1"/>
-              </a:solidFill>
-            </a:endParaRPr>
-          </a:p>
-          <a:p>
-            <a:endParaRPr lang="de-CH" dirty="0" smtClean="0">
-              <a:solidFill>
-                <a:schemeClr val="tx1"/>
-              </a:solidFill>
-            </a:endParaRPr>
-          </a:p>
-          <a:p>
-            <a:r>
-              <a:rPr lang="de-CH" dirty="0" smtClean="0">
-                <a:solidFill>
-                  <a:schemeClr val="tx1"/>
-                </a:solidFill>
-              </a:rPr>
-              <a:t>Y-Filter: </a:t>
-            </a:r>
-          </a:p>
-          <a:p>
-            <a:r>
-              <a:rPr lang="de-CH" dirty="0" err="1" smtClean="0">
-                <a:solidFill>
-                  <a:schemeClr val="tx1"/>
-                </a:solidFill>
-              </a:rPr>
-              <a:t>states*.memoryUsed*.kiloByte</a:t>
-            </a:r>
-            <a:endParaRPr lang="en-US" dirty="0">
-              <a:solidFill>
-                <a:schemeClr val="tx1"/>
-              </a:solidFill>
-            </a:endParaRPr>
-          </a:p>
-        </p:txBody>
-      </p:sp>
-    </p:spTree>
-  </p:cSld>
-  <p:clrMapOvr>
-    <a:masterClrMapping/>
-  </p:clrMapOvr>
-  <p:timing>
-    <p:tnLst>
-      <p:par>
-        <p:cTn id="1" dur="indefinite" restart="never" nodeType="tmRoot">
-          <p:childTnLst>
-            <p:seq concurrent="1" nextAc="seek">
-              <p:cTn id="2" dur="indefinite" nodeType="mainSeq">
-                <p:childTnLst>
-                  <p:par>
-                    <p:cTn id="3" fill="hold">
-                      <p:stCondLst>
-                        <p:cond delay="indefinite"/>
-                      </p:stCondLst>
-                      <p:childTnLst>
-                        <p:par>
-                          <p:cTn id="4" fill="hold">
-                            <p:stCondLst>
-                              <p:cond delay="0"/>
-                            </p:stCondLst>
-                            <p:childTnLst>
-                              <p:par>
-                                <p:cTn id="5" presetID="1" presetClass="entr" presetSubtype="0" fill="hold" grpId="0" nodeType="clickEffect">
-                                  <p:stCondLst>
-                                    <p:cond delay="0"/>
-                                  </p:stCondLst>
-                                  <p:childTnLst>
-                                    <p:set>
-                                      <p:cBhvr>
-                                        <p:cTn id="6" dur="1" fill="hold">
-                                          <p:stCondLst>
-                                            <p:cond delay="0"/>
-                                          </p:stCondLst>
-                                        </p:cTn>
-                                        <p:tgtEl>
-                                          <p:spTgt spid="18"/>
-                                        </p:tgtEl>
-                                        <p:attrNameLst>
-                                          <p:attrName>style.visibility</p:attrName>
-                                        </p:attrNameLst>
-                                      </p:cBhvr>
-                                      <p:to>
-                                        <p:strVal val="visible"/>
-                                      </p:to>
-                                    </p:set>
-                                  </p:childTnLst>
-                                </p:cTn>
-                              </p:par>
-                              <p:par>
-                                <p:cTn id="7" presetID="1" presetClass="entr" presetSubtype="0" fill="hold" grpId="0" nodeType="withEffect">
-                                  <p:stCondLst>
-                                    <p:cond delay="0"/>
-                                  </p:stCondLst>
-                                  <p:childTnLst>
-                                    <p:set>
-                                      <p:cBhvr>
-                                        <p:cTn id="8" dur="1" fill="hold">
-                                          <p:stCondLst>
-                                            <p:cond delay="0"/>
-                                          </p:stCondLst>
-                                        </p:cTn>
-                                        <p:tgtEl>
-                                          <p:spTgt spid="20"/>
-                                        </p:tgtEl>
-                                        <p:attrNameLst>
-                                          <p:attrName>style.visibility</p:attrName>
-                                        </p:attrNameLst>
-                                      </p:cBhvr>
-                                      <p:to>
-                                        <p:strVal val="visible"/>
-                                      </p:to>
-                                    </p:set>
-                                  </p:childTnLst>
-                                </p:cTn>
-                              </p:par>
-                            </p:childTnLst>
-                          </p:cTn>
-                        </p:par>
-                      </p:childTnLst>
-                    </p:cTn>
-                  </p:par>
-                  <p:par>
-                    <p:cTn id="9" fill="hold">
-                      <p:stCondLst>
-                        <p:cond delay="indefinite"/>
-                      </p:stCondLst>
-                      <p:childTnLst>
-                        <p:par>
-                          <p:cTn id="10" fill="hold">
-                            <p:stCondLst>
-                              <p:cond delay="0"/>
-                            </p:stCondLst>
-                            <p:childTnLst>
-                              <p:par>
-                                <p:cTn id="11" presetID="1" presetClass="entr" presetSubtype="0" fill="hold" grpId="0" nodeType="clickEffect">
-                                  <p:stCondLst>
-                                    <p:cond delay="0"/>
-                                  </p:stCondLst>
-                                  <p:childTnLst>
-                                    <p:set>
-                                      <p:cBhvr>
-                                        <p:cTn id="12" dur="1" fill="hold">
                                           <p:stCondLst>
                                             <p:cond delay="0"/>
                                           </p:stCondLst>
@@ -6711,15 +4946,15 @@
       </p:par>
     </p:tnLst>
     <p:bldLst>
-      <p:bldP spid="18" grpId="0" animBg="1"/>
-      <p:bldP spid="20" grpId="0" animBg="1"/>
-      <p:bldP spid="23" grpId="0" animBg="1"/>
+      <p:bldP spid="23" grpId="0"/>
+      <p:bldP spid="12" grpId="0" animBg="1"/>
+      <p:bldP spid="14" grpId="0" animBg="1"/>
     </p:bldLst>
   </p:timing>
 </p:sld>
 </file>
 
-<file path=ppt/slides/slide13.xml><?xml version="1.0" encoding="utf-8"?>
+<file path=ppt/slides/slide12.xml><?xml version="1.0" encoding="utf-8"?>
 <p:sld xmlns:a="http://schemas.openxmlformats.org/drawingml/2006/main" xmlns:r="http://schemas.openxmlformats.org/officeDocument/2006/relationships" xmlns:p="http://schemas.openxmlformats.org/presentationml/2006/main">
   <p:cSld>
     <p:spTree>
@@ -7472,33 +5707,15 @@
                                   </p:childTnLst>
                                 </p:cTn>
                               </p:par>
-                            </p:childTnLst>
-                          </p:cTn>
-                        </p:par>
-                      </p:childTnLst>
-                    </p:cTn>
-                  </p:par>
-                  <p:par>
-                    <p:cTn id="23" fill="hold">
-                      <p:stCondLst>
-                        <p:cond delay="indefinite"/>
-                      </p:stCondLst>
-                      <p:childTnLst>
-                        <p:par>
-                          <p:cTn id="24" fill="hold">
-                            <p:stCondLst>
-                              <p:cond delay="0"/>
-                            </p:stCondLst>
-                            <p:childTnLst>
                               <p:par>
-                                <p:cTn id="25" presetID="1" presetClass="entr" presetSubtype="0" fill="hold" grpId="0" nodeType="clickEffect">
+                                <p:cTn id="23" presetID="1" presetClass="entr" presetSubtype="0" fill="hold" grpId="0" nodeType="withEffect">
                                   <p:stCondLst>
                                     <p:cond delay="0"/>
                                   </p:stCondLst>
                                   <p:childTnLst>
                                     <p:set>
                                       <p:cBhvr>
-                                        <p:cTn id="26" dur="1" fill="hold">
+                                        <p:cTn id="24" dur="1" fill="hold">
                                           <p:stCondLst>
                                             <p:cond delay="0"/>
                                           </p:stCondLst>
@@ -7524,26 +5741,26 @@
                     </p:cTn>
                   </p:par>
                   <p:par>
-                    <p:cTn id="27" fill="hold">
+                    <p:cTn id="25" fill="hold">
                       <p:stCondLst>
                         <p:cond delay="indefinite"/>
                       </p:stCondLst>
                       <p:childTnLst>
                         <p:par>
-                          <p:cTn id="28" fill="hold">
+                          <p:cTn id="26" fill="hold">
                             <p:stCondLst>
                               <p:cond delay="0"/>
                             </p:stCondLst>
                             <p:childTnLst>
                               <p:par>
-                                <p:cTn id="29" presetID="1" presetClass="entr" presetSubtype="0" fill="hold" grpId="0" nodeType="clickEffect">
+                                <p:cTn id="27" presetID="1" presetClass="entr" presetSubtype="0" fill="hold" grpId="0" nodeType="clickEffect">
                                   <p:stCondLst>
                                     <p:cond delay="0"/>
                                   </p:stCondLst>
                                   <p:childTnLst>
                                     <p:set>
                                       <p:cBhvr>
-                                        <p:cTn id="30" dur="1" fill="hold">
+                                        <p:cTn id="28" dur="1" fill="hold">
                                           <p:stCondLst>
                                             <p:cond delay="0"/>
                                           </p:stCondLst>
@@ -7563,14 +5780,14 @@
                                 </p:cTn>
                               </p:par>
                               <p:par>
-                                <p:cTn id="31" presetID="1" presetClass="entr" presetSubtype="0" fill="hold" nodeType="withEffect">
+                                <p:cTn id="29" presetID="1" presetClass="entr" presetSubtype="0" fill="hold" nodeType="withEffect">
                                   <p:stCondLst>
                                     <p:cond delay="0"/>
                                   </p:stCondLst>
                                   <p:childTnLst>
                                     <p:set>
                                       <p:cBhvr>
-                                        <p:cTn id="32" dur="1" fill="hold">
+                                        <p:cTn id="30" dur="1" fill="hold">
                                           <p:stCondLst>
                                             <p:cond delay="0"/>
                                           </p:stCondLst>
@@ -7627,7 +5844,7 @@
 </p:sld>
 </file>
 
-<file path=ppt/slides/slide14.xml><?xml version="1.0" encoding="utf-8"?>
+<file path=ppt/slides/slide13.xml><?xml version="1.0" encoding="utf-8"?>
 <p:sld xmlns:a="http://schemas.openxmlformats.org/drawingml/2006/main" xmlns:r="http://schemas.openxmlformats.org/officeDocument/2006/relationships" xmlns:p="http://schemas.openxmlformats.org/presentationml/2006/main">
   <p:cSld>
     <p:spTree>
@@ -16125,406 +14342,6 @@
       </p:sp>
       <p:pic>
         <p:nvPicPr>
-          <p:cNvPr id="1031" name="Picture 7"/>
-          <p:cNvPicPr>
-            <a:picLocks noChangeAspect="1" noChangeArrowheads="1"/>
-          </p:cNvPicPr>
-          <p:nvPr/>
-        </p:nvPicPr>
-        <p:blipFill>
-          <a:blip r:embed="rId2"/>
-          <a:srcRect/>
-          <a:stretch>
-            <a:fillRect/>
-          </a:stretch>
-        </p:blipFill>
-        <p:spPr bwMode="auto">
-          <a:xfrm>
-            <a:off x="673230" y="1836738"/>
-            <a:ext cx="7721470" cy="4621910"/>
-          </a:xfrm>
-          <a:prstGeom prst="rect">
-            <a:avLst/>
-          </a:prstGeom>
-          <a:noFill/>
-          <a:ln w="9525">
-            <a:noFill/>
-            <a:miter lim="800000"/>
-            <a:headEnd/>
-            <a:tailEnd/>
-          </a:ln>
-          <a:effectLst/>
-        </p:spPr>
-      </p:pic>
-      <p:cxnSp>
-        <p:nvCxnSpPr>
-          <p:cNvPr id="24" name="Straight Connector 23"/>
-          <p:cNvCxnSpPr/>
-          <p:nvPr/>
-        </p:nvCxnSpPr>
-        <p:spPr>
-          <a:xfrm>
-            <a:off x="2324100" y="1892300"/>
-            <a:ext cx="0" cy="4324350"/>
-          </a:xfrm>
-          <a:prstGeom prst="line">
-            <a:avLst/>
-          </a:prstGeom>
-          <a:ln w="9525">
-            <a:solidFill>
-              <a:schemeClr val="tx1"/>
-            </a:solidFill>
-          </a:ln>
-        </p:spPr>
-        <p:style>
-          <a:lnRef idx="2">
-            <a:schemeClr val="accent1"/>
-          </a:lnRef>
-          <a:fillRef idx="0">
-            <a:schemeClr val="accent1"/>
-          </a:fillRef>
-          <a:effectRef idx="1">
-            <a:schemeClr val="accent1"/>
-          </a:effectRef>
-          <a:fontRef idx="minor">
-            <a:schemeClr val="tx1"/>
-          </a:fontRef>
-        </p:style>
-      </p:cxnSp>
-      <p:sp>
-        <p:nvSpPr>
-          <p:cNvPr id="25" name="Rectangle 24"/>
-          <p:cNvSpPr/>
-          <p:nvPr/>
-        </p:nvSpPr>
-        <p:spPr>
-          <a:xfrm>
-            <a:off x="2171700" y="1900238"/>
-            <a:ext cx="6515100" cy="4456112"/>
-          </a:xfrm>
-          <a:prstGeom prst="rect">
-            <a:avLst/>
-          </a:prstGeom>
-          <a:solidFill>
-            <a:schemeClr val="bg1"/>
-          </a:solidFill>
-          <a:ln>
-            <a:noFill/>
-          </a:ln>
-          <a:effectLst/>
-        </p:spPr>
-        <p:style>
-          <a:lnRef idx="1">
-            <a:schemeClr val="accent1"/>
-          </a:lnRef>
-          <a:fillRef idx="3">
-            <a:schemeClr val="accent1"/>
-          </a:fillRef>
-          <a:effectRef idx="2">
-            <a:schemeClr val="accent1"/>
-          </a:effectRef>
-          <a:fontRef idx="minor">
-            <a:schemeClr val="lt1"/>
-          </a:fontRef>
-        </p:style>
-        <p:txBody>
-          <a:bodyPr rtlCol="0" anchor="ctr"/>
-          <a:lstStyle/>
-          <a:p>
-            <a:pPr algn="ctr"/>
-            <a:endParaRPr lang="en-US"/>
-          </a:p>
-        </p:txBody>
-      </p:sp>
-      <p:sp>
-        <p:nvSpPr>
-          <p:cNvPr id="5" name="Rectangle 4"/>
-          <p:cNvSpPr/>
-          <p:nvPr/>
-        </p:nvSpPr>
-        <p:spPr>
-          <a:xfrm>
-            <a:off x="6985000" y="1417638"/>
-            <a:ext cx="1981200" cy="368300"/>
-          </a:xfrm>
-          <a:prstGeom prst="rect">
-            <a:avLst/>
-          </a:prstGeom>
-          <a:solidFill>
-            <a:schemeClr val="tx2">
-              <a:lumMod val="20000"/>
-              <a:lumOff val="80000"/>
-            </a:schemeClr>
-          </a:solidFill>
-          <a:ln>
-            <a:noFill/>
-          </a:ln>
-        </p:spPr>
-        <p:style>
-          <a:lnRef idx="1">
-            <a:schemeClr val="accent1"/>
-          </a:lnRef>
-          <a:fillRef idx="3">
-            <a:schemeClr val="accent1"/>
-          </a:fillRef>
-          <a:effectRef idx="2">
-            <a:schemeClr val="accent1"/>
-          </a:effectRef>
-          <a:fontRef idx="minor">
-            <a:schemeClr val="lt1"/>
-          </a:fontRef>
-        </p:style>
-        <p:txBody>
-          <a:bodyPr rtlCol="0" anchor="ctr"/>
-          <a:lstStyle/>
-          <a:p>
-            <a:pPr algn="ctr"/>
-            <a:r>
-              <a:rPr lang="de-CH" sz="1600" dirty="0" smtClean="0">
-                <a:solidFill>
-                  <a:schemeClr val="tx1"/>
-                </a:solidFill>
-              </a:rPr>
-              <a:t>Erweiterbarkeit</a:t>
-            </a:r>
-            <a:endParaRPr lang="en-US" sz="1600" dirty="0">
-              <a:solidFill>
-                <a:schemeClr val="tx1"/>
-              </a:solidFill>
-            </a:endParaRPr>
-          </a:p>
-        </p:txBody>
-      </p:sp>
-      <p:sp>
-        <p:nvSpPr>
-          <p:cNvPr id="6" name="Rectangle 5"/>
-          <p:cNvSpPr/>
-          <p:nvPr/>
-        </p:nvSpPr>
-        <p:spPr>
-          <a:xfrm>
-            <a:off x="6985000" y="1847850"/>
-            <a:ext cx="1981200" cy="368300"/>
-          </a:xfrm>
-          <a:prstGeom prst="rect">
-            <a:avLst/>
-          </a:prstGeom>
-          <a:solidFill>
-            <a:schemeClr val="tx2">
-              <a:lumMod val="20000"/>
-              <a:lumOff val="80000"/>
-            </a:schemeClr>
-          </a:solidFill>
-          <a:ln>
-            <a:noFill/>
-          </a:ln>
-        </p:spPr>
-        <p:style>
-          <a:lnRef idx="1">
-            <a:schemeClr val="accent1"/>
-          </a:lnRef>
-          <a:fillRef idx="3">
-            <a:schemeClr val="accent1"/>
-          </a:fillRef>
-          <a:effectRef idx="2">
-            <a:schemeClr val="accent1"/>
-          </a:effectRef>
-          <a:fontRef idx="minor">
-            <a:schemeClr val="lt1"/>
-          </a:fontRef>
-        </p:style>
-        <p:txBody>
-          <a:bodyPr rtlCol="0" anchor="ctr"/>
-          <a:lstStyle/>
-          <a:p>
-            <a:pPr algn="ctr"/>
-            <a:r>
-              <a:rPr lang="de-CH" sz="1600" dirty="0" smtClean="0">
-                <a:solidFill>
-                  <a:schemeClr val="tx1"/>
-                </a:solidFill>
-              </a:rPr>
-              <a:t>Software installieren</a:t>
-            </a:r>
-            <a:endParaRPr lang="en-US" sz="1600" dirty="0">
-              <a:solidFill>
-                <a:schemeClr val="tx1"/>
-              </a:solidFill>
-            </a:endParaRPr>
-          </a:p>
-        </p:txBody>
-      </p:sp>
-    </p:spTree>
-  </p:cSld>
-  <p:clrMapOvr>
-    <a:masterClrMapping/>
-  </p:clrMapOvr>
-  <p:timing>
-    <p:tnLst>
-      <p:par>
-        <p:cTn id="1" dur="indefinite" restart="never" nodeType="tmRoot">
-          <p:childTnLst>
-            <p:seq concurrent="1" nextAc="seek">
-              <p:cTn id="2" dur="indefinite" nodeType="mainSeq">
-                <p:childTnLst>
-                  <p:par>
-                    <p:cTn id="3" fill="hold">
-                      <p:stCondLst>
-                        <p:cond delay="indefinite"/>
-                      </p:stCondLst>
-                      <p:childTnLst>
-                        <p:par>
-                          <p:cTn id="4" fill="hold">
-                            <p:stCondLst>
-                              <p:cond delay="0"/>
-                            </p:stCondLst>
-                            <p:childTnLst>
-                              <p:par>
-                                <p:cTn id="5" presetID="1" presetClass="exit" presetSubtype="0" fill="hold" grpId="1" nodeType="clickEffect">
-                                  <p:stCondLst>
-                                    <p:cond delay="0"/>
-                                  </p:stCondLst>
-                                  <p:childTnLst>
-                                    <p:set>
-                                      <p:cBhvr>
-                                        <p:cTn id="6" dur="1" fill="hold">
-                                          <p:stCondLst>
-                                            <p:cond delay="0"/>
-                                          </p:stCondLst>
-                                        </p:cTn>
-                                        <p:tgtEl>
-                                          <p:spTgt spid="25"/>
-                                        </p:tgtEl>
-                                        <p:attrNameLst>
-                                          <p:attrName>style.visibility</p:attrName>
-                                        </p:attrNameLst>
-                                      </p:cBhvr>
-                                      <p:to>
-                                        <p:strVal val="hidden"/>
-                                      </p:to>
-                                    </p:set>
-                                  </p:childTnLst>
-                                </p:cTn>
-                              </p:par>
-                            </p:childTnLst>
-                          </p:cTn>
-                        </p:par>
-                      </p:childTnLst>
-                    </p:cTn>
-                  </p:par>
-                </p:childTnLst>
-              </p:cTn>
-              <p:prevCondLst>
-                <p:cond evt="onPrev" delay="0">
-                  <p:tgtEl>
-                    <p:sldTgt/>
-                  </p:tgtEl>
-                </p:cond>
-              </p:prevCondLst>
-              <p:nextCondLst>
-                <p:cond evt="onNext" delay="0">
-                  <p:tgtEl>
-                    <p:sldTgt/>
-                  </p:tgtEl>
-                </p:cond>
-              </p:nextCondLst>
-            </p:seq>
-          </p:childTnLst>
-        </p:cTn>
-      </p:par>
-    </p:tnLst>
-    <p:bldLst>
-      <p:bldP spid="25" grpId="1" animBg="1"/>
-    </p:bldLst>
-  </p:timing>
-</p:sld>
-</file>
-
-<file path=ppt/slides/slide8.xml><?xml version="1.0" encoding="utf-8"?>
-<p:sld xmlns:a="http://schemas.openxmlformats.org/drawingml/2006/main" xmlns:r="http://schemas.openxmlformats.org/officeDocument/2006/relationships" xmlns:p="http://schemas.openxmlformats.org/presentationml/2006/main">
-  <p:cSld>
-    <p:spTree>
-      <p:nvGrpSpPr>
-        <p:cNvPr id="1" name=""/>
-        <p:cNvGrpSpPr/>
-        <p:nvPr/>
-      </p:nvGrpSpPr>
-      <p:grpSpPr>
-        <a:xfrm>
-          <a:off x="0" y="0"/>
-          <a:ext cx="0" cy="0"/>
-          <a:chOff x="0" y="0"/>
-          <a:chExt cx="0" cy="0"/>
-        </a:xfrm>
-      </p:grpSpPr>
-      <p:sp>
-        <p:nvSpPr>
-          <p:cNvPr id="2" name="Title 1"/>
-          <p:cNvSpPr>
-            <a:spLocks noGrp="1"/>
-          </p:cNvSpPr>
-          <p:nvPr>
-            <p:ph type="title"/>
-          </p:nvPr>
-        </p:nvSpPr>
-        <p:spPr/>
-        <p:txBody>
-          <a:bodyPr>
-            <a:normAutofit/>
-          </a:bodyPr>
-          <a:lstStyle/>
-          <a:p>
-            <a:r>
-              <a:rPr lang="de-CH" dirty="0" smtClean="0"/>
-              <a:t>Architektur</a:t>
-            </a:r>
-            <a:endParaRPr lang="en-US" dirty="0"/>
-          </a:p>
-        </p:txBody>
-      </p:sp>
-      <p:sp>
-        <p:nvSpPr>
-          <p:cNvPr id="4" name="Footer Placeholder 3"/>
-          <p:cNvSpPr>
-            <a:spLocks noGrp="1"/>
-          </p:cNvSpPr>
-          <p:nvPr>
-            <p:ph type="ftr" sz="quarter" idx="11"/>
-          </p:nvPr>
-        </p:nvSpPr>
-        <p:spPr/>
-        <p:txBody>
-          <a:bodyPr/>
-          <a:lstStyle/>
-          <a:p>
-            <a:r>
-              <a:rPr lang="en-US" dirty="0" err="1" smtClean="0"/>
-              <a:t>Bachelorthesis</a:t>
-            </a:r>
-            <a:r>
-              <a:rPr lang="en-US" dirty="0" smtClean="0"/>
-              <a:t> </a:t>
-            </a:r>
-            <a:r>
-              <a:rPr lang="en-US" dirty="0" err="1" smtClean="0"/>
-              <a:t>Abschlusspräsentation</a:t>
-            </a:r>
-            <a:r>
-              <a:rPr lang="en-US" dirty="0" smtClean="0"/>
-              <a:t/>
-            </a:r>
-            <a:br>
-              <a:rPr lang="en-US" dirty="0" smtClean="0"/>
-            </a:br>
-            <a:r>
-              <a:rPr lang="en-US" dirty="0" smtClean="0"/>
-              <a:t> Raffael Schmid</a:t>
-            </a:r>
-          </a:p>
-        </p:txBody>
-      </p:sp>
-      <p:pic>
-        <p:nvPicPr>
           <p:cNvPr id="2050" name="Picture 2"/>
           <p:cNvPicPr>
             <a:picLocks noChangeAspect="1" noChangeArrowheads="1"/>
@@ -16600,36 +14417,6 @@
         <p:spPr>
           <a:xfrm>
             <a:off x="7015163" y="3949700"/>
-            <a:ext cx="2128837" cy="400110"/>
-          </a:xfrm>
-          <a:prstGeom prst="rect">
-            <a:avLst/>
-          </a:prstGeom>
-          <a:noFill/>
-        </p:spPr>
-        <p:txBody>
-          <a:bodyPr wrap="square" rtlCol="0">
-            <a:spAutoFit/>
-          </a:bodyPr>
-          <a:lstStyle/>
-          <a:p>
-            <a:r>
-              <a:rPr lang="de-CH" sz="2000" b="1" dirty="0" smtClean="0"/>
-              <a:t>Basissoftware</a:t>
-            </a:r>
-            <a:endParaRPr lang="en-US" sz="2000" b="1" dirty="0"/>
-          </a:p>
-        </p:txBody>
-      </p:sp>
-      <p:sp>
-        <p:nvSpPr>
-          <p:cNvPr id="9" name="TextBox 8"/>
-          <p:cNvSpPr txBox="1"/>
-          <p:nvPr/>
-        </p:nvSpPr>
-        <p:spPr>
-          <a:xfrm>
-            <a:off x="7015163" y="1796990"/>
             <a:ext cx="2128837" cy="707886"/>
           </a:xfrm>
           <a:prstGeom prst="rect">
@@ -16645,7 +14432,53 @@
           <a:p>
             <a:r>
               <a:rPr lang="de-CH" sz="2000" b="1" dirty="0" smtClean="0"/>
-              <a:t>JRockit Erweiterung</a:t>
+              <a:t>Basissoftware</a:t>
+            </a:r>
+          </a:p>
+          <a:p>
+            <a:r>
+              <a:rPr lang="de-CH" sz="2000" b="1" dirty="0" smtClean="0"/>
+              <a:t>(Feature)</a:t>
+            </a:r>
+            <a:endParaRPr lang="en-US" sz="2000" b="1" dirty="0"/>
+          </a:p>
+        </p:txBody>
+      </p:sp>
+      <p:sp>
+        <p:nvSpPr>
+          <p:cNvPr id="9" name="TextBox 8"/>
+          <p:cNvSpPr txBox="1"/>
+          <p:nvPr/>
+        </p:nvSpPr>
+        <p:spPr>
+          <a:xfrm>
+            <a:off x="7015163" y="1796990"/>
+            <a:ext cx="2128837" cy="1015663"/>
+          </a:xfrm>
+          <a:prstGeom prst="rect">
+            <a:avLst/>
+          </a:prstGeom>
+          <a:noFill/>
+        </p:spPr>
+        <p:txBody>
+          <a:bodyPr wrap="square" rtlCol="0">
+            <a:spAutoFit/>
+          </a:bodyPr>
+          <a:lstStyle/>
+          <a:p>
+            <a:r>
+              <a:rPr lang="de-CH" sz="2000" b="1" dirty="0" err="1" smtClean="0"/>
+              <a:t>JRockit</a:t>
+            </a:r>
+            <a:r>
+              <a:rPr lang="de-CH" sz="2000" b="1" dirty="0" smtClean="0"/>
+              <a:t> Erweiterung</a:t>
+            </a:r>
+          </a:p>
+          <a:p>
+            <a:r>
+              <a:rPr lang="de-CH" sz="2000" b="1" dirty="0" smtClean="0"/>
+              <a:t>(Feature)</a:t>
             </a:r>
             <a:endParaRPr lang="en-US" sz="2000" b="1" dirty="0"/>
           </a:p>
@@ -16666,7 +14499,7 @@
 </p:sld>
 </file>
 
-<file path=ppt/slides/slide9.xml><?xml version="1.0" encoding="utf-8"?>
+<file path=ppt/slides/slide8.xml><?xml version="1.0" encoding="utf-8"?>
 <p:sld xmlns:a="http://schemas.openxmlformats.org/drawingml/2006/main" xmlns:r="http://schemas.openxmlformats.org/officeDocument/2006/relationships" xmlns:p="http://schemas.openxmlformats.org/presentationml/2006/main">
   <p:cSld>
     <p:spTree>
@@ -17485,7 +15318,7 @@
           <p:spPr>
             <a:xfrm>
               <a:off x="1155700" y="4673024"/>
-              <a:ext cx="3352800" cy="584775"/>
+              <a:ext cx="3352800" cy="338554"/>
             </a:xfrm>
             <a:prstGeom prst="rect">
               <a:avLst/>
@@ -17501,13 +15334,6 @@
               <a:r>
                 <a:rPr lang="de-CH" sz="1600" dirty="0" smtClean="0"/>
                 <a:t>Analyse öffnen</a:t>
-              </a:r>
-              <a:br>
-                <a:rPr lang="de-CH" sz="1600" dirty="0" smtClean="0"/>
-              </a:br>
-              <a:r>
-                <a:rPr lang="de-CH" sz="1600" dirty="0" smtClean="0"/>
-                <a:t>(bedingt Import)</a:t>
               </a:r>
               <a:endParaRPr lang="en-US" sz="1600" dirty="0"/>
             </a:p>
@@ -17556,14 +15382,14 @@
           <a:p>
             <a:pPr algn="ctr"/>
             <a:r>
-              <a:rPr lang="de-CH" dirty="0" smtClean="0">
+              <a:rPr lang="de-CH" sz="1600" dirty="0" smtClean="0">
                 <a:solidFill>
                   <a:schemeClr val="tx1"/>
                 </a:solidFill>
               </a:rPr>
               <a:t>Analysefenster öffnen</a:t>
             </a:r>
-            <a:endParaRPr lang="en-US" dirty="0">
+            <a:endParaRPr lang="en-US" sz="1600" dirty="0">
               <a:solidFill>
                 <a:schemeClr val="tx1"/>
               </a:solidFill>
@@ -17744,7 +15570,7 @@
           </p:nvSpPr>
           <p:spPr>
             <a:xfrm>
-              <a:off x="1155700" y="4673024"/>
+              <a:off x="1155700" y="4527610"/>
               <a:ext cx="3352800" cy="584775"/>
             </a:xfrm>
             <a:prstGeom prst="rect">
@@ -17758,17 +15584,32 @@
             </a:bodyPr>
             <a:lstStyle/>
             <a:p>
+              <a:pPr marL="342900" indent="-342900">
+                <a:buFont typeface="+mj-lt"/>
+                <a:buAutoNum type="arabicPeriod"/>
+              </a:pPr>
+              <a:r>
+                <a:rPr lang="de-CH" sz="1600" dirty="0" err="1" smtClean="0"/>
+                <a:t>Lexer</a:t>
+              </a:r>
+              <a:endParaRPr lang="de-CH" sz="1600" dirty="0" smtClean="0"/>
+            </a:p>
+            <a:p>
+              <a:pPr marL="342900" indent="-342900">
+                <a:buFont typeface="+mj-lt"/>
+                <a:buAutoNum type="arabicPeriod"/>
+              </a:pPr>
+              <a:r>
+                <a:rPr lang="de-CH" sz="1600" dirty="0" err="1" smtClean="0"/>
+                <a:t>Syntactic</a:t>
+              </a:r>
               <a:r>
                 <a:rPr lang="de-CH" sz="1600" dirty="0" smtClean="0"/>
-                <a:t>syntaktische, semantische Analyse (</a:t>
+                <a:t> </a:t>
               </a:r>
               <a:r>
                 <a:rPr lang="de-CH" sz="1600" dirty="0" err="1" smtClean="0"/>
-                <a:t>Instanzierung</a:t>
-              </a:r>
-              <a:r>
-                <a:rPr lang="de-CH" sz="1600" dirty="0" smtClean="0"/>
-                <a:t> Domänenmodell)</a:t>
+                <a:t>Analyzer</a:t>
               </a:r>
               <a:endParaRPr lang="en-US" sz="1600" dirty="0"/>
             </a:p>
@@ -17783,7 +15624,7 @@
         </p:nvSpPr>
         <p:spPr>
           <a:xfrm>
-            <a:off x="5283200" y="1948815"/>
+            <a:off x="5283200" y="1803398"/>
             <a:ext cx="3352800" cy="584775"/>
           </a:xfrm>
           <a:prstGeom prst="rect">
@@ -17805,6 +15646,39 @@
           </a:p>
         </p:txBody>
       </p:sp>
+      <p:cxnSp>
+        <p:nvCxnSpPr>
+          <p:cNvPr id="31" name="Straight Connector 30"/>
+          <p:cNvCxnSpPr/>
+          <p:nvPr/>
+        </p:nvCxnSpPr>
+        <p:spPr>
+          <a:xfrm>
+            <a:off x="5283200" y="1803398"/>
+            <a:ext cx="0" cy="730190"/>
+          </a:xfrm>
+          <a:prstGeom prst="line">
+            <a:avLst/>
+          </a:prstGeom>
+          <a:ln w="9525">
+            <a:prstDash val="sysDash"/>
+          </a:ln>
+        </p:spPr>
+        <p:style>
+          <a:lnRef idx="2">
+            <a:schemeClr val="accent1"/>
+          </a:lnRef>
+          <a:fillRef idx="0">
+            <a:schemeClr val="accent1"/>
+          </a:fillRef>
+          <a:effectRef idx="1">
+            <a:schemeClr val="accent1"/>
+          </a:effectRef>
+          <a:fontRef idx="minor">
+            <a:schemeClr val="tx1"/>
+          </a:fontRef>
+        </p:style>
+      </p:cxnSp>
     </p:spTree>
   </p:cSld>
   <p:clrMapOvr>
@@ -17816,6 +15690,1190 @@
         <p:cTn id="1" dur="indefinite" restart="never" nodeType="tmRoot"/>
       </p:par>
     </p:tnLst>
+  </p:timing>
+</p:sld>
+</file>
+
+<file path=ppt/slides/slide9.xml><?xml version="1.0" encoding="utf-8"?>
+<p:sld xmlns:a="http://schemas.openxmlformats.org/drawingml/2006/main" xmlns:r="http://schemas.openxmlformats.org/officeDocument/2006/relationships" xmlns:p="http://schemas.openxmlformats.org/presentationml/2006/main">
+  <p:cSld>
+    <p:spTree>
+      <p:nvGrpSpPr>
+        <p:cNvPr id="1" name=""/>
+        <p:cNvGrpSpPr/>
+        <p:nvPr/>
+      </p:nvGrpSpPr>
+      <p:grpSpPr>
+        <a:xfrm>
+          <a:off x="0" y="0"/>
+          <a:ext cx="0" cy="0"/>
+          <a:chOff x="0" y="0"/>
+          <a:chExt cx="0" cy="0"/>
+        </a:xfrm>
+      </p:grpSpPr>
+      <p:sp>
+        <p:nvSpPr>
+          <p:cNvPr id="2" name="Title 1"/>
+          <p:cNvSpPr>
+            <a:spLocks noGrp="1"/>
+          </p:cNvSpPr>
+          <p:nvPr>
+            <p:ph type="title"/>
+          </p:nvPr>
+        </p:nvSpPr>
+        <p:spPr/>
+        <p:txBody>
+          <a:bodyPr>
+            <a:normAutofit/>
+          </a:bodyPr>
+          <a:lstStyle/>
+          <a:p>
+            <a:r>
+              <a:rPr lang="de-CH" dirty="0" err="1" smtClean="0"/>
+              <a:t>Tokenizer</a:t>
+            </a:r>
+            <a:endParaRPr lang="en-US" dirty="0"/>
+          </a:p>
+        </p:txBody>
+      </p:sp>
+      <p:sp>
+        <p:nvSpPr>
+          <p:cNvPr id="4" name="Footer Placeholder 3"/>
+          <p:cNvSpPr>
+            <a:spLocks noGrp="1"/>
+          </p:cNvSpPr>
+          <p:nvPr>
+            <p:ph type="ftr" sz="quarter" idx="11"/>
+          </p:nvPr>
+        </p:nvSpPr>
+        <p:spPr/>
+        <p:txBody>
+          <a:bodyPr/>
+          <a:lstStyle/>
+          <a:p>
+            <a:r>
+              <a:rPr lang="en-US" dirty="0" err="1" smtClean="0"/>
+              <a:t>Bachelorthesis</a:t>
+            </a:r>
+            <a:r>
+              <a:rPr lang="en-US" dirty="0" smtClean="0"/>
+              <a:t> </a:t>
+            </a:r>
+            <a:r>
+              <a:rPr lang="en-US" dirty="0" err="1" smtClean="0"/>
+              <a:t>Abschlusspräsentation</a:t>
+            </a:r>
+            <a:r>
+              <a:rPr lang="en-US" dirty="0" smtClean="0"/>
+              <a:t/>
+            </a:r>
+            <a:br>
+              <a:rPr lang="en-US" dirty="0" smtClean="0"/>
+            </a:br>
+            <a:r>
+              <a:rPr lang="en-US" dirty="0" smtClean="0"/>
+              <a:t> Raffael Schmid</a:t>
+            </a:r>
+          </a:p>
+        </p:txBody>
+      </p:sp>
+      <p:sp>
+        <p:nvSpPr>
+          <p:cNvPr id="11" name="TextBox 10"/>
+          <p:cNvSpPr txBox="1"/>
+          <p:nvPr/>
+        </p:nvSpPr>
+        <p:spPr>
+          <a:xfrm>
+            <a:off x="127000" y="3235050"/>
+            <a:ext cx="8890000" cy="523220"/>
+          </a:xfrm>
+          <a:prstGeom prst="rect">
+            <a:avLst/>
+          </a:prstGeom>
+          <a:solidFill>
+            <a:schemeClr val="accent6">
+              <a:lumMod val="20000"/>
+              <a:lumOff val="80000"/>
+            </a:schemeClr>
+          </a:solidFill>
+          <a:ln>
+            <a:solidFill>
+              <a:schemeClr val="tx1"/>
+            </a:solidFill>
+          </a:ln>
+        </p:spPr>
+        <p:txBody>
+          <a:bodyPr wrap="square" rtlCol="0">
+            <a:spAutoFit/>
+          </a:bodyPr>
+          <a:lstStyle/>
+          <a:p>
+            <a:r>
+              <a:rPr lang="en-US" sz="1400" dirty="0" smtClean="0">
+                <a:latin typeface="Courier New" pitchFamily="49" charset="0"/>
+                <a:cs typeface="Courier New" pitchFamily="49" charset="0"/>
+              </a:rPr>
+              <a:t>[</a:t>
+            </a:r>
+            <a:r>
+              <a:rPr lang="en-US" sz="1400" b="1" dirty="0" smtClean="0">
+                <a:latin typeface="Courier New" pitchFamily="49" charset="0"/>
+                <a:cs typeface="Courier New" pitchFamily="49" charset="0"/>
+              </a:rPr>
+              <a:t>([O|Y]C)</a:t>
+            </a:r>
+            <a:r>
+              <a:rPr lang="en-US" sz="1400" dirty="0" smtClean="0">
+                <a:latin typeface="Courier New" pitchFamily="49" charset="0"/>
+                <a:cs typeface="Courier New" pitchFamily="49" charset="0"/>
+              </a:rPr>
+              <a:t>#</a:t>
+            </a:r>
+            <a:r>
+              <a:rPr lang="en-US" sz="1400" b="1" dirty="0" smtClean="0">
+                <a:latin typeface="Courier New" pitchFamily="49" charset="0"/>
+                <a:cs typeface="Courier New" pitchFamily="49" charset="0"/>
+              </a:rPr>
+              <a:t>(\d+)</a:t>
+            </a:r>
+            <a:r>
+              <a:rPr lang="en-US" sz="1400" dirty="0" smtClean="0">
+                <a:latin typeface="Courier New" pitchFamily="49" charset="0"/>
+                <a:cs typeface="Courier New" pitchFamily="49" charset="0"/>
+              </a:rPr>
+              <a:t>\] </a:t>
+            </a:r>
+            <a:r>
+              <a:rPr lang="en-US" sz="1400" b="1" dirty="0" smtClean="0">
+                <a:latin typeface="Courier New" pitchFamily="49" charset="0"/>
+                <a:cs typeface="Courier New" pitchFamily="49" charset="0"/>
+              </a:rPr>
+              <a:t>(\d+.\d{3})</a:t>
+            </a:r>
+            <a:r>
+              <a:rPr lang="en-US" sz="1400" dirty="0" smtClean="0">
+                <a:latin typeface="Courier New" pitchFamily="49" charset="0"/>
+                <a:cs typeface="Courier New" pitchFamily="49" charset="0"/>
+              </a:rPr>
+              <a:t>-</a:t>
+            </a:r>
+            <a:r>
+              <a:rPr lang="en-US" sz="1400" b="1" dirty="0" smtClean="0">
+                <a:latin typeface="Courier New" pitchFamily="49" charset="0"/>
+                <a:cs typeface="Courier New" pitchFamily="49" charset="0"/>
+              </a:rPr>
+              <a:t>(\d+.\d{3})</a:t>
+            </a:r>
+            <a:r>
+              <a:rPr lang="en-US" sz="1400" dirty="0" smtClean="0">
+                <a:latin typeface="Courier New" pitchFamily="49" charset="0"/>
+                <a:cs typeface="Courier New" pitchFamily="49" charset="0"/>
+              </a:rPr>
+              <a:t>: </a:t>
+            </a:r>
+            <a:r>
+              <a:rPr lang="en-US" sz="1400" b="1" dirty="0" smtClean="0">
+                <a:latin typeface="Courier New" pitchFamily="49" charset="0"/>
+                <a:cs typeface="Courier New" pitchFamily="49" charset="0"/>
+              </a:rPr>
+              <a:t>([O|Y]C)</a:t>
+            </a:r>
+            <a:r>
+              <a:rPr lang="en-US" sz="1400" dirty="0" smtClean="0">
+                <a:latin typeface="Courier New" pitchFamily="49" charset="0"/>
+                <a:cs typeface="Courier New" pitchFamily="49" charset="0"/>
+              </a:rPr>
+              <a:t> </a:t>
+            </a:r>
+            <a:r>
+              <a:rPr lang="en-US" sz="1400" b="1" dirty="0" smtClean="0">
+                <a:latin typeface="Courier New" pitchFamily="49" charset="0"/>
+                <a:cs typeface="Courier New" pitchFamily="49" charset="0"/>
+              </a:rPr>
+              <a:t>(\d+)</a:t>
+            </a:r>
+            <a:r>
+              <a:rPr lang="en-US" sz="1400" dirty="0" smtClean="0">
+                <a:latin typeface="Courier New" pitchFamily="49" charset="0"/>
+                <a:cs typeface="Courier New" pitchFamily="49" charset="0"/>
+              </a:rPr>
+              <a:t>KB-&gt;</a:t>
+            </a:r>
+            <a:r>
+              <a:rPr lang="en-US" sz="1400" b="1" dirty="0" smtClean="0">
+                <a:latin typeface="Courier New" pitchFamily="49" charset="0"/>
+                <a:cs typeface="Courier New" pitchFamily="49" charset="0"/>
+              </a:rPr>
+              <a:t>(\d+)</a:t>
+            </a:r>
+            <a:r>
+              <a:rPr lang="en-US" sz="1400" dirty="0" smtClean="0">
+                <a:latin typeface="Courier New" pitchFamily="49" charset="0"/>
+                <a:cs typeface="Courier New" pitchFamily="49" charset="0"/>
+              </a:rPr>
+              <a:t>KB \(</a:t>
+            </a:r>
+            <a:r>
+              <a:rPr lang="en-US" sz="1400" b="1" dirty="0" smtClean="0">
+                <a:latin typeface="Courier New" pitchFamily="49" charset="0"/>
+                <a:cs typeface="Courier New" pitchFamily="49" charset="0"/>
+              </a:rPr>
+              <a:t>(\d+)</a:t>
+            </a:r>
+            <a:r>
+              <a:rPr lang="en-US" sz="1400" dirty="0" smtClean="0">
+                <a:latin typeface="Courier New" pitchFamily="49" charset="0"/>
+                <a:cs typeface="Courier New" pitchFamily="49" charset="0"/>
+              </a:rPr>
+              <a:t>KB\), </a:t>
+            </a:r>
+            <a:r>
+              <a:rPr lang="en-US" sz="1400" b="1" dirty="0" smtClean="0">
+                <a:latin typeface="Courier New" pitchFamily="49" charset="0"/>
+                <a:cs typeface="Courier New" pitchFamily="49" charset="0"/>
+              </a:rPr>
+              <a:t>(\d+.\d{3})</a:t>
+            </a:r>
+            <a:r>
+              <a:rPr lang="en-US" sz="1400" dirty="0" smtClean="0">
+                <a:latin typeface="Courier New" pitchFamily="49" charset="0"/>
+                <a:cs typeface="Courier New" pitchFamily="49" charset="0"/>
+              </a:rPr>
+              <a:t> s, sum of pauses </a:t>
+            </a:r>
+            <a:r>
+              <a:rPr lang="en-US" sz="1400" b="1" dirty="0" smtClean="0">
+                <a:latin typeface="Courier New" pitchFamily="49" charset="0"/>
+                <a:cs typeface="Courier New" pitchFamily="49" charset="0"/>
+              </a:rPr>
+              <a:t>(\d+.\d{3})</a:t>
+            </a:r>
+            <a:r>
+              <a:rPr lang="en-US" sz="1400" dirty="0" smtClean="0">
+                <a:latin typeface="Courier New" pitchFamily="49" charset="0"/>
+                <a:cs typeface="Courier New" pitchFamily="49" charset="0"/>
+              </a:rPr>
+              <a:t> ms, longest pause </a:t>
+            </a:r>
+            <a:r>
+              <a:rPr lang="en-US" sz="1400" b="1" dirty="0" smtClean="0">
+                <a:latin typeface="Courier New" pitchFamily="49" charset="0"/>
+                <a:cs typeface="Courier New" pitchFamily="49" charset="0"/>
+              </a:rPr>
+              <a:t>(\d+.\d{3})</a:t>
+            </a:r>
+            <a:r>
+              <a:rPr lang="en-US" sz="1400" dirty="0" smtClean="0">
+                <a:latin typeface="Courier New" pitchFamily="49" charset="0"/>
+                <a:cs typeface="Courier New" pitchFamily="49" charset="0"/>
+              </a:rPr>
+              <a:t> </a:t>
+            </a:r>
+            <a:r>
+              <a:rPr lang="en-US" sz="1400" dirty="0" err="1" smtClean="0">
+                <a:latin typeface="Courier New" pitchFamily="49" charset="0"/>
+                <a:cs typeface="Courier New" pitchFamily="49" charset="0"/>
+              </a:rPr>
+              <a:t>ms.</a:t>
+            </a:r>
+            <a:endParaRPr lang="en-US" sz="1600" dirty="0">
+              <a:latin typeface="Courier New" pitchFamily="49" charset="0"/>
+              <a:cs typeface="Courier New" pitchFamily="49" charset="0"/>
+            </a:endParaRPr>
+          </a:p>
+        </p:txBody>
+      </p:sp>
+      <p:sp>
+        <p:nvSpPr>
+          <p:cNvPr id="12" name="TextBox 11"/>
+          <p:cNvSpPr txBox="1"/>
+          <p:nvPr/>
+        </p:nvSpPr>
+        <p:spPr>
+          <a:xfrm>
+            <a:off x="127000" y="2834939"/>
+            <a:ext cx="2997200" cy="400110"/>
+          </a:xfrm>
+          <a:prstGeom prst="rect">
+            <a:avLst/>
+          </a:prstGeom>
+          <a:noFill/>
+        </p:spPr>
+        <p:txBody>
+          <a:bodyPr wrap="square" rtlCol="0">
+            <a:spAutoFit/>
+          </a:bodyPr>
+          <a:lstStyle/>
+          <a:p>
+            <a:r>
+              <a:rPr lang="de-CH" sz="2000" b="1" dirty="0" smtClean="0"/>
+              <a:t>Pattern</a:t>
+            </a:r>
+            <a:endParaRPr lang="en-US" sz="2000" b="1" dirty="0"/>
+          </a:p>
+        </p:txBody>
+      </p:sp>
+      <p:sp>
+        <p:nvSpPr>
+          <p:cNvPr id="13" name="TextBox 12"/>
+          <p:cNvSpPr txBox="1"/>
+          <p:nvPr/>
+        </p:nvSpPr>
+        <p:spPr>
+          <a:xfrm>
+            <a:off x="127000" y="1702766"/>
+            <a:ext cx="8890000" cy="584775"/>
+          </a:xfrm>
+          <a:prstGeom prst="rect">
+            <a:avLst/>
+          </a:prstGeom>
+          <a:noFill/>
+          <a:ln>
+            <a:solidFill>
+              <a:schemeClr val="tx1"/>
+            </a:solidFill>
+          </a:ln>
+        </p:spPr>
+        <p:txBody>
+          <a:bodyPr wrap="square" rtlCol="0">
+            <a:spAutoFit/>
+          </a:bodyPr>
+          <a:lstStyle/>
+          <a:p>
+            <a:r>
+              <a:rPr lang="en-US" sz="1600" dirty="0" smtClean="0">
+                <a:latin typeface="Courier New" pitchFamily="49" charset="0"/>
+                <a:cs typeface="Courier New" pitchFamily="49" charset="0"/>
+              </a:rPr>
+              <a:t>[</a:t>
+            </a:r>
+            <a:r>
+              <a:rPr lang="en-US" sz="1600" b="1" dirty="0" smtClean="0">
+                <a:latin typeface="Courier New" pitchFamily="49" charset="0"/>
+                <a:cs typeface="Courier New" pitchFamily="49" charset="0"/>
+              </a:rPr>
+              <a:t>YC</a:t>
+            </a:r>
+            <a:r>
+              <a:rPr lang="en-US" sz="1600" dirty="0" smtClean="0">
+                <a:latin typeface="Courier New" pitchFamily="49" charset="0"/>
+                <a:cs typeface="Courier New" pitchFamily="49" charset="0"/>
+              </a:rPr>
+              <a:t>#1] </a:t>
+            </a:r>
+            <a:r>
+              <a:rPr lang="en-US" sz="1600" b="1" dirty="0" smtClean="0">
+                <a:latin typeface="Courier New" pitchFamily="49" charset="0"/>
+                <a:cs typeface="Courier New" pitchFamily="49" charset="0"/>
+              </a:rPr>
+              <a:t>1.535-1.617</a:t>
+            </a:r>
+            <a:r>
+              <a:rPr lang="en-US" sz="1600" dirty="0" smtClean="0">
+                <a:latin typeface="Courier New" pitchFamily="49" charset="0"/>
+                <a:cs typeface="Courier New" pitchFamily="49" charset="0"/>
+              </a:rPr>
+              <a:t>: YC </a:t>
+            </a:r>
+            <a:r>
+              <a:rPr lang="en-US" sz="1600" b="1" dirty="0" smtClean="0">
+                <a:latin typeface="Courier New" pitchFamily="49" charset="0"/>
+                <a:cs typeface="Courier New" pitchFamily="49" charset="0"/>
+              </a:rPr>
+              <a:t>176976KB-&gt;177017KB</a:t>
+            </a:r>
+            <a:r>
+              <a:rPr lang="en-US" sz="1600" dirty="0" smtClean="0">
+                <a:latin typeface="Courier New" pitchFamily="49" charset="0"/>
+                <a:cs typeface="Courier New" pitchFamily="49" charset="0"/>
+              </a:rPr>
+              <a:t> (</a:t>
+            </a:r>
+            <a:r>
+              <a:rPr lang="en-US" sz="1600" b="1" dirty="0" smtClean="0">
+                <a:latin typeface="Courier New" pitchFamily="49" charset="0"/>
+                <a:cs typeface="Courier New" pitchFamily="49" charset="0"/>
+              </a:rPr>
+              <a:t>233636KB</a:t>
+            </a:r>
+            <a:r>
+              <a:rPr lang="en-US" sz="1600" dirty="0" smtClean="0">
+                <a:latin typeface="Courier New" pitchFamily="49" charset="0"/>
+                <a:cs typeface="Courier New" pitchFamily="49" charset="0"/>
+              </a:rPr>
+              <a:t>), 0.082 s, sum of pauses </a:t>
+            </a:r>
+            <a:r>
+              <a:rPr lang="en-US" sz="1600" b="1" dirty="0" smtClean="0">
+                <a:latin typeface="Courier New" pitchFamily="49" charset="0"/>
+                <a:cs typeface="Courier New" pitchFamily="49" charset="0"/>
+              </a:rPr>
+              <a:t>82.409</a:t>
+            </a:r>
+            <a:r>
+              <a:rPr lang="en-US" sz="1600" dirty="0" smtClean="0">
+                <a:latin typeface="Courier New" pitchFamily="49" charset="0"/>
+                <a:cs typeface="Courier New" pitchFamily="49" charset="0"/>
+              </a:rPr>
+              <a:t> ms, longest pause </a:t>
+            </a:r>
+            <a:r>
+              <a:rPr lang="en-US" sz="1600" b="1" dirty="0" smtClean="0">
+                <a:latin typeface="Courier New" pitchFamily="49" charset="0"/>
+                <a:cs typeface="Courier New" pitchFamily="49" charset="0"/>
+              </a:rPr>
+              <a:t>82.409</a:t>
+            </a:r>
+            <a:r>
+              <a:rPr lang="en-US" sz="1600" dirty="0" smtClean="0">
+                <a:latin typeface="Courier New" pitchFamily="49" charset="0"/>
+                <a:cs typeface="Courier New" pitchFamily="49" charset="0"/>
+              </a:rPr>
+              <a:t> </a:t>
+            </a:r>
+            <a:r>
+              <a:rPr lang="en-US" sz="1600" dirty="0" err="1" smtClean="0">
+                <a:latin typeface="Courier New" pitchFamily="49" charset="0"/>
+                <a:cs typeface="Courier New" pitchFamily="49" charset="0"/>
+              </a:rPr>
+              <a:t>ms</a:t>
+            </a:r>
+            <a:r>
+              <a:rPr lang="en-US" sz="1600" b="1" dirty="0" err="1" smtClean="0">
+                <a:latin typeface="Courier New" pitchFamily="49" charset="0"/>
+                <a:cs typeface="Courier New" pitchFamily="49" charset="0"/>
+              </a:rPr>
+              <a:t>.</a:t>
+            </a:r>
+            <a:endParaRPr lang="en-US" sz="1600" b="1" dirty="0" smtClean="0">
+              <a:latin typeface="Courier New" pitchFamily="49" charset="0"/>
+              <a:cs typeface="Courier New" pitchFamily="49" charset="0"/>
+            </a:endParaRPr>
+          </a:p>
+        </p:txBody>
+      </p:sp>
+      <p:sp>
+        <p:nvSpPr>
+          <p:cNvPr id="14" name="TextBox 13"/>
+          <p:cNvSpPr txBox="1"/>
+          <p:nvPr/>
+        </p:nvSpPr>
+        <p:spPr>
+          <a:xfrm>
+            <a:off x="127000" y="4200991"/>
+            <a:ext cx="2997200" cy="400110"/>
+          </a:xfrm>
+          <a:prstGeom prst="rect">
+            <a:avLst/>
+          </a:prstGeom>
+          <a:noFill/>
+        </p:spPr>
+        <p:txBody>
+          <a:bodyPr wrap="square" rtlCol="0">
+            <a:spAutoFit/>
+          </a:bodyPr>
+          <a:lstStyle/>
+          <a:p>
+            <a:r>
+              <a:rPr lang="de-CH" sz="2000" b="1" dirty="0" smtClean="0"/>
+              <a:t>Output (</a:t>
+            </a:r>
+            <a:r>
+              <a:rPr lang="de-CH" sz="2000" b="1" dirty="0" err="1" smtClean="0"/>
+              <a:t>Tokenstream</a:t>
+            </a:r>
+            <a:r>
+              <a:rPr lang="de-CH" sz="2000" b="1" dirty="0" smtClean="0"/>
+              <a:t>)</a:t>
+            </a:r>
+            <a:endParaRPr lang="en-US" sz="2000" b="1" dirty="0"/>
+          </a:p>
+        </p:txBody>
+      </p:sp>
+      <p:sp>
+        <p:nvSpPr>
+          <p:cNvPr id="19" name="TextBox 18"/>
+          <p:cNvSpPr txBox="1"/>
+          <p:nvPr/>
+        </p:nvSpPr>
+        <p:spPr>
+          <a:xfrm>
+            <a:off x="127000" y="4568835"/>
+            <a:ext cx="1067619" cy="369332"/>
+          </a:xfrm>
+          <a:prstGeom prst="rect">
+            <a:avLst/>
+          </a:prstGeom>
+          <a:solidFill>
+            <a:schemeClr val="tx2">
+              <a:lumMod val="20000"/>
+              <a:lumOff val="80000"/>
+            </a:schemeClr>
+          </a:solidFill>
+          <a:ln>
+            <a:solidFill>
+              <a:schemeClr val="tx1"/>
+            </a:solidFill>
+          </a:ln>
+        </p:spPr>
+        <p:txBody>
+          <a:bodyPr wrap="square" rtlCol="0">
+            <a:spAutoFit/>
+          </a:bodyPr>
+          <a:lstStyle/>
+          <a:p>
+            <a:r>
+              <a:rPr lang="en-US" i="1" dirty="0" smtClean="0"/>
+              <a:t>Type1: YC</a:t>
+            </a:r>
+            <a:endParaRPr lang="en-US" b="1" dirty="0" smtClean="0">
+              <a:latin typeface="Courier New" pitchFamily="49" charset="0"/>
+              <a:cs typeface="Courier New" pitchFamily="49" charset="0"/>
+            </a:endParaRPr>
+          </a:p>
+        </p:txBody>
+      </p:sp>
+      <p:sp>
+        <p:nvSpPr>
+          <p:cNvPr id="20" name="TextBox 19"/>
+          <p:cNvSpPr txBox="1"/>
+          <p:nvPr/>
+        </p:nvSpPr>
+        <p:spPr>
+          <a:xfrm>
+            <a:off x="1347019" y="4568835"/>
+            <a:ext cx="1067619" cy="369332"/>
+          </a:xfrm>
+          <a:prstGeom prst="rect">
+            <a:avLst/>
+          </a:prstGeom>
+          <a:solidFill>
+            <a:schemeClr val="tx2">
+              <a:lumMod val="20000"/>
+              <a:lumOff val="80000"/>
+            </a:schemeClr>
+          </a:solidFill>
+          <a:ln>
+            <a:solidFill>
+              <a:schemeClr val="tx1"/>
+            </a:solidFill>
+          </a:ln>
+        </p:spPr>
+        <p:txBody>
+          <a:bodyPr wrap="square" rtlCol="0">
+            <a:spAutoFit/>
+          </a:bodyPr>
+          <a:lstStyle/>
+          <a:p>
+            <a:r>
+              <a:rPr lang="de-CH" i="1" dirty="0" smtClean="0"/>
+              <a:t>Index: 1</a:t>
+            </a:r>
+            <a:endParaRPr lang="en-US" b="1" dirty="0" smtClean="0">
+              <a:latin typeface="Courier New" pitchFamily="49" charset="0"/>
+              <a:cs typeface="Courier New" pitchFamily="49" charset="0"/>
+            </a:endParaRPr>
+          </a:p>
+        </p:txBody>
+      </p:sp>
+      <p:sp>
+        <p:nvSpPr>
+          <p:cNvPr id="21" name="TextBox 20"/>
+          <p:cNvSpPr txBox="1"/>
+          <p:nvPr/>
+        </p:nvSpPr>
+        <p:spPr>
+          <a:xfrm>
+            <a:off x="2590390" y="4568835"/>
+            <a:ext cx="1971778" cy="369332"/>
+          </a:xfrm>
+          <a:prstGeom prst="rect">
+            <a:avLst/>
+          </a:prstGeom>
+          <a:solidFill>
+            <a:schemeClr val="tx2">
+              <a:lumMod val="20000"/>
+              <a:lumOff val="80000"/>
+            </a:schemeClr>
+          </a:solidFill>
+          <a:ln>
+            <a:solidFill>
+              <a:schemeClr val="tx1"/>
+            </a:solidFill>
+          </a:ln>
+        </p:spPr>
+        <p:txBody>
+          <a:bodyPr wrap="square" rtlCol="0">
+            <a:spAutoFit/>
+          </a:bodyPr>
+          <a:lstStyle/>
+          <a:p>
+            <a:r>
+              <a:rPr lang="de-CH" i="1" dirty="0" smtClean="0"/>
+              <a:t>Start Time: 1.535</a:t>
+            </a:r>
+            <a:endParaRPr lang="en-US" b="1" dirty="0" smtClean="0">
+              <a:latin typeface="Courier New" pitchFamily="49" charset="0"/>
+              <a:cs typeface="Courier New" pitchFamily="49" charset="0"/>
+            </a:endParaRPr>
+          </a:p>
+        </p:txBody>
+      </p:sp>
+      <p:sp>
+        <p:nvSpPr>
+          <p:cNvPr id="24" name="TextBox 23"/>
+          <p:cNvSpPr txBox="1"/>
+          <p:nvPr/>
+        </p:nvSpPr>
+        <p:spPr>
+          <a:xfrm>
+            <a:off x="4714568" y="4566065"/>
+            <a:ext cx="1971778" cy="369332"/>
+          </a:xfrm>
+          <a:prstGeom prst="rect">
+            <a:avLst/>
+          </a:prstGeom>
+          <a:solidFill>
+            <a:schemeClr val="tx2">
+              <a:lumMod val="20000"/>
+              <a:lumOff val="80000"/>
+            </a:schemeClr>
+          </a:solidFill>
+          <a:ln>
+            <a:solidFill>
+              <a:schemeClr val="tx1"/>
+            </a:solidFill>
+          </a:ln>
+        </p:spPr>
+        <p:txBody>
+          <a:bodyPr wrap="square" rtlCol="0">
+            <a:spAutoFit/>
+          </a:bodyPr>
+          <a:lstStyle/>
+          <a:p>
+            <a:r>
+              <a:rPr lang="de-CH" i="1" dirty="0" smtClean="0"/>
+              <a:t>End Time: 1.617</a:t>
+            </a:r>
+            <a:endParaRPr lang="en-US" b="1" dirty="0" smtClean="0">
+              <a:latin typeface="Courier New" pitchFamily="49" charset="0"/>
+              <a:cs typeface="Courier New" pitchFamily="49" charset="0"/>
+            </a:endParaRPr>
+          </a:p>
+        </p:txBody>
+      </p:sp>
+      <p:sp>
+        <p:nvSpPr>
+          <p:cNvPr id="26" name="TextBox 25"/>
+          <p:cNvSpPr txBox="1"/>
+          <p:nvPr/>
+        </p:nvSpPr>
+        <p:spPr>
+          <a:xfrm>
+            <a:off x="127000" y="5058076"/>
+            <a:ext cx="2463390" cy="369332"/>
+          </a:xfrm>
+          <a:prstGeom prst="rect">
+            <a:avLst/>
+          </a:prstGeom>
+          <a:solidFill>
+            <a:schemeClr val="tx2">
+              <a:lumMod val="20000"/>
+              <a:lumOff val="80000"/>
+            </a:schemeClr>
+          </a:solidFill>
+          <a:ln>
+            <a:solidFill>
+              <a:schemeClr val="tx1"/>
+            </a:solidFill>
+          </a:ln>
+        </p:spPr>
+        <p:txBody>
+          <a:bodyPr wrap="square" rtlCol="0">
+            <a:spAutoFit/>
+          </a:bodyPr>
+          <a:lstStyle/>
+          <a:p>
+            <a:r>
+              <a:rPr lang="en-US" i="1" dirty="0" smtClean="0"/>
+              <a:t>Memory Before: 176976</a:t>
+            </a:r>
+            <a:endParaRPr lang="en-US" b="1" dirty="0" smtClean="0">
+              <a:latin typeface="Courier New" pitchFamily="49" charset="0"/>
+              <a:cs typeface="Courier New" pitchFamily="49" charset="0"/>
+            </a:endParaRPr>
+          </a:p>
+        </p:txBody>
+      </p:sp>
+      <p:sp>
+        <p:nvSpPr>
+          <p:cNvPr id="27" name="TextBox 26"/>
+          <p:cNvSpPr txBox="1"/>
+          <p:nvPr/>
+        </p:nvSpPr>
+        <p:spPr>
+          <a:xfrm>
+            <a:off x="2742790" y="5058076"/>
+            <a:ext cx="2463390" cy="369332"/>
+          </a:xfrm>
+          <a:prstGeom prst="rect">
+            <a:avLst/>
+          </a:prstGeom>
+          <a:solidFill>
+            <a:schemeClr val="tx2">
+              <a:lumMod val="20000"/>
+              <a:lumOff val="80000"/>
+            </a:schemeClr>
+          </a:solidFill>
+          <a:ln>
+            <a:solidFill>
+              <a:schemeClr val="tx1"/>
+            </a:solidFill>
+          </a:ln>
+        </p:spPr>
+        <p:txBody>
+          <a:bodyPr wrap="square" rtlCol="0">
+            <a:spAutoFit/>
+          </a:bodyPr>
+          <a:lstStyle/>
+          <a:p>
+            <a:r>
+              <a:rPr lang="en-US" i="1" dirty="0" smtClean="0"/>
+              <a:t>Memory After: 177017</a:t>
+            </a:r>
+            <a:endParaRPr lang="en-US" dirty="0" smtClean="0">
+              <a:latin typeface="Courier New" pitchFamily="49" charset="0"/>
+              <a:cs typeface="Courier New" pitchFamily="49" charset="0"/>
+            </a:endParaRPr>
+          </a:p>
+        </p:txBody>
+      </p:sp>
+      <p:sp>
+        <p:nvSpPr>
+          <p:cNvPr id="28" name="TextBox 27"/>
+          <p:cNvSpPr txBox="1"/>
+          <p:nvPr/>
+        </p:nvSpPr>
+        <p:spPr>
+          <a:xfrm>
+            <a:off x="5358580" y="5058076"/>
+            <a:ext cx="2463390" cy="369332"/>
+          </a:xfrm>
+          <a:prstGeom prst="rect">
+            <a:avLst/>
+          </a:prstGeom>
+          <a:solidFill>
+            <a:schemeClr val="tx2">
+              <a:lumMod val="20000"/>
+              <a:lumOff val="80000"/>
+            </a:schemeClr>
+          </a:solidFill>
+          <a:ln>
+            <a:solidFill>
+              <a:schemeClr val="tx1"/>
+            </a:solidFill>
+          </a:ln>
+        </p:spPr>
+        <p:txBody>
+          <a:bodyPr wrap="square" rtlCol="0">
+            <a:spAutoFit/>
+          </a:bodyPr>
+          <a:lstStyle/>
+          <a:p>
+            <a:r>
+              <a:rPr lang="en-US" i="1" dirty="0" smtClean="0"/>
+              <a:t>Heap Size After: 177017</a:t>
+            </a:r>
+            <a:endParaRPr lang="en-US" dirty="0" smtClean="0">
+              <a:latin typeface="Courier New" pitchFamily="49" charset="0"/>
+              <a:cs typeface="Courier New" pitchFamily="49" charset="0"/>
+            </a:endParaRPr>
+          </a:p>
+        </p:txBody>
+      </p:sp>
+      <p:sp>
+        <p:nvSpPr>
+          <p:cNvPr id="29" name="TextBox 28"/>
+          <p:cNvSpPr txBox="1"/>
+          <p:nvPr/>
+        </p:nvSpPr>
+        <p:spPr>
+          <a:xfrm>
+            <a:off x="127000" y="1302656"/>
+            <a:ext cx="2997200" cy="400110"/>
+          </a:xfrm>
+          <a:prstGeom prst="rect">
+            <a:avLst/>
+          </a:prstGeom>
+          <a:noFill/>
+        </p:spPr>
+        <p:txBody>
+          <a:bodyPr wrap="square" rtlCol="0">
+            <a:spAutoFit/>
+          </a:bodyPr>
+          <a:lstStyle/>
+          <a:p>
+            <a:r>
+              <a:rPr lang="de-CH" sz="2000" b="1" dirty="0" smtClean="0"/>
+              <a:t>Input (Rohdaten)</a:t>
+            </a:r>
+            <a:endParaRPr lang="en-US" sz="2000" b="1" dirty="0"/>
+          </a:p>
+        </p:txBody>
+      </p:sp>
+    </p:spTree>
+  </p:cSld>
+  <p:clrMapOvr>
+    <a:masterClrMapping/>
+  </p:clrMapOvr>
+  <p:timing>
+    <p:tnLst>
+      <p:par>
+        <p:cTn id="1" dur="indefinite" restart="never" nodeType="tmRoot">
+          <p:childTnLst>
+            <p:seq concurrent="1" nextAc="seek">
+              <p:cTn id="2" dur="indefinite" nodeType="mainSeq">
+                <p:childTnLst>
+                  <p:par>
+                    <p:cTn id="3" fill="hold">
+                      <p:stCondLst>
+                        <p:cond delay="indefinite"/>
+                      </p:stCondLst>
+                      <p:childTnLst>
+                        <p:par>
+                          <p:cTn id="4" fill="hold">
+                            <p:stCondLst>
+                              <p:cond delay="0"/>
+                            </p:stCondLst>
+                            <p:childTnLst>
+                              <p:par>
+                                <p:cTn id="5" presetID="1" presetClass="entr" presetSubtype="0" fill="hold" grpId="0" nodeType="clickEffect">
+                                  <p:stCondLst>
+                                    <p:cond delay="0"/>
+                                  </p:stCondLst>
+                                  <p:childTnLst>
+                                    <p:set>
+                                      <p:cBhvr>
+                                        <p:cTn id="6" dur="1" fill="hold">
+                                          <p:stCondLst>
+                                            <p:cond delay="0"/>
+                                          </p:stCondLst>
+                                        </p:cTn>
+                                        <p:tgtEl>
+                                          <p:spTgt spid="12"/>
+                                        </p:tgtEl>
+                                        <p:attrNameLst>
+                                          <p:attrName>style.visibility</p:attrName>
+                                        </p:attrNameLst>
+                                      </p:cBhvr>
+                                      <p:to>
+                                        <p:strVal val="visible"/>
+                                      </p:to>
+                                    </p:set>
+                                  </p:childTnLst>
+                                </p:cTn>
+                              </p:par>
+                              <p:par>
+                                <p:cTn id="7" presetID="1" presetClass="entr" presetSubtype="0" fill="hold" grpId="0" nodeType="withEffect">
+                                  <p:stCondLst>
+                                    <p:cond delay="0"/>
+                                  </p:stCondLst>
+                                  <p:childTnLst>
+                                    <p:set>
+                                      <p:cBhvr>
+                                        <p:cTn id="8" dur="1" fill="hold">
+                                          <p:stCondLst>
+                                            <p:cond delay="0"/>
+                                          </p:stCondLst>
+                                        </p:cTn>
+                                        <p:tgtEl>
+                                          <p:spTgt spid="11"/>
+                                        </p:tgtEl>
+                                        <p:attrNameLst>
+                                          <p:attrName>style.visibility</p:attrName>
+                                        </p:attrNameLst>
+                                      </p:cBhvr>
+                                      <p:to>
+                                        <p:strVal val="visible"/>
+                                      </p:to>
+                                    </p:set>
+                                  </p:childTnLst>
+                                </p:cTn>
+                              </p:par>
+                            </p:childTnLst>
+                          </p:cTn>
+                        </p:par>
+                      </p:childTnLst>
+                    </p:cTn>
+                  </p:par>
+                  <p:par>
+                    <p:cTn id="9" fill="hold">
+                      <p:stCondLst>
+                        <p:cond delay="indefinite"/>
+                      </p:stCondLst>
+                      <p:childTnLst>
+                        <p:par>
+                          <p:cTn id="10" fill="hold">
+                            <p:stCondLst>
+                              <p:cond delay="0"/>
+                            </p:stCondLst>
+                            <p:childTnLst>
+                              <p:par>
+                                <p:cTn id="11" presetID="1" presetClass="entr" presetSubtype="0" fill="hold" grpId="0" nodeType="clickEffect">
+                                  <p:stCondLst>
+                                    <p:cond delay="0"/>
+                                  </p:stCondLst>
+                                  <p:childTnLst>
+                                    <p:set>
+                                      <p:cBhvr>
+                                        <p:cTn id="12" dur="1" fill="hold">
+                                          <p:stCondLst>
+                                            <p:cond delay="0"/>
+                                          </p:stCondLst>
+                                        </p:cTn>
+                                        <p:tgtEl>
+                                          <p:spTgt spid="19"/>
+                                        </p:tgtEl>
+                                        <p:attrNameLst>
+                                          <p:attrName>style.visibility</p:attrName>
+                                        </p:attrNameLst>
+                                      </p:cBhvr>
+                                      <p:to>
+                                        <p:strVal val="visible"/>
+                                      </p:to>
+                                    </p:set>
+                                  </p:childTnLst>
+                                </p:cTn>
+                              </p:par>
+                              <p:par>
+                                <p:cTn id="13" presetID="1" presetClass="entr" presetSubtype="0" fill="hold" grpId="0" nodeType="withEffect">
+                                  <p:stCondLst>
+                                    <p:cond delay="0"/>
+                                  </p:stCondLst>
+                                  <p:childTnLst>
+                                    <p:set>
+                                      <p:cBhvr>
+                                        <p:cTn id="14" dur="1" fill="hold">
+                                          <p:stCondLst>
+                                            <p:cond delay="0"/>
+                                          </p:stCondLst>
+                                        </p:cTn>
+                                        <p:tgtEl>
+                                          <p:spTgt spid="20"/>
+                                        </p:tgtEl>
+                                        <p:attrNameLst>
+                                          <p:attrName>style.visibility</p:attrName>
+                                        </p:attrNameLst>
+                                      </p:cBhvr>
+                                      <p:to>
+                                        <p:strVal val="visible"/>
+                                      </p:to>
+                                    </p:set>
+                                  </p:childTnLst>
+                                </p:cTn>
+                              </p:par>
+                              <p:par>
+                                <p:cTn id="15" presetID="1" presetClass="entr" presetSubtype="0" fill="hold" grpId="0" nodeType="withEffect">
+                                  <p:stCondLst>
+                                    <p:cond delay="0"/>
+                                  </p:stCondLst>
+                                  <p:childTnLst>
+                                    <p:set>
+                                      <p:cBhvr>
+                                        <p:cTn id="16" dur="1" fill="hold">
+                                          <p:stCondLst>
+                                            <p:cond delay="0"/>
+                                          </p:stCondLst>
+                                        </p:cTn>
+                                        <p:tgtEl>
+                                          <p:spTgt spid="21"/>
+                                        </p:tgtEl>
+                                        <p:attrNameLst>
+                                          <p:attrName>style.visibility</p:attrName>
+                                        </p:attrNameLst>
+                                      </p:cBhvr>
+                                      <p:to>
+                                        <p:strVal val="visible"/>
+                                      </p:to>
+                                    </p:set>
+                                  </p:childTnLst>
+                                </p:cTn>
+                              </p:par>
+                              <p:par>
+                                <p:cTn id="17" presetID="1" presetClass="entr" presetSubtype="0" fill="hold" grpId="0" nodeType="withEffect">
+                                  <p:stCondLst>
+                                    <p:cond delay="0"/>
+                                  </p:stCondLst>
+                                  <p:childTnLst>
+                                    <p:set>
+                                      <p:cBhvr>
+                                        <p:cTn id="18" dur="1" fill="hold">
+                                          <p:stCondLst>
+                                            <p:cond delay="0"/>
+                                          </p:stCondLst>
+                                        </p:cTn>
+                                        <p:tgtEl>
+                                          <p:spTgt spid="24"/>
+                                        </p:tgtEl>
+                                        <p:attrNameLst>
+                                          <p:attrName>style.visibility</p:attrName>
+                                        </p:attrNameLst>
+                                      </p:cBhvr>
+                                      <p:to>
+                                        <p:strVal val="visible"/>
+                                      </p:to>
+                                    </p:set>
+                                  </p:childTnLst>
+                                </p:cTn>
+                              </p:par>
+                              <p:par>
+                                <p:cTn id="19" presetID="1" presetClass="entr" presetSubtype="0" fill="hold" grpId="0" nodeType="withEffect">
+                                  <p:stCondLst>
+                                    <p:cond delay="0"/>
+                                  </p:stCondLst>
+                                  <p:childTnLst>
+                                    <p:set>
+                                      <p:cBhvr>
+                                        <p:cTn id="20" dur="1" fill="hold">
+                                          <p:stCondLst>
+                                            <p:cond delay="0"/>
+                                          </p:stCondLst>
+                                        </p:cTn>
+                                        <p:tgtEl>
+                                          <p:spTgt spid="26"/>
+                                        </p:tgtEl>
+                                        <p:attrNameLst>
+                                          <p:attrName>style.visibility</p:attrName>
+                                        </p:attrNameLst>
+                                      </p:cBhvr>
+                                      <p:to>
+                                        <p:strVal val="visible"/>
+                                      </p:to>
+                                    </p:set>
+                                  </p:childTnLst>
+                                </p:cTn>
+                              </p:par>
+                              <p:par>
+                                <p:cTn id="21" presetID="1" presetClass="entr" presetSubtype="0" fill="hold" grpId="0" nodeType="withEffect">
+                                  <p:stCondLst>
+                                    <p:cond delay="0"/>
+                                  </p:stCondLst>
+                                  <p:childTnLst>
+                                    <p:set>
+                                      <p:cBhvr>
+                                        <p:cTn id="22" dur="1" fill="hold">
+                                          <p:stCondLst>
+                                            <p:cond delay="0"/>
+                                          </p:stCondLst>
+                                        </p:cTn>
+                                        <p:tgtEl>
+                                          <p:spTgt spid="27"/>
+                                        </p:tgtEl>
+                                        <p:attrNameLst>
+                                          <p:attrName>style.visibility</p:attrName>
+                                        </p:attrNameLst>
+                                      </p:cBhvr>
+                                      <p:to>
+                                        <p:strVal val="visible"/>
+                                      </p:to>
+                                    </p:set>
+                                  </p:childTnLst>
+                                </p:cTn>
+                              </p:par>
+                              <p:par>
+                                <p:cTn id="23" presetID="1" presetClass="entr" presetSubtype="0" fill="hold" grpId="0" nodeType="withEffect">
+                                  <p:stCondLst>
+                                    <p:cond delay="0"/>
+                                  </p:stCondLst>
+                                  <p:childTnLst>
+                                    <p:set>
+                                      <p:cBhvr>
+                                        <p:cTn id="24" dur="1" fill="hold">
+                                          <p:stCondLst>
+                                            <p:cond delay="0"/>
+                                          </p:stCondLst>
+                                        </p:cTn>
+                                        <p:tgtEl>
+                                          <p:spTgt spid="28"/>
+                                        </p:tgtEl>
+                                        <p:attrNameLst>
+                                          <p:attrName>style.visibility</p:attrName>
+                                        </p:attrNameLst>
+                                      </p:cBhvr>
+                                      <p:to>
+                                        <p:strVal val="visible"/>
+                                      </p:to>
+                                    </p:set>
+                                  </p:childTnLst>
+                                </p:cTn>
+                              </p:par>
+                              <p:par>
+                                <p:cTn id="25" presetID="1" presetClass="entr" presetSubtype="0" fill="hold" grpId="0" nodeType="withEffect">
+                                  <p:stCondLst>
+                                    <p:cond delay="0"/>
+                                  </p:stCondLst>
+                                  <p:childTnLst>
+                                    <p:set>
+                                      <p:cBhvr>
+                                        <p:cTn id="26" dur="1" fill="hold">
+                                          <p:stCondLst>
+                                            <p:cond delay="0"/>
+                                          </p:stCondLst>
+                                        </p:cTn>
+                                        <p:tgtEl>
+                                          <p:spTgt spid="14"/>
+                                        </p:tgtEl>
+                                        <p:attrNameLst>
+                                          <p:attrName>style.visibility</p:attrName>
+                                        </p:attrNameLst>
+                                      </p:cBhvr>
+                                      <p:to>
+                                        <p:strVal val="visible"/>
+                                      </p:to>
+                                    </p:set>
+                                  </p:childTnLst>
+                                </p:cTn>
+                              </p:par>
+                            </p:childTnLst>
+                          </p:cTn>
+                        </p:par>
+                      </p:childTnLst>
+                    </p:cTn>
+                  </p:par>
+                </p:childTnLst>
+              </p:cTn>
+              <p:prevCondLst>
+                <p:cond evt="onPrev" delay="0">
+                  <p:tgtEl>
+                    <p:sldTgt/>
+                  </p:tgtEl>
+                </p:cond>
+              </p:prevCondLst>
+              <p:nextCondLst>
+                <p:cond evt="onNext" delay="0">
+                  <p:tgtEl>
+                    <p:sldTgt/>
+                  </p:tgtEl>
+                </p:cond>
+              </p:nextCondLst>
+            </p:seq>
+          </p:childTnLst>
+        </p:cTn>
+      </p:par>
+    </p:tnLst>
+    <p:bldLst>
+      <p:bldP spid="11" grpId="0" animBg="1"/>
+      <p:bldP spid="12" grpId="0"/>
+      <p:bldP spid="14" grpId="0"/>
+      <p:bldP spid="19" grpId="0" animBg="1"/>
+      <p:bldP spid="20" grpId="0" animBg="1"/>
+      <p:bldP spid="21" grpId="0" animBg="1"/>
+      <p:bldP spid="24" grpId="0" animBg="1"/>
+      <p:bldP spid="26" grpId="0" animBg="1"/>
+      <p:bldP spid="27" grpId="0" animBg="1"/>
+      <p:bldP spid="28" grpId="0" animBg="1"/>
+    </p:bldLst>
   </p:timing>
 </p:sld>
 </file>

--- a/Dokumentation/Abschlusspraesentation/rschmid_bachelorthesis_abschlusspraesentation.pptx
+++ b/Dokumentation/Abschlusspraesentation/rschmid_bachelorthesis_abschlusspraesentation.pptx
@@ -5,10 +5,10 @@
     <p:sldMasterId id="2147484703" r:id="rId1"/>
   </p:sldMasterIdLst>
   <p:notesMasterIdLst>
-    <p:notesMasterId r:id="rId15"/>
+    <p:notesMasterId r:id="rId16"/>
   </p:notesMasterIdLst>
   <p:handoutMasterIdLst>
-    <p:handoutMasterId r:id="rId16"/>
+    <p:handoutMasterId r:id="rId17"/>
   </p:handoutMasterIdLst>
   <p:sldIdLst>
     <p:sldId id="256" r:id="rId2"/>
@@ -24,6 +24,7 @@
     <p:sldId id="276" r:id="rId12"/>
     <p:sldId id="271" r:id="rId13"/>
     <p:sldId id="272" r:id="rId14"/>
+    <p:sldId id="277" r:id="rId15"/>
   </p:sldIdLst>
   <p:sldSz cx="9144000" cy="6858000" type="screen4x3"/>
   <p:notesSz cx="6858000" cy="9144000"/>
@@ -124,7 +125,7 @@
   </p:defaultTextStyle>
   <p:extLst>
     <p:ext uri="{521415D9-36F7-43E2-AB2F-B90AF26B5E84}">
-      <p14:sectionLst xmlns:p14="http://schemas.microsoft.com/office/powerpoint/2010/main" xmlns="">
+      <p14:sectionLst xmlns="" xmlns:p14="http://schemas.microsoft.com/office/powerpoint/2010/main">
         <p14:section name="Standardabschnitt" id="{7B243079-01A6-9A43-9750-52463C0078DC}">
           <p14:sldIdLst>
             <p14:sldId id="256"/>
@@ -232,7 +233,7 @@
             <a:fld id="{48963EAB-4A99-D64B-BC3F-87BAAF8C12D9}" type="datetimeFigureOut">
               <a:rPr lang="en-US" smtClean="0"/>
               <a:pPr/>
-              <a:t>12/20/2011</a:t>
+              <a:t>12/21/2011</a:t>
             </a:fld>
             <a:endParaRPr lang="en-US"/>
           </a:p>
@@ -308,7 +309,7 @@
     </p:spTree>
     <p:extLst>
       <p:ext uri="{BB962C8B-B14F-4D97-AF65-F5344CB8AC3E}">
-        <p14:creationId xmlns:p14="http://schemas.microsoft.com/office/powerpoint/2010/main" xmlns="" val="1086538339"/>
+        <p14:creationId xmlns="" xmlns:p14="http://schemas.microsoft.com/office/powerpoint/2010/main" val="1086538339"/>
       </p:ext>
     </p:extLst>
   </p:cSld>
@@ -400,7 +401,7 @@
             <a:fld id="{B0C02851-8190-9D48-AFFD-96352E7B1DB3}" type="datetimeFigureOut">
               <a:rPr lang="en-US" smtClean="0"/>
               <a:pPr/>
-              <a:t>12/20/2011</a:t>
+              <a:t>12/21/2011</a:t>
             </a:fld>
             <a:endParaRPr lang="en-US"/>
           </a:p>
@@ -571,7 +572,7 @@
     </p:spTree>
     <p:extLst>
       <p:ext uri="{BB962C8B-B14F-4D97-AF65-F5344CB8AC3E}">
-        <p14:creationId xmlns:p14="http://schemas.microsoft.com/office/powerpoint/2010/main" xmlns="" val="1800126041"/>
+        <p14:creationId xmlns="" xmlns:p14="http://schemas.microsoft.com/office/powerpoint/2010/main" val="1800126041"/>
       </p:ext>
     </p:extLst>
   </p:cSld>
@@ -936,9 +937,9 @@
             <a:fld id="{70BA1CFD-BFF0-48BC-9BA5-4974D7A6AB15}" type="datetimeFigureOut">
               <a:rPr lang="en-US" smtClean="0"/>
               <a:pPr/>
-              <a:t>12/20/2011</a:t>
+              <a:t>12/21/2011</a:t>
             </a:fld>
-            <a:endParaRPr lang="en-US"/>
+            <a:endParaRPr lang="en-US" dirty="0"/>
           </a:p>
         </p:txBody>
       </p:sp>
@@ -996,13 +997,16 @@
         <p:spPr/>
         <p:txBody>
           <a:bodyPr/>
-          <a:lstStyle/>
-          <a:p>
-            <a:fld id="{1789C0F2-17E0-497A-9BBE-0C73201AAFE3}" type="slidenum">
-              <a:rPr lang="en-US" smtClean="0"/>
-              <a:pPr/>
-              <a:t>‹#›</a:t>
-            </a:fld>
+          <a:lstStyle>
+            <a:lvl1pPr>
+              <a:defRPr>
+                <a:solidFill>
+                  <a:schemeClr val="tx1"/>
+                </a:solidFill>
+              </a:defRPr>
+            </a:lvl1pPr>
+          </a:lstStyle>
+          <a:p>
             <a:endParaRPr lang="en-US" dirty="0"/>
           </a:p>
         </p:txBody>
@@ -1010,7 +1014,7 @@
     </p:spTree>
     <p:extLst>
       <p:ext uri="{BB962C8B-B14F-4D97-AF65-F5344CB8AC3E}">
-        <p14:creationId xmlns:p14="http://schemas.microsoft.com/office/powerpoint/2010/main" xmlns="" val="3481939034"/>
+        <p14:creationId xmlns="" xmlns:p14="http://schemas.microsoft.com/office/powerpoint/2010/main" val="3481939034"/>
       </p:ext>
     </p:extLst>
   </p:cSld>
@@ -1138,7 +1142,7 @@
             <a:fld id="{4CAB20F4-3FC6-6845-A294-AABD6FF25740}" type="datetime1">
               <a:rPr lang="en-US" smtClean="0"/>
               <a:pPr/>
-              <a:t>12/20/2011</a:t>
+              <a:t>12/21/2011</a:t>
             </a:fld>
             <a:endParaRPr lang="en-US"/>
           </a:p>
@@ -1212,7 +1216,7 @@
     </p:spTree>
     <p:extLst>
       <p:ext uri="{BB962C8B-B14F-4D97-AF65-F5344CB8AC3E}">
-        <p14:creationId xmlns:p14="http://schemas.microsoft.com/office/powerpoint/2010/main" xmlns="" val="586863889"/>
+        <p14:creationId xmlns="" xmlns:p14="http://schemas.microsoft.com/office/powerpoint/2010/main" val="586863889"/>
       </p:ext>
     </p:extLst>
   </p:cSld>
@@ -1350,7 +1354,7 @@
             <a:fld id="{4CAB20F4-3FC6-6845-A294-AABD6FF25740}" type="datetime1">
               <a:rPr lang="en-US" smtClean="0"/>
               <a:pPr/>
-              <a:t>12/20/2011</a:t>
+              <a:t>12/21/2011</a:t>
             </a:fld>
             <a:endParaRPr lang="en-US"/>
           </a:p>
@@ -1424,7 +1428,7 @@
     </p:spTree>
     <p:extLst>
       <p:ext uri="{BB962C8B-B14F-4D97-AF65-F5344CB8AC3E}">
-        <p14:creationId xmlns:p14="http://schemas.microsoft.com/office/powerpoint/2010/main" xmlns="" val="3481408629"/>
+        <p14:creationId xmlns="" xmlns:p14="http://schemas.microsoft.com/office/powerpoint/2010/main" val="3481408629"/>
       </p:ext>
     </p:extLst>
   </p:cSld>
@@ -1552,7 +1556,7 @@
             <a:fld id="{4CAB20F4-3FC6-6845-A294-AABD6FF25740}" type="datetime1">
               <a:rPr lang="en-US" smtClean="0"/>
               <a:pPr/>
-              <a:t>12/20/2011</a:t>
+              <a:t>12/21/2011</a:t>
             </a:fld>
             <a:endParaRPr lang="en-US"/>
           </a:p>
@@ -1626,7 +1630,7 @@
     </p:spTree>
     <p:extLst>
       <p:ext uri="{BB962C8B-B14F-4D97-AF65-F5344CB8AC3E}">
-        <p14:creationId xmlns:p14="http://schemas.microsoft.com/office/powerpoint/2010/main" xmlns="" val="1347152024"/>
+        <p14:creationId xmlns="" xmlns:p14="http://schemas.microsoft.com/office/powerpoint/2010/main" val="1347152024"/>
       </p:ext>
     </p:extLst>
   </p:cSld>
@@ -1830,7 +1834,7 @@
             <a:fld id="{70BA1CFD-BFF0-48BC-9BA5-4974D7A6AB15}" type="datetimeFigureOut">
               <a:rPr lang="en-US" smtClean="0"/>
               <a:pPr/>
-              <a:t>12/20/2011</a:t>
+              <a:t>12/21/2011</a:t>
             </a:fld>
             <a:endParaRPr lang="en-US"/>
           </a:p>
@@ -1904,7 +1908,7 @@
     </p:spTree>
     <p:extLst>
       <p:ext uri="{BB962C8B-B14F-4D97-AF65-F5344CB8AC3E}">
-        <p14:creationId xmlns:p14="http://schemas.microsoft.com/office/powerpoint/2010/main" xmlns="" val="4062453395"/>
+        <p14:creationId xmlns="" xmlns:p14="http://schemas.microsoft.com/office/powerpoint/2010/main" val="4062453395"/>
       </p:ext>
     </p:extLst>
   </p:cSld>
@@ -2150,7 +2154,7 @@
             <a:fld id="{4CAB20F4-3FC6-6845-A294-AABD6FF25740}" type="datetime1">
               <a:rPr lang="en-US" smtClean="0"/>
               <a:pPr/>
-              <a:t>12/20/2011</a:t>
+              <a:t>12/21/2011</a:t>
             </a:fld>
             <a:endParaRPr lang="en-US"/>
           </a:p>
@@ -2224,7 +2228,7 @@
     </p:spTree>
     <p:extLst>
       <p:ext uri="{BB962C8B-B14F-4D97-AF65-F5344CB8AC3E}">
-        <p14:creationId xmlns:p14="http://schemas.microsoft.com/office/powerpoint/2010/main" xmlns="" val="3785861044"/>
+        <p14:creationId xmlns="" xmlns:p14="http://schemas.microsoft.com/office/powerpoint/2010/main" val="3785861044"/>
       </p:ext>
     </p:extLst>
   </p:cSld>
@@ -2604,7 +2608,7 @@
             <a:fld id="{4CAB20F4-3FC6-6845-A294-AABD6FF25740}" type="datetime1">
               <a:rPr lang="en-US" smtClean="0"/>
               <a:pPr/>
-              <a:t>12/20/2011</a:t>
+              <a:t>12/21/2011</a:t>
             </a:fld>
             <a:endParaRPr lang="en-US"/>
           </a:p>
@@ -2678,7 +2682,7 @@
     </p:spTree>
     <p:extLst>
       <p:ext uri="{BB962C8B-B14F-4D97-AF65-F5344CB8AC3E}">
-        <p14:creationId xmlns:p14="http://schemas.microsoft.com/office/powerpoint/2010/main" xmlns="" val="462349177"/>
+        <p14:creationId xmlns="" xmlns:p14="http://schemas.microsoft.com/office/powerpoint/2010/main" val="462349177"/>
       </p:ext>
     </p:extLst>
   </p:cSld>
@@ -2754,7 +2758,7 @@
             <a:fld id="{4CAB20F4-3FC6-6845-A294-AABD6FF25740}" type="datetime1">
               <a:rPr lang="en-US" smtClean="0"/>
               <a:pPr/>
-              <a:t>12/20/2011</a:t>
+              <a:t>12/21/2011</a:t>
             </a:fld>
             <a:endParaRPr lang="en-US"/>
           </a:p>
@@ -2828,7 +2832,7 @@
     </p:spTree>
     <p:extLst>
       <p:ext uri="{BB962C8B-B14F-4D97-AF65-F5344CB8AC3E}">
-        <p14:creationId xmlns:p14="http://schemas.microsoft.com/office/powerpoint/2010/main" xmlns="" val="1564851609"/>
+        <p14:creationId xmlns="" xmlns:p14="http://schemas.microsoft.com/office/powerpoint/2010/main" val="1564851609"/>
       </p:ext>
     </p:extLst>
   </p:cSld>
@@ -2881,7 +2885,7 @@
             <a:fld id="{4CAB20F4-3FC6-6845-A294-AABD6FF25740}" type="datetime1">
               <a:rPr lang="en-US" smtClean="0"/>
               <a:pPr/>
-              <a:t>12/20/2011</a:t>
+              <a:t>12/21/2011</a:t>
             </a:fld>
             <a:endParaRPr lang="en-US"/>
           </a:p>
@@ -2955,7 +2959,7 @@
     </p:spTree>
     <p:extLst>
       <p:ext uri="{BB962C8B-B14F-4D97-AF65-F5344CB8AC3E}">
-        <p14:creationId xmlns:p14="http://schemas.microsoft.com/office/powerpoint/2010/main" xmlns="" val="63479136"/>
+        <p14:creationId xmlns="" xmlns:p14="http://schemas.microsoft.com/office/powerpoint/2010/main" val="63479136"/>
       </p:ext>
     </p:extLst>
   </p:cSld>
@@ -3190,7 +3194,7 @@
             <a:fld id="{4CAB20F4-3FC6-6845-A294-AABD6FF25740}" type="datetime1">
               <a:rPr lang="en-US" smtClean="0"/>
               <a:pPr/>
-              <a:t>12/20/2011</a:t>
+              <a:t>12/21/2011</a:t>
             </a:fld>
             <a:endParaRPr lang="en-US"/>
           </a:p>
@@ -3264,7 +3268,7 @@
     </p:spTree>
     <p:extLst>
       <p:ext uri="{BB962C8B-B14F-4D97-AF65-F5344CB8AC3E}">
-        <p14:creationId xmlns:p14="http://schemas.microsoft.com/office/powerpoint/2010/main" xmlns="" val="2551175190"/>
+        <p14:creationId xmlns="" xmlns:p14="http://schemas.microsoft.com/office/powerpoint/2010/main" val="2551175190"/>
       </p:ext>
     </p:extLst>
   </p:cSld>
@@ -3475,7 +3479,7 @@
             <a:fld id="{4CAB20F4-3FC6-6845-A294-AABD6FF25740}" type="datetime1">
               <a:rPr lang="en-US" smtClean="0"/>
               <a:pPr/>
-              <a:t>12/20/2011</a:t>
+              <a:t>12/21/2011</a:t>
             </a:fld>
             <a:endParaRPr lang="en-US"/>
           </a:p>
@@ -3549,7 +3553,7 @@
     </p:spTree>
     <p:extLst>
       <p:ext uri="{BB962C8B-B14F-4D97-AF65-F5344CB8AC3E}">
-        <p14:creationId xmlns:p14="http://schemas.microsoft.com/office/powerpoint/2010/main" xmlns="" val="2177690418"/>
+        <p14:creationId xmlns="" xmlns:p14="http://schemas.microsoft.com/office/powerpoint/2010/main" val="2177690418"/>
       </p:ext>
     </p:extLst>
   </p:cSld>
@@ -3720,7 +3724,7 @@
             <a:fld id="{4CAB20F4-3FC6-6845-A294-AABD6FF25740}" type="datetime1">
               <a:rPr lang="en-US" smtClean="0"/>
               <a:pPr/>
-              <a:t>12/20/2011</a:t>
+              <a:t>12/21/2011</a:t>
             </a:fld>
             <a:endParaRPr lang="en-US"/>
           </a:p>
@@ -3830,7 +3834,7 @@
     </p:spTree>
     <p:extLst>
       <p:ext uri="{BB962C8B-B14F-4D97-AF65-F5344CB8AC3E}">
-        <p14:creationId xmlns:p14="http://schemas.microsoft.com/office/powerpoint/2010/main" xmlns="" val="1050626384"/>
+        <p14:creationId xmlns="" xmlns:p14="http://schemas.microsoft.com/office/powerpoint/2010/main" val="1050626384"/>
       </p:ext>
     </p:extLst>
   </p:cSld>
@@ -4178,15 +4182,27 @@
           <a:p>
             <a:r>
               <a:rPr lang="de-DE" dirty="0"/>
-              <a:t>JRockit Garbage </a:t>
+              <a:t>JRockit </a:t>
             </a:r>
             <a:r>
               <a:rPr lang="de-DE" dirty="0" err="1"/>
+              <a:t>Garbage</a:t>
+            </a:r>
+            <a:r>
+              <a:rPr lang="de-DE" dirty="0"/>
+              <a:t> </a:t>
+            </a:r>
+            <a:r>
+              <a:rPr lang="de-DE" dirty="0" err="1" smtClean="0"/>
               <a:t>Collector</a:t>
             </a:r>
             <a:r>
+              <a:rPr lang="de-DE" dirty="0" smtClean="0"/>
+              <a:t> Log </a:t>
+            </a:r>
+            <a:r>
               <a:rPr lang="de-DE" dirty="0"/>
-              <a:t> Log Visualisierung</a:t>
+              <a:t>Visualisierung</a:t>
             </a:r>
             <a:endParaRPr lang="en-US" dirty="0"/>
           </a:p>
@@ -4225,7 +4241,7 @@
     <a:masterClrMapping/>
   </p:clrMapOvr>
   <mc:AlternateContent xmlns:mc="http://schemas.openxmlformats.org/markup-compatibility/2006">
-    <mc:Choice xmlns:p14="http://schemas.microsoft.com/office/powerpoint/2010/main" xmlns="" Requires="p14">
+    <mc:Choice xmlns="" xmlns:p14="http://schemas.microsoft.com/office/powerpoint/2010/main" Requires="p14">
       <p:transition spd="slow" p14:dur="2000"/>
     </mc:Choice>
     <mc:Fallback>
@@ -6000,8 +6016,13 @@
           <a:p>
             <a:r>
               <a:rPr lang="de-CH" dirty="0" smtClean="0"/>
-              <a:t>Funktionsumfang, Auswertungsmöglichkeiten der Software gehen zu wenig in die Tiefe (Konzept und Implementation)</a:t>
-            </a:r>
+              <a:t>Funktionsumfang, Auswertungsmöglichkeiten der Software gehen zu wenig in die </a:t>
+            </a:r>
+            <a:r>
+              <a:rPr lang="de-CH" dirty="0" smtClean="0"/>
+              <a:t>Tiefe</a:t>
+            </a:r>
+            <a:endParaRPr lang="de-CH" dirty="0" smtClean="0"/>
           </a:p>
           <a:p>
             <a:endParaRPr lang="de-CH" dirty="0" smtClean="0"/>
@@ -6049,6 +6070,110 @@
               <a:rPr lang="en-US" dirty="0" smtClean="0"/>
               <a:t> Raffael Schmid</a:t>
             </a:r>
+          </a:p>
+        </p:txBody>
+      </p:sp>
+    </p:spTree>
+  </p:cSld>
+  <p:clrMapOvr>
+    <a:masterClrMapping/>
+  </p:clrMapOvr>
+  <p:timing>
+    <p:tnLst>
+      <p:par>
+        <p:cTn id="1" dur="indefinite" restart="never" nodeType="tmRoot"/>
+      </p:par>
+    </p:tnLst>
+  </p:timing>
+</p:sld>
+</file>
+
+<file path=ppt/slides/slide14.xml><?xml version="1.0" encoding="utf-8"?>
+<p:sld xmlns:a="http://schemas.openxmlformats.org/drawingml/2006/main" xmlns:r="http://schemas.openxmlformats.org/officeDocument/2006/relationships" xmlns:p="http://schemas.openxmlformats.org/presentationml/2006/main">
+  <p:cSld>
+    <p:spTree>
+      <p:nvGrpSpPr>
+        <p:cNvPr id="1" name=""/>
+        <p:cNvGrpSpPr/>
+        <p:nvPr/>
+      </p:nvGrpSpPr>
+      <p:grpSpPr>
+        <a:xfrm>
+          <a:off x="0" y="0"/>
+          <a:ext cx="0" cy="0"/>
+          <a:chOff x="0" y="0"/>
+          <a:chExt cx="0" cy="0"/>
+        </a:xfrm>
+      </p:grpSpPr>
+      <p:sp>
+        <p:nvSpPr>
+          <p:cNvPr id="8" name="Title 7"/>
+          <p:cNvSpPr>
+            <a:spLocks noGrp="1"/>
+          </p:cNvSpPr>
+          <p:nvPr>
+            <p:ph type="ctrTitle"/>
+          </p:nvPr>
+        </p:nvSpPr>
+        <p:spPr/>
+        <p:txBody>
+          <a:bodyPr/>
+          <a:lstStyle/>
+          <a:p>
+            <a:r>
+              <a:rPr lang="de-CH" dirty="0" smtClean="0"/>
+              <a:t>Demo</a:t>
+            </a:r>
+            <a:endParaRPr lang="en-US" dirty="0"/>
+          </a:p>
+        </p:txBody>
+      </p:sp>
+      <p:sp>
+        <p:nvSpPr>
+          <p:cNvPr id="9" name="Subtitle 8"/>
+          <p:cNvSpPr>
+            <a:spLocks noGrp="1"/>
+          </p:cNvSpPr>
+          <p:nvPr>
+            <p:ph type="subTitle" idx="1"/>
+          </p:nvPr>
+        </p:nvSpPr>
+        <p:spPr/>
+        <p:txBody>
+          <a:bodyPr/>
+          <a:lstStyle/>
+          <a:p>
+            <a:endParaRPr lang="en-US" dirty="0"/>
+          </a:p>
+        </p:txBody>
+      </p:sp>
+      <p:sp>
+        <p:nvSpPr>
+          <p:cNvPr id="7" name="Footer Placeholder 6"/>
+          <p:cNvSpPr>
+            <a:spLocks noGrp="1"/>
+          </p:cNvSpPr>
+          <p:nvPr>
+            <p:ph type="ftr" sz="quarter" idx="11"/>
+          </p:nvPr>
+        </p:nvSpPr>
+        <p:spPr/>
+        <p:txBody>
+          <a:bodyPr/>
+          <a:lstStyle/>
+          <a:p>
+            <a:r>
+              <a:rPr lang="en-US" smtClean="0"/>
+              <a:t>Bachelorthesis Abschlusspräsentation</a:t>
+            </a:r>
+            <a:br>
+              <a:rPr lang="en-US" smtClean="0"/>
+            </a:br>
+            <a:r>
+              <a:rPr lang="en-US" smtClean="0"/>
+              <a:t> Raffael Schmid</a:t>
+            </a:r>
+            <a:endParaRPr lang="en-US" dirty="0" smtClean="0"/>
           </a:p>
         </p:txBody>
       </p:sp>
@@ -6453,310 +6578,9 @@
   <p:timing>
     <p:tnLst>
       <p:par>
-        <p:cTn id="1" dur="indefinite" restart="never" nodeType="tmRoot">
-          <p:childTnLst>
-            <p:seq concurrent="1" nextAc="seek">
-              <p:cTn id="2" dur="indefinite" nodeType="mainSeq">
-                <p:childTnLst>
-                  <p:par>
-                    <p:cTn id="3" fill="hold">
-                      <p:stCondLst>
-                        <p:cond delay="indefinite"/>
-                      </p:stCondLst>
-                      <p:childTnLst>
-                        <p:par>
-                          <p:cTn id="4" fill="hold">
-                            <p:stCondLst>
-                              <p:cond delay="0"/>
-                            </p:stCondLst>
-                            <p:childTnLst>
-                              <p:par>
-                                <p:cTn id="5" presetID="1" presetClass="entr" presetSubtype="0" fill="hold" grpId="0" nodeType="clickEffect">
-                                  <p:stCondLst>
-                                    <p:cond delay="0"/>
-                                  </p:stCondLst>
-                                  <p:childTnLst>
-                                    <p:set>
-                                      <p:cBhvr>
-                                        <p:cTn id="6" dur="1" fill="hold">
-                                          <p:stCondLst>
-                                            <p:cond delay="0"/>
-                                          </p:stCondLst>
-                                        </p:cTn>
-                                        <p:tgtEl>
-                                          <p:spTgt spid="5"/>
-                                        </p:tgtEl>
-                                        <p:attrNameLst>
-                                          <p:attrName>style.visibility</p:attrName>
-                                        </p:attrNameLst>
-                                      </p:cBhvr>
-                                      <p:to>
-                                        <p:strVal val="visible"/>
-                                      </p:to>
-                                    </p:set>
-                                  </p:childTnLst>
-                                </p:cTn>
-                              </p:par>
-                            </p:childTnLst>
-                          </p:cTn>
-                        </p:par>
-                      </p:childTnLst>
-                    </p:cTn>
-                  </p:par>
-                  <p:par>
-                    <p:cTn id="7" fill="hold">
-                      <p:stCondLst>
-                        <p:cond delay="indefinite"/>
-                      </p:stCondLst>
-                      <p:childTnLst>
-                        <p:par>
-                          <p:cTn id="8" fill="hold">
-                            <p:stCondLst>
-                              <p:cond delay="0"/>
-                            </p:stCondLst>
-                            <p:childTnLst>
-                              <p:par>
-                                <p:cTn id="9" presetID="1" presetClass="entr" presetSubtype="0" fill="hold" grpId="0" nodeType="clickEffect">
-                                  <p:stCondLst>
-                                    <p:cond delay="0"/>
-                                  </p:stCondLst>
-                                  <p:childTnLst>
-                                    <p:set>
-                                      <p:cBhvr>
-                                        <p:cTn id="10" dur="1" fill="hold">
-                                          <p:stCondLst>
-                                            <p:cond delay="0"/>
-                                          </p:stCondLst>
-                                        </p:cTn>
-                                        <p:tgtEl>
-                                          <p:spTgt spid="6"/>
-                                        </p:tgtEl>
-                                        <p:attrNameLst>
-                                          <p:attrName>style.visibility</p:attrName>
-                                        </p:attrNameLst>
-                                      </p:cBhvr>
-                                      <p:to>
-                                        <p:strVal val="visible"/>
-                                      </p:to>
-                                    </p:set>
-                                  </p:childTnLst>
-                                </p:cTn>
-                              </p:par>
-                            </p:childTnLst>
-                          </p:cTn>
-                        </p:par>
-                      </p:childTnLst>
-                    </p:cTn>
-                  </p:par>
-                  <p:par>
-                    <p:cTn id="11" fill="hold">
-                      <p:stCondLst>
-                        <p:cond delay="indefinite"/>
-                      </p:stCondLst>
-                      <p:childTnLst>
-                        <p:par>
-                          <p:cTn id="12" fill="hold">
-                            <p:stCondLst>
-                              <p:cond delay="0"/>
-                            </p:stCondLst>
-                            <p:childTnLst>
-                              <p:par>
-                                <p:cTn id="13" presetID="1" presetClass="entr" presetSubtype="0" fill="hold" grpId="0" nodeType="clickEffect">
-                                  <p:stCondLst>
-                                    <p:cond delay="0"/>
-                                  </p:stCondLst>
-                                  <p:childTnLst>
-                                    <p:set>
-                                      <p:cBhvr>
-                                        <p:cTn id="14" dur="1" fill="hold">
-                                          <p:stCondLst>
-                                            <p:cond delay="0"/>
-                                          </p:stCondLst>
-                                        </p:cTn>
-                                        <p:tgtEl>
-                                          <p:spTgt spid="7"/>
-                                        </p:tgtEl>
-                                        <p:attrNameLst>
-                                          <p:attrName>style.visibility</p:attrName>
-                                        </p:attrNameLst>
-                                      </p:cBhvr>
-                                      <p:to>
-                                        <p:strVal val="visible"/>
-                                      </p:to>
-                                    </p:set>
-                                  </p:childTnLst>
-                                </p:cTn>
-                              </p:par>
-                            </p:childTnLst>
-                          </p:cTn>
-                        </p:par>
-                      </p:childTnLst>
-                    </p:cTn>
-                  </p:par>
-                  <p:par>
-                    <p:cTn id="15" fill="hold">
-                      <p:stCondLst>
-                        <p:cond delay="indefinite"/>
-                      </p:stCondLst>
-                      <p:childTnLst>
-                        <p:par>
-                          <p:cTn id="16" fill="hold">
-                            <p:stCondLst>
-                              <p:cond delay="0"/>
-                            </p:stCondLst>
-                            <p:childTnLst>
-                              <p:par>
-                                <p:cTn id="17" presetID="1" presetClass="entr" presetSubtype="0" fill="hold" grpId="0" nodeType="clickEffect">
-                                  <p:stCondLst>
-                                    <p:cond delay="0"/>
-                                  </p:stCondLst>
-                                  <p:childTnLst>
-                                    <p:set>
-                                      <p:cBhvr>
-                                        <p:cTn id="18" dur="1" fill="hold">
-                                          <p:stCondLst>
-                                            <p:cond delay="0"/>
-                                          </p:stCondLst>
-                                        </p:cTn>
-                                        <p:tgtEl>
-                                          <p:spTgt spid="8"/>
-                                        </p:tgtEl>
-                                        <p:attrNameLst>
-                                          <p:attrName>style.visibility</p:attrName>
-                                        </p:attrNameLst>
-                                      </p:cBhvr>
-                                      <p:to>
-                                        <p:strVal val="visible"/>
-                                      </p:to>
-                                    </p:set>
-                                  </p:childTnLst>
-                                </p:cTn>
-                              </p:par>
-                            </p:childTnLst>
-                          </p:cTn>
-                        </p:par>
-                      </p:childTnLst>
-                    </p:cTn>
-                  </p:par>
-                  <p:par>
-                    <p:cTn id="19" fill="hold">
-                      <p:stCondLst>
-                        <p:cond delay="indefinite"/>
-                      </p:stCondLst>
-                      <p:childTnLst>
-                        <p:par>
-                          <p:cTn id="20" fill="hold">
-                            <p:stCondLst>
-                              <p:cond delay="0"/>
-                            </p:stCondLst>
-                            <p:childTnLst>
-                              <p:par>
-                                <p:cTn id="21" presetID="1" presetClass="entr" presetSubtype="0" fill="hold" grpId="0" nodeType="clickEffect">
-                                  <p:stCondLst>
-                                    <p:cond delay="0"/>
-                                  </p:stCondLst>
-                                  <p:childTnLst>
-                                    <p:set>
-                                      <p:cBhvr>
-                                        <p:cTn id="22" dur="1" fill="hold">
-                                          <p:stCondLst>
-                                            <p:cond delay="0"/>
-                                          </p:stCondLst>
-                                        </p:cTn>
-                                        <p:tgtEl>
-                                          <p:spTgt spid="9"/>
-                                        </p:tgtEl>
-                                        <p:attrNameLst>
-                                          <p:attrName>style.visibility</p:attrName>
-                                        </p:attrNameLst>
-                                      </p:cBhvr>
-                                      <p:to>
-                                        <p:strVal val="visible"/>
-                                      </p:to>
-                                    </p:set>
-                                  </p:childTnLst>
-                                </p:cTn>
-                              </p:par>
-                            </p:childTnLst>
-                          </p:cTn>
-                        </p:par>
-                      </p:childTnLst>
-                    </p:cTn>
-                  </p:par>
-                  <p:par>
-                    <p:cTn id="23" fill="hold">
-                      <p:stCondLst>
-                        <p:cond delay="indefinite"/>
-                      </p:stCondLst>
-                      <p:childTnLst>
-                        <p:par>
-                          <p:cTn id="24" fill="hold">
-                            <p:stCondLst>
-                              <p:cond delay="0"/>
-                            </p:stCondLst>
-                            <p:childTnLst>
-                              <p:par>
-                                <p:cTn id="25" presetID="1" presetClass="entr" presetSubtype="0" fill="hold" grpId="0" nodeType="clickEffect">
-                                  <p:stCondLst>
-                                    <p:cond delay="0"/>
-                                  </p:stCondLst>
-                                  <p:childTnLst>
-                                    <p:set>
-                                      <p:cBhvr>
-                                        <p:cTn id="26" dur="1" fill="hold">
-                                          <p:stCondLst>
-                                            <p:cond delay="0"/>
-                                          </p:stCondLst>
-                                        </p:cTn>
-                                        <p:tgtEl>
-                                          <p:spTgt spid="11"/>
-                                        </p:tgtEl>
-                                        <p:attrNameLst>
-                                          <p:attrName>style.visibility</p:attrName>
-                                        </p:attrNameLst>
-                                      </p:cBhvr>
-                                      <p:to>
-                                        <p:strVal val="visible"/>
-                                      </p:to>
-                                    </p:set>
-                                  </p:childTnLst>
-                                </p:cTn>
-                              </p:par>
-                            </p:childTnLst>
-                          </p:cTn>
-                        </p:par>
-                      </p:childTnLst>
-                    </p:cTn>
-                  </p:par>
-                </p:childTnLst>
-              </p:cTn>
-              <p:prevCondLst>
-                <p:cond evt="onPrev" delay="0">
-                  <p:tgtEl>
-                    <p:sldTgt/>
-                  </p:tgtEl>
-                </p:cond>
-              </p:prevCondLst>
-              <p:nextCondLst>
-                <p:cond evt="onNext" delay="0">
-                  <p:tgtEl>
-                    <p:sldTgt/>
-                  </p:tgtEl>
-                </p:cond>
-              </p:nextCondLst>
-            </p:seq>
-          </p:childTnLst>
-        </p:cTn>
+        <p:cTn id="1" dur="indefinite" restart="never" nodeType="tmRoot"/>
       </p:par>
     </p:tnLst>
-    <p:bldLst>
-      <p:bldP spid="5" grpId="0" animBg="1"/>
-      <p:bldP spid="6" grpId="0" animBg="1"/>
-      <p:bldP spid="7" grpId="0" animBg="1"/>
-      <p:bldP spid="8" grpId="0" animBg="1"/>
-      <p:bldP spid="9" grpId="0" animBg="1"/>
-      <p:bldP spid="11" grpId="0" animBg="1"/>
-    </p:bldLst>
   </p:timing>
 </p:sld>
 </file>
@@ -7176,186 +7000,6 @@
                                     <p:set>
                                       <p:cBhvr>
                                         <p:cTn id="6" dur="1" fill="hold">
-                                          <p:stCondLst>
-                                            <p:cond delay="0"/>
-                                          </p:stCondLst>
-                                        </p:cTn>
-                                        <p:tgtEl>
-                                          <p:spTgt spid="13"/>
-                                        </p:tgtEl>
-                                        <p:attrNameLst>
-                                          <p:attrName>style.visibility</p:attrName>
-                                        </p:attrNameLst>
-                                      </p:cBhvr>
-                                      <p:to>
-                                        <p:strVal val="visible"/>
-                                      </p:to>
-                                    </p:set>
-                                  </p:childTnLst>
-                                </p:cTn>
-                              </p:par>
-                            </p:childTnLst>
-                          </p:cTn>
-                        </p:par>
-                      </p:childTnLst>
-                    </p:cTn>
-                  </p:par>
-                  <p:par>
-                    <p:cTn id="7" fill="hold">
-                      <p:stCondLst>
-                        <p:cond delay="indefinite"/>
-                      </p:stCondLst>
-                      <p:childTnLst>
-                        <p:par>
-                          <p:cTn id="8" fill="hold">
-                            <p:stCondLst>
-                              <p:cond delay="0"/>
-                            </p:stCondLst>
-                            <p:childTnLst>
-                              <p:par>
-                                <p:cTn id="9" presetID="1" presetClass="entr" presetSubtype="0" fill="hold" grpId="0" nodeType="clickEffect">
-                                  <p:stCondLst>
-                                    <p:cond delay="0"/>
-                                  </p:stCondLst>
-                                  <p:childTnLst>
-                                    <p:set>
-                                      <p:cBhvr>
-                                        <p:cTn id="10" dur="1" fill="hold">
-                                          <p:stCondLst>
-                                            <p:cond delay="0"/>
-                                          </p:stCondLst>
-                                        </p:cTn>
-                                        <p:tgtEl>
-                                          <p:spTgt spid="14"/>
-                                        </p:tgtEl>
-                                        <p:attrNameLst>
-                                          <p:attrName>style.visibility</p:attrName>
-                                        </p:attrNameLst>
-                                      </p:cBhvr>
-                                      <p:to>
-                                        <p:strVal val="visible"/>
-                                      </p:to>
-                                    </p:set>
-                                  </p:childTnLst>
-                                </p:cTn>
-                              </p:par>
-                            </p:childTnLst>
-                          </p:cTn>
-                        </p:par>
-                      </p:childTnLst>
-                    </p:cTn>
-                  </p:par>
-                  <p:par>
-                    <p:cTn id="11" fill="hold">
-                      <p:stCondLst>
-                        <p:cond delay="indefinite"/>
-                      </p:stCondLst>
-                      <p:childTnLst>
-                        <p:par>
-                          <p:cTn id="12" fill="hold">
-                            <p:stCondLst>
-                              <p:cond delay="0"/>
-                            </p:stCondLst>
-                            <p:childTnLst>
-                              <p:par>
-                                <p:cTn id="13" presetID="1" presetClass="entr" presetSubtype="0" fill="hold" grpId="0" nodeType="clickEffect">
-                                  <p:stCondLst>
-                                    <p:cond delay="0"/>
-                                  </p:stCondLst>
-                                  <p:childTnLst>
-                                    <p:set>
-                                      <p:cBhvr>
-                                        <p:cTn id="14" dur="1" fill="hold">
-                                          <p:stCondLst>
-                                            <p:cond delay="0"/>
-                                          </p:stCondLst>
-                                        </p:cTn>
-                                        <p:tgtEl>
-                                          <p:spTgt spid="16"/>
-                                        </p:tgtEl>
-                                        <p:attrNameLst>
-                                          <p:attrName>style.visibility</p:attrName>
-                                        </p:attrNameLst>
-                                      </p:cBhvr>
-                                      <p:to>
-                                        <p:strVal val="visible"/>
-                                      </p:to>
-                                    </p:set>
-                                  </p:childTnLst>
-                                </p:cTn>
-                              </p:par>
-                            </p:childTnLst>
-                          </p:cTn>
-                        </p:par>
-                      </p:childTnLst>
-                    </p:cTn>
-                  </p:par>
-                  <p:par>
-                    <p:cTn id="15" fill="hold">
-                      <p:stCondLst>
-                        <p:cond delay="indefinite"/>
-                      </p:stCondLst>
-                      <p:childTnLst>
-                        <p:par>
-                          <p:cTn id="16" fill="hold">
-                            <p:stCondLst>
-                              <p:cond delay="0"/>
-                            </p:stCondLst>
-                            <p:childTnLst>
-                              <p:par>
-                                <p:cTn id="17" presetID="1" presetClass="entr" presetSubtype="0" fill="hold" grpId="0" nodeType="clickEffect">
-                                  <p:stCondLst>
-                                    <p:cond delay="0"/>
-                                  </p:stCondLst>
-                                  <p:childTnLst>
-                                    <p:set>
-                                      <p:cBhvr>
-                                        <p:cTn id="18" dur="1" fill="hold">
-                                          <p:stCondLst>
-                                            <p:cond delay="0"/>
-                                          </p:stCondLst>
-                                        </p:cTn>
-                                        <p:tgtEl>
-                                          <p:spTgt spid="17"/>
-                                        </p:tgtEl>
-                                        <p:attrNameLst>
-                                          <p:attrName>style.visibility</p:attrName>
-                                        </p:attrNameLst>
-                                      </p:cBhvr>
-                                      <p:to>
-                                        <p:strVal val="visible"/>
-                                      </p:to>
-                                    </p:set>
-                                  </p:childTnLst>
-                                </p:cTn>
-                              </p:par>
-                            </p:childTnLst>
-                          </p:cTn>
-                        </p:par>
-                      </p:childTnLst>
-                    </p:cTn>
-                  </p:par>
-                  <p:par>
-                    <p:cTn id="19" fill="hold">
-                      <p:stCondLst>
-                        <p:cond delay="indefinite"/>
-                      </p:stCondLst>
-                      <p:childTnLst>
-                        <p:par>
-                          <p:cTn id="20" fill="hold">
-                            <p:stCondLst>
-                              <p:cond delay="0"/>
-                            </p:stCondLst>
-                            <p:childTnLst>
-                              <p:par>
-                                <p:cTn id="21" presetID="1" presetClass="entr" presetSubtype="0" fill="hold" grpId="0" nodeType="clickEffect">
-                                  <p:stCondLst>
-                                    <p:cond delay="0"/>
-                                  </p:stCondLst>
-                                  <p:childTnLst>
-                                    <p:set>
-                                      <p:cBhvr>
-                                        <p:cTn id="22" dur="1" fill="hold">
                                           <p:stCondLst>
                                             <p:cond delay="0"/>
                                           </p:stCondLst>
@@ -7403,10 +7047,6 @@
     </p:tnLst>
     <p:bldLst>
       <p:bldP spid="11" grpId="0"/>
-      <p:bldP spid="13" grpId="0" animBg="1"/>
-      <p:bldP spid="14" grpId="0" animBg="1"/>
-      <p:bldP spid="16" grpId="0" animBg="1"/>
-      <p:bldP spid="17" grpId="0" animBg="1"/>
     </p:bldLst>
   </p:timing>
 </p:sld>
@@ -7563,9 +7203,9 @@
         <p:grpSpPr>
           <a:xfrm>
             <a:off x="152400" y="1600200"/>
-            <a:ext cx="1638300" cy="1079500"/>
+            <a:ext cx="1638300" cy="1595284"/>
             <a:chOff x="152400" y="1600200"/>
-            <a:chExt cx="1638300" cy="1079500"/>
+            <a:chExt cx="1638300" cy="1595284"/>
           </a:xfrm>
         </p:grpSpPr>
         <p:sp>
@@ -7637,8 +7277,8 @@
           </p:nvCxnSpPr>
           <p:spPr>
             <a:xfrm flipH="1">
-              <a:off x="156519" y="2222500"/>
-              <a:ext cx="8581" cy="317500"/>
+              <a:off x="152400" y="2222500"/>
+              <a:ext cx="12701" cy="972984"/>
             </a:xfrm>
             <a:prstGeom prst="line">
               <a:avLst/>
@@ -7673,9 +7313,9 @@
           <p:grpSpPr>
             <a:xfrm>
               <a:off x="152400" y="2393950"/>
-              <a:ext cx="1422400" cy="285750"/>
+              <a:ext cx="1549400" cy="565150"/>
               <a:chOff x="1778000" y="3009900"/>
-              <a:chExt cx="1422400" cy="571500"/>
+              <a:chExt cx="1549400" cy="1130300"/>
             </a:xfrm>
             <a:solidFill>
               <a:schemeClr val="accent6">
@@ -7693,7 +7333,7 @@
             <p:spPr>
               <a:xfrm>
                 <a:off x="1844040" y="3009900"/>
-                <a:ext cx="1356360" cy="571500"/>
+                <a:ext cx="1483360" cy="1130300"/>
               </a:xfrm>
               <a:prstGeom prst="snip1Rect">
                 <a:avLst/>
@@ -7730,7 +7370,7 @@
                       <a:schemeClr val="tx1"/>
                     </a:solidFill>
                   </a:rPr>
-                  <a:t>Grundlagen</a:t>
+                  <a:t>Analyse Aufgabe</a:t>
                 </a:r>
                 <a:endParaRPr lang="en-US" sz="1600" dirty="0">
                   <a:solidFill>
@@ -7750,7 +7390,7 @@
             </p:nvCxnSpPr>
             <p:spPr>
               <a:xfrm flipV="1">
-                <a:off x="1778000" y="3295650"/>
+                <a:off x="1778000" y="3575050"/>
                 <a:ext cx="66040" cy="6350"/>
               </a:xfrm>
               <a:prstGeom prst="line">
@@ -8987,6 +8627,123 @@
           </p:txBody>
         </p:sp>
       </p:grpSp>
+      <p:grpSp>
+        <p:nvGrpSpPr>
+          <p:cNvPr id="62" name="Group 61"/>
+          <p:cNvGrpSpPr/>
+          <p:nvPr/>
+        </p:nvGrpSpPr>
+        <p:grpSpPr>
+          <a:xfrm>
+            <a:off x="147488" y="3041650"/>
+            <a:ext cx="1427312" cy="285750"/>
+            <a:chOff x="147488" y="3041650"/>
+            <a:chExt cx="1427312" cy="285750"/>
+          </a:xfrm>
+        </p:grpSpPr>
+        <p:sp>
+          <p:nvSpPr>
+            <p:cNvPr id="43" name="Snip Single Corner Rectangle 42"/>
+            <p:cNvSpPr/>
+            <p:nvPr/>
+          </p:nvSpPr>
+          <p:spPr>
+            <a:xfrm>
+              <a:off x="218440" y="3041650"/>
+              <a:ext cx="1356360" cy="285750"/>
+            </a:xfrm>
+            <a:prstGeom prst="snip1Rect">
+              <a:avLst/>
+            </a:prstGeom>
+            <a:solidFill>
+              <a:schemeClr val="accent6">
+                <a:lumMod val="20000"/>
+                <a:lumOff val="80000"/>
+              </a:schemeClr>
+            </a:solidFill>
+            <a:ln>
+              <a:solidFill>
+                <a:schemeClr val="tx1"/>
+              </a:solidFill>
+            </a:ln>
+          </p:spPr>
+          <p:style>
+            <a:lnRef idx="1">
+              <a:schemeClr val="accent1"/>
+            </a:lnRef>
+            <a:fillRef idx="3">
+              <a:schemeClr val="accent1"/>
+            </a:fillRef>
+            <a:effectRef idx="2">
+              <a:schemeClr val="accent1"/>
+            </a:effectRef>
+            <a:fontRef idx="minor">
+              <a:schemeClr val="lt1"/>
+            </a:fontRef>
+          </p:style>
+          <p:txBody>
+            <a:bodyPr rtlCol="0" anchor="ctr"/>
+            <a:lstStyle/>
+            <a:p>
+              <a:pPr algn="ctr"/>
+              <a:r>
+                <a:rPr lang="de-CH" sz="1600" dirty="0" smtClean="0">
+                  <a:solidFill>
+                    <a:schemeClr val="tx1"/>
+                  </a:solidFill>
+                </a:rPr>
+                <a:t>Grundlagen</a:t>
+              </a:r>
+              <a:endParaRPr lang="en-US" sz="1600" dirty="0">
+                <a:solidFill>
+                  <a:schemeClr val="tx1"/>
+                </a:solidFill>
+              </a:endParaRPr>
+            </a:p>
+          </p:txBody>
+        </p:sp>
+        <p:cxnSp>
+          <p:nvCxnSpPr>
+            <p:cNvPr id="61" name="Straight Connector 60"/>
+            <p:cNvCxnSpPr/>
+            <p:nvPr/>
+          </p:nvCxnSpPr>
+          <p:spPr>
+            <a:xfrm flipV="1">
+              <a:off x="147488" y="3192709"/>
+              <a:ext cx="66040" cy="3175"/>
+            </a:xfrm>
+            <a:prstGeom prst="line">
+              <a:avLst/>
+            </a:prstGeom>
+            <a:solidFill>
+              <a:schemeClr val="accent6">
+                <a:lumMod val="20000"/>
+                <a:lumOff val="80000"/>
+              </a:schemeClr>
+            </a:solidFill>
+            <a:ln w="9525">
+              <a:solidFill>
+                <a:schemeClr val="tx1"/>
+              </a:solidFill>
+            </a:ln>
+          </p:spPr>
+          <p:style>
+            <a:lnRef idx="2">
+              <a:schemeClr val="accent1"/>
+            </a:lnRef>
+            <a:fillRef idx="0">
+              <a:schemeClr val="accent1"/>
+            </a:fillRef>
+            <a:effectRef idx="1">
+              <a:schemeClr val="accent1"/>
+            </a:effectRef>
+            <a:fontRef idx="minor">
+              <a:schemeClr val="tx1"/>
+            </a:fontRef>
+          </p:style>
+        </p:cxnSp>
+      </p:grpSp>
     </p:spTree>
   </p:cSld>
   <p:clrMapOvr>
@@ -9039,6 +8796,33 @@
                                   </p:childTnLst>
                                 </p:cTn>
                               </p:par>
+                              <p:par>
+                                <p:cTn id="7" presetID="1" presetClass="entr" presetSubtype="0" fill="hold" nodeType="withEffect">
+                                  <p:stCondLst>
+                                    <p:cond delay="0"/>
+                                  </p:stCondLst>
+                                  <p:childTnLst>
+                                    <p:set>
+                                      <p:cBhvr>
+                                        <p:cTn id="8" dur="1" fill="hold">
+                                          <p:stCondLst>
+                                            <p:cond delay="0"/>
+                                          </p:stCondLst>
+                                        </p:cTn>
+                                        <p:tgtEl>
+                                          <p:spTgt spid="62"/>
+                                        </p:tgtEl>
+                                        <p:attrNameLst>
+                                          <p:attrName>style.visibility</p:attrName>
+                                        </p:attrNameLst>
+                                      </p:cBhvr>
+                                      <p:to>
+                                        <p:strVal val="visible"/>
+                                      </p:to>
+                                    </p:set>
+                                  </p:childTnLst>
+                                </p:cTn>
+                              </p:par>
                             </p:childTnLst>
                           </p:cTn>
                         </p:par>
@@ -9046,26 +8830,26 @@
                     </p:cTn>
                   </p:par>
                   <p:par>
-                    <p:cTn id="7" fill="hold">
+                    <p:cTn id="9" fill="hold">
                       <p:stCondLst>
                         <p:cond delay="indefinite"/>
                       </p:stCondLst>
                       <p:childTnLst>
                         <p:par>
-                          <p:cTn id="8" fill="hold">
+                          <p:cTn id="10" fill="hold">
                             <p:stCondLst>
                               <p:cond delay="0"/>
                             </p:stCondLst>
                             <p:childTnLst>
                               <p:par>
-                                <p:cTn id="9" presetID="1" presetClass="entr" presetSubtype="0" fill="hold" nodeType="clickEffect">
+                                <p:cTn id="11" presetID="1" presetClass="entr" presetSubtype="0" fill="hold" nodeType="clickEffect">
                                   <p:stCondLst>
                                     <p:cond delay="0"/>
                                   </p:stCondLst>
                                   <p:childTnLst>
                                     <p:set>
                                       <p:cBhvr>
-                                        <p:cTn id="10" dur="1" fill="hold">
+                                        <p:cTn id="12" dur="1" fill="hold">
                                           <p:stCondLst>
                                             <p:cond delay="0"/>
                                           </p:stCondLst>
@@ -9091,26 +8875,26 @@
                     </p:cTn>
                   </p:par>
                   <p:par>
-                    <p:cTn id="11" fill="hold">
+                    <p:cTn id="13" fill="hold">
                       <p:stCondLst>
                         <p:cond delay="indefinite"/>
                       </p:stCondLst>
                       <p:childTnLst>
                         <p:par>
-                          <p:cTn id="12" fill="hold">
+                          <p:cTn id="14" fill="hold">
                             <p:stCondLst>
                               <p:cond delay="0"/>
                             </p:stCondLst>
                             <p:childTnLst>
                               <p:par>
-                                <p:cTn id="13" presetID="1" presetClass="entr" presetSubtype="0" fill="hold" nodeType="clickEffect">
+                                <p:cTn id="15" presetID="1" presetClass="entr" presetSubtype="0" fill="hold" nodeType="clickEffect">
                                   <p:stCondLst>
                                     <p:cond delay="0"/>
                                   </p:stCondLst>
                                   <p:childTnLst>
                                     <p:set>
                                       <p:cBhvr>
-                                        <p:cTn id="14" dur="1" fill="hold">
+                                        <p:cTn id="16" dur="1" fill="hold">
                                           <p:stCondLst>
                                             <p:cond delay="0"/>
                                           </p:stCondLst>
@@ -9136,26 +8920,26 @@
                     </p:cTn>
                   </p:par>
                   <p:par>
-                    <p:cTn id="15" fill="hold">
+                    <p:cTn id="17" fill="hold">
                       <p:stCondLst>
                         <p:cond delay="indefinite"/>
                       </p:stCondLst>
                       <p:childTnLst>
                         <p:par>
-                          <p:cTn id="16" fill="hold">
+                          <p:cTn id="18" fill="hold">
                             <p:stCondLst>
                               <p:cond delay="0"/>
                             </p:stCondLst>
                             <p:childTnLst>
                               <p:par>
-                                <p:cTn id="17" presetID="1" presetClass="entr" presetSubtype="0" fill="hold" nodeType="clickEffect">
+                                <p:cTn id="19" presetID="1" presetClass="entr" presetSubtype="0" fill="hold" nodeType="clickEffect">
                                   <p:stCondLst>
                                     <p:cond delay="0"/>
                                   </p:stCondLst>
                                   <p:childTnLst>
                                     <p:set>
                                       <p:cBhvr>
-                                        <p:cTn id="18" dur="1" fill="hold">
+                                        <p:cTn id="20" dur="1" fill="hold">
                                           <p:stCondLst>
                                             <p:cond delay="0"/>
                                           </p:stCondLst>
@@ -9181,26 +8965,26 @@
                     </p:cTn>
                   </p:par>
                   <p:par>
-                    <p:cTn id="19" fill="hold">
+                    <p:cTn id="21" fill="hold">
                       <p:stCondLst>
                         <p:cond delay="indefinite"/>
                       </p:stCondLst>
                       <p:childTnLst>
                         <p:par>
-                          <p:cTn id="20" fill="hold">
+                          <p:cTn id="22" fill="hold">
                             <p:stCondLst>
                               <p:cond delay="0"/>
                             </p:stCondLst>
                             <p:childTnLst>
                               <p:par>
-                                <p:cTn id="21" presetID="1" presetClass="entr" presetSubtype="0" fill="hold" grpId="0" nodeType="clickEffect">
+                                <p:cTn id="23" presetID="1" presetClass="entr" presetSubtype="0" fill="hold" grpId="0" nodeType="clickEffect">
                                   <p:stCondLst>
                                     <p:cond delay="0"/>
                                   </p:stCondLst>
                                   <p:childTnLst>
                                     <p:set>
                                       <p:cBhvr>
-                                        <p:cTn id="22" dur="1" fill="hold">
+                                        <p:cTn id="24" dur="1" fill="hold">
                                           <p:stCondLst>
                                             <p:cond delay="0"/>
                                           </p:stCondLst>
@@ -10762,7 +10546,7 @@
                       <a:pPr algn="ctr"/>
                       <a:r>
                         <a:rPr lang="de-CH" sz="2000" dirty="0" smtClean="0"/>
-                        <a:t>Titel</a:t>
+                        <a:t>Anforderung*</a:t>
                       </a:r>
                       <a:endParaRPr lang="en-US" sz="2000" dirty="0"/>
                     </a:p>
@@ -13463,6 +13247,36 @@
           </a:p>
         </p:txBody>
       </p:sp>
+      <p:sp>
+        <p:nvSpPr>
+          <p:cNvPr id="32" name="TextBox 31"/>
+          <p:cNvSpPr txBox="1"/>
+          <p:nvPr/>
+        </p:nvSpPr>
+        <p:spPr>
+          <a:xfrm>
+            <a:off x="457199" y="5758726"/>
+            <a:ext cx="6445046" cy="307777"/>
+          </a:xfrm>
+          <a:prstGeom prst="rect">
+            <a:avLst/>
+          </a:prstGeom>
+          <a:noFill/>
+        </p:spPr>
+        <p:txBody>
+          <a:bodyPr wrap="square" rtlCol="0">
+            <a:spAutoFit/>
+          </a:bodyPr>
+          <a:lstStyle/>
+          <a:p>
+            <a:r>
+              <a:rPr lang="de-CH" sz="1400" dirty="0" smtClean="0"/>
+              <a:t>*funktionale Anforderungen und Qualitätsanforderung</a:t>
+            </a:r>
+            <a:endParaRPr lang="en-US" sz="1400" dirty="0"/>
+          </a:p>
+        </p:txBody>
+      </p:sp>
     </p:spTree>
   </p:cSld>
   <p:clrMapOvr>
@@ -16516,7 +16330,7 @@
           <a:p>
             <a:r>
               <a:rPr lang="de-CH" sz="2000" b="1" dirty="0" smtClean="0"/>
-              <a:t>Input (Rohdaten)</a:t>
+              <a:t>Input</a:t>
             </a:r>
             <a:endParaRPr lang="en-US" sz="2000" b="1" dirty="0"/>
           </a:p>
